--- a/docs/COMPONENT-DIAGRAM.pptx
+++ b/docs/COMPONENT-DIAGRAM.pptx
@@ -7,6 +7,8 @@
   <p:sldIdLst>
     <p:sldId id="256" r:id="rId2"/>
     <p:sldId id="258" r:id="rId3"/>
+    <p:sldId id="260" r:id="rId4"/>
+    <p:sldId id="259" r:id="rId5"/>
   </p:sldIdLst>
   <p:sldSz cx="12192000" cy="6858000"/>
   <p:notesSz cx="6858000" cy="9144000"/>
@@ -105,6 +107,11 @@
       </a:defRPr>
     </a:lvl9pPr>
   </p:defaultTextStyle>
+  <p:extLst>
+    <p:ext uri="{EFAFB233-063F-42B5-8137-9DF3F51BA10A}">
+      <p15:sldGuideLst xmlns:p15="http://schemas.microsoft.com/office/powerpoint/2012/main"/>
+    </p:ext>
+  </p:extLst>
 </p:presentation>
 </file>
 
@@ -239,7 +246,7 @@
           <a:p>
             <a:fld id="{28BE630F-C39C-4DB9-8258-0B48CA067079}" type="datetimeFigureOut">
               <a:rPr lang="en-US" smtClean="0"/>
-              <a:t>11/25/2021</a:t>
+              <a:t>11/28/2021</a:t>
             </a:fld>
             <a:endParaRPr lang="en-US"/>
           </a:p>
@@ -409,7 +416,7 @@
           <a:p>
             <a:fld id="{28BE630F-C39C-4DB9-8258-0B48CA067079}" type="datetimeFigureOut">
               <a:rPr lang="en-US" smtClean="0"/>
-              <a:t>11/25/2021</a:t>
+              <a:t>11/28/2021</a:t>
             </a:fld>
             <a:endParaRPr lang="en-US"/>
           </a:p>
@@ -589,7 +596,7 @@
           <a:p>
             <a:fld id="{28BE630F-C39C-4DB9-8258-0B48CA067079}" type="datetimeFigureOut">
               <a:rPr lang="en-US" smtClean="0"/>
-              <a:t>11/25/2021</a:t>
+              <a:t>11/28/2021</a:t>
             </a:fld>
             <a:endParaRPr lang="en-US"/>
           </a:p>
@@ -759,7 +766,7 @@
           <a:p>
             <a:fld id="{28BE630F-C39C-4DB9-8258-0B48CA067079}" type="datetimeFigureOut">
               <a:rPr lang="en-US" smtClean="0"/>
-              <a:t>11/25/2021</a:t>
+              <a:t>11/28/2021</a:t>
             </a:fld>
             <a:endParaRPr lang="en-US"/>
           </a:p>
@@ -1005,7 +1012,7 @@
           <a:p>
             <a:fld id="{28BE630F-C39C-4DB9-8258-0B48CA067079}" type="datetimeFigureOut">
               <a:rPr lang="en-US" smtClean="0"/>
-              <a:t>11/25/2021</a:t>
+              <a:t>11/28/2021</a:t>
             </a:fld>
             <a:endParaRPr lang="en-US"/>
           </a:p>
@@ -1237,7 +1244,7 @@
           <a:p>
             <a:fld id="{28BE630F-C39C-4DB9-8258-0B48CA067079}" type="datetimeFigureOut">
               <a:rPr lang="en-US" smtClean="0"/>
-              <a:t>11/25/2021</a:t>
+              <a:t>11/28/2021</a:t>
             </a:fld>
             <a:endParaRPr lang="en-US"/>
           </a:p>
@@ -1604,7 +1611,7 @@
           <a:p>
             <a:fld id="{28BE630F-C39C-4DB9-8258-0B48CA067079}" type="datetimeFigureOut">
               <a:rPr lang="en-US" smtClean="0"/>
-              <a:t>11/25/2021</a:t>
+              <a:t>11/28/2021</a:t>
             </a:fld>
             <a:endParaRPr lang="en-US"/>
           </a:p>
@@ -1722,7 +1729,7 @@
           <a:p>
             <a:fld id="{28BE630F-C39C-4DB9-8258-0B48CA067079}" type="datetimeFigureOut">
               <a:rPr lang="en-US" smtClean="0"/>
-              <a:t>11/25/2021</a:t>
+              <a:t>11/28/2021</a:t>
             </a:fld>
             <a:endParaRPr lang="en-US"/>
           </a:p>
@@ -1817,7 +1824,7 @@
           <a:p>
             <a:fld id="{28BE630F-C39C-4DB9-8258-0B48CA067079}" type="datetimeFigureOut">
               <a:rPr lang="en-US" smtClean="0"/>
-              <a:t>11/25/2021</a:t>
+              <a:t>11/28/2021</a:t>
             </a:fld>
             <a:endParaRPr lang="en-US"/>
           </a:p>
@@ -2094,7 +2101,7 @@
           <a:p>
             <a:fld id="{28BE630F-C39C-4DB9-8258-0B48CA067079}" type="datetimeFigureOut">
               <a:rPr lang="en-US" smtClean="0"/>
-              <a:t>11/25/2021</a:t>
+              <a:t>11/28/2021</a:t>
             </a:fld>
             <a:endParaRPr lang="en-US"/>
           </a:p>
@@ -2347,7 +2354,7 @@
           <a:p>
             <a:fld id="{28BE630F-C39C-4DB9-8258-0B48CA067079}" type="datetimeFigureOut">
               <a:rPr lang="en-US" smtClean="0"/>
-              <a:t>11/25/2021</a:t>
+              <a:t>11/28/2021</a:t>
             </a:fld>
             <a:endParaRPr lang="en-US"/>
           </a:p>
@@ -2560,7 +2567,7 @@
           <a:p>
             <a:fld id="{28BE630F-C39C-4DB9-8258-0B48CA067079}" type="datetimeFigureOut">
               <a:rPr lang="en-US" smtClean="0"/>
-              <a:t>11/25/2021</a:t>
+              <a:t>11/28/2021</a:t>
             </a:fld>
             <a:endParaRPr lang="en-US"/>
           </a:p>
@@ -4864,6 +4871,126 @@
 </p:sld>
 </file>
 
+<file path=ppt/slides/slide3.xml><?xml version="1.0" encoding="utf-8"?>
+<p:sld xmlns:a="http://schemas.openxmlformats.org/drawingml/2006/main" xmlns:r="http://schemas.openxmlformats.org/officeDocument/2006/relationships" xmlns:p="http://schemas.openxmlformats.org/presentationml/2006/main">
+  <p:cSld>
+    <p:spTree>
+      <p:nvGrpSpPr>
+        <p:cNvPr id="1" name=""/>
+        <p:cNvGrpSpPr/>
+        <p:nvPr/>
+      </p:nvGrpSpPr>
+      <p:grpSpPr>
+        <a:xfrm>
+          <a:off x="0" y="0"/>
+          <a:ext cx="0" cy="0"/>
+          <a:chOff x="0" y="0"/>
+          <a:chExt cx="0" cy="0"/>
+        </a:xfrm>
+      </p:grpSpPr>
+      <p:pic>
+        <p:nvPicPr>
+          <p:cNvPr id="4" name="Picture 3"/>
+          <p:cNvPicPr>
+            <a:picLocks noChangeAspect="1"/>
+          </p:cNvPicPr>
+          <p:nvPr/>
+        </p:nvPicPr>
+        <p:blipFill>
+          <a:blip r:embed="rId2">
+            <a:extLst>
+              <a:ext uri="{28A0092B-C50C-407E-A947-70E740481C1C}">
+                <a14:useLocalDpi xmlns:a14="http://schemas.microsoft.com/office/drawing/2010/main" val="0"/>
+              </a:ext>
+            </a:extLst>
+          </a:blip>
+          <a:stretch>
+            <a:fillRect/>
+          </a:stretch>
+        </p:blipFill>
+        <p:spPr>
+          <a:xfrm>
+            <a:off x="1677352" y="1024129"/>
+            <a:ext cx="8849980" cy="4419790"/>
+          </a:xfrm>
+          <a:prstGeom prst="rect">
+            <a:avLst/>
+          </a:prstGeom>
+        </p:spPr>
+      </p:pic>
+    </p:spTree>
+    <p:extLst>
+      <p:ext uri="{BB962C8B-B14F-4D97-AF65-F5344CB8AC3E}">
+        <p14:creationId xmlns:p14="http://schemas.microsoft.com/office/powerpoint/2010/main" val="1641865479"/>
+      </p:ext>
+    </p:extLst>
+  </p:cSld>
+  <p:clrMapOvr>
+    <a:masterClrMapping/>
+  </p:clrMapOvr>
+</p:sld>
+</file>
+
+<file path=ppt/slides/slide4.xml><?xml version="1.0" encoding="utf-8"?>
+<p:sld xmlns:a="http://schemas.openxmlformats.org/drawingml/2006/main" xmlns:r="http://schemas.openxmlformats.org/officeDocument/2006/relationships" xmlns:p="http://schemas.openxmlformats.org/presentationml/2006/main">
+  <p:cSld>
+    <p:spTree>
+      <p:nvGrpSpPr>
+        <p:cNvPr id="1" name=""/>
+        <p:cNvGrpSpPr/>
+        <p:nvPr/>
+      </p:nvGrpSpPr>
+      <p:grpSpPr>
+        <a:xfrm>
+          <a:off x="0" y="0"/>
+          <a:ext cx="0" cy="0"/>
+          <a:chOff x="0" y="0"/>
+          <a:chExt cx="0" cy="0"/>
+        </a:xfrm>
+      </p:grpSpPr>
+      <p:pic>
+        <p:nvPicPr>
+          <p:cNvPr id="4" name="Picture 3"/>
+          <p:cNvPicPr>
+            <a:picLocks noChangeAspect="1"/>
+          </p:cNvPicPr>
+          <p:nvPr/>
+        </p:nvPicPr>
+        <p:blipFill>
+          <a:blip r:embed="rId2">
+            <a:extLst>
+              <a:ext uri="{28A0092B-C50C-407E-A947-70E740481C1C}">
+                <a14:useLocalDpi xmlns:a14="http://schemas.microsoft.com/office/drawing/2010/main" val="0"/>
+              </a:ext>
+            </a:extLst>
+          </a:blip>
+          <a:stretch>
+            <a:fillRect/>
+          </a:stretch>
+        </p:blipFill>
+        <p:spPr>
+          <a:xfrm>
+            <a:off x="1714500" y="1133475"/>
+            <a:ext cx="8763000" cy="4591050"/>
+          </a:xfrm>
+          <a:prstGeom prst="rect">
+            <a:avLst/>
+          </a:prstGeom>
+        </p:spPr>
+      </p:pic>
+    </p:spTree>
+    <p:extLst>
+      <p:ext uri="{BB962C8B-B14F-4D97-AF65-F5344CB8AC3E}">
+        <p14:creationId xmlns:p14="http://schemas.microsoft.com/office/powerpoint/2010/main" val="1575113284"/>
+      </p:ext>
+    </p:extLst>
+  </p:cSld>
+  <p:clrMapOvr>
+    <a:masterClrMapping/>
+  </p:clrMapOvr>
+</p:sld>
+</file>
+
 <file path=ppt/theme/theme1.xml><?xml version="1.0" encoding="utf-8"?>
 <a:theme xmlns:a="http://schemas.openxmlformats.org/drawingml/2006/main" name="Office Theme">
   <a:themeElements>

--- a/docs/COMPONENT-DIAGRAM.pptx
+++ b/docs/COMPONENT-DIAGRAM.pptx
@@ -7,6 +7,8 @@
   <p:sldIdLst>
     <p:sldId id="256" r:id="rId2"/>
     <p:sldId id="258" r:id="rId3"/>
+    <p:sldId id="259" r:id="rId4"/>
+    <p:sldId id="260" r:id="rId5"/>
   </p:sldIdLst>
   <p:sldSz cx="12192000" cy="6858000"/>
   <p:notesSz cx="6858000" cy="9144000"/>
@@ -105,6 +107,11 @@
       </a:defRPr>
     </a:lvl9pPr>
   </p:defaultTextStyle>
+  <p:extLst>
+    <p:ext uri="{EFAFB233-063F-42B5-8137-9DF3F51BA10A}">
+      <p15:sldGuideLst xmlns:p15="http://schemas.microsoft.com/office/powerpoint/2012/main"/>
+    </p:ext>
+  </p:extLst>
 </p:presentation>
 </file>
 
@@ -150,10 +157,9 @@
           </a:lstStyle>
           <a:p>
             <a:r>
-              <a:rPr lang="en-US" smtClean="0"/>
+              <a:rPr lang="en-US"/>
               <a:t>Click to edit Master title style</a:t>
             </a:r>
-            <a:endParaRPr lang="en-US"/>
           </a:p>
         </p:txBody>
       </p:sp>
@@ -215,10 +221,9 @@
           </a:lstStyle>
           <a:p>
             <a:r>
-              <a:rPr lang="en-US" smtClean="0"/>
+              <a:rPr lang="en-US"/>
               <a:t>Click to edit Master subtitle style</a:t>
             </a:r>
-            <a:endParaRPr lang="en-US"/>
           </a:p>
         </p:txBody>
       </p:sp>
@@ -239,7 +244,7 @@
           <a:p>
             <a:fld id="{28BE630F-C39C-4DB9-8258-0B48CA067079}" type="datetimeFigureOut">
               <a:rPr lang="en-US" smtClean="0"/>
-              <a:t>11/25/2021</a:t>
+              <a:t>11/27/2021</a:t>
             </a:fld>
             <a:endParaRPr lang="en-US"/>
           </a:p>
@@ -333,10 +338,9 @@
           <a:lstStyle/>
           <a:p>
             <a:r>
-              <a:rPr lang="en-US" smtClean="0"/>
+              <a:rPr lang="en-US"/>
               <a:t>Click to edit Master title style</a:t>
             </a:r>
-            <a:endParaRPr lang="en-US"/>
           </a:p>
         </p:txBody>
       </p:sp>
@@ -357,38 +361,37 @@
           <a:p>
             <a:pPr lvl="0"/>
             <a:r>
-              <a:rPr lang="en-US" smtClean="0"/>
+              <a:rPr lang="en-US"/>
               <a:t>Click to edit Master text styles</a:t>
             </a:r>
           </a:p>
           <a:p>
             <a:pPr lvl="1"/>
             <a:r>
-              <a:rPr lang="en-US" smtClean="0"/>
+              <a:rPr lang="en-US"/>
               <a:t>Second level</a:t>
             </a:r>
           </a:p>
           <a:p>
             <a:pPr lvl="2"/>
             <a:r>
-              <a:rPr lang="en-US" smtClean="0"/>
+              <a:rPr lang="en-US"/>
               <a:t>Third level</a:t>
             </a:r>
           </a:p>
           <a:p>
             <a:pPr lvl="3"/>
             <a:r>
-              <a:rPr lang="en-US" smtClean="0"/>
+              <a:rPr lang="en-US"/>
               <a:t>Fourth level</a:t>
             </a:r>
           </a:p>
           <a:p>
             <a:pPr lvl="4"/>
             <a:r>
-              <a:rPr lang="en-US" smtClean="0"/>
+              <a:rPr lang="en-US"/>
               <a:t>Fifth level</a:t>
             </a:r>
-            <a:endParaRPr lang="en-US"/>
           </a:p>
         </p:txBody>
       </p:sp>
@@ -409,7 +412,7 @@
           <a:p>
             <a:fld id="{28BE630F-C39C-4DB9-8258-0B48CA067079}" type="datetimeFigureOut">
               <a:rPr lang="en-US" smtClean="0"/>
-              <a:t>11/25/2021</a:t>
+              <a:t>11/27/2021</a:t>
             </a:fld>
             <a:endParaRPr lang="en-US"/>
           </a:p>
@@ -508,10 +511,9 @@
           <a:lstStyle/>
           <a:p>
             <a:r>
-              <a:rPr lang="en-US" smtClean="0"/>
+              <a:rPr lang="en-US"/>
               <a:t>Click to edit Master title style</a:t>
             </a:r>
-            <a:endParaRPr lang="en-US"/>
           </a:p>
         </p:txBody>
       </p:sp>
@@ -537,38 +539,37 @@
           <a:p>
             <a:pPr lvl="0"/>
             <a:r>
-              <a:rPr lang="en-US" smtClean="0"/>
+              <a:rPr lang="en-US"/>
               <a:t>Click to edit Master text styles</a:t>
             </a:r>
           </a:p>
           <a:p>
             <a:pPr lvl="1"/>
             <a:r>
-              <a:rPr lang="en-US" smtClean="0"/>
+              <a:rPr lang="en-US"/>
               <a:t>Second level</a:t>
             </a:r>
           </a:p>
           <a:p>
             <a:pPr lvl="2"/>
             <a:r>
-              <a:rPr lang="en-US" smtClean="0"/>
+              <a:rPr lang="en-US"/>
               <a:t>Third level</a:t>
             </a:r>
           </a:p>
           <a:p>
             <a:pPr lvl="3"/>
             <a:r>
-              <a:rPr lang="en-US" smtClean="0"/>
+              <a:rPr lang="en-US"/>
               <a:t>Fourth level</a:t>
             </a:r>
           </a:p>
           <a:p>
             <a:pPr lvl="4"/>
             <a:r>
-              <a:rPr lang="en-US" smtClean="0"/>
+              <a:rPr lang="en-US"/>
               <a:t>Fifth level</a:t>
             </a:r>
-            <a:endParaRPr lang="en-US"/>
           </a:p>
         </p:txBody>
       </p:sp>
@@ -589,7 +590,7 @@
           <a:p>
             <a:fld id="{28BE630F-C39C-4DB9-8258-0B48CA067079}" type="datetimeFigureOut">
               <a:rPr lang="en-US" smtClean="0"/>
-              <a:t>11/25/2021</a:t>
+              <a:t>11/27/2021</a:t>
             </a:fld>
             <a:endParaRPr lang="en-US"/>
           </a:p>
@@ -683,10 +684,9 @@
           <a:lstStyle/>
           <a:p>
             <a:r>
-              <a:rPr lang="en-US" smtClean="0"/>
+              <a:rPr lang="en-US"/>
               <a:t>Click to edit Master title style</a:t>
             </a:r>
-            <a:endParaRPr lang="en-US"/>
           </a:p>
         </p:txBody>
       </p:sp>
@@ -707,38 +707,37 @@
           <a:p>
             <a:pPr lvl="0"/>
             <a:r>
-              <a:rPr lang="en-US" smtClean="0"/>
+              <a:rPr lang="en-US"/>
               <a:t>Click to edit Master text styles</a:t>
             </a:r>
           </a:p>
           <a:p>
             <a:pPr lvl="1"/>
             <a:r>
-              <a:rPr lang="en-US" smtClean="0"/>
+              <a:rPr lang="en-US"/>
               <a:t>Second level</a:t>
             </a:r>
           </a:p>
           <a:p>
             <a:pPr lvl="2"/>
             <a:r>
-              <a:rPr lang="en-US" smtClean="0"/>
+              <a:rPr lang="en-US"/>
               <a:t>Third level</a:t>
             </a:r>
           </a:p>
           <a:p>
             <a:pPr lvl="3"/>
             <a:r>
-              <a:rPr lang="en-US" smtClean="0"/>
+              <a:rPr lang="en-US"/>
               <a:t>Fourth level</a:t>
             </a:r>
           </a:p>
           <a:p>
             <a:pPr lvl="4"/>
             <a:r>
-              <a:rPr lang="en-US" smtClean="0"/>
+              <a:rPr lang="en-US"/>
               <a:t>Fifth level</a:t>
             </a:r>
-            <a:endParaRPr lang="en-US"/>
           </a:p>
         </p:txBody>
       </p:sp>
@@ -759,7 +758,7 @@
           <a:p>
             <a:fld id="{28BE630F-C39C-4DB9-8258-0B48CA067079}" type="datetimeFigureOut">
               <a:rPr lang="en-US" smtClean="0"/>
-              <a:t>11/25/2021</a:t>
+              <a:t>11/27/2021</a:t>
             </a:fld>
             <a:endParaRPr lang="en-US"/>
           </a:p>
@@ -862,10 +861,9 @@
           </a:lstStyle>
           <a:p>
             <a:r>
-              <a:rPr lang="en-US" smtClean="0"/>
+              <a:rPr lang="en-US"/>
               <a:t>Click to edit Master title style</a:t>
             </a:r>
-            <a:endParaRPr lang="en-US"/>
           </a:p>
         </p:txBody>
       </p:sp>
@@ -982,7 +980,7 @@
           <a:p>
             <a:pPr lvl="0"/>
             <a:r>
-              <a:rPr lang="en-US" smtClean="0"/>
+              <a:rPr lang="en-US"/>
               <a:t>Click to edit Master text styles</a:t>
             </a:r>
           </a:p>
@@ -1005,7 +1003,7 @@
           <a:p>
             <a:fld id="{28BE630F-C39C-4DB9-8258-0B48CA067079}" type="datetimeFigureOut">
               <a:rPr lang="en-US" smtClean="0"/>
-              <a:t>11/25/2021</a:t>
+              <a:t>11/27/2021</a:t>
             </a:fld>
             <a:endParaRPr lang="en-US"/>
           </a:p>
@@ -1099,10 +1097,9 @@
           <a:lstStyle/>
           <a:p>
             <a:r>
-              <a:rPr lang="en-US" smtClean="0"/>
+              <a:rPr lang="en-US"/>
               <a:t>Click to edit Master title style</a:t>
             </a:r>
-            <a:endParaRPr lang="en-US"/>
           </a:p>
         </p:txBody>
       </p:sp>
@@ -1128,38 +1125,37 @@
           <a:p>
             <a:pPr lvl="0"/>
             <a:r>
-              <a:rPr lang="en-US" smtClean="0"/>
+              <a:rPr lang="en-US"/>
               <a:t>Click to edit Master text styles</a:t>
             </a:r>
           </a:p>
           <a:p>
             <a:pPr lvl="1"/>
             <a:r>
-              <a:rPr lang="en-US" smtClean="0"/>
+              <a:rPr lang="en-US"/>
               <a:t>Second level</a:t>
             </a:r>
           </a:p>
           <a:p>
             <a:pPr lvl="2"/>
             <a:r>
-              <a:rPr lang="en-US" smtClean="0"/>
+              <a:rPr lang="en-US"/>
               <a:t>Third level</a:t>
             </a:r>
           </a:p>
           <a:p>
             <a:pPr lvl="3"/>
             <a:r>
-              <a:rPr lang="en-US" smtClean="0"/>
+              <a:rPr lang="en-US"/>
               <a:t>Fourth level</a:t>
             </a:r>
           </a:p>
           <a:p>
             <a:pPr lvl="4"/>
             <a:r>
-              <a:rPr lang="en-US" smtClean="0"/>
+              <a:rPr lang="en-US"/>
               <a:t>Fifth level</a:t>
             </a:r>
-            <a:endParaRPr lang="en-US"/>
           </a:p>
         </p:txBody>
       </p:sp>
@@ -1185,38 +1181,37 @@
           <a:p>
             <a:pPr lvl="0"/>
             <a:r>
-              <a:rPr lang="en-US" smtClean="0"/>
+              <a:rPr lang="en-US"/>
               <a:t>Click to edit Master text styles</a:t>
             </a:r>
           </a:p>
           <a:p>
             <a:pPr lvl="1"/>
             <a:r>
-              <a:rPr lang="en-US" smtClean="0"/>
+              <a:rPr lang="en-US"/>
               <a:t>Second level</a:t>
             </a:r>
           </a:p>
           <a:p>
             <a:pPr lvl="2"/>
             <a:r>
-              <a:rPr lang="en-US" smtClean="0"/>
+              <a:rPr lang="en-US"/>
               <a:t>Third level</a:t>
             </a:r>
           </a:p>
           <a:p>
             <a:pPr lvl="3"/>
             <a:r>
-              <a:rPr lang="en-US" smtClean="0"/>
+              <a:rPr lang="en-US"/>
               <a:t>Fourth level</a:t>
             </a:r>
           </a:p>
           <a:p>
             <a:pPr lvl="4"/>
             <a:r>
-              <a:rPr lang="en-US" smtClean="0"/>
+              <a:rPr lang="en-US"/>
               <a:t>Fifth level</a:t>
             </a:r>
-            <a:endParaRPr lang="en-US"/>
           </a:p>
         </p:txBody>
       </p:sp>
@@ -1237,7 +1232,7 @@
           <a:p>
             <a:fld id="{28BE630F-C39C-4DB9-8258-0B48CA067079}" type="datetimeFigureOut">
               <a:rPr lang="en-US" smtClean="0"/>
-              <a:t>11/25/2021</a:t>
+              <a:t>11/27/2021</a:t>
             </a:fld>
             <a:endParaRPr lang="en-US"/>
           </a:p>
@@ -1336,10 +1331,9 @@
           <a:lstStyle/>
           <a:p>
             <a:r>
-              <a:rPr lang="en-US" smtClean="0"/>
+              <a:rPr lang="en-US"/>
               <a:t>Click to edit Master title style</a:t>
             </a:r>
-            <a:endParaRPr lang="en-US"/>
           </a:p>
         </p:txBody>
       </p:sp>
@@ -1402,7 +1396,7 @@
           <a:p>
             <a:pPr lvl="0"/>
             <a:r>
-              <a:rPr lang="en-US" smtClean="0"/>
+              <a:rPr lang="en-US"/>
               <a:t>Click to edit Master text styles</a:t>
             </a:r>
           </a:p>
@@ -1430,38 +1424,37 @@
           <a:p>
             <a:pPr lvl="0"/>
             <a:r>
-              <a:rPr lang="en-US" smtClean="0"/>
+              <a:rPr lang="en-US"/>
               <a:t>Click to edit Master text styles</a:t>
             </a:r>
           </a:p>
           <a:p>
             <a:pPr lvl="1"/>
             <a:r>
-              <a:rPr lang="en-US" smtClean="0"/>
+              <a:rPr lang="en-US"/>
               <a:t>Second level</a:t>
             </a:r>
           </a:p>
           <a:p>
             <a:pPr lvl="2"/>
             <a:r>
-              <a:rPr lang="en-US" smtClean="0"/>
+              <a:rPr lang="en-US"/>
               <a:t>Third level</a:t>
             </a:r>
           </a:p>
           <a:p>
             <a:pPr lvl="3"/>
             <a:r>
-              <a:rPr lang="en-US" smtClean="0"/>
+              <a:rPr lang="en-US"/>
               <a:t>Fourth level</a:t>
             </a:r>
           </a:p>
           <a:p>
             <a:pPr lvl="4"/>
             <a:r>
-              <a:rPr lang="en-US" smtClean="0"/>
+              <a:rPr lang="en-US"/>
               <a:t>Fifth level</a:t>
             </a:r>
-            <a:endParaRPr lang="en-US"/>
           </a:p>
         </p:txBody>
       </p:sp>
@@ -1524,7 +1517,7 @@
           <a:p>
             <a:pPr lvl="0"/>
             <a:r>
-              <a:rPr lang="en-US" smtClean="0"/>
+              <a:rPr lang="en-US"/>
               <a:t>Click to edit Master text styles</a:t>
             </a:r>
           </a:p>
@@ -1552,38 +1545,37 @@
           <a:p>
             <a:pPr lvl="0"/>
             <a:r>
-              <a:rPr lang="en-US" smtClean="0"/>
+              <a:rPr lang="en-US"/>
               <a:t>Click to edit Master text styles</a:t>
             </a:r>
           </a:p>
           <a:p>
             <a:pPr lvl="1"/>
             <a:r>
-              <a:rPr lang="en-US" smtClean="0"/>
+              <a:rPr lang="en-US"/>
               <a:t>Second level</a:t>
             </a:r>
           </a:p>
           <a:p>
             <a:pPr lvl="2"/>
             <a:r>
-              <a:rPr lang="en-US" smtClean="0"/>
+              <a:rPr lang="en-US"/>
               <a:t>Third level</a:t>
             </a:r>
           </a:p>
           <a:p>
             <a:pPr lvl="3"/>
             <a:r>
-              <a:rPr lang="en-US" smtClean="0"/>
+              <a:rPr lang="en-US"/>
               <a:t>Fourth level</a:t>
             </a:r>
           </a:p>
           <a:p>
             <a:pPr lvl="4"/>
             <a:r>
-              <a:rPr lang="en-US" smtClean="0"/>
+              <a:rPr lang="en-US"/>
               <a:t>Fifth level</a:t>
             </a:r>
-            <a:endParaRPr lang="en-US"/>
           </a:p>
         </p:txBody>
       </p:sp>
@@ -1604,7 +1596,7 @@
           <a:p>
             <a:fld id="{28BE630F-C39C-4DB9-8258-0B48CA067079}" type="datetimeFigureOut">
               <a:rPr lang="en-US" smtClean="0"/>
-              <a:t>11/25/2021</a:t>
+              <a:t>11/27/2021</a:t>
             </a:fld>
             <a:endParaRPr lang="en-US"/>
           </a:p>
@@ -1698,10 +1690,9 @@
           <a:lstStyle/>
           <a:p>
             <a:r>
-              <a:rPr lang="en-US" smtClean="0"/>
+              <a:rPr lang="en-US"/>
               <a:t>Click to edit Master title style</a:t>
             </a:r>
-            <a:endParaRPr lang="en-US"/>
           </a:p>
         </p:txBody>
       </p:sp>
@@ -1722,7 +1713,7 @@
           <a:p>
             <a:fld id="{28BE630F-C39C-4DB9-8258-0B48CA067079}" type="datetimeFigureOut">
               <a:rPr lang="en-US" smtClean="0"/>
-              <a:t>11/25/2021</a:t>
+              <a:t>11/27/2021</a:t>
             </a:fld>
             <a:endParaRPr lang="en-US"/>
           </a:p>
@@ -1817,7 +1808,7 @@
           <a:p>
             <a:fld id="{28BE630F-C39C-4DB9-8258-0B48CA067079}" type="datetimeFigureOut">
               <a:rPr lang="en-US" smtClean="0"/>
-              <a:t>11/25/2021</a:t>
+              <a:t>11/27/2021</a:t>
             </a:fld>
             <a:endParaRPr lang="en-US"/>
           </a:p>
@@ -1920,10 +1911,9 @@
           </a:lstStyle>
           <a:p>
             <a:r>
-              <a:rPr lang="en-US" smtClean="0"/>
+              <a:rPr lang="en-US"/>
               <a:t>Click to edit Master title style</a:t>
             </a:r>
-            <a:endParaRPr lang="en-US"/>
           </a:p>
         </p:txBody>
       </p:sp>
@@ -1977,38 +1967,37 @@
           <a:p>
             <a:pPr lvl="0"/>
             <a:r>
-              <a:rPr lang="en-US" smtClean="0"/>
+              <a:rPr lang="en-US"/>
               <a:t>Click to edit Master text styles</a:t>
             </a:r>
           </a:p>
           <a:p>
             <a:pPr lvl="1"/>
             <a:r>
-              <a:rPr lang="en-US" smtClean="0"/>
+              <a:rPr lang="en-US"/>
               <a:t>Second level</a:t>
             </a:r>
           </a:p>
           <a:p>
             <a:pPr lvl="2"/>
             <a:r>
-              <a:rPr lang="en-US" smtClean="0"/>
+              <a:rPr lang="en-US"/>
               <a:t>Third level</a:t>
             </a:r>
           </a:p>
           <a:p>
             <a:pPr lvl="3"/>
             <a:r>
-              <a:rPr lang="en-US" smtClean="0"/>
+              <a:rPr lang="en-US"/>
               <a:t>Fourth level</a:t>
             </a:r>
           </a:p>
           <a:p>
             <a:pPr lvl="4"/>
             <a:r>
-              <a:rPr lang="en-US" smtClean="0"/>
+              <a:rPr lang="en-US"/>
               <a:t>Fifth level</a:t>
             </a:r>
-            <a:endParaRPr lang="en-US"/>
           </a:p>
         </p:txBody>
       </p:sp>
@@ -2071,7 +2060,7 @@
           <a:p>
             <a:pPr lvl="0"/>
             <a:r>
-              <a:rPr lang="en-US" smtClean="0"/>
+              <a:rPr lang="en-US"/>
               <a:t>Click to edit Master text styles</a:t>
             </a:r>
           </a:p>
@@ -2094,7 +2083,7 @@
           <a:p>
             <a:fld id="{28BE630F-C39C-4DB9-8258-0B48CA067079}" type="datetimeFigureOut">
               <a:rPr lang="en-US" smtClean="0"/>
-              <a:t>11/25/2021</a:t>
+              <a:t>11/27/2021</a:t>
             </a:fld>
             <a:endParaRPr lang="en-US"/>
           </a:p>
@@ -2197,10 +2186,9 @@
           </a:lstStyle>
           <a:p>
             <a:r>
-              <a:rPr lang="en-US" smtClean="0"/>
+              <a:rPr lang="en-US"/>
               <a:t>Click to edit Master title style</a:t>
             </a:r>
-            <a:endParaRPr lang="en-US"/>
           </a:p>
         </p:txBody>
       </p:sp>
@@ -2324,7 +2312,7 @@
           <a:p>
             <a:pPr lvl="0"/>
             <a:r>
-              <a:rPr lang="en-US" smtClean="0"/>
+              <a:rPr lang="en-US"/>
               <a:t>Click to edit Master text styles</a:t>
             </a:r>
           </a:p>
@@ -2347,7 +2335,7 @@
           <a:p>
             <a:fld id="{28BE630F-C39C-4DB9-8258-0B48CA067079}" type="datetimeFigureOut">
               <a:rPr lang="en-US" smtClean="0"/>
-              <a:t>11/25/2021</a:t>
+              <a:t>11/27/2021</a:t>
             </a:fld>
             <a:endParaRPr lang="en-US"/>
           </a:p>
@@ -2456,10 +2444,9 @@
           <a:lstStyle/>
           <a:p>
             <a:r>
-              <a:rPr lang="en-US" smtClean="0"/>
+              <a:rPr lang="en-US"/>
               <a:t>Click to edit Master title style</a:t>
             </a:r>
-            <a:endParaRPr lang="en-US"/>
           </a:p>
         </p:txBody>
       </p:sp>
@@ -2490,38 +2477,37 @@
           <a:p>
             <a:pPr lvl="0"/>
             <a:r>
-              <a:rPr lang="en-US" smtClean="0"/>
+              <a:rPr lang="en-US"/>
               <a:t>Click to edit Master text styles</a:t>
             </a:r>
           </a:p>
           <a:p>
             <a:pPr lvl="1"/>
             <a:r>
-              <a:rPr lang="en-US" smtClean="0"/>
+              <a:rPr lang="en-US"/>
               <a:t>Second level</a:t>
             </a:r>
           </a:p>
           <a:p>
             <a:pPr lvl="2"/>
             <a:r>
-              <a:rPr lang="en-US" smtClean="0"/>
+              <a:rPr lang="en-US"/>
               <a:t>Third level</a:t>
             </a:r>
           </a:p>
           <a:p>
             <a:pPr lvl="3"/>
             <a:r>
-              <a:rPr lang="en-US" smtClean="0"/>
+              <a:rPr lang="en-US"/>
               <a:t>Fourth level</a:t>
             </a:r>
           </a:p>
           <a:p>
             <a:pPr lvl="4"/>
             <a:r>
-              <a:rPr lang="en-US" smtClean="0"/>
+              <a:rPr lang="en-US"/>
               <a:t>Fifth level</a:t>
             </a:r>
-            <a:endParaRPr lang="en-US"/>
           </a:p>
         </p:txBody>
       </p:sp>
@@ -2560,7 +2546,7 @@
           <a:p>
             <a:fld id="{28BE630F-C39C-4DB9-8258-0B48CA067079}" type="datetimeFigureOut">
               <a:rPr lang="en-US" smtClean="0"/>
-              <a:t>11/25/2021</a:t>
+              <a:t>11/27/2021</a:t>
             </a:fld>
             <a:endParaRPr lang="en-US"/>
           </a:p>
@@ -3323,10 +3309,9 @@
           <a:lstStyle/>
           <a:p>
             <a:r>
-              <a:rPr lang="en-US" sz="1372" dirty="0" smtClean="0"/>
+              <a:rPr lang="en-US" sz="1372" dirty="0"/>
               <a:t>Students[]</a:t>
             </a:r>
-            <a:endParaRPr lang="en-US" sz="1372" dirty="0"/>
           </a:p>
         </p:txBody>
       </p:sp>
@@ -3353,10 +3338,9 @@
           <a:lstStyle/>
           <a:p>
             <a:r>
-              <a:rPr lang="en-US" sz="1372" dirty="0" smtClean="0"/>
+              <a:rPr lang="en-US" sz="1372" dirty="0"/>
               <a:t>// A component with a list of student as data</a:t>
             </a:r>
-            <a:endParaRPr lang="en-US" sz="1372" dirty="0"/>
           </a:p>
         </p:txBody>
       </p:sp>
@@ -3463,10 +3447,9 @@
           <a:lstStyle/>
           <a:p>
             <a:r>
-              <a:rPr lang="en-US" sz="1372" dirty="0" smtClean="0"/>
+              <a:rPr lang="en-US" sz="1372" dirty="0"/>
               <a:t>Students[]</a:t>
             </a:r>
-            <a:endParaRPr lang="en-US" sz="1372" dirty="0"/>
           </a:p>
         </p:txBody>
       </p:sp>
@@ -3493,11 +3476,11 @@
           <a:lstStyle/>
           <a:p>
             <a:r>
-              <a:rPr lang="en-US" sz="1372" dirty="0" smtClean="0"/>
+              <a:rPr lang="en-US" sz="1372" dirty="0"/>
               <a:t>// </a:t>
             </a:r>
             <a:r>
-              <a:rPr lang="en-US" sz="1372" dirty="0" smtClean="0">
+              <a:rPr lang="en-US" sz="1372" dirty="0">
                 <a:solidFill>
                   <a:srgbClr val="FF0000"/>
                 </a:solidFill>
@@ -3505,22 +3488,17 @@
               <a:t>app</a:t>
             </a:r>
             <a:r>
-              <a:rPr lang="en-US" sz="1372" dirty="0" smtClean="0"/>
+              <a:rPr lang="en-US" sz="1372" dirty="0"/>
               <a:t> send student to </a:t>
             </a:r>
             <a:r>
-              <a:rPr lang="en-US" sz="1372" dirty="0" smtClean="0">
+              <a:rPr lang="en-US" sz="1372" dirty="0">
                 <a:solidFill>
                   <a:srgbClr val="FF0000"/>
                 </a:solidFill>
               </a:rPr>
               <a:t>card </a:t>
             </a:r>
-            <a:endParaRPr lang="en-US" sz="1372" dirty="0">
-              <a:solidFill>
-                <a:srgbClr val="FF0000"/>
-              </a:solidFill>
-            </a:endParaRPr>
           </a:p>
         </p:txBody>
       </p:sp>
@@ -3547,18 +3525,13 @@
           <a:lstStyle/>
           <a:p>
             <a:r>
-              <a:rPr lang="en-US" sz="1372" b="1" i="1" dirty="0" smtClean="0">
+              <a:rPr lang="en-US" sz="1372" b="1" i="1" dirty="0">
                 <a:solidFill>
                   <a:srgbClr val="FF0000"/>
                 </a:solidFill>
               </a:rPr>
               <a:t>&lt;parent&gt;</a:t>
             </a:r>
-            <a:endParaRPr lang="en-US" sz="1372" b="1" i="1" dirty="0">
-              <a:solidFill>
-                <a:srgbClr val="FF0000"/>
-              </a:solidFill>
-            </a:endParaRPr>
           </a:p>
         </p:txBody>
       </p:sp>
@@ -3632,10 +3605,9 @@
           <a:lstStyle/>
           <a:p>
             <a:r>
-              <a:rPr lang="en-US" sz="1372" dirty="0" smtClean="0"/>
+              <a:rPr lang="en-US" sz="1372" dirty="0"/>
               <a:t>Students[]</a:t>
             </a:r>
-            <a:endParaRPr lang="en-US" sz="1372" dirty="0"/>
           </a:p>
         </p:txBody>
       </p:sp>
@@ -3662,11 +3634,11 @@
           <a:lstStyle/>
           <a:p>
             <a:r>
-              <a:rPr lang="en-US" sz="1372" dirty="0" smtClean="0"/>
+              <a:rPr lang="en-US" sz="1372" dirty="0"/>
               <a:t>// </a:t>
             </a:r>
             <a:r>
-              <a:rPr lang="en-US" sz="1372" dirty="0" smtClean="0">
+              <a:rPr lang="en-US" sz="1372" dirty="0">
                 <a:solidFill>
                   <a:srgbClr val="FF0000"/>
                 </a:solidFill>
@@ -3674,22 +3646,17 @@
               <a:t>from</a:t>
             </a:r>
             <a:r>
-              <a:rPr lang="en-US" sz="1372" dirty="0" smtClean="0"/>
+              <a:rPr lang="en-US" sz="1372" dirty="0"/>
               <a:t> send the event validated to </a:t>
             </a:r>
             <a:r>
-              <a:rPr lang="en-US" sz="1372" dirty="0" smtClean="0">
+              <a:rPr lang="en-US" sz="1372" dirty="0">
                 <a:solidFill>
                   <a:srgbClr val="FF0000"/>
                 </a:solidFill>
               </a:rPr>
               <a:t>parent</a:t>
             </a:r>
-            <a:endParaRPr lang="en-US" sz="1372" dirty="0">
-              <a:solidFill>
-                <a:srgbClr val="FF0000"/>
-              </a:solidFill>
-            </a:endParaRPr>
           </a:p>
         </p:txBody>
       </p:sp>
@@ -3763,10 +3730,9 @@
           <a:lstStyle/>
           <a:p>
             <a:r>
-              <a:rPr lang="en-US" sz="1372" dirty="0" smtClean="0"/>
+              <a:rPr lang="en-US" sz="1372" dirty="0"/>
               <a:t>Students[]</a:t>
             </a:r>
-            <a:endParaRPr lang="en-US" sz="1372" dirty="0"/>
           </a:p>
         </p:txBody>
       </p:sp>
@@ -3793,18 +3759,13 @@
           <a:lstStyle/>
           <a:p>
             <a:r>
-              <a:rPr lang="en-US" sz="1372" b="1" i="1" dirty="0" smtClean="0">
+              <a:rPr lang="en-US" sz="1372" b="1" i="1" dirty="0">
                 <a:solidFill>
                   <a:srgbClr val="FF0000"/>
                 </a:solidFill>
               </a:rPr>
               <a:t>&lt;from&gt;</a:t>
             </a:r>
-            <a:endParaRPr lang="en-US" sz="1372" b="1" i="1" dirty="0">
-              <a:solidFill>
-                <a:srgbClr val="FF0000"/>
-              </a:solidFill>
-            </a:endParaRPr>
           </a:p>
         </p:txBody>
       </p:sp>
@@ -3878,10 +3839,9 @@
           <a:lstStyle/>
           <a:p>
             <a:r>
-              <a:rPr lang="en-US" sz="1372" dirty="0" smtClean="0"/>
+              <a:rPr lang="en-US" sz="1372" dirty="0"/>
               <a:t>Students[]</a:t>
             </a:r>
-            <a:endParaRPr lang="en-US" sz="1372" dirty="0"/>
           </a:p>
         </p:txBody>
       </p:sp>
@@ -3956,10 +3916,9 @@
           <a:lstStyle/>
           <a:p>
             <a:r>
-              <a:rPr lang="en-US" sz="1372" dirty="0" smtClean="0"/>
+              <a:rPr lang="en-US" sz="1372" dirty="0"/>
               <a:t>student</a:t>
             </a:r>
-            <a:endParaRPr lang="en-US" sz="1372" dirty="0"/>
           </a:p>
         </p:txBody>
       </p:sp>
@@ -3986,18 +3945,13 @@
           <a:lstStyle/>
           <a:p>
             <a:r>
-              <a:rPr lang="en-US" sz="1372" b="1" dirty="0" smtClean="0">
+              <a:rPr lang="en-US" sz="1372" b="1" dirty="0">
                 <a:solidFill>
                   <a:schemeClr val="accent6"/>
                 </a:solidFill>
               </a:rPr>
               <a:t>PROPS</a:t>
             </a:r>
-            <a:endParaRPr lang="en-US" sz="1372" b="1" dirty="0">
-              <a:solidFill>
-                <a:schemeClr val="accent6"/>
-              </a:solidFill>
-            </a:endParaRPr>
           </a:p>
         </p:txBody>
       </p:sp>
@@ -4024,18 +3978,13 @@
           <a:lstStyle/>
           <a:p>
             <a:r>
-              <a:rPr lang="en-US" sz="1372" b="1" i="1" dirty="0" smtClean="0">
+              <a:rPr lang="en-US" sz="1372" b="1" i="1" dirty="0">
                 <a:solidFill>
                   <a:srgbClr val="FF0000"/>
                 </a:solidFill>
               </a:rPr>
               <a:t>&lt;card&gt;</a:t>
             </a:r>
-            <a:endParaRPr lang="en-US" sz="1372" b="1" i="1" dirty="0">
-              <a:solidFill>
-                <a:srgbClr val="FF0000"/>
-              </a:solidFill>
-            </a:endParaRPr>
           </a:p>
         </p:txBody>
       </p:sp>
@@ -4110,7 +4059,7 @@
           <a:lstStyle/>
           <a:p>
             <a:r>
-              <a:rPr lang="en-US" sz="1372" dirty="0" err="1" smtClean="0"/>
+              <a:rPr lang="en-US" sz="1372" dirty="0" err="1"/>
               <a:t>valided</a:t>
             </a:r>
             <a:endParaRPr lang="en-US" sz="1372" dirty="0"/>
@@ -4140,18 +4089,13 @@
           <a:lstStyle/>
           <a:p>
             <a:r>
-              <a:rPr lang="en-US" sz="1372" b="1" dirty="0" smtClean="0">
+              <a:rPr lang="en-US" sz="1372" b="1" dirty="0">
                 <a:solidFill>
                   <a:srgbClr val="FF0000"/>
                 </a:solidFill>
               </a:rPr>
               <a:t>EMIT</a:t>
             </a:r>
-            <a:endParaRPr lang="en-US" sz="1372" b="1" dirty="0">
-              <a:solidFill>
-                <a:srgbClr val="FF0000"/>
-              </a:solidFill>
-            </a:endParaRPr>
           </a:p>
         </p:txBody>
       </p:sp>
@@ -4288,10 +4232,9 @@
           <a:lstStyle/>
           <a:p>
             <a:r>
-              <a:rPr lang="en-US" sz="1372" dirty="0" smtClean="0"/>
+              <a:rPr lang="en-US" sz="1372" dirty="0"/>
               <a:t>Students[]</a:t>
             </a:r>
-            <a:endParaRPr lang="en-US" sz="1372" dirty="0"/>
           </a:p>
         </p:txBody>
       </p:sp>
@@ -4318,11 +4261,11 @@
           <a:lstStyle/>
           <a:p>
             <a:r>
-              <a:rPr lang="en-US" sz="1372" dirty="0" smtClean="0"/>
+              <a:rPr lang="en-US" sz="1372" dirty="0"/>
               <a:t>// </a:t>
             </a:r>
             <a:r>
-              <a:rPr lang="en-US" sz="1372" dirty="0" smtClean="0">
+              <a:rPr lang="en-US" sz="1372" dirty="0">
                 <a:solidFill>
                   <a:srgbClr val="FF0000"/>
                 </a:solidFill>
@@ -4330,7 +4273,7 @@
               <a:t>app</a:t>
             </a:r>
             <a:r>
-              <a:rPr lang="en-US" sz="1372" dirty="0" smtClean="0"/>
+              <a:rPr lang="en-US" sz="1372" dirty="0"/>
               <a:t>  provides students to anymore</a:t>
             </a:r>
             <a:endParaRPr lang="en-US" sz="1372" dirty="0">
@@ -4411,10 +4354,9 @@
           <a:lstStyle/>
           <a:p>
             <a:r>
-              <a:rPr lang="en-US" sz="1372" dirty="0" smtClean="0"/>
+              <a:rPr lang="en-US" sz="1372" dirty="0"/>
               <a:t>Students[]</a:t>
             </a:r>
-            <a:endParaRPr lang="en-US" sz="1372" dirty="0"/>
           </a:p>
         </p:txBody>
       </p:sp>
@@ -4441,18 +4383,13 @@
           <a:lstStyle/>
           <a:p>
             <a:r>
-              <a:rPr lang="en-US" sz="1372" b="1" i="1" dirty="0" smtClean="0">
+              <a:rPr lang="en-US" sz="1372" b="1" i="1" dirty="0">
                 <a:solidFill>
                   <a:srgbClr val="FF0000"/>
                 </a:solidFill>
               </a:rPr>
               <a:t>&lt;dialog&gt;</a:t>
             </a:r>
-            <a:endParaRPr lang="en-US" sz="1372" b="1" i="1" dirty="0">
-              <a:solidFill>
-                <a:srgbClr val="FF0000"/>
-              </a:solidFill>
-            </a:endParaRPr>
           </a:p>
         </p:txBody>
       </p:sp>
@@ -4560,10 +4497,9 @@
           <a:lstStyle/>
           <a:p>
             <a:r>
-              <a:rPr lang="en-US" sz="1372" dirty="0" smtClean="0"/>
+              <a:rPr lang="en-US" sz="1372" dirty="0"/>
               <a:t>Students[]</a:t>
             </a:r>
-            <a:endParaRPr lang="en-US" sz="1372" dirty="0"/>
           </a:p>
         </p:txBody>
       </p:sp>
@@ -4638,18 +4574,13 @@
           <a:lstStyle/>
           <a:p>
             <a:r>
-              <a:rPr lang="en-US" sz="1372" b="1" dirty="0" smtClean="0">
+              <a:rPr lang="en-US" sz="1372" b="1" dirty="0">
                 <a:solidFill>
                   <a:schemeClr val="accent4"/>
                 </a:solidFill>
               </a:rPr>
               <a:t>INJECT</a:t>
             </a:r>
-            <a:endParaRPr lang="en-US" sz="1372" b="1" dirty="0">
-              <a:solidFill>
-                <a:schemeClr val="accent4"/>
-              </a:solidFill>
-            </a:endParaRPr>
           </a:p>
         </p:txBody>
       </p:sp>
@@ -4676,10 +4607,9 @@
           <a:lstStyle/>
           <a:p>
             <a:r>
-              <a:rPr lang="en-US" sz="1372" dirty="0" smtClean="0"/>
+              <a:rPr lang="en-US" sz="1372" dirty="0"/>
               <a:t>Students[]</a:t>
             </a:r>
-            <a:endParaRPr lang="en-US" sz="1372" dirty="0"/>
           </a:p>
         </p:txBody>
       </p:sp>
@@ -4706,11 +4636,11 @@
           <a:lstStyle/>
           <a:p>
             <a:r>
-              <a:rPr lang="en-US" sz="1372" dirty="0" smtClean="0"/>
+              <a:rPr lang="en-US" sz="1372" dirty="0"/>
               <a:t>// </a:t>
             </a:r>
             <a:r>
-              <a:rPr lang="en-US" sz="1372" dirty="0" smtClean="0">
+              <a:rPr lang="en-US" sz="1372" dirty="0">
                 <a:solidFill>
                   <a:srgbClr val="FF0000"/>
                 </a:solidFill>
@@ -4718,7 +4648,7 @@
               <a:t>dialog </a:t>
             </a:r>
             <a:r>
-              <a:rPr lang="en-US" sz="1372" dirty="0" smtClean="0"/>
+              <a:rPr lang="en-US" sz="1372" dirty="0"/>
               <a:t> gets students from a provider</a:t>
             </a:r>
             <a:endParaRPr lang="en-US" sz="1372" dirty="0">
@@ -4832,15 +4762,15 @@
           <a:lstStyle/>
           <a:p>
             <a:r>
-              <a:rPr lang="en-US" sz="1372" dirty="0" smtClean="0"/>
+              <a:rPr lang="en-US" sz="1372" dirty="0"/>
               <a:t>// </a:t>
             </a:r>
             <a:r>
-              <a:rPr lang="en-US" sz="1372" dirty="0" err="1" smtClean="0"/>
+              <a:rPr lang="en-US" sz="1372" dirty="0" err="1"/>
               <a:t>Vue</a:t>
             </a:r>
             <a:r>
-              <a:rPr lang="en-US" sz="1372" dirty="0" smtClean="0"/>
+              <a:rPr lang="en-US" sz="1372" dirty="0"/>
               <a:t> JS built-in component</a:t>
             </a:r>
             <a:endParaRPr lang="en-US" sz="1372" dirty="0">
@@ -4855,6 +4785,1162 @@
     <p:extLst>
       <p:ext uri="{BB962C8B-B14F-4D97-AF65-F5344CB8AC3E}">
         <p14:creationId xmlns:p14="http://schemas.microsoft.com/office/powerpoint/2010/main" val="3109588190"/>
+      </p:ext>
+    </p:extLst>
+  </p:cSld>
+  <p:clrMapOvr>
+    <a:masterClrMapping/>
+  </p:clrMapOvr>
+</p:sld>
+</file>
+
+<file path=ppt/slides/slide3.xml><?xml version="1.0" encoding="utf-8"?>
+<p:sld xmlns:a="http://schemas.openxmlformats.org/drawingml/2006/main" xmlns:r="http://schemas.openxmlformats.org/officeDocument/2006/relationships" xmlns:p="http://schemas.openxmlformats.org/presentationml/2006/main">
+  <p:cSld>
+    <p:spTree>
+      <p:nvGrpSpPr>
+        <p:cNvPr id="1" name=""/>
+        <p:cNvGrpSpPr/>
+        <p:nvPr/>
+      </p:nvGrpSpPr>
+      <p:grpSpPr>
+        <a:xfrm>
+          <a:off x="0" y="0"/>
+          <a:ext cx="0" cy="0"/>
+          <a:chOff x="0" y="0"/>
+          <a:chExt cx="0" cy="0"/>
+        </a:xfrm>
+      </p:grpSpPr>
+      <p:pic>
+        <p:nvPicPr>
+          <p:cNvPr id="5" name="Picture 4">
+            <a:extLst>
+              <a:ext uri="{FF2B5EF4-FFF2-40B4-BE49-F238E27FC236}">
+                <a16:creationId xmlns:a16="http://schemas.microsoft.com/office/drawing/2014/main" id="{DDBDA131-859B-4045-98B8-C24984D3E833}"/>
+              </a:ext>
+            </a:extLst>
+          </p:cNvPr>
+          <p:cNvPicPr>
+            <a:picLocks noChangeAspect="1"/>
+          </p:cNvPicPr>
+          <p:nvPr/>
+        </p:nvPicPr>
+        <p:blipFill>
+          <a:blip r:embed="rId2"/>
+          <a:stretch>
+            <a:fillRect/>
+          </a:stretch>
+        </p:blipFill>
+        <p:spPr>
+          <a:xfrm>
+            <a:off x="48417" y="1075037"/>
+            <a:ext cx="4105275" cy="4352925"/>
+          </a:xfrm>
+          <a:prstGeom prst="rect">
+            <a:avLst/>
+          </a:prstGeom>
+        </p:spPr>
+      </p:pic>
+      <p:sp>
+        <p:nvSpPr>
+          <p:cNvPr id="6" name="TextBox 5">
+            <a:extLst>
+              <a:ext uri="{FF2B5EF4-FFF2-40B4-BE49-F238E27FC236}">
+                <a16:creationId xmlns:a16="http://schemas.microsoft.com/office/drawing/2014/main" id="{4E6DA951-52D3-4641-8B99-665F764A5F3D}"/>
+              </a:ext>
+            </a:extLst>
+          </p:cNvPr>
+          <p:cNvSpPr txBox="1"/>
+          <p:nvPr/>
+        </p:nvSpPr>
+        <p:spPr>
+          <a:xfrm>
+            <a:off x="4324305" y="444843"/>
+            <a:ext cx="4254563" cy="523220"/>
+          </a:xfrm>
+          <a:prstGeom prst="rect">
+            <a:avLst/>
+          </a:prstGeom>
+          <a:noFill/>
+        </p:spPr>
+        <p:txBody>
+          <a:bodyPr wrap="none" rtlCol="0">
+            <a:spAutoFit/>
+          </a:bodyPr>
+          <a:lstStyle/>
+          <a:p>
+            <a:r>
+              <a:rPr lang="en-US" sz="2800" b="1" dirty="0"/>
+              <a:t>Sign in component diagram</a:t>
+            </a:r>
+          </a:p>
+        </p:txBody>
+      </p:sp>
+      <p:sp>
+        <p:nvSpPr>
+          <p:cNvPr id="7" name="TextBox 6">
+            <a:extLst>
+              <a:ext uri="{FF2B5EF4-FFF2-40B4-BE49-F238E27FC236}">
+                <a16:creationId xmlns:a16="http://schemas.microsoft.com/office/drawing/2014/main" id="{CD4EE74C-C319-4DB4-8462-F9C28D6DA816}"/>
+              </a:ext>
+            </a:extLst>
+          </p:cNvPr>
+          <p:cNvSpPr txBox="1"/>
+          <p:nvPr/>
+        </p:nvSpPr>
+        <p:spPr>
+          <a:xfrm>
+            <a:off x="4679019" y="2446975"/>
+            <a:ext cx="1016625" cy="369332"/>
+          </a:xfrm>
+          <a:prstGeom prst="rect">
+            <a:avLst/>
+          </a:prstGeom>
+          <a:noFill/>
+        </p:spPr>
+        <p:txBody>
+          <a:bodyPr wrap="none" rtlCol="0">
+            <a:spAutoFit/>
+          </a:bodyPr>
+          <a:lstStyle/>
+          <a:p>
+            <a:r>
+              <a:rPr lang="en-US" dirty="0"/>
+              <a:t>&lt;sign in&gt;</a:t>
+            </a:r>
+          </a:p>
+        </p:txBody>
+      </p:sp>
+      <p:sp>
+        <p:nvSpPr>
+          <p:cNvPr id="8" name="Rectangle 7">
+            <a:extLst>
+              <a:ext uri="{FF2B5EF4-FFF2-40B4-BE49-F238E27FC236}">
+                <a16:creationId xmlns:a16="http://schemas.microsoft.com/office/drawing/2014/main" id="{A6CD494D-A720-49CA-B182-29E06FB2FD35}"/>
+              </a:ext>
+            </a:extLst>
+          </p:cNvPr>
+          <p:cNvSpPr/>
+          <p:nvPr/>
+        </p:nvSpPr>
+        <p:spPr>
+          <a:xfrm>
+            <a:off x="4569493" y="2420891"/>
+            <a:ext cx="1235676" cy="426308"/>
+          </a:xfrm>
+          <a:prstGeom prst="rect">
+            <a:avLst/>
+          </a:prstGeom>
+          <a:noFill/>
+        </p:spPr>
+        <p:style>
+          <a:lnRef idx="2">
+            <a:schemeClr val="accent1">
+              <a:shade val="50000"/>
+            </a:schemeClr>
+          </a:lnRef>
+          <a:fillRef idx="1">
+            <a:schemeClr val="accent1"/>
+          </a:fillRef>
+          <a:effectRef idx="0">
+            <a:schemeClr val="accent1"/>
+          </a:effectRef>
+          <a:fontRef idx="minor">
+            <a:schemeClr val="lt1"/>
+          </a:fontRef>
+        </p:style>
+        <p:txBody>
+          <a:bodyPr rtlCol="0" anchor="ctr"/>
+          <a:lstStyle/>
+          <a:p>
+            <a:pPr algn="ctr"/>
+            <a:endParaRPr lang="en-US"/>
+          </a:p>
+        </p:txBody>
+      </p:sp>
+      <p:sp>
+        <p:nvSpPr>
+          <p:cNvPr id="10" name="TextBox 9">
+            <a:extLst>
+              <a:ext uri="{FF2B5EF4-FFF2-40B4-BE49-F238E27FC236}">
+                <a16:creationId xmlns:a16="http://schemas.microsoft.com/office/drawing/2014/main" id="{8A0415BF-74CF-476F-AC71-E421BB33179C}"/>
+              </a:ext>
+            </a:extLst>
+          </p:cNvPr>
+          <p:cNvSpPr txBox="1"/>
+          <p:nvPr/>
+        </p:nvSpPr>
+        <p:spPr>
+          <a:xfrm>
+            <a:off x="8837377" y="2226958"/>
+            <a:ext cx="769763" cy="369332"/>
+          </a:xfrm>
+          <a:prstGeom prst="rect">
+            <a:avLst/>
+          </a:prstGeom>
+          <a:noFill/>
+        </p:spPr>
+        <p:txBody>
+          <a:bodyPr wrap="none" rtlCol="0">
+            <a:spAutoFit/>
+          </a:bodyPr>
+          <a:lstStyle/>
+          <a:p>
+            <a:r>
+              <a:rPr lang="en-US" dirty="0"/>
+              <a:t>&lt;app&gt;</a:t>
+            </a:r>
+          </a:p>
+        </p:txBody>
+      </p:sp>
+      <p:sp>
+        <p:nvSpPr>
+          <p:cNvPr id="11" name="Rectangle 10">
+            <a:extLst>
+              <a:ext uri="{FF2B5EF4-FFF2-40B4-BE49-F238E27FC236}">
+                <a16:creationId xmlns:a16="http://schemas.microsoft.com/office/drawing/2014/main" id="{C1C4A490-606B-4B66-AA71-FDBBC0E775C1}"/>
+              </a:ext>
+            </a:extLst>
+          </p:cNvPr>
+          <p:cNvSpPr/>
+          <p:nvPr/>
+        </p:nvSpPr>
+        <p:spPr>
+          <a:xfrm>
+            <a:off x="8604421" y="2200873"/>
+            <a:ext cx="1235676" cy="840259"/>
+          </a:xfrm>
+          <a:prstGeom prst="rect">
+            <a:avLst/>
+          </a:prstGeom>
+          <a:noFill/>
+        </p:spPr>
+        <p:style>
+          <a:lnRef idx="2">
+            <a:schemeClr val="accent1">
+              <a:shade val="50000"/>
+            </a:schemeClr>
+          </a:lnRef>
+          <a:fillRef idx="1">
+            <a:schemeClr val="accent1"/>
+          </a:fillRef>
+          <a:effectRef idx="0">
+            <a:schemeClr val="accent1"/>
+          </a:effectRef>
+          <a:fontRef idx="minor">
+            <a:schemeClr val="lt1"/>
+          </a:fontRef>
+        </p:style>
+        <p:txBody>
+          <a:bodyPr rtlCol="0" anchor="ctr"/>
+          <a:lstStyle/>
+          <a:p>
+            <a:pPr algn="ctr"/>
+            <a:endParaRPr lang="en-US"/>
+          </a:p>
+        </p:txBody>
+      </p:sp>
+      <p:sp>
+        <p:nvSpPr>
+          <p:cNvPr id="12" name="TextBox 11">
+            <a:extLst>
+              <a:ext uri="{FF2B5EF4-FFF2-40B4-BE49-F238E27FC236}">
+                <a16:creationId xmlns:a16="http://schemas.microsoft.com/office/drawing/2014/main" id="{EC6F5AF7-0EBD-4BF7-B52C-F2F0F31657B8}"/>
+              </a:ext>
+            </a:extLst>
+          </p:cNvPr>
+          <p:cNvSpPr txBox="1"/>
+          <p:nvPr/>
+        </p:nvSpPr>
+        <p:spPr>
+          <a:xfrm>
+            <a:off x="8733001" y="2634045"/>
+            <a:ext cx="818686" cy="369332"/>
+          </a:xfrm>
+          <a:prstGeom prst="rect">
+            <a:avLst/>
+          </a:prstGeom>
+          <a:noFill/>
+        </p:spPr>
+        <p:txBody>
+          <a:bodyPr wrap="none" rtlCol="0">
+            <a:spAutoFit/>
+          </a:bodyPr>
+          <a:lstStyle/>
+          <a:p>
+            <a:r>
+              <a:rPr lang="en-US" dirty="0"/>
+              <a:t>users[]</a:t>
+            </a:r>
+          </a:p>
+        </p:txBody>
+      </p:sp>
+      <p:sp>
+        <p:nvSpPr>
+          <p:cNvPr id="13" name="Rectangle: Rounded Corners 12">
+            <a:extLst>
+              <a:ext uri="{FF2B5EF4-FFF2-40B4-BE49-F238E27FC236}">
+                <a16:creationId xmlns:a16="http://schemas.microsoft.com/office/drawing/2014/main" id="{8C08FB83-F969-4CAD-9C5F-5B980C866C15}"/>
+              </a:ext>
+            </a:extLst>
+          </p:cNvPr>
+          <p:cNvSpPr/>
+          <p:nvPr/>
+        </p:nvSpPr>
+        <p:spPr>
+          <a:xfrm>
+            <a:off x="8733001" y="2634045"/>
+            <a:ext cx="1002720" cy="369332"/>
+          </a:xfrm>
+          <a:prstGeom prst="roundRect">
+            <a:avLst/>
+          </a:prstGeom>
+          <a:noFill/>
+        </p:spPr>
+        <p:style>
+          <a:lnRef idx="2">
+            <a:schemeClr val="accent1">
+              <a:shade val="50000"/>
+            </a:schemeClr>
+          </a:lnRef>
+          <a:fillRef idx="1">
+            <a:schemeClr val="accent1"/>
+          </a:fillRef>
+          <a:effectRef idx="0">
+            <a:schemeClr val="accent1"/>
+          </a:effectRef>
+          <a:fontRef idx="minor">
+            <a:schemeClr val="lt1"/>
+          </a:fontRef>
+        </p:style>
+        <p:txBody>
+          <a:bodyPr rtlCol="0" anchor="ctr"/>
+          <a:lstStyle/>
+          <a:p>
+            <a:pPr algn="ctr"/>
+            <a:endParaRPr lang="en-US"/>
+          </a:p>
+        </p:txBody>
+      </p:sp>
+      <p:sp>
+        <p:nvSpPr>
+          <p:cNvPr id="14" name="Arrow: Right 13">
+            <a:extLst>
+              <a:ext uri="{FF2B5EF4-FFF2-40B4-BE49-F238E27FC236}">
+                <a16:creationId xmlns:a16="http://schemas.microsoft.com/office/drawing/2014/main" id="{EDB0849C-398D-4668-A066-A71A7C8C78D2}"/>
+              </a:ext>
+            </a:extLst>
+          </p:cNvPr>
+          <p:cNvSpPr/>
+          <p:nvPr/>
+        </p:nvSpPr>
+        <p:spPr>
+          <a:xfrm>
+            <a:off x="6479528" y="2510130"/>
+            <a:ext cx="1318056" cy="247135"/>
+          </a:xfrm>
+          <a:prstGeom prst="rightArrow">
+            <a:avLst/>
+          </a:prstGeom>
+        </p:spPr>
+        <p:style>
+          <a:lnRef idx="2">
+            <a:schemeClr val="accent1">
+              <a:shade val="50000"/>
+            </a:schemeClr>
+          </a:lnRef>
+          <a:fillRef idx="1">
+            <a:schemeClr val="accent1"/>
+          </a:fillRef>
+          <a:effectRef idx="0">
+            <a:schemeClr val="accent1"/>
+          </a:effectRef>
+          <a:fontRef idx="minor">
+            <a:schemeClr val="lt1"/>
+          </a:fontRef>
+        </p:style>
+        <p:txBody>
+          <a:bodyPr rtlCol="0" anchor="ctr"/>
+          <a:lstStyle/>
+          <a:p>
+            <a:pPr algn="ctr"/>
+            <a:endParaRPr lang="en-US"/>
+          </a:p>
+        </p:txBody>
+      </p:sp>
+      <p:sp>
+        <p:nvSpPr>
+          <p:cNvPr id="15" name="TextBox 14">
+            <a:extLst>
+              <a:ext uri="{FF2B5EF4-FFF2-40B4-BE49-F238E27FC236}">
+                <a16:creationId xmlns:a16="http://schemas.microsoft.com/office/drawing/2014/main" id="{E54BBFB9-0D35-4FF2-A9D8-B66245654C8E}"/>
+              </a:ext>
+            </a:extLst>
+          </p:cNvPr>
+          <p:cNvSpPr txBox="1"/>
+          <p:nvPr/>
+        </p:nvSpPr>
+        <p:spPr>
+          <a:xfrm>
+            <a:off x="6747595" y="2236225"/>
+            <a:ext cx="914400" cy="369332"/>
+          </a:xfrm>
+          <a:prstGeom prst="rect">
+            <a:avLst/>
+          </a:prstGeom>
+          <a:noFill/>
+        </p:spPr>
+        <p:txBody>
+          <a:bodyPr wrap="square" rtlCol="0">
+            <a:spAutoFit/>
+          </a:bodyPr>
+          <a:lstStyle/>
+          <a:p>
+            <a:r>
+              <a:rPr lang="en-US" b="1" dirty="0">
+                <a:solidFill>
+                  <a:srgbClr val="FF0000"/>
+                </a:solidFill>
+              </a:rPr>
+              <a:t>emits</a:t>
+            </a:r>
+          </a:p>
+        </p:txBody>
+      </p:sp>
+      <p:sp>
+        <p:nvSpPr>
+          <p:cNvPr id="16" name="TextBox 15">
+            <a:extLst>
+              <a:ext uri="{FF2B5EF4-FFF2-40B4-BE49-F238E27FC236}">
+                <a16:creationId xmlns:a16="http://schemas.microsoft.com/office/drawing/2014/main" id="{CE792830-D501-4E10-900E-6BD2CB4F5F2E}"/>
+              </a:ext>
+            </a:extLst>
+          </p:cNvPr>
+          <p:cNvSpPr txBox="1"/>
+          <p:nvPr/>
+        </p:nvSpPr>
+        <p:spPr>
+          <a:xfrm>
+            <a:off x="6386833" y="2694796"/>
+            <a:ext cx="1362874" cy="369332"/>
+          </a:xfrm>
+          <a:prstGeom prst="rect">
+            <a:avLst/>
+          </a:prstGeom>
+          <a:noFill/>
+        </p:spPr>
+        <p:txBody>
+          <a:bodyPr wrap="none" rtlCol="0">
+            <a:spAutoFit/>
+          </a:bodyPr>
+          <a:lstStyle/>
+          <a:p>
+            <a:r>
+              <a:rPr lang="en-US" dirty="0"/>
+              <a:t>@userSignin</a:t>
+            </a:r>
+          </a:p>
+        </p:txBody>
+      </p:sp>
+      <p:sp>
+        <p:nvSpPr>
+          <p:cNvPr id="17" name="TextBox 16">
+            <a:extLst>
+              <a:ext uri="{FF2B5EF4-FFF2-40B4-BE49-F238E27FC236}">
+                <a16:creationId xmlns:a16="http://schemas.microsoft.com/office/drawing/2014/main" id="{CC489BD3-6486-435C-A27F-4AB2760A5C95}"/>
+              </a:ext>
+            </a:extLst>
+          </p:cNvPr>
+          <p:cNvSpPr txBox="1"/>
+          <p:nvPr/>
+        </p:nvSpPr>
+        <p:spPr>
+          <a:xfrm>
+            <a:off x="4569493" y="3867531"/>
+            <a:ext cx="6140655" cy="1200329"/>
+          </a:xfrm>
+          <a:prstGeom prst="rect">
+            <a:avLst/>
+          </a:prstGeom>
+          <a:noFill/>
+        </p:spPr>
+        <p:txBody>
+          <a:bodyPr wrap="none" rtlCol="0">
+            <a:spAutoFit/>
+          </a:bodyPr>
+          <a:lstStyle/>
+          <a:p>
+            <a:pPr marL="342900" indent="-342900">
+              <a:buAutoNum type="arabicPeriod"/>
+            </a:pPr>
+            <a:r>
+              <a:rPr lang="en-US" dirty="0"/>
+              <a:t>Check if the username is matched with the existing user.</a:t>
+            </a:r>
+          </a:p>
+          <a:p>
+            <a:pPr marL="342900" indent="-342900">
+              <a:buAutoNum type="arabicPeriod"/>
+            </a:pPr>
+            <a:r>
+              <a:rPr lang="en-US" dirty="0"/>
+              <a:t>Check if the password is matched.</a:t>
+            </a:r>
+          </a:p>
+          <a:p>
+            <a:pPr marL="342900" indent="-342900">
+              <a:buAutoNum type="arabicPeriod"/>
+            </a:pPr>
+            <a:r>
+              <a:rPr lang="en-US" dirty="0"/>
+              <a:t>Unable to sign in if the username and password is incorrect.</a:t>
+            </a:r>
+          </a:p>
+          <a:p>
+            <a:r>
+              <a:rPr lang="en-US" dirty="0"/>
+              <a:t>(display error).</a:t>
+            </a:r>
+          </a:p>
+        </p:txBody>
+      </p:sp>
+      <p:sp>
+        <p:nvSpPr>
+          <p:cNvPr id="18" name="Rectangle: Rounded Corners 17">
+            <a:extLst>
+              <a:ext uri="{FF2B5EF4-FFF2-40B4-BE49-F238E27FC236}">
+                <a16:creationId xmlns:a16="http://schemas.microsoft.com/office/drawing/2014/main" id="{EB821858-8170-439A-BA79-F58988B9C421}"/>
+              </a:ext>
+            </a:extLst>
+          </p:cNvPr>
+          <p:cNvSpPr/>
+          <p:nvPr/>
+        </p:nvSpPr>
+        <p:spPr>
+          <a:xfrm>
+            <a:off x="4411362" y="3731740"/>
+            <a:ext cx="6363730" cy="1433383"/>
+          </a:xfrm>
+          <a:prstGeom prst="roundRect">
+            <a:avLst/>
+          </a:prstGeom>
+          <a:noFill/>
+          <a:ln>
+            <a:solidFill>
+              <a:srgbClr val="FF0000"/>
+            </a:solidFill>
+          </a:ln>
+        </p:spPr>
+        <p:style>
+          <a:lnRef idx="2">
+            <a:schemeClr val="accent1">
+              <a:shade val="50000"/>
+            </a:schemeClr>
+          </a:lnRef>
+          <a:fillRef idx="1">
+            <a:schemeClr val="accent1"/>
+          </a:fillRef>
+          <a:effectRef idx="0">
+            <a:schemeClr val="accent1"/>
+          </a:effectRef>
+          <a:fontRef idx="minor">
+            <a:schemeClr val="lt1"/>
+          </a:fontRef>
+        </p:style>
+        <p:txBody>
+          <a:bodyPr rtlCol="0" anchor="ctr"/>
+          <a:lstStyle/>
+          <a:p>
+            <a:pPr algn="ctr"/>
+            <a:endParaRPr lang="en-US"/>
+          </a:p>
+        </p:txBody>
+      </p:sp>
+    </p:spTree>
+    <p:extLst>
+      <p:ext uri="{BB962C8B-B14F-4D97-AF65-F5344CB8AC3E}">
+        <p14:creationId xmlns:p14="http://schemas.microsoft.com/office/powerpoint/2010/main" val="3486363169"/>
+      </p:ext>
+    </p:extLst>
+  </p:cSld>
+  <p:clrMapOvr>
+    <a:masterClrMapping/>
+  </p:clrMapOvr>
+</p:sld>
+</file>
+
+<file path=ppt/slides/slide4.xml><?xml version="1.0" encoding="utf-8"?>
+<p:sld xmlns:a="http://schemas.openxmlformats.org/drawingml/2006/main" xmlns:r="http://schemas.openxmlformats.org/officeDocument/2006/relationships" xmlns:p="http://schemas.openxmlformats.org/presentationml/2006/main">
+  <p:cSld>
+    <p:spTree>
+      <p:nvGrpSpPr>
+        <p:cNvPr id="1" name=""/>
+        <p:cNvGrpSpPr/>
+        <p:nvPr/>
+      </p:nvGrpSpPr>
+      <p:grpSpPr>
+        <a:xfrm>
+          <a:off x="0" y="0"/>
+          <a:ext cx="0" cy="0"/>
+          <a:chOff x="0" y="0"/>
+          <a:chExt cx="0" cy="0"/>
+        </a:xfrm>
+      </p:grpSpPr>
+      <p:pic>
+        <p:nvPicPr>
+          <p:cNvPr id="5" name="Picture 4">
+            <a:extLst>
+              <a:ext uri="{FF2B5EF4-FFF2-40B4-BE49-F238E27FC236}">
+                <a16:creationId xmlns:a16="http://schemas.microsoft.com/office/drawing/2014/main" id="{DEAE2810-4DB9-4985-88D2-263C5B04F32C}"/>
+              </a:ext>
+            </a:extLst>
+          </p:cNvPr>
+          <p:cNvPicPr>
+            <a:picLocks noChangeAspect="1"/>
+          </p:cNvPicPr>
+          <p:nvPr/>
+        </p:nvPicPr>
+        <p:blipFill>
+          <a:blip r:embed="rId2"/>
+          <a:stretch>
+            <a:fillRect/>
+          </a:stretch>
+        </p:blipFill>
+        <p:spPr>
+          <a:xfrm>
+            <a:off x="465953" y="1378937"/>
+            <a:ext cx="3771900" cy="4371975"/>
+          </a:xfrm>
+          <a:prstGeom prst="rect">
+            <a:avLst/>
+          </a:prstGeom>
+        </p:spPr>
+      </p:pic>
+      <p:sp>
+        <p:nvSpPr>
+          <p:cNvPr id="7" name="TextBox 6">
+            <a:extLst>
+              <a:ext uri="{FF2B5EF4-FFF2-40B4-BE49-F238E27FC236}">
+                <a16:creationId xmlns:a16="http://schemas.microsoft.com/office/drawing/2014/main" id="{30AF3AED-879C-41DA-AAA8-09658FC928A0}"/>
+              </a:ext>
+            </a:extLst>
+          </p:cNvPr>
+          <p:cNvSpPr txBox="1"/>
+          <p:nvPr/>
+        </p:nvSpPr>
+        <p:spPr>
+          <a:xfrm>
+            <a:off x="4237853" y="426993"/>
+            <a:ext cx="6098058" cy="523220"/>
+          </a:xfrm>
+          <a:prstGeom prst="rect">
+            <a:avLst/>
+          </a:prstGeom>
+          <a:noFill/>
+        </p:spPr>
+        <p:txBody>
+          <a:bodyPr wrap="square">
+            <a:spAutoFit/>
+          </a:bodyPr>
+          <a:lstStyle/>
+          <a:p>
+            <a:r>
+              <a:rPr lang="en-US" sz="2800" b="1" dirty="0"/>
+              <a:t>Sign up component diagram</a:t>
+            </a:r>
+          </a:p>
+        </p:txBody>
+      </p:sp>
+      <p:sp>
+        <p:nvSpPr>
+          <p:cNvPr id="8" name="TextBox 7">
+            <a:extLst>
+              <a:ext uri="{FF2B5EF4-FFF2-40B4-BE49-F238E27FC236}">
+                <a16:creationId xmlns:a16="http://schemas.microsoft.com/office/drawing/2014/main" id="{5A8F189D-2098-4AAB-BA09-2528858ACB8D}"/>
+              </a:ext>
+            </a:extLst>
+          </p:cNvPr>
+          <p:cNvSpPr txBox="1"/>
+          <p:nvPr/>
+        </p:nvSpPr>
+        <p:spPr>
+          <a:xfrm>
+            <a:off x="4679019" y="2446975"/>
+            <a:ext cx="1085554" cy="369332"/>
+          </a:xfrm>
+          <a:prstGeom prst="rect">
+            <a:avLst/>
+          </a:prstGeom>
+          <a:noFill/>
+        </p:spPr>
+        <p:txBody>
+          <a:bodyPr wrap="none" rtlCol="0">
+            <a:spAutoFit/>
+          </a:bodyPr>
+          <a:lstStyle/>
+          <a:p>
+            <a:r>
+              <a:rPr lang="en-US" dirty="0"/>
+              <a:t>&lt;sign up&gt;</a:t>
+            </a:r>
+          </a:p>
+        </p:txBody>
+      </p:sp>
+      <p:sp>
+        <p:nvSpPr>
+          <p:cNvPr id="9" name="Rectangle 8">
+            <a:extLst>
+              <a:ext uri="{FF2B5EF4-FFF2-40B4-BE49-F238E27FC236}">
+                <a16:creationId xmlns:a16="http://schemas.microsoft.com/office/drawing/2014/main" id="{02C9A23D-45DB-4C1E-99A0-6ED37E2894E0}"/>
+              </a:ext>
+            </a:extLst>
+          </p:cNvPr>
+          <p:cNvSpPr/>
+          <p:nvPr/>
+        </p:nvSpPr>
+        <p:spPr>
+          <a:xfrm>
+            <a:off x="4569493" y="2420891"/>
+            <a:ext cx="1235676" cy="426308"/>
+          </a:xfrm>
+          <a:prstGeom prst="rect">
+            <a:avLst/>
+          </a:prstGeom>
+          <a:noFill/>
+        </p:spPr>
+        <p:style>
+          <a:lnRef idx="2">
+            <a:schemeClr val="accent1">
+              <a:shade val="50000"/>
+            </a:schemeClr>
+          </a:lnRef>
+          <a:fillRef idx="1">
+            <a:schemeClr val="accent1"/>
+          </a:fillRef>
+          <a:effectRef idx="0">
+            <a:schemeClr val="accent1"/>
+          </a:effectRef>
+          <a:fontRef idx="minor">
+            <a:schemeClr val="lt1"/>
+          </a:fontRef>
+        </p:style>
+        <p:txBody>
+          <a:bodyPr rtlCol="0" anchor="ctr"/>
+          <a:lstStyle/>
+          <a:p>
+            <a:pPr algn="ctr"/>
+            <a:endParaRPr lang="en-US"/>
+          </a:p>
+        </p:txBody>
+      </p:sp>
+      <p:sp>
+        <p:nvSpPr>
+          <p:cNvPr id="10" name="TextBox 9">
+            <a:extLst>
+              <a:ext uri="{FF2B5EF4-FFF2-40B4-BE49-F238E27FC236}">
+                <a16:creationId xmlns:a16="http://schemas.microsoft.com/office/drawing/2014/main" id="{7976CC71-A7BC-40EE-B931-870DF253E1FE}"/>
+              </a:ext>
+            </a:extLst>
+          </p:cNvPr>
+          <p:cNvSpPr txBox="1"/>
+          <p:nvPr/>
+        </p:nvSpPr>
+        <p:spPr>
+          <a:xfrm>
+            <a:off x="8837377" y="2226958"/>
+            <a:ext cx="769763" cy="369332"/>
+          </a:xfrm>
+          <a:prstGeom prst="rect">
+            <a:avLst/>
+          </a:prstGeom>
+          <a:noFill/>
+        </p:spPr>
+        <p:txBody>
+          <a:bodyPr wrap="none" rtlCol="0">
+            <a:spAutoFit/>
+          </a:bodyPr>
+          <a:lstStyle/>
+          <a:p>
+            <a:r>
+              <a:rPr lang="en-US" dirty="0"/>
+              <a:t>&lt;app&gt;</a:t>
+            </a:r>
+          </a:p>
+        </p:txBody>
+      </p:sp>
+      <p:sp>
+        <p:nvSpPr>
+          <p:cNvPr id="11" name="Rectangle 10">
+            <a:extLst>
+              <a:ext uri="{FF2B5EF4-FFF2-40B4-BE49-F238E27FC236}">
+                <a16:creationId xmlns:a16="http://schemas.microsoft.com/office/drawing/2014/main" id="{11BFD27A-53CA-4D9C-8B3B-797607C5E7C8}"/>
+              </a:ext>
+            </a:extLst>
+          </p:cNvPr>
+          <p:cNvSpPr/>
+          <p:nvPr/>
+        </p:nvSpPr>
+        <p:spPr>
+          <a:xfrm>
+            <a:off x="8604421" y="2200873"/>
+            <a:ext cx="1235676" cy="840259"/>
+          </a:xfrm>
+          <a:prstGeom prst="rect">
+            <a:avLst/>
+          </a:prstGeom>
+          <a:noFill/>
+        </p:spPr>
+        <p:style>
+          <a:lnRef idx="2">
+            <a:schemeClr val="accent1">
+              <a:shade val="50000"/>
+            </a:schemeClr>
+          </a:lnRef>
+          <a:fillRef idx="1">
+            <a:schemeClr val="accent1"/>
+          </a:fillRef>
+          <a:effectRef idx="0">
+            <a:schemeClr val="accent1"/>
+          </a:effectRef>
+          <a:fontRef idx="minor">
+            <a:schemeClr val="lt1"/>
+          </a:fontRef>
+        </p:style>
+        <p:txBody>
+          <a:bodyPr rtlCol="0" anchor="ctr"/>
+          <a:lstStyle/>
+          <a:p>
+            <a:pPr algn="ctr"/>
+            <a:endParaRPr lang="en-US"/>
+          </a:p>
+        </p:txBody>
+      </p:sp>
+      <p:sp>
+        <p:nvSpPr>
+          <p:cNvPr id="12" name="TextBox 11">
+            <a:extLst>
+              <a:ext uri="{FF2B5EF4-FFF2-40B4-BE49-F238E27FC236}">
+                <a16:creationId xmlns:a16="http://schemas.microsoft.com/office/drawing/2014/main" id="{B211AF43-277C-4F6C-BE58-1F2E5985C35B}"/>
+              </a:ext>
+            </a:extLst>
+          </p:cNvPr>
+          <p:cNvSpPr txBox="1"/>
+          <p:nvPr/>
+        </p:nvSpPr>
+        <p:spPr>
+          <a:xfrm>
+            <a:off x="8733001" y="2634045"/>
+            <a:ext cx="818686" cy="369332"/>
+          </a:xfrm>
+          <a:prstGeom prst="rect">
+            <a:avLst/>
+          </a:prstGeom>
+          <a:noFill/>
+        </p:spPr>
+        <p:txBody>
+          <a:bodyPr wrap="none" rtlCol="0">
+            <a:spAutoFit/>
+          </a:bodyPr>
+          <a:lstStyle/>
+          <a:p>
+            <a:r>
+              <a:rPr lang="en-US" dirty="0"/>
+              <a:t>users[]</a:t>
+            </a:r>
+          </a:p>
+        </p:txBody>
+      </p:sp>
+      <p:sp>
+        <p:nvSpPr>
+          <p:cNvPr id="13" name="Rectangle: Rounded Corners 12">
+            <a:extLst>
+              <a:ext uri="{FF2B5EF4-FFF2-40B4-BE49-F238E27FC236}">
+                <a16:creationId xmlns:a16="http://schemas.microsoft.com/office/drawing/2014/main" id="{F24B5466-EEE5-4D11-A311-F48757FB1820}"/>
+              </a:ext>
+            </a:extLst>
+          </p:cNvPr>
+          <p:cNvSpPr/>
+          <p:nvPr/>
+        </p:nvSpPr>
+        <p:spPr>
+          <a:xfrm>
+            <a:off x="8733001" y="2634045"/>
+            <a:ext cx="1002720" cy="369332"/>
+          </a:xfrm>
+          <a:prstGeom prst="roundRect">
+            <a:avLst/>
+          </a:prstGeom>
+          <a:noFill/>
+        </p:spPr>
+        <p:style>
+          <a:lnRef idx="2">
+            <a:schemeClr val="accent1">
+              <a:shade val="50000"/>
+            </a:schemeClr>
+          </a:lnRef>
+          <a:fillRef idx="1">
+            <a:schemeClr val="accent1"/>
+          </a:fillRef>
+          <a:effectRef idx="0">
+            <a:schemeClr val="accent1"/>
+          </a:effectRef>
+          <a:fontRef idx="minor">
+            <a:schemeClr val="lt1"/>
+          </a:fontRef>
+        </p:style>
+        <p:txBody>
+          <a:bodyPr rtlCol="0" anchor="ctr"/>
+          <a:lstStyle/>
+          <a:p>
+            <a:pPr algn="ctr"/>
+            <a:endParaRPr lang="en-US"/>
+          </a:p>
+        </p:txBody>
+      </p:sp>
+      <p:sp>
+        <p:nvSpPr>
+          <p:cNvPr id="14" name="Arrow: Right 13">
+            <a:extLst>
+              <a:ext uri="{FF2B5EF4-FFF2-40B4-BE49-F238E27FC236}">
+                <a16:creationId xmlns:a16="http://schemas.microsoft.com/office/drawing/2014/main" id="{1BC6AC31-D93E-4493-8373-CA125EA81413}"/>
+              </a:ext>
+            </a:extLst>
+          </p:cNvPr>
+          <p:cNvSpPr/>
+          <p:nvPr/>
+        </p:nvSpPr>
+        <p:spPr>
+          <a:xfrm>
+            <a:off x="6479528" y="2510130"/>
+            <a:ext cx="1318056" cy="247135"/>
+          </a:xfrm>
+          <a:prstGeom prst="rightArrow">
+            <a:avLst/>
+          </a:prstGeom>
+        </p:spPr>
+        <p:style>
+          <a:lnRef idx="2">
+            <a:schemeClr val="accent1">
+              <a:shade val="50000"/>
+            </a:schemeClr>
+          </a:lnRef>
+          <a:fillRef idx="1">
+            <a:schemeClr val="accent1"/>
+          </a:fillRef>
+          <a:effectRef idx="0">
+            <a:schemeClr val="accent1"/>
+          </a:effectRef>
+          <a:fontRef idx="minor">
+            <a:schemeClr val="lt1"/>
+          </a:fontRef>
+        </p:style>
+        <p:txBody>
+          <a:bodyPr rtlCol="0" anchor="ctr"/>
+          <a:lstStyle/>
+          <a:p>
+            <a:pPr algn="ctr"/>
+            <a:endParaRPr lang="en-US"/>
+          </a:p>
+        </p:txBody>
+      </p:sp>
+      <p:sp>
+        <p:nvSpPr>
+          <p:cNvPr id="15" name="TextBox 14">
+            <a:extLst>
+              <a:ext uri="{FF2B5EF4-FFF2-40B4-BE49-F238E27FC236}">
+                <a16:creationId xmlns:a16="http://schemas.microsoft.com/office/drawing/2014/main" id="{1B4C551F-406D-41E7-BD88-0BE247CB4827}"/>
+              </a:ext>
+            </a:extLst>
+          </p:cNvPr>
+          <p:cNvSpPr txBox="1"/>
+          <p:nvPr/>
+        </p:nvSpPr>
+        <p:spPr>
+          <a:xfrm>
+            <a:off x="6747595" y="2236225"/>
+            <a:ext cx="914400" cy="369332"/>
+          </a:xfrm>
+          <a:prstGeom prst="rect">
+            <a:avLst/>
+          </a:prstGeom>
+          <a:noFill/>
+        </p:spPr>
+        <p:txBody>
+          <a:bodyPr wrap="square" rtlCol="0">
+            <a:spAutoFit/>
+          </a:bodyPr>
+          <a:lstStyle/>
+          <a:p>
+            <a:r>
+              <a:rPr lang="en-US" b="1" dirty="0">
+                <a:solidFill>
+                  <a:srgbClr val="FF0000"/>
+                </a:solidFill>
+              </a:rPr>
+              <a:t>emits</a:t>
+            </a:r>
+          </a:p>
+        </p:txBody>
+      </p:sp>
+      <p:sp>
+        <p:nvSpPr>
+          <p:cNvPr id="16" name="TextBox 15">
+            <a:extLst>
+              <a:ext uri="{FF2B5EF4-FFF2-40B4-BE49-F238E27FC236}">
+                <a16:creationId xmlns:a16="http://schemas.microsoft.com/office/drawing/2014/main" id="{F39ECEAA-8007-406B-99B1-0AC209E7DAC3}"/>
+              </a:ext>
+            </a:extLst>
+          </p:cNvPr>
+          <p:cNvSpPr txBox="1"/>
+          <p:nvPr/>
+        </p:nvSpPr>
+        <p:spPr>
+          <a:xfrm>
+            <a:off x="6386833" y="2694796"/>
+            <a:ext cx="1431802" cy="369332"/>
+          </a:xfrm>
+          <a:prstGeom prst="rect">
+            <a:avLst/>
+          </a:prstGeom>
+          <a:noFill/>
+        </p:spPr>
+        <p:txBody>
+          <a:bodyPr wrap="none" rtlCol="0">
+            <a:spAutoFit/>
+          </a:bodyPr>
+          <a:lstStyle/>
+          <a:p>
+            <a:r>
+              <a:rPr lang="en-US" dirty="0"/>
+              <a:t>@userSignup</a:t>
+            </a:r>
+          </a:p>
+        </p:txBody>
+      </p:sp>
+      <p:sp>
+        <p:nvSpPr>
+          <p:cNvPr id="17" name="TextBox 16">
+            <a:extLst>
+              <a:ext uri="{FF2B5EF4-FFF2-40B4-BE49-F238E27FC236}">
+                <a16:creationId xmlns:a16="http://schemas.microsoft.com/office/drawing/2014/main" id="{E5736823-0393-45E7-B997-A7AF803F2B60}"/>
+              </a:ext>
+            </a:extLst>
+          </p:cNvPr>
+          <p:cNvSpPr txBox="1"/>
+          <p:nvPr/>
+        </p:nvSpPr>
+        <p:spPr>
+          <a:xfrm>
+            <a:off x="4520066" y="3584573"/>
+            <a:ext cx="7003712" cy="1477328"/>
+          </a:xfrm>
+          <a:prstGeom prst="rect">
+            <a:avLst/>
+          </a:prstGeom>
+          <a:noFill/>
+        </p:spPr>
+        <p:txBody>
+          <a:bodyPr wrap="none" rtlCol="0">
+            <a:spAutoFit/>
+          </a:bodyPr>
+          <a:lstStyle/>
+          <a:p>
+            <a:pPr marL="342900" indent="-342900">
+              <a:buAutoNum type="arabicPeriod"/>
+            </a:pPr>
+            <a:r>
+              <a:rPr lang="en-US" dirty="0"/>
+              <a:t>Validation of the form.</a:t>
+            </a:r>
+          </a:p>
+          <a:p>
+            <a:pPr marL="342900" indent="-342900">
+              <a:buAutoNum type="arabicPeriod"/>
+            </a:pPr>
+            <a:r>
+              <a:rPr lang="en-US" dirty="0"/>
+              <a:t>Check if the email is not existed in the database. (unique email)</a:t>
+            </a:r>
+          </a:p>
+          <a:p>
+            <a:pPr marL="342900" indent="-342900">
+              <a:buAutoNum type="arabicPeriod"/>
+            </a:pPr>
+            <a:r>
+              <a:rPr lang="en-US" dirty="0"/>
+              <a:t>Check the if the password and the password confirmation are </a:t>
+            </a:r>
+          </a:p>
+          <a:p>
+            <a:r>
+              <a:rPr lang="en-US" dirty="0"/>
+              <a:t>absolutely the same, if not display error or something.</a:t>
+            </a:r>
+          </a:p>
+          <a:p>
+            <a:r>
+              <a:rPr lang="en-US" dirty="0"/>
+              <a:t>4. If everything is input correctly, then add the new user into the user list.</a:t>
+            </a:r>
+          </a:p>
+        </p:txBody>
+      </p:sp>
+      <p:sp>
+        <p:nvSpPr>
+          <p:cNvPr id="18" name="Rectangle: Rounded Corners 17">
+            <a:extLst>
+              <a:ext uri="{FF2B5EF4-FFF2-40B4-BE49-F238E27FC236}">
+                <a16:creationId xmlns:a16="http://schemas.microsoft.com/office/drawing/2014/main" id="{C1FFC47B-EB1D-42B9-A7E5-B2079FE01E96}"/>
+              </a:ext>
+            </a:extLst>
+          </p:cNvPr>
+          <p:cNvSpPr/>
+          <p:nvPr/>
+        </p:nvSpPr>
+        <p:spPr>
+          <a:xfrm>
+            <a:off x="4361935" y="3448782"/>
+            <a:ext cx="7253416" cy="1815196"/>
+          </a:xfrm>
+          <a:prstGeom prst="roundRect">
+            <a:avLst/>
+          </a:prstGeom>
+          <a:noFill/>
+          <a:ln>
+            <a:solidFill>
+              <a:srgbClr val="FF0000"/>
+            </a:solidFill>
+          </a:ln>
+        </p:spPr>
+        <p:style>
+          <a:lnRef idx="2">
+            <a:schemeClr val="accent1">
+              <a:shade val="50000"/>
+            </a:schemeClr>
+          </a:lnRef>
+          <a:fillRef idx="1">
+            <a:schemeClr val="accent1"/>
+          </a:fillRef>
+          <a:effectRef idx="0">
+            <a:schemeClr val="accent1"/>
+          </a:effectRef>
+          <a:fontRef idx="minor">
+            <a:schemeClr val="lt1"/>
+          </a:fontRef>
+        </p:style>
+        <p:txBody>
+          <a:bodyPr rtlCol="0" anchor="ctr"/>
+          <a:lstStyle/>
+          <a:p>
+            <a:pPr algn="ctr"/>
+            <a:endParaRPr lang="en-US"/>
+          </a:p>
+        </p:txBody>
+      </p:sp>
+    </p:spTree>
+    <p:extLst>
+      <p:ext uri="{BB962C8B-B14F-4D97-AF65-F5344CB8AC3E}">
+        <p14:creationId xmlns:p14="http://schemas.microsoft.com/office/powerpoint/2010/main" val="1357842249"/>
       </p:ext>
     </p:extLst>
   </p:cSld>

--- a/docs/COMPONENT-DIAGRAM.pptx
+++ b/docs/COMPONENT-DIAGRAM.pptx
@@ -7,6 +7,7 @@
   <p:sldIdLst>
     <p:sldId id="256" r:id="rId2"/>
     <p:sldId id="258" r:id="rId3"/>
+    <p:sldId id="259" r:id="rId4"/>
   </p:sldIdLst>
   <p:sldSz cx="12192000" cy="6858000"/>
   <p:notesSz cx="6858000" cy="9144000"/>
@@ -105,6 +106,11 @@
       </a:defRPr>
     </a:lvl9pPr>
   </p:defaultTextStyle>
+  <p:extLst>
+    <p:ext uri="{EFAFB233-063F-42B5-8137-9DF3F51BA10A}">
+      <p15:sldGuideLst xmlns:p15="http://schemas.microsoft.com/office/powerpoint/2012/main"/>
+    </p:ext>
+  </p:extLst>
 </p:presentation>
 </file>
 
@@ -150,10 +156,9 @@
           </a:lstStyle>
           <a:p>
             <a:r>
-              <a:rPr lang="en-US" smtClean="0"/>
+              <a:rPr lang="en-US"/>
               <a:t>Click to edit Master title style</a:t>
             </a:r>
-            <a:endParaRPr lang="en-US"/>
           </a:p>
         </p:txBody>
       </p:sp>
@@ -215,10 +220,9 @@
           </a:lstStyle>
           <a:p>
             <a:r>
-              <a:rPr lang="en-US" smtClean="0"/>
+              <a:rPr lang="en-US"/>
               <a:t>Click to edit Master subtitle style</a:t>
             </a:r>
-            <a:endParaRPr lang="en-US"/>
           </a:p>
         </p:txBody>
       </p:sp>
@@ -239,7 +243,7 @@
           <a:p>
             <a:fld id="{28BE630F-C39C-4DB9-8258-0B48CA067079}" type="datetimeFigureOut">
               <a:rPr lang="en-US" smtClean="0"/>
-              <a:t>11/25/2021</a:t>
+              <a:t>12/2/2021</a:t>
             </a:fld>
             <a:endParaRPr lang="en-US"/>
           </a:p>
@@ -333,10 +337,9 @@
           <a:lstStyle/>
           <a:p>
             <a:r>
-              <a:rPr lang="en-US" smtClean="0"/>
+              <a:rPr lang="en-US"/>
               <a:t>Click to edit Master title style</a:t>
             </a:r>
-            <a:endParaRPr lang="en-US"/>
           </a:p>
         </p:txBody>
       </p:sp>
@@ -357,38 +360,37 @@
           <a:p>
             <a:pPr lvl="0"/>
             <a:r>
-              <a:rPr lang="en-US" smtClean="0"/>
+              <a:rPr lang="en-US"/>
               <a:t>Click to edit Master text styles</a:t>
             </a:r>
           </a:p>
           <a:p>
             <a:pPr lvl="1"/>
             <a:r>
-              <a:rPr lang="en-US" smtClean="0"/>
+              <a:rPr lang="en-US"/>
               <a:t>Second level</a:t>
             </a:r>
           </a:p>
           <a:p>
             <a:pPr lvl="2"/>
             <a:r>
-              <a:rPr lang="en-US" smtClean="0"/>
+              <a:rPr lang="en-US"/>
               <a:t>Third level</a:t>
             </a:r>
           </a:p>
           <a:p>
             <a:pPr lvl="3"/>
             <a:r>
-              <a:rPr lang="en-US" smtClean="0"/>
+              <a:rPr lang="en-US"/>
               <a:t>Fourth level</a:t>
             </a:r>
           </a:p>
           <a:p>
             <a:pPr lvl="4"/>
             <a:r>
-              <a:rPr lang="en-US" smtClean="0"/>
+              <a:rPr lang="en-US"/>
               <a:t>Fifth level</a:t>
             </a:r>
-            <a:endParaRPr lang="en-US"/>
           </a:p>
         </p:txBody>
       </p:sp>
@@ -409,7 +411,7 @@
           <a:p>
             <a:fld id="{28BE630F-C39C-4DB9-8258-0B48CA067079}" type="datetimeFigureOut">
               <a:rPr lang="en-US" smtClean="0"/>
-              <a:t>11/25/2021</a:t>
+              <a:t>12/2/2021</a:t>
             </a:fld>
             <a:endParaRPr lang="en-US"/>
           </a:p>
@@ -508,10 +510,9 @@
           <a:lstStyle/>
           <a:p>
             <a:r>
-              <a:rPr lang="en-US" smtClean="0"/>
+              <a:rPr lang="en-US"/>
               <a:t>Click to edit Master title style</a:t>
             </a:r>
-            <a:endParaRPr lang="en-US"/>
           </a:p>
         </p:txBody>
       </p:sp>
@@ -537,38 +538,37 @@
           <a:p>
             <a:pPr lvl="0"/>
             <a:r>
-              <a:rPr lang="en-US" smtClean="0"/>
+              <a:rPr lang="en-US"/>
               <a:t>Click to edit Master text styles</a:t>
             </a:r>
           </a:p>
           <a:p>
             <a:pPr lvl="1"/>
             <a:r>
-              <a:rPr lang="en-US" smtClean="0"/>
+              <a:rPr lang="en-US"/>
               <a:t>Second level</a:t>
             </a:r>
           </a:p>
           <a:p>
             <a:pPr lvl="2"/>
             <a:r>
-              <a:rPr lang="en-US" smtClean="0"/>
+              <a:rPr lang="en-US"/>
               <a:t>Third level</a:t>
             </a:r>
           </a:p>
           <a:p>
             <a:pPr lvl="3"/>
             <a:r>
-              <a:rPr lang="en-US" smtClean="0"/>
+              <a:rPr lang="en-US"/>
               <a:t>Fourth level</a:t>
             </a:r>
           </a:p>
           <a:p>
             <a:pPr lvl="4"/>
             <a:r>
-              <a:rPr lang="en-US" smtClean="0"/>
+              <a:rPr lang="en-US"/>
               <a:t>Fifth level</a:t>
             </a:r>
-            <a:endParaRPr lang="en-US"/>
           </a:p>
         </p:txBody>
       </p:sp>
@@ -589,7 +589,7 @@
           <a:p>
             <a:fld id="{28BE630F-C39C-4DB9-8258-0B48CA067079}" type="datetimeFigureOut">
               <a:rPr lang="en-US" smtClean="0"/>
-              <a:t>11/25/2021</a:t>
+              <a:t>12/2/2021</a:t>
             </a:fld>
             <a:endParaRPr lang="en-US"/>
           </a:p>
@@ -683,10 +683,9 @@
           <a:lstStyle/>
           <a:p>
             <a:r>
-              <a:rPr lang="en-US" smtClean="0"/>
+              <a:rPr lang="en-US"/>
               <a:t>Click to edit Master title style</a:t>
             </a:r>
-            <a:endParaRPr lang="en-US"/>
           </a:p>
         </p:txBody>
       </p:sp>
@@ -707,38 +706,37 @@
           <a:p>
             <a:pPr lvl="0"/>
             <a:r>
-              <a:rPr lang="en-US" smtClean="0"/>
+              <a:rPr lang="en-US"/>
               <a:t>Click to edit Master text styles</a:t>
             </a:r>
           </a:p>
           <a:p>
             <a:pPr lvl="1"/>
             <a:r>
-              <a:rPr lang="en-US" smtClean="0"/>
+              <a:rPr lang="en-US"/>
               <a:t>Second level</a:t>
             </a:r>
           </a:p>
           <a:p>
             <a:pPr lvl="2"/>
             <a:r>
-              <a:rPr lang="en-US" smtClean="0"/>
+              <a:rPr lang="en-US"/>
               <a:t>Third level</a:t>
             </a:r>
           </a:p>
           <a:p>
             <a:pPr lvl="3"/>
             <a:r>
-              <a:rPr lang="en-US" smtClean="0"/>
+              <a:rPr lang="en-US"/>
               <a:t>Fourth level</a:t>
             </a:r>
           </a:p>
           <a:p>
             <a:pPr lvl="4"/>
             <a:r>
-              <a:rPr lang="en-US" smtClean="0"/>
+              <a:rPr lang="en-US"/>
               <a:t>Fifth level</a:t>
             </a:r>
-            <a:endParaRPr lang="en-US"/>
           </a:p>
         </p:txBody>
       </p:sp>
@@ -759,7 +757,7 @@
           <a:p>
             <a:fld id="{28BE630F-C39C-4DB9-8258-0B48CA067079}" type="datetimeFigureOut">
               <a:rPr lang="en-US" smtClean="0"/>
-              <a:t>11/25/2021</a:t>
+              <a:t>12/2/2021</a:t>
             </a:fld>
             <a:endParaRPr lang="en-US"/>
           </a:p>
@@ -862,10 +860,9 @@
           </a:lstStyle>
           <a:p>
             <a:r>
-              <a:rPr lang="en-US" smtClean="0"/>
+              <a:rPr lang="en-US"/>
               <a:t>Click to edit Master title style</a:t>
             </a:r>
-            <a:endParaRPr lang="en-US"/>
           </a:p>
         </p:txBody>
       </p:sp>
@@ -982,7 +979,7 @@
           <a:p>
             <a:pPr lvl="0"/>
             <a:r>
-              <a:rPr lang="en-US" smtClean="0"/>
+              <a:rPr lang="en-US"/>
               <a:t>Click to edit Master text styles</a:t>
             </a:r>
           </a:p>
@@ -1005,7 +1002,7 @@
           <a:p>
             <a:fld id="{28BE630F-C39C-4DB9-8258-0B48CA067079}" type="datetimeFigureOut">
               <a:rPr lang="en-US" smtClean="0"/>
-              <a:t>11/25/2021</a:t>
+              <a:t>12/2/2021</a:t>
             </a:fld>
             <a:endParaRPr lang="en-US"/>
           </a:p>
@@ -1099,10 +1096,9 @@
           <a:lstStyle/>
           <a:p>
             <a:r>
-              <a:rPr lang="en-US" smtClean="0"/>
+              <a:rPr lang="en-US"/>
               <a:t>Click to edit Master title style</a:t>
             </a:r>
-            <a:endParaRPr lang="en-US"/>
           </a:p>
         </p:txBody>
       </p:sp>
@@ -1128,38 +1124,37 @@
           <a:p>
             <a:pPr lvl="0"/>
             <a:r>
-              <a:rPr lang="en-US" smtClean="0"/>
+              <a:rPr lang="en-US"/>
               <a:t>Click to edit Master text styles</a:t>
             </a:r>
           </a:p>
           <a:p>
             <a:pPr lvl="1"/>
             <a:r>
-              <a:rPr lang="en-US" smtClean="0"/>
+              <a:rPr lang="en-US"/>
               <a:t>Second level</a:t>
             </a:r>
           </a:p>
           <a:p>
             <a:pPr lvl="2"/>
             <a:r>
-              <a:rPr lang="en-US" smtClean="0"/>
+              <a:rPr lang="en-US"/>
               <a:t>Third level</a:t>
             </a:r>
           </a:p>
           <a:p>
             <a:pPr lvl="3"/>
             <a:r>
-              <a:rPr lang="en-US" smtClean="0"/>
+              <a:rPr lang="en-US"/>
               <a:t>Fourth level</a:t>
             </a:r>
           </a:p>
           <a:p>
             <a:pPr lvl="4"/>
             <a:r>
-              <a:rPr lang="en-US" smtClean="0"/>
+              <a:rPr lang="en-US"/>
               <a:t>Fifth level</a:t>
             </a:r>
-            <a:endParaRPr lang="en-US"/>
           </a:p>
         </p:txBody>
       </p:sp>
@@ -1185,38 +1180,37 @@
           <a:p>
             <a:pPr lvl="0"/>
             <a:r>
-              <a:rPr lang="en-US" smtClean="0"/>
+              <a:rPr lang="en-US"/>
               <a:t>Click to edit Master text styles</a:t>
             </a:r>
           </a:p>
           <a:p>
             <a:pPr lvl="1"/>
             <a:r>
-              <a:rPr lang="en-US" smtClean="0"/>
+              <a:rPr lang="en-US"/>
               <a:t>Second level</a:t>
             </a:r>
           </a:p>
           <a:p>
             <a:pPr lvl="2"/>
             <a:r>
-              <a:rPr lang="en-US" smtClean="0"/>
+              <a:rPr lang="en-US"/>
               <a:t>Third level</a:t>
             </a:r>
           </a:p>
           <a:p>
             <a:pPr lvl="3"/>
             <a:r>
-              <a:rPr lang="en-US" smtClean="0"/>
+              <a:rPr lang="en-US"/>
               <a:t>Fourth level</a:t>
             </a:r>
           </a:p>
           <a:p>
             <a:pPr lvl="4"/>
             <a:r>
-              <a:rPr lang="en-US" smtClean="0"/>
+              <a:rPr lang="en-US"/>
               <a:t>Fifth level</a:t>
             </a:r>
-            <a:endParaRPr lang="en-US"/>
           </a:p>
         </p:txBody>
       </p:sp>
@@ -1237,7 +1231,7 @@
           <a:p>
             <a:fld id="{28BE630F-C39C-4DB9-8258-0B48CA067079}" type="datetimeFigureOut">
               <a:rPr lang="en-US" smtClean="0"/>
-              <a:t>11/25/2021</a:t>
+              <a:t>12/2/2021</a:t>
             </a:fld>
             <a:endParaRPr lang="en-US"/>
           </a:p>
@@ -1336,10 +1330,9 @@
           <a:lstStyle/>
           <a:p>
             <a:r>
-              <a:rPr lang="en-US" smtClean="0"/>
+              <a:rPr lang="en-US"/>
               <a:t>Click to edit Master title style</a:t>
             </a:r>
-            <a:endParaRPr lang="en-US"/>
           </a:p>
         </p:txBody>
       </p:sp>
@@ -1402,7 +1395,7 @@
           <a:p>
             <a:pPr lvl="0"/>
             <a:r>
-              <a:rPr lang="en-US" smtClean="0"/>
+              <a:rPr lang="en-US"/>
               <a:t>Click to edit Master text styles</a:t>
             </a:r>
           </a:p>
@@ -1430,38 +1423,37 @@
           <a:p>
             <a:pPr lvl="0"/>
             <a:r>
-              <a:rPr lang="en-US" smtClean="0"/>
+              <a:rPr lang="en-US"/>
               <a:t>Click to edit Master text styles</a:t>
             </a:r>
           </a:p>
           <a:p>
             <a:pPr lvl="1"/>
             <a:r>
-              <a:rPr lang="en-US" smtClean="0"/>
+              <a:rPr lang="en-US"/>
               <a:t>Second level</a:t>
             </a:r>
           </a:p>
           <a:p>
             <a:pPr lvl="2"/>
             <a:r>
-              <a:rPr lang="en-US" smtClean="0"/>
+              <a:rPr lang="en-US"/>
               <a:t>Third level</a:t>
             </a:r>
           </a:p>
           <a:p>
             <a:pPr lvl="3"/>
             <a:r>
-              <a:rPr lang="en-US" smtClean="0"/>
+              <a:rPr lang="en-US"/>
               <a:t>Fourth level</a:t>
             </a:r>
           </a:p>
           <a:p>
             <a:pPr lvl="4"/>
             <a:r>
-              <a:rPr lang="en-US" smtClean="0"/>
+              <a:rPr lang="en-US"/>
               <a:t>Fifth level</a:t>
             </a:r>
-            <a:endParaRPr lang="en-US"/>
           </a:p>
         </p:txBody>
       </p:sp>
@@ -1524,7 +1516,7 @@
           <a:p>
             <a:pPr lvl="0"/>
             <a:r>
-              <a:rPr lang="en-US" smtClean="0"/>
+              <a:rPr lang="en-US"/>
               <a:t>Click to edit Master text styles</a:t>
             </a:r>
           </a:p>
@@ -1552,38 +1544,37 @@
           <a:p>
             <a:pPr lvl="0"/>
             <a:r>
-              <a:rPr lang="en-US" smtClean="0"/>
+              <a:rPr lang="en-US"/>
               <a:t>Click to edit Master text styles</a:t>
             </a:r>
           </a:p>
           <a:p>
             <a:pPr lvl="1"/>
             <a:r>
-              <a:rPr lang="en-US" smtClean="0"/>
+              <a:rPr lang="en-US"/>
               <a:t>Second level</a:t>
             </a:r>
           </a:p>
           <a:p>
             <a:pPr lvl="2"/>
             <a:r>
-              <a:rPr lang="en-US" smtClean="0"/>
+              <a:rPr lang="en-US"/>
               <a:t>Third level</a:t>
             </a:r>
           </a:p>
           <a:p>
             <a:pPr lvl="3"/>
             <a:r>
-              <a:rPr lang="en-US" smtClean="0"/>
+              <a:rPr lang="en-US"/>
               <a:t>Fourth level</a:t>
             </a:r>
           </a:p>
           <a:p>
             <a:pPr lvl="4"/>
             <a:r>
-              <a:rPr lang="en-US" smtClean="0"/>
+              <a:rPr lang="en-US"/>
               <a:t>Fifth level</a:t>
             </a:r>
-            <a:endParaRPr lang="en-US"/>
           </a:p>
         </p:txBody>
       </p:sp>
@@ -1604,7 +1595,7 @@
           <a:p>
             <a:fld id="{28BE630F-C39C-4DB9-8258-0B48CA067079}" type="datetimeFigureOut">
               <a:rPr lang="en-US" smtClean="0"/>
-              <a:t>11/25/2021</a:t>
+              <a:t>12/2/2021</a:t>
             </a:fld>
             <a:endParaRPr lang="en-US"/>
           </a:p>
@@ -1698,10 +1689,9 @@
           <a:lstStyle/>
           <a:p>
             <a:r>
-              <a:rPr lang="en-US" smtClean="0"/>
+              <a:rPr lang="en-US"/>
               <a:t>Click to edit Master title style</a:t>
             </a:r>
-            <a:endParaRPr lang="en-US"/>
           </a:p>
         </p:txBody>
       </p:sp>
@@ -1722,7 +1712,7 @@
           <a:p>
             <a:fld id="{28BE630F-C39C-4DB9-8258-0B48CA067079}" type="datetimeFigureOut">
               <a:rPr lang="en-US" smtClean="0"/>
-              <a:t>11/25/2021</a:t>
+              <a:t>12/2/2021</a:t>
             </a:fld>
             <a:endParaRPr lang="en-US"/>
           </a:p>
@@ -1817,7 +1807,7 @@
           <a:p>
             <a:fld id="{28BE630F-C39C-4DB9-8258-0B48CA067079}" type="datetimeFigureOut">
               <a:rPr lang="en-US" smtClean="0"/>
-              <a:t>11/25/2021</a:t>
+              <a:t>12/2/2021</a:t>
             </a:fld>
             <a:endParaRPr lang="en-US"/>
           </a:p>
@@ -1920,10 +1910,9 @@
           </a:lstStyle>
           <a:p>
             <a:r>
-              <a:rPr lang="en-US" smtClean="0"/>
+              <a:rPr lang="en-US"/>
               <a:t>Click to edit Master title style</a:t>
             </a:r>
-            <a:endParaRPr lang="en-US"/>
           </a:p>
         </p:txBody>
       </p:sp>
@@ -1977,38 +1966,37 @@
           <a:p>
             <a:pPr lvl="0"/>
             <a:r>
-              <a:rPr lang="en-US" smtClean="0"/>
+              <a:rPr lang="en-US"/>
               <a:t>Click to edit Master text styles</a:t>
             </a:r>
           </a:p>
           <a:p>
             <a:pPr lvl="1"/>
             <a:r>
-              <a:rPr lang="en-US" smtClean="0"/>
+              <a:rPr lang="en-US"/>
               <a:t>Second level</a:t>
             </a:r>
           </a:p>
           <a:p>
             <a:pPr lvl="2"/>
             <a:r>
-              <a:rPr lang="en-US" smtClean="0"/>
+              <a:rPr lang="en-US"/>
               <a:t>Third level</a:t>
             </a:r>
           </a:p>
           <a:p>
             <a:pPr lvl="3"/>
             <a:r>
-              <a:rPr lang="en-US" smtClean="0"/>
+              <a:rPr lang="en-US"/>
               <a:t>Fourth level</a:t>
             </a:r>
           </a:p>
           <a:p>
             <a:pPr lvl="4"/>
             <a:r>
-              <a:rPr lang="en-US" smtClean="0"/>
+              <a:rPr lang="en-US"/>
               <a:t>Fifth level</a:t>
             </a:r>
-            <a:endParaRPr lang="en-US"/>
           </a:p>
         </p:txBody>
       </p:sp>
@@ -2071,7 +2059,7 @@
           <a:p>
             <a:pPr lvl="0"/>
             <a:r>
-              <a:rPr lang="en-US" smtClean="0"/>
+              <a:rPr lang="en-US"/>
               <a:t>Click to edit Master text styles</a:t>
             </a:r>
           </a:p>
@@ -2094,7 +2082,7 @@
           <a:p>
             <a:fld id="{28BE630F-C39C-4DB9-8258-0B48CA067079}" type="datetimeFigureOut">
               <a:rPr lang="en-US" smtClean="0"/>
-              <a:t>11/25/2021</a:t>
+              <a:t>12/2/2021</a:t>
             </a:fld>
             <a:endParaRPr lang="en-US"/>
           </a:p>
@@ -2197,10 +2185,9 @@
           </a:lstStyle>
           <a:p>
             <a:r>
-              <a:rPr lang="en-US" smtClean="0"/>
+              <a:rPr lang="en-US"/>
               <a:t>Click to edit Master title style</a:t>
             </a:r>
-            <a:endParaRPr lang="en-US"/>
           </a:p>
         </p:txBody>
       </p:sp>
@@ -2324,7 +2311,7 @@
           <a:p>
             <a:pPr lvl="0"/>
             <a:r>
-              <a:rPr lang="en-US" smtClean="0"/>
+              <a:rPr lang="en-US"/>
               <a:t>Click to edit Master text styles</a:t>
             </a:r>
           </a:p>
@@ -2347,7 +2334,7 @@
           <a:p>
             <a:fld id="{28BE630F-C39C-4DB9-8258-0B48CA067079}" type="datetimeFigureOut">
               <a:rPr lang="en-US" smtClean="0"/>
-              <a:t>11/25/2021</a:t>
+              <a:t>12/2/2021</a:t>
             </a:fld>
             <a:endParaRPr lang="en-US"/>
           </a:p>
@@ -2456,10 +2443,9 @@
           <a:lstStyle/>
           <a:p>
             <a:r>
-              <a:rPr lang="en-US" smtClean="0"/>
+              <a:rPr lang="en-US"/>
               <a:t>Click to edit Master title style</a:t>
             </a:r>
-            <a:endParaRPr lang="en-US"/>
           </a:p>
         </p:txBody>
       </p:sp>
@@ -2490,38 +2476,37 @@
           <a:p>
             <a:pPr lvl="0"/>
             <a:r>
-              <a:rPr lang="en-US" smtClean="0"/>
+              <a:rPr lang="en-US"/>
               <a:t>Click to edit Master text styles</a:t>
             </a:r>
           </a:p>
           <a:p>
             <a:pPr lvl="1"/>
             <a:r>
-              <a:rPr lang="en-US" smtClean="0"/>
+              <a:rPr lang="en-US"/>
               <a:t>Second level</a:t>
             </a:r>
           </a:p>
           <a:p>
             <a:pPr lvl="2"/>
             <a:r>
-              <a:rPr lang="en-US" smtClean="0"/>
+              <a:rPr lang="en-US"/>
               <a:t>Third level</a:t>
             </a:r>
           </a:p>
           <a:p>
             <a:pPr lvl="3"/>
             <a:r>
-              <a:rPr lang="en-US" smtClean="0"/>
+              <a:rPr lang="en-US"/>
               <a:t>Fourth level</a:t>
             </a:r>
           </a:p>
           <a:p>
             <a:pPr lvl="4"/>
             <a:r>
-              <a:rPr lang="en-US" smtClean="0"/>
+              <a:rPr lang="en-US"/>
               <a:t>Fifth level</a:t>
             </a:r>
-            <a:endParaRPr lang="en-US"/>
           </a:p>
         </p:txBody>
       </p:sp>
@@ -2560,7 +2545,7 @@
           <a:p>
             <a:fld id="{28BE630F-C39C-4DB9-8258-0B48CA067079}" type="datetimeFigureOut">
               <a:rPr lang="en-US" smtClean="0"/>
-              <a:t>11/25/2021</a:t>
+              <a:t>12/2/2021</a:t>
             </a:fld>
             <a:endParaRPr lang="en-US"/>
           </a:p>
@@ -3323,10 +3308,9 @@
           <a:lstStyle/>
           <a:p>
             <a:r>
-              <a:rPr lang="en-US" sz="1372" dirty="0" smtClean="0"/>
+              <a:rPr lang="en-US" sz="1372" dirty="0"/>
               <a:t>Students[]</a:t>
             </a:r>
-            <a:endParaRPr lang="en-US" sz="1372" dirty="0"/>
           </a:p>
         </p:txBody>
       </p:sp>
@@ -3353,10 +3337,9 @@
           <a:lstStyle/>
           <a:p>
             <a:r>
-              <a:rPr lang="en-US" sz="1372" dirty="0" smtClean="0"/>
+              <a:rPr lang="en-US" sz="1372" dirty="0"/>
               <a:t>// A component with a list of student as data</a:t>
             </a:r>
-            <a:endParaRPr lang="en-US" sz="1372" dirty="0"/>
           </a:p>
         </p:txBody>
       </p:sp>
@@ -3463,10 +3446,9 @@
           <a:lstStyle/>
           <a:p>
             <a:r>
-              <a:rPr lang="en-US" sz="1372" dirty="0" smtClean="0"/>
+              <a:rPr lang="en-US" sz="1372" dirty="0"/>
               <a:t>Students[]</a:t>
             </a:r>
-            <a:endParaRPr lang="en-US" sz="1372" dirty="0"/>
           </a:p>
         </p:txBody>
       </p:sp>
@@ -3493,11 +3475,11 @@
           <a:lstStyle/>
           <a:p>
             <a:r>
-              <a:rPr lang="en-US" sz="1372" dirty="0" smtClean="0"/>
+              <a:rPr lang="en-US" sz="1372" dirty="0"/>
               <a:t>// </a:t>
             </a:r>
             <a:r>
-              <a:rPr lang="en-US" sz="1372" dirty="0" smtClean="0">
+              <a:rPr lang="en-US" sz="1372" dirty="0">
                 <a:solidFill>
                   <a:srgbClr val="FF0000"/>
                 </a:solidFill>
@@ -3505,22 +3487,17 @@
               <a:t>app</a:t>
             </a:r>
             <a:r>
-              <a:rPr lang="en-US" sz="1372" dirty="0" smtClean="0"/>
+              <a:rPr lang="en-US" sz="1372" dirty="0"/>
               <a:t> send student to </a:t>
             </a:r>
             <a:r>
-              <a:rPr lang="en-US" sz="1372" dirty="0" smtClean="0">
+              <a:rPr lang="en-US" sz="1372" dirty="0">
                 <a:solidFill>
                   <a:srgbClr val="FF0000"/>
                 </a:solidFill>
               </a:rPr>
               <a:t>card </a:t>
             </a:r>
-            <a:endParaRPr lang="en-US" sz="1372" dirty="0">
-              <a:solidFill>
-                <a:srgbClr val="FF0000"/>
-              </a:solidFill>
-            </a:endParaRPr>
           </a:p>
         </p:txBody>
       </p:sp>
@@ -3547,18 +3524,13 @@
           <a:lstStyle/>
           <a:p>
             <a:r>
-              <a:rPr lang="en-US" sz="1372" b="1" i="1" dirty="0" smtClean="0">
+              <a:rPr lang="en-US" sz="1372" b="1" i="1" dirty="0">
                 <a:solidFill>
                   <a:srgbClr val="FF0000"/>
                 </a:solidFill>
               </a:rPr>
               <a:t>&lt;parent&gt;</a:t>
             </a:r>
-            <a:endParaRPr lang="en-US" sz="1372" b="1" i="1" dirty="0">
-              <a:solidFill>
-                <a:srgbClr val="FF0000"/>
-              </a:solidFill>
-            </a:endParaRPr>
           </a:p>
         </p:txBody>
       </p:sp>
@@ -3632,10 +3604,9 @@
           <a:lstStyle/>
           <a:p>
             <a:r>
-              <a:rPr lang="en-US" sz="1372" dirty="0" smtClean="0"/>
+              <a:rPr lang="en-US" sz="1372" dirty="0"/>
               <a:t>Students[]</a:t>
             </a:r>
-            <a:endParaRPr lang="en-US" sz="1372" dirty="0"/>
           </a:p>
         </p:txBody>
       </p:sp>
@@ -3662,11 +3633,11 @@
           <a:lstStyle/>
           <a:p>
             <a:r>
-              <a:rPr lang="en-US" sz="1372" dirty="0" smtClean="0"/>
+              <a:rPr lang="en-US" sz="1372" dirty="0"/>
               <a:t>// </a:t>
             </a:r>
             <a:r>
-              <a:rPr lang="en-US" sz="1372" dirty="0" smtClean="0">
+              <a:rPr lang="en-US" sz="1372" dirty="0">
                 <a:solidFill>
                   <a:srgbClr val="FF0000"/>
                 </a:solidFill>
@@ -3674,22 +3645,17 @@
               <a:t>from</a:t>
             </a:r>
             <a:r>
-              <a:rPr lang="en-US" sz="1372" dirty="0" smtClean="0"/>
+              <a:rPr lang="en-US" sz="1372" dirty="0"/>
               <a:t> send the event validated to </a:t>
             </a:r>
             <a:r>
-              <a:rPr lang="en-US" sz="1372" dirty="0" smtClean="0">
+              <a:rPr lang="en-US" sz="1372" dirty="0">
                 <a:solidFill>
                   <a:srgbClr val="FF0000"/>
                 </a:solidFill>
               </a:rPr>
               <a:t>parent</a:t>
             </a:r>
-            <a:endParaRPr lang="en-US" sz="1372" dirty="0">
-              <a:solidFill>
-                <a:srgbClr val="FF0000"/>
-              </a:solidFill>
-            </a:endParaRPr>
           </a:p>
         </p:txBody>
       </p:sp>
@@ -3763,10 +3729,9 @@
           <a:lstStyle/>
           <a:p>
             <a:r>
-              <a:rPr lang="en-US" sz="1372" dirty="0" smtClean="0"/>
+              <a:rPr lang="en-US" sz="1372" dirty="0"/>
               <a:t>Students[]</a:t>
             </a:r>
-            <a:endParaRPr lang="en-US" sz="1372" dirty="0"/>
           </a:p>
         </p:txBody>
       </p:sp>
@@ -3793,18 +3758,13 @@
           <a:lstStyle/>
           <a:p>
             <a:r>
-              <a:rPr lang="en-US" sz="1372" b="1" i="1" dirty="0" smtClean="0">
+              <a:rPr lang="en-US" sz="1372" b="1" i="1" dirty="0">
                 <a:solidFill>
                   <a:srgbClr val="FF0000"/>
                 </a:solidFill>
               </a:rPr>
               <a:t>&lt;from&gt;</a:t>
             </a:r>
-            <a:endParaRPr lang="en-US" sz="1372" b="1" i="1" dirty="0">
-              <a:solidFill>
-                <a:srgbClr val="FF0000"/>
-              </a:solidFill>
-            </a:endParaRPr>
           </a:p>
         </p:txBody>
       </p:sp>
@@ -3878,10 +3838,9 @@
           <a:lstStyle/>
           <a:p>
             <a:r>
-              <a:rPr lang="en-US" sz="1372" dirty="0" smtClean="0"/>
+              <a:rPr lang="en-US" sz="1372" dirty="0"/>
               <a:t>Students[]</a:t>
             </a:r>
-            <a:endParaRPr lang="en-US" sz="1372" dirty="0"/>
           </a:p>
         </p:txBody>
       </p:sp>
@@ -3956,10 +3915,9 @@
           <a:lstStyle/>
           <a:p>
             <a:r>
-              <a:rPr lang="en-US" sz="1372" dirty="0" smtClean="0"/>
+              <a:rPr lang="en-US" sz="1372" dirty="0"/>
               <a:t>student</a:t>
             </a:r>
-            <a:endParaRPr lang="en-US" sz="1372" dirty="0"/>
           </a:p>
         </p:txBody>
       </p:sp>
@@ -3986,18 +3944,13 @@
           <a:lstStyle/>
           <a:p>
             <a:r>
-              <a:rPr lang="en-US" sz="1372" b="1" dirty="0" smtClean="0">
+              <a:rPr lang="en-US" sz="1372" b="1" dirty="0">
                 <a:solidFill>
                   <a:schemeClr val="accent6"/>
                 </a:solidFill>
               </a:rPr>
               <a:t>PROPS</a:t>
             </a:r>
-            <a:endParaRPr lang="en-US" sz="1372" b="1" dirty="0">
-              <a:solidFill>
-                <a:schemeClr val="accent6"/>
-              </a:solidFill>
-            </a:endParaRPr>
           </a:p>
         </p:txBody>
       </p:sp>
@@ -4024,18 +3977,13 @@
           <a:lstStyle/>
           <a:p>
             <a:r>
-              <a:rPr lang="en-US" sz="1372" b="1" i="1" dirty="0" smtClean="0">
+              <a:rPr lang="en-US" sz="1372" b="1" i="1" dirty="0">
                 <a:solidFill>
                   <a:srgbClr val="FF0000"/>
                 </a:solidFill>
               </a:rPr>
               <a:t>&lt;card&gt;</a:t>
             </a:r>
-            <a:endParaRPr lang="en-US" sz="1372" b="1" i="1" dirty="0">
-              <a:solidFill>
-                <a:srgbClr val="FF0000"/>
-              </a:solidFill>
-            </a:endParaRPr>
           </a:p>
         </p:txBody>
       </p:sp>
@@ -4110,7 +4058,7 @@
           <a:lstStyle/>
           <a:p>
             <a:r>
-              <a:rPr lang="en-US" sz="1372" dirty="0" err="1" smtClean="0"/>
+              <a:rPr lang="en-US" sz="1372" dirty="0" err="1"/>
               <a:t>valided</a:t>
             </a:r>
             <a:endParaRPr lang="en-US" sz="1372" dirty="0"/>
@@ -4140,18 +4088,13 @@
           <a:lstStyle/>
           <a:p>
             <a:r>
-              <a:rPr lang="en-US" sz="1372" b="1" dirty="0" smtClean="0">
+              <a:rPr lang="en-US" sz="1372" b="1" dirty="0">
                 <a:solidFill>
                   <a:srgbClr val="FF0000"/>
                 </a:solidFill>
               </a:rPr>
               <a:t>EMIT</a:t>
             </a:r>
-            <a:endParaRPr lang="en-US" sz="1372" b="1" dirty="0">
-              <a:solidFill>
-                <a:srgbClr val="FF0000"/>
-              </a:solidFill>
-            </a:endParaRPr>
           </a:p>
         </p:txBody>
       </p:sp>
@@ -4288,10 +4231,9 @@
           <a:lstStyle/>
           <a:p>
             <a:r>
-              <a:rPr lang="en-US" sz="1372" dirty="0" smtClean="0"/>
+              <a:rPr lang="en-US" sz="1372" dirty="0"/>
               <a:t>Students[]</a:t>
             </a:r>
-            <a:endParaRPr lang="en-US" sz="1372" dirty="0"/>
           </a:p>
         </p:txBody>
       </p:sp>
@@ -4318,11 +4260,11 @@
           <a:lstStyle/>
           <a:p>
             <a:r>
-              <a:rPr lang="en-US" sz="1372" dirty="0" smtClean="0"/>
+              <a:rPr lang="en-US" sz="1372" dirty="0"/>
               <a:t>// </a:t>
             </a:r>
             <a:r>
-              <a:rPr lang="en-US" sz="1372" dirty="0" smtClean="0">
+              <a:rPr lang="en-US" sz="1372" dirty="0">
                 <a:solidFill>
                   <a:srgbClr val="FF0000"/>
                 </a:solidFill>
@@ -4330,7 +4272,7 @@
               <a:t>app</a:t>
             </a:r>
             <a:r>
-              <a:rPr lang="en-US" sz="1372" dirty="0" smtClean="0"/>
+              <a:rPr lang="en-US" sz="1372" dirty="0"/>
               <a:t>  provides students to anymore</a:t>
             </a:r>
             <a:endParaRPr lang="en-US" sz="1372" dirty="0">
@@ -4411,10 +4353,9 @@
           <a:lstStyle/>
           <a:p>
             <a:r>
-              <a:rPr lang="en-US" sz="1372" dirty="0" smtClean="0"/>
+              <a:rPr lang="en-US" sz="1372" dirty="0"/>
               <a:t>Students[]</a:t>
             </a:r>
-            <a:endParaRPr lang="en-US" sz="1372" dirty="0"/>
           </a:p>
         </p:txBody>
       </p:sp>
@@ -4441,18 +4382,13 @@
           <a:lstStyle/>
           <a:p>
             <a:r>
-              <a:rPr lang="en-US" sz="1372" b="1" i="1" dirty="0" smtClean="0">
+              <a:rPr lang="en-US" sz="1372" b="1" i="1" dirty="0">
                 <a:solidFill>
                   <a:srgbClr val="FF0000"/>
                 </a:solidFill>
               </a:rPr>
               <a:t>&lt;dialog&gt;</a:t>
             </a:r>
-            <a:endParaRPr lang="en-US" sz="1372" b="1" i="1" dirty="0">
-              <a:solidFill>
-                <a:srgbClr val="FF0000"/>
-              </a:solidFill>
-            </a:endParaRPr>
           </a:p>
         </p:txBody>
       </p:sp>
@@ -4560,10 +4496,9 @@
           <a:lstStyle/>
           <a:p>
             <a:r>
-              <a:rPr lang="en-US" sz="1372" dirty="0" smtClean="0"/>
+              <a:rPr lang="en-US" sz="1372" dirty="0"/>
               <a:t>Students[]</a:t>
             </a:r>
-            <a:endParaRPr lang="en-US" sz="1372" dirty="0"/>
           </a:p>
         </p:txBody>
       </p:sp>
@@ -4638,18 +4573,13 @@
           <a:lstStyle/>
           <a:p>
             <a:r>
-              <a:rPr lang="en-US" sz="1372" b="1" dirty="0" smtClean="0">
+              <a:rPr lang="en-US" sz="1372" b="1" dirty="0">
                 <a:solidFill>
                   <a:schemeClr val="accent4"/>
                 </a:solidFill>
               </a:rPr>
               <a:t>INJECT</a:t>
             </a:r>
-            <a:endParaRPr lang="en-US" sz="1372" b="1" dirty="0">
-              <a:solidFill>
-                <a:schemeClr val="accent4"/>
-              </a:solidFill>
-            </a:endParaRPr>
           </a:p>
         </p:txBody>
       </p:sp>
@@ -4676,10 +4606,9 @@
           <a:lstStyle/>
           <a:p>
             <a:r>
-              <a:rPr lang="en-US" sz="1372" dirty="0" smtClean="0"/>
+              <a:rPr lang="en-US" sz="1372" dirty="0"/>
               <a:t>Students[]</a:t>
             </a:r>
-            <a:endParaRPr lang="en-US" sz="1372" dirty="0"/>
           </a:p>
         </p:txBody>
       </p:sp>
@@ -4706,11 +4635,11 @@
           <a:lstStyle/>
           <a:p>
             <a:r>
-              <a:rPr lang="en-US" sz="1372" dirty="0" smtClean="0"/>
+              <a:rPr lang="en-US" sz="1372" dirty="0"/>
               <a:t>// </a:t>
             </a:r>
             <a:r>
-              <a:rPr lang="en-US" sz="1372" dirty="0" smtClean="0">
+              <a:rPr lang="en-US" sz="1372" dirty="0">
                 <a:solidFill>
                   <a:srgbClr val="FF0000"/>
                 </a:solidFill>
@@ -4718,7 +4647,7 @@
               <a:t>dialog </a:t>
             </a:r>
             <a:r>
-              <a:rPr lang="en-US" sz="1372" dirty="0" smtClean="0"/>
+              <a:rPr lang="en-US" sz="1372" dirty="0"/>
               <a:t> gets students from a provider</a:t>
             </a:r>
             <a:endParaRPr lang="en-US" sz="1372" dirty="0">
@@ -4832,15 +4761,15 @@
           <a:lstStyle/>
           <a:p>
             <a:r>
-              <a:rPr lang="en-US" sz="1372" dirty="0" smtClean="0"/>
+              <a:rPr lang="en-US" sz="1372" dirty="0"/>
               <a:t>// </a:t>
             </a:r>
             <a:r>
-              <a:rPr lang="en-US" sz="1372" dirty="0" err="1" smtClean="0"/>
+              <a:rPr lang="en-US" sz="1372" dirty="0" err="1"/>
               <a:t>Vue</a:t>
             </a:r>
             <a:r>
-              <a:rPr lang="en-US" sz="1372" dirty="0" smtClean="0"/>
+              <a:rPr lang="en-US" sz="1372" dirty="0"/>
               <a:t> JS built-in component</a:t>
             </a:r>
             <a:endParaRPr lang="en-US" sz="1372" dirty="0">
@@ -4855,6 +4784,1827 @@
     <p:extLst>
       <p:ext uri="{BB962C8B-B14F-4D97-AF65-F5344CB8AC3E}">
         <p14:creationId xmlns:p14="http://schemas.microsoft.com/office/powerpoint/2010/main" val="3109588190"/>
+      </p:ext>
+    </p:extLst>
+  </p:cSld>
+  <p:clrMapOvr>
+    <a:masterClrMapping/>
+  </p:clrMapOvr>
+</p:sld>
+</file>
+
+<file path=ppt/slides/slide3.xml><?xml version="1.0" encoding="utf-8"?>
+<p:sld xmlns:a="http://schemas.openxmlformats.org/drawingml/2006/main" xmlns:r="http://schemas.openxmlformats.org/officeDocument/2006/relationships" xmlns:p="http://schemas.openxmlformats.org/presentationml/2006/main">
+  <p:cSld>
+    <p:spTree>
+      <p:nvGrpSpPr>
+        <p:cNvPr id="1" name=""/>
+        <p:cNvGrpSpPr/>
+        <p:nvPr/>
+      </p:nvGrpSpPr>
+      <p:grpSpPr>
+        <a:xfrm>
+          <a:off x="0" y="0"/>
+          <a:ext cx="0" cy="0"/>
+          <a:chOff x="0" y="0"/>
+          <a:chExt cx="0" cy="0"/>
+        </a:xfrm>
+      </p:grpSpPr>
+      <p:sp>
+        <p:nvSpPr>
+          <p:cNvPr id="2" name="TextBox 1">
+            <a:extLst>
+              <a:ext uri="{FF2B5EF4-FFF2-40B4-BE49-F238E27FC236}">
+                <a16:creationId xmlns:a16="http://schemas.microsoft.com/office/drawing/2014/main" id="{ECFF5FF8-2D0B-4C31-A9C1-BD1089B42EA8}"/>
+              </a:ext>
+            </a:extLst>
+          </p:cNvPr>
+          <p:cNvSpPr txBox="1"/>
+          <p:nvPr/>
+        </p:nvSpPr>
+        <p:spPr>
+          <a:xfrm>
+            <a:off x="1009380" y="479624"/>
+            <a:ext cx="639919" cy="303481"/>
+          </a:xfrm>
+          <a:prstGeom prst="rect">
+            <a:avLst/>
+          </a:prstGeom>
+          <a:noFill/>
+        </p:spPr>
+        <p:txBody>
+          <a:bodyPr wrap="none" rtlCol="0">
+            <a:spAutoFit/>
+          </a:bodyPr>
+          <a:lstStyle/>
+          <a:p>
+            <a:r>
+              <a:rPr lang="en-US" sz="1372" b="1" i="1" dirty="0">
+                <a:solidFill>
+                  <a:srgbClr val="FF0000"/>
+                </a:solidFill>
+              </a:rPr>
+              <a:t>&lt;app&gt;</a:t>
+            </a:r>
+          </a:p>
+        </p:txBody>
+      </p:sp>
+      <p:sp>
+        <p:nvSpPr>
+          <p:cNvPr id="3" name="Rounded Rectangle 4">
+            <a:extLst>
+              <a:ext uri="{FF2B5EF4-FFF2-40B4-BE49-F238E27FC236}">
+                <a16:creationId xmlns:a16="http://schemas.microsoft.com/office/drawing/2014/main" id="{CF6D0141-010D-4863-B92A-28B0EE4CBBA5}"/>
+              </a:ext>
+            </a:extLst>
+          </p:cNvPr>
+          <p:cNvSpPr/>
+          <p:nvPr/>
+        </p:nvSpPr>
+        <p:spPr>
+          <a:xfrm>
+            <a:off x="523323" y="309043"/>
+            <a:ext cx="1650319" cy="1166483"/>
+          </a:xfrm>
+          <a:prstGeom prst="roundRect">
+            <a:avLst/>
+          </a:prstGeom>
+          <a:noFill/>
+          <a:ln>
+            <a:solidFill>
+              <a:srgbClr val="FF0000"/>
+            </a:solidFill>
+            <a:prstDash val="lgDash"/>
+          </a:ln>
+        </p:spPr>
+        <p:style>
+          <a:lnRef idx="2">
+            <a:schemeClr val="accent1">
+              <a:shade val="50000"/>
+            </a:schemeClr>
+          </a:lnRef>
+          <a:fillRef idx="1">
+            <a:schemeClr val="accent1"/>
+          </a:fillRef>
+          <a:effectRef idx="0">
+            <a:schemeClr val="accent1"/>
+          </a:effectRef>
+          <a:fontRef idx="minor">
+            <a:schemeClr val="lt1"/>
+          </a:fontRef>
+        </p:style>
+        <p:txBody>
+          <a:bodyPr rtlCol="0" anchor="ctr"/>
+          <a:lstStyle/>
+          <a:p>
+            <a:pPr algn="ctr"/>
+            <a:endParaRPr lang="en-US" sz="1372"/>
+          </a:p>
+        </p:txBody>
+      </p:sp>
+      <p:sp>
+        <p:nvSpPr>
+          <p:cNvPr id="4" name="TextBox 3">
+            <a:extLst>
+              <a:ext uri="{FF2B5EF4-FFF2-40B4-BE49-F238E27FC236}">
+                <a16:creationId xmlns:a16="http://schemas.microsoft.com/office/drawing/2014/main" id="{E36A065B-5941-45E7-AFCA-CBFC05685E6C}"/>
+              </a:ext>
+            </a:extLst>
+          </p:cNvPr>
+          <p:cNvSpPr txBox="1"/>
+          <p:nvPr/>
+        </p:nvSpPr>
+        <p:spPr>
+          <a:xfrm>
+            <a:off x="885053" y="892284"/>
+            <a:ext cx="926857" cy="303481"/>
+          </a:xfrm>
+          <a:prstGeom prst="rect">
+            <a:avLst/>
+          </a:prstGeom>
+          <a:noFill/>
+        </p:spPr>
+        <p:txBody>
+          <a:bodyPr wrap="none" rtlCol="0">
+            <a:spAutoFit/>
+          </a:bodyPr>
+          <a:lstStyle/>
+          <a:p>
+            <a:r>
+              <a:rPr lang="en-US" sz="1372" dirty="0"/>
+              <a:t>Students[]</a:t>
+            </a:r>
+          </a:p>
+        </p:txBody>
+      </p:sp>
+      <p:sp>
+        <p:nvSpPr>
+          <p:cNvPr id="5" name="TextBox 4">
+            <a:extLst>
+              <a:ext uri="{FF2B5EF4-FFF2-40B4-BE49-F238E27FC236}">
+                <a16:creationId xmlns:a16="http://schemas.microsoft.com/office/drawing/2014/main" id="{83F9604E-C97F-47B3-B2CB-91967EB7A8A6}"/>
+              </a:ext>
+            </a:extLst>
+          </p:cNvPr>
+          <p:cNvSpPr txBox="1"/>
+          <p:nvPr/>
+        </p:nvSpPr>
+        <p:spPr>
+          <a:xfrm>
+            <a:off x="119555" y="1627265"/>
+            <a:ext cx="3384709" cy="303481"/>
+          </a:xfrm>
+          <a:prstGeom prst="rect">
+            <a:avLst/>
+          </a:prstGeom>
+          <a:noFill/>
+        </p:spPr>
+        <p:txBody>
+          <a:bodyPr wrap="none" rtlCol="0">
+            <a:spAutoFit/>
+          </a:bodyPr>
+          <a:lstStyle/>
+          <a:p>
+            <a:r>
+              <a:rPr lang="en-US" sz="1372" dirty="0"/>
+              <a:t>// A component with a list of student as data</a:t>
+            </a:r>
+          </a:p>
+        </p:txBody>
+      </p:sp>
+      <p:sp>
+        <p:nvSpPr>
+          <p:cNvPr id="6" name="TextBox 5">
+            <a:extLst>
+              <a:ext uri="{FF2B5EF4-FFF2-40B4-BE49-F238E27FC236}">
+                <a16:creationId xmlns:a16="http://schemas.microsoft.com/office/drawing/2014/main" id="{E7319511-C9A2-48F9-AB0E-966369DBD86D}"/>
+              </a:ext>
+            </a:extLst>
+          </p:cNvPr>
+          <p:cNvSpPr txBox="1"/>
+          <p:nvPr/>
+        </p:nvSpPr>
+        <p:spPr>
+          <a:xfrm>
+            <a:off x="1009380" y="2556074"/>
+            <a:ext cx="639919" cy="303481"/>
+          </a:xfrm>
+          <a:prstGeom prst="rect">
+            <a:avLst/>
+          </a:prstGeom>
+          <a:noFill/>
+        </p:spPr>
+        <p:txBody>
+          <a:bodyPr wrap="none" rtlCol="0">
+            <a:spAutoFit/>
+          </a:bodyPr>
+          <a:lstStyle/>
+          <a:p>
+            <a:r>
+              <a:rPr lang="en-US" sz="1372" b="1" i="1" dirty="0">
+                <a:solidFill>
+                  <a:srgbClr val="FF0000"/>
+                </a:solidFill>
+              </a:rPr>
+              <a:t>&lt;app&gt;</a:t>
+            </a:r>
+          </a:p>
+        </p:txBody>
+      </p:sp>
+      <p:sp>
+        <p:nvSpPr>
+          <p:cNvPr id="7" name="Rounded Rectangle 8">
+            <a:extLst>
+              <a:ext uri="{FF2B5EF4-FFF2-40B4-BE49-F238E27FC236}">
+                <a16:creationId xmlns:a16="http://schemas.microsoft.com/office/drawing/2014/main" id="{DB8C76CB-B418-40ED-864B-32122FC19B50}"/>
+              </a:ext>
+            </a:extLst>
+          </p:cNvPr>
+          <p:cNvSpPr/>
+          <p:nvPr/>
+        </p:nvSpPr>
+        <p:spPr>
+          <a:xfrm>
+            <a:off x="523323" y="2385493"/>
+            <a:ext cx="1650319" cy="1166483"/>
+          </a:xfrm>
+          <a:prstGeom prst="roundRect">
+            <a:avLst/>
+          </a:prstGeom>
+          <a:noFill/>
+          <a:ln>
+            <a:solidFill>
+              <a:srgbClr val="FF0000"/>
+            </a:solidFill>
+            <a:prstDash val="lgDash"/>
+          </a:ln>
+        </p:spPr>
+        <p:style>
+          <a:lnRef idx="2">
+            <a:schemeClr val="accent1">
+              <a:shade val="50000"/>
+            </a:schemeClr>
+          </a:lnRef>
+          <a:fillRef idx="1">
+            <a:schemeClr val="accent1"/>
+          </a:fillRef>
+          <a:effectRef idx="0">
+            <a:schemeClr val="accent1"/>
+          </a:effectRef>
+          <a:fontRef idx="minor">
+            <a:schemeClr val="lt1"/>
+          </a:fontRef>
+        </p:style>
+        <p:txBody>
+          <a:bodyPr rtlCol="0" anchor="ctr"/>
+          <a:lstStyle/>
+          <a:p>
+            <a:pPr algn="ctr"/>
+            <a:endParaRPr lang="en-US" sz="1372"/>
+          </a:p>
+        </p:txBody>
+      </p:sp>
+      <p:sp>
+        <p:nvSpPr>
+          <p:cNvPr id="8" name="TextBox 7">
+            <a:extLst>
+              <a:ext uri="{FF2B5EF4-FFF2-40B4-BE49-F238E27FC236}">
+                <a16:creationId xmlns:a16="http://schemas.microsoft.com/office/drawing/2014/main" id="{6E030CF5-7DDC-4244-8A11-14075DB3E152}"/>
+              </a:ext>
+            </a:extLst>
+          </p:cNvPr>
+          <p:cNvSpPr txBox="1"/>
+          <p:nvPr/>
+        </p:nvSpPr>
+        <p:spPr>
+          <a:xfrm>
+            <a:off x="885053" y="2968734"/>
+            <a:ext cx="926857" cy="303481"/>
+          </a:xfrm>
+          <a:prstGeom prst="rect">
+            <a:avLst/>
+          </a:prstGeom>
+          <a:noFill/>
+        </p:spPr>
+        <p:txBody>
+          <a:bodyPr wrap="none" rtlCol="0">
+            <a:spAutoFit/>
+          </a:bodyPr>
+          <a:lstStyle/>
+          <a:p>
+            <a:r>
+              <a:rPr lang="en-US" sz="1372" dirty="0"/>
+              <a:t>Students[]</a:t>
+            </a:r>
+          </a:p>
+        </p:txBody>
+      </p:sp>
+      <p:sp>
+        <p:nvSpPr>
+          <p:cNvPr id="9" name="TextBox 8">
+            <a:extLst>
+              <a:ext uri="{FF2B5EF4-FFF2-40B4-BE49-F238E27FC236}">
+                <a16:creationId xmlns:a16="http://schemas.microsoft.com/office/drawing/2014/main" id="{5084D8B3-64CC-4EA7-8668-F28CE747E603}"/>
+              </a:ext>
+            </a:extLst>
+          </p:cNvPr>
+          <p:cNvSpPr txBox="1"/>
+          <p:nvPr/>
+        </p:nvSpPr>
+        <p:spPr>
+          <a:xfrm>
+            <a:off x="464251" y="3703715"/>
+            <a:ext cx="2183996" cy="303481"/>
+          </a:xfrm>
+          <a:prstGeom prst="rect">
+            <a:avLst/>
+          </a:prstGeom>
+          <a:noFill/>
+        </p:spPr>
+        <p:txBody>
+          <a:bodyPr wrap="none" rtlCol="0">
+            <a:spAutoFit/>
+          </a:bodyPr>
+          <a:lstStyle/>
+          <a:p>
+            <a:r>
+              <a:rPr lang="en-US" sz="1372" dirty="0"/>
+              <a:t>// </a:t>
+            </a:r>
+            <a:r>
+              <a:rPr lang="en-US" sz="1372" dirty="0">
+                <a:solidFill>
+                  <a:srgbClr val="FF0000"/>
+                </a:solidFill>
+              </a:rPr>
+              <a:t>app</a:t>
+            </a:r>
+            <a:r>
+              <a:rPr lang="en-US" sz="1372" dirty="0"/>
+              <a:t> send student to </a:t>
+            </a:r>
+            <a:r>
+              <a:rPr lang="en-US" sz="1372" dirty="0">
+                <a:solidFill>
+                  <a:srgbClr val="FF0000"/>
+                </a:solidFill>
+              </a:rPr>
+              <a:t>card </a:t>
+            </a:r>
+          </a:p>
+        </p:txBody>
+      </p:sp>
+      <p:sp>
+        <p:nvSpPr>
+          <p:cNvPr id="10" name="TextBox 9">
+            <a:extLst>
+              <a:ext uri="{FF2B5EF4-FFF2-40B4-BE49-F238E27FC236}">
+                <a16:creationId xmlns:a16="http://schemas.microsoft.com/office/drawing/2014/main" id="{541C3A3E-B6E1-4A59-87C4-2427EECA7AD7}"/>
+              </a:ext>
+            </a:extLst>
+          </p:cNvPr>
+          <p:cNvSpPr txBox="1"/>
+          <p:nvPr/>
+        </p:nvSpPr>
+        <p:spPr>
+          <a:xfrm>
+            <a:off x="1009380" y="4803105"/>
+            <a:ext cx="848309" cy="303481"/>
+          </a:xfrm>
+          <a:prstGeom prst="rect">
+            <a:avLst/>
+          </a:prstGeom>
+          <a:noFill/>
+        </p:spPr>
+        <p:txBody>
+          <a:bodyPr wrap="none" rtlCol="0">
+            <a:spAutoFit/>
+          </a:bodyPr>
+          <a:lstStyle/>
+          <a:p>
+            <a:r>
+              <a:rPr lang="en-US" sz="1372" b="1" i="1" dirty="0">
+                <a:solidFill>
+                  <a:srgbClr val="FF0000"/>
+                </a:solidFill>
+              </a:rPr>
+              <a:t>&lt;parent&gt;</a:t>
+            </a:r>
+          </a:p>
+        </p:txBody>
+      </p:sp>
+      <p:sp>
+        <p:nvSpPr>
+          <p:cNvPr id="11" name="Rounded Rectangle 12">
+            <a:extLst>
+              <a:ext uri="{FF2B5EF4-FFF2-40B4-BE49-F238E27FC236}">
+                <a16:creationId xmlns:a16="http://schemas.microsoft.com/office/drawing/2014/main" id="{625DAE75-21DE-4BA7-A177-D0FC88D98B10}"/>
+              </a:ext>
+            </a:extLst>
+          </p:cNvPr>
+          <p:cNvSpPr/>
+          <p:nvPr/>
+        </p:nvSpPr>
+        <p:spPr>
+          <a:xfrm>
+            <a:off x="523323" y="4632524"/>
+            <a:ext cx="1650319" cy="1166483"/>
+          </a:xfrm>
+          <a:prstGeom prst="roundRect">
+            <a:avLst/>
+          </a:prstGeom>
+          <a:noFill/>
+          <a:ln>
+            <a:solidFill>
+              <a:srgbClr val="FF0000"/>
+            </a:solidFill>
+            <a:prstDash val="lgDash"/>
+          </a:ln>
+        </p:spPr>
+        <p:style>
+          <a:lnRef idx="2">
+            <a:schemeClr val="accent1">
+              <a:shade val="50000"/>
+            </a:schemeClr>
+          </a:lnRef>
+          <a:fillRef idx="1">
+            <a:schemeClr val="accent1"/>
+          </a:fillRef>
+          <a:effectRef idx="0">
+            <a:schemeClr val="accent1"/>
+          </a:effectRef>
+          <a:fontRef idx="minor">
+            <a:schemeClr val="lt1"/>
+          </a:fontRef>
+        </p:style>
+        <p:txBody>
+          <a:bodyPr rtlCol="0" anchor="ctr"/>
+          <a:lstStyle/>
+          <a:p>
+            <a:pPr algn="ctr"/>
+            <a:endParaRPr lang="en-US" sz="1372"/>
+          </a:p>
+        </p:txBody>
+      </p:sp>
+      <p:sp>
+        <p:nvSpPr>
+          <p:cNvPr id="12" name="TextBox 11">
+            <a:extLst>
+              <a:ext uri="{FF2B5EF4-FFF2-40B4-BE49-F238E27FC236}">
+                <a16:creationId xmlns:a16="http://schemas.microsoft.com/office/drawing/2014/main" id="{D1A03BCC-6E3E-4908-818F-54703030358E}"/>
+              </a:ext>
+            </a:extLst>
+          </p:cNvPr>
+          <p:cNvSpPr txBox="1"/>
+          <p:nvPr/>
+        </p:nvSpPr>
+        <p:spPr>
+          <a:xfrm>
+            <a:off x="885053" y="5215765"/>
+            <a:ext cx="926857" cy="303481"/>
+          </a:xfrm>
+          <a:prstGeom prst="rect">
+            <a:avLst/>
+          </a:prstGeom>
+          <a:noFill/>
+        </p:spPr>
+        <p:txBody>
+          <a:bodyPr wrap="none" rtlCol="0">
+            <a:spAutoFit/>
+          </a:bodyPr>
+          <a:lstStyle/>
+          <a:p>
+            <a:r>
+              <a:rPr lang="en-US" sz="1372" dirty="0"/>
+              <a:t>Students[]</a:t>
+            </a:r>
+          </a:p>
+        </p:txBody>
+      </p:sp>
+      <p:sp>
+        <p:nvSpPr>
+          <p:cNvPr id="13" name="TextBox 12">
+            <a:extLst>
+              <a:ext uri="{FF2B5EF4-FFF2-40B4-BE49-F238E27FC236}">
+                <a16:creationId xmlns:a16="http://schemas.microsoft.com/office/drawing/2014/main" id="{B7ADA80F-5CC8-49D5-A6CE-C1D795BB8C06}"/>
+              </a:ext>
+            </a:extLst>
+          </p:cNvPr>
+          <p:cNvSpPr txBox="1"/>
+          <p:nvPr/>
+        </p:nvSpPr>
+        <p:spPr>
+          <a:xfrm>
+            <a:off x="394083" y="6064417"/>
+            <a:ext cx="3216522" cy="303481"/>
+          </a:xfrm>
+          <a:prstGeom prst="rect">
+            <a:avLst/>
+          </a:prstGeom>
+          <a:noFill/>
+        </p:spPr>
+        <p:txBody>
+          <a:bodyPr wrap="none" rtlCol="0">
+            <a:spAutoFit/>
+          </a:bodyPr>
+          <a:lstStyle/>
+          <a:p>
+            <a:r>
+              <a:rPr lang="en-US" sz="1372" dirty="0"/>
+              <a:t>// </a:t>
+            </a:r>
+            <a:r>
+              <a:rPr lang="en-US" sz="1372" dirty="0">
+                <a:solidFill>
+                  <a:srgbClr val="FF0000"/>
+                </a:solidFill>
+              </a:rPr>
+              <a:t>from</a:t>
+            </a:r>
+            <a:r>
+              <a:rPr lang="en-US" sz="1372" dirty="0"/>
+              <a:t> send the event validated to </a:t>
+            </a:r>
+            <a:r>
+              <a:rPr lang="en-US" sz="1372" dirty="0">
+                <a:solidFill>
+                  <a:srgbClr val="FF0000"/>
+                </a:solidFill>
+              </a:rPr>
+              <a:t>parent</a:t>
+            </a:r>
+          </a:p>
+        </p:txBody>
+      </p:sp>
+      <p:sp>
+        <p:nvSpPr>
+          <p:cNvPr id="14" name="Rounded Rectangle 16">
+            <a:extLst>
+              <a:ext uri="{FF2B5EF4-FFF2-40B4-BE49-F238E27FC236}">
+                <a16:creationId xmlns:a16="http://schemas.microsoft.com/office/drawing/2014/main" id="{2EBC50CE-27D6-4BE3-B663-2594DA9D318A}"/>
+              </a:ext>
+            </a:extLst>
+          </p:cNvPr>
+          <p:cNvSpPr/>
+          <p:nvPr/>
+        </p:nvSpPr>
+        <p:spPr>
+          <a:xfrm>
+            <a:off x="3056973" y="2408786"/>
+            <a:ext cx="1650319" cy="1166483"/>
+          </a:xfrm>
+          <a:prstGeom prst="roundRect">
+            <a:avLst/>
+          </a:prstGeom>
+          <a:noFill/>
+          <a:ln>
+            <a:solidFill>
+              <a:srgbClr val="FF0000"/>
+            </a:solidFill>
+            <a:prstDash val="lgDash"/>
+          </a:ln>
+        </p:spPr>
+        <p:style>
+          <a:lnRef idx="2">
+            <a:schemeClr val="accent1">
+              <a:shade val="50000"/>
+            </a:schemeClr>
+          </a:lnRef>
+          <a:fillRef idx="1">
+            <a:schemeClr val="accent1"/>
+          </a:fillRef>
+          <a:effectRef idx="0">
+            <a:schemeClr val="accent1"/>
+          </a:effectRef>
+          <a:fontRef idx="minor">
+            <a:schemeClr val="lt1"/>
+          </a:fontRef>
+        </p:style>
+        <p:txBody>
+          <a:bodyPr rtlCol="0" anchor="ctr"/>
+          <a:lstStyle/>
+          <a:p>
+            <a:pPr algn="ctr"/>
+            <a:endParaRPr lang="en-US" sz="1372"/>
+          </a:p>
+        </p:txBody>
+      </p:sp>
+      <p:sp>
+        <p:nvSpPr>
+          <p:cNvPr id="15" name="TextBox 14">
+            <a:extLst>
+              <a:ext uri="{FF2B5EF4-FFF2-40B4-BE49-F238E27FC236}">
+                <a16:creationId xmlns:a16="http://schemas.microsoft.com/office/drawing/2014/main" id="{125C6BF3-520A-477F-9675-462B20A1D80F}"/>
+              </a:ext>
+            </a:extLst>
+          </p:cNvPr>
+          <p:cNvSpPr txBox="1"/>
+          <p:nvPr/>
+        </p:nvSpPr>
+        <p:spPr>
+          <a:xfrm>
+            <a:off x="3418703" y="2992027"/>
+            <a:ext cx="926857" cy="303481"/>
+          </a:xfrm>
+          <a:prstGeom prst="rect">
+            <a:avLst/>
+          </a:prstGeom>
+          <a:noFill/>
+        </p:spPr>
+        <p:txBody>
+          <a:bodyPr wrap="none" rtlCol="0">
+            <a:spAutoFit/>
+          </a:bodyPr>
+          <a:lstStyle/>
+          <a:p>
+            <a:r>
+              <a:rPr lang="en-US" sz="1372" dirty="0"/>
+              <a:t>Students[]</a:t>
+            </a:r>
+          </a:p>
+        </p:txBody>
+      </p:sp>
+      <p:sp>
+        <p:nvSpPr>
+          <p:cNvPr id="16" name="TextBox 15">
+            <a:extLst>
+              <a:ext uri="{FF2B5EF4-FFF2-40B4-BE49-F238E27FC236}">
+                <a16:creationId xmlns:a16="http://schemas.microsoft.com/office/drawing/2014/main" id="{42A3787B-9BEE-449B-9467-065235398377}"/>
+              </a:ext>
+            </a:extLst>
+          </p:cNvPr>
+          <p:cNvSpPr txBox="1"/>
+          <p:nvPr/>
+        </p:nvSpPr>
+        <p:spPr>
+          <a:xfrm>
+            <a:off x="3666083" y="4779442"/>
+            <a:ext cx="713657" cy="303481"/>
+          </a:xfrm>
+          <a:prstGeom prst="rect">
+            <a:avLst/>
+          </a:prstGeom>
+          <a:noFill/>
+        </p:spPr>
+        <p:txBody>
+          <a:bodyPr wrap="none" rtlCol="0">
+            <a:spAutoFit/>
+          </a:bodyPr>
+          <a:lstStyle/>
+          <a:p>
+            <a:r>
+              <a:rPr lang="en-US" sz="1372" b="1" i="1" dirty="0">
+                <a:solidFill>
+                  <a:srgbClr val="FF0000"/>
+                </a:solidFill>
+              </a:rPr>
+              <a:t>&lt;from&gt;</a:t>
+            </a:r>
+          </a:p>
+        </p:txBody>
+      </p:sp>
+      <p:sp>
+        <p:nvSpPr>
+          <p:cNvPr id="17" name="Rounded Rectangle 19">
+            <a:extLst>
+              <a:ext uri="{FF2B5EF4-FFF2-40B4-BE49-F238E27FC236}">
+                <a16:creationId xmlns:a16="http://schemas.microsoft.com/office/drawing/2014/main" id="{0FB69B4B-AB0B-4EDE-81FC-FD81247E236F}"/>
+              </a:ext>
+            </a:extLst>
+          </p:cNvPr>
+          <p:cNvSpPr/>
+          <p:nvPr/>
+        </p:nvSpPr>
+        <p:spPr>
+          <a:xfrm>
+            <a:off x="3180026" y="4608861"/>
+            <a:ext cx="1650319" cy="1166483"/>
+          </a:xfrm>
+          <a:prstGeom prst="roundRect">
+            <a:avLst/>
+          </a:prstGeom>
+          <a:noFill/>
+          <a:ln>
+            <a:solidFill>
+              <a:srgbClr val="FF0000"/>
+            </a:solidFill>
+            <a:prstDash val="lgDash"/>
+          </a:ln>
+        </p:spPr>
+        <p:style>
+          <a:lnRef idx="2">
+            <a:schemeClr val="accent1">
+              <a:shade val="50000"/>
+            </a:schemeClr>
+          </a:lnRef>
+          <a:fillRef idx="1">
+            <a:schemeClr val="accent1"/>
+          </a:fillRef>
+          <a:effectRef idx="0">
+            <a:schemeClr val="accent1"/>
+          </a:effectRef>
+          <a:fontRef idx="minor">
+            <a:schemeClr val="lt1"/>
+          </a:fontRef>
+        </p:style>
+        <p:txBody>
+          <a:bodyPr rtlCol="0" anchor="ctr"/>
+          <a:lstStyle/>
+          <a:p>
+            <a:pPr algn="ctr"/>
+            <a:endParaRPr lang="en-US" sz="1372"/>
+          </a:p>
+        </p:txBody>
+      </p:sp>
+      <p:sp>
+        <p:nvSpPr>
+          <p:cNvPr id="18" name="TextBox 17">
+            <a:extLst>
+              <a:ext uri="{FF2B5EF4-FFF2-40B4-BE49-F238E27FC236}">
+                <a16:creationId xmlns:a16="http://schemas.microsoft.com/office/drawing/2014/main" id="{38D33FCE-1AE5-4758-BE63-F76BDF44EF7E}"/>
+              </a:ext>
+            </a:extLst>
+          </p:cNvPr>
+          <p:cNvSpPr txBox="1"/>
+          <p:nvPr/>
+        </p:nvSpPr>
+        <p:spPr>
+          <a:xfrm>
+            <a:off x="3541756" y="5192102"/>
+            <a:ext cx="926857" cy="303481"/>
+          </a:xfrm>
+          <a:prstGeom prst="rect">
+            <a:avLst/>
+          </a:prstGeom>
+          <a:noFill/>
+        </p:spPr>
+        <p:txBody>
+          <a:bodyPr wrap="none" rtlCol="0">
+            <a:spAutoFit/>
+          </a:bodyPr>
+          <a:lstStyle/>
+          <a:p>
+            <a:r>
+              <a:rPr lang="en-US" sz="1372" dirty="0"/>
+              <a:t>Students[]</a:t>
+            </a:r>
+          </a:p>
+        </p:txBody>
+      </p:sp>
+      <p:sp>
+        <p:nvSpPr>
+          <p:cNvPr id="19" name="Right Arrow 21">
+            <a:extLst>
+              <a:ext uri="{FF2B5EF4-FFF2-40B4-BE49-F238E27FC236}">
+                <a16:creationId xmlns:a16="http://schemas.microsoft.com/office/drawing/2014/main" id="{11AF56B1-96DC-41B8-8D8C-0776BA12849C}"/>
+              </a:ext>
+            </a:extLst>
+          </p:cNvPr>
+          <p:cNvSpPr/>
+          <p:nvPr/>
+        </p:nvSpPr>
+        <p:spPr>
+          <a:xfrm>
+            <a:off x="2197551" y="2768367"/>
+            <a:ext cx="696809" cy="333683"/>
+          </a:xfrm>
+          <a:prstGeom prst="rightArrow">
+            <a:avLst/>
+          </a:prstGeom>
+          <a:solidFill>
+            <a:schemeClr val="accent6"/>
+          </a:solidFill>
+        </p:spPr>
+        <p:style>
+          <a:lnRef idx="2">
+            <a:schemeClr val="accent1">
+              <a:shade val="50000"/>
+            </a:schemeClr>
+          </a:lnRef>
+          <a:fillRef idx="1">
+            <a:schemeClr val="accent1"/>
+          </a:fillRef>
+          <a:effectRef idx="0">
+            <a:schemeClr val="accent1"/>
+          </a:effectRef>
+          <a:fontRef idx="minor">
+            <a:schemeClr val="lt1"/>
+          </a:fontRef>
+        </p:style>
+        <p:txBody>
+          <a:bodyPr rot="0" spcFirstLastPara="0" vertOverflow="overflow" horzOverflow="overflow" vert="horz" wrap="square" lIns="69681" tIns="34840" rIns="69681" bIns="34840" numCol="1" spcCol="0" rtlCol="0" fromWordArt="0" anchor="ctr" anchorCtr="0" forceAA="0" compatLnSpc="1">
+            <a:prstTxWarp prst="textNoShape">
+              <a:avLst/>
+            </a:prstTxWarp>
+            <a:noAutofit/>
+          </a:bodyPr>
+          <a:lstStyle/>
+          <a:p>
+            <a:pPr algn="ctr"/>
+            <a:endParaRPr lang="en-US" sz="1372"/>
+          </a:p>
+        </p:txBody>
+      </p:sp>
+      <p:sp>
+        <p:nvSpPr>
+          <p:cNvPr id="20" name="TextBox 19">
+            <a:extLst>
+              <a:ext uri="{FF2B5EF4-FFF2-40B4-BE49-F238E27FC236}">
+                <a16:creationId xmlns:a16="http://schemas.microsoft.com/office/drawing/2014/main" id="{F9FA7AF7-7029-4FAD-AEAB-43FD1F3C9F6E}"/>
+              </a:ext>
+            </a:extLst>
+          </p:cNvPr>
+          <p:cNvSpPr txBox="1"/>
+          <p:nvPr/>
+        </p:nvSpPr>
+        <p:spPr>
+          <a:xfrm>
+            <a:off x="2156606" y="3120474"/>
+            <a:ext cx="735714" cy="303481"/>
+          </a:xfrm>
+          <a:prstGeom prst="rect">
+            <a:avLst/>
+          </a:prstGeom>
+          <a:noFill/>
+        </p:spPr>
+        <p:txBody>
+          <a:bodyPr wrap="none" rtlCol="0">
+            <a:spAutoFit/>
+          </a:bodyPr>
+          <a:lstStyle/>
+          <a:p>
+            <a:r>
+              <a:rPr lang="en-US" sz="1372" dirty="0"/>
+              <a:t>student</a:t>
+            </a:r>
+          </a:p>
+        </p:txBody>
+      </p:sp>
+      <p:sp>
+        <p:nvSpPr>
+          <p:cNvPr id="21" name="TextBox 20">
+            <a:extLst>
+              <a:ext uri="{FF2B5EF4-FFF2-40B4-BE49-F238E27FC236}">
+                <a16:creationId xmlns:a16="http://schemas.microsoft.com/office/drawing/2014/main" id="{407189FE-7FDE-4A31-8D55-FA42B431838C}"/>
+              </a:ext>
+            </a:extLst>
+          </p:cNvPr>
+          <p:cNvSpPr txBox="1"/>
+          <p:nvPr/>
+        </p:nvSpPr>
+        <p:spPr>
+          <a:xfrm>
+            <a:off x="2188492" y="2550268"/>
+            <a:ext cx="670248" cy="303481"/>
+          </a:xfrm>
+          <a:prstGeom prst="rect">
+            <a:avLst/>
+          </a:prstGeom>
+          <a:noFill/>
+        </p:spPr>
+        <p:txBody>
+          <a:bodyPr wrap="none" rtlCol="0">
+            <a:spAutoFit/>
+          </a:bodyPr>
+          <a:lstStyle/>
+          <a:p>
+            <a:r>
+              <a:rPr lang="en-US" sz="1372" b="1" dirty="0">
+                <a:solidFill>
+                  <a:schemeClr val="accent6"/>
+                </a:solidFill>
+              </a:rPr>
+              <a:t>PROPS</a:t>
+            </a:r>
+          </a:p>
+        </p:txBody>
+      </p:sp>
+      <p:sp>
+        <p:nvSpPr>
+          <p:cNvPr id="22" name="TextBox 21">
+            <a:extLst>
+              <a:ext uri="{FF2B5EF4-FFF2-40B4-BE49-F238E27FC236}">
+                <a16:creationId xmlns:a16="http://schemas.microsoft.com/office/drawing/2014/main" id="{073B8474-03C4-4040-ADA5-416574714512}"/>
+              </a:ext>
+            </a:extLst>
+          </p:cNvPr>
+          <p:cNvSpPr txBox="1"/>
+          <p:nvPr/>
+        </p:nvSpPr>
+        <p:spPr>
+          <a:xfrm>
+            <a:off x="3562171" y="2587817"/>
+            <a:ext cx="680251" cy="303481"/>
+          </a:xfrm>
+          <a:prstGeom prst="rect">
+            <a:avLst/>
+          </a:prstGeom>
+          <a:noFill/>
+        </p:spPr>
+        <p:txBody>
+          <a:bodyPr wrap="none" rtlCol="0">
+            <a:spAutoFit/>
+          </a:bodyPr>
+          <a:lstStyle/>
+          <a:p>
+            <a:r>
+              <a:rPr lang="en-US" sz="1372" b="1" i="1" dirty="0">
+                <a:solidFill>
+                  <a:srgbClr val="FF0000"/>
+                </a:solidFill>
+              </a:rPr>
+              <a:t>&lt;card&gt;</a:t>
+            </a:r>
+          </a:p>
+        </p:txBody>
+      </p:sp>
+      <p:sp>
+        <p:nvSpPr>
+          <p:cNvPr id="23" name="Right Arrow 25">
+            <a:extLst>
+              <a:ext uri="{FF2B5EF4-FFF2-40B4-BE49-F238E27FC236}">
+                <a16:creationId xmlns:a16="http://schemas.microsoft.com/office/drawing/2014/main" id="{F3694EBF-C810-4C8A-8723-8C523305EA14}"/>
+              </a:ext>
+            </a:extLst>
+          </p:cNvPr>
+          <p:cNvSpPr/>
+          <p:nvPr/>
+        </p:nvSpPr>
+        <p:spPr>
+          <a:xfrm flipH="1">
+            <a:off x="2387600" y="5000637"/>
+            <a:ext cx="792424" cy="400041"/>
+          </a:xfrm>
+          <a:prstGeom prst="rightArrow">
+            <a:avLst/>
+          </a:prstGeom>
+          <a:solidFill>
+            <a:srgbClr val="FF0000"/>
+          </a:solidFill>
+        </p:spPr>
+        <p:style>
+          <a:lnRef idx="2">
+            <a:schemeClr val="accent1">
+              <a:shade val="50000"/>
+            </a:schemeClr>
+          </a:lnRef>
+          <a:fillRef idx="1">
+            <a:schemeClr val="accent1"/>
+          </a:fillRef>
+          <a:effectRef idx="0">
+            <a:schemeClr val="accent1"/>
+          </a:effectRef>
+          <a:fontRef idx="minor">
+            <a:schemeClr val="lt1"/>
+          </a:fontRef>
+        </p:style>
+        <p:txBody>
+          <a:bodyPr rot="0" spcFirstLastPara="0" vertOverflow="overflow" horzOverflow="overflow" vert="horz" wrap="square" lIns="69681" tIns="34840" rIns="69681" bIns="34840" numCol="1" spcCol="0" rtlCol="0" fromWordArt="0" anchor="ctr" anchorCtr="0" forceAA="0" compatLnSpc="1">
+            <a:prstTxWarp prst="textNoShape">
+              <a:avLst/>
+            </a:prstTxWarp>
+            <a:noAutofit/>
+          </a:bodyPr>
+          <a:lstStyle/>
+          <a:p>
+            <a:pPr algn="ctr"/>
+            <a:endParaRPr lang="en-US" sz="1372"/>
+          </a:p>
+        </p:txBody>
+      </p:sp>
+      <p:sp>
+        <p:nvSpPr>
+          <p:cNvPr id="24" name="TextBox 23">
+            <a:extLst>
+              <a:ext uri="{FF2B5EF4-FFF2-40B4-BE49-F238E27FC236}">
+                <a16:creationId xmlns:a16="http://schemas.microsoft.com/office/drawing/2014/main" id="{F31AC002-76E2-443A-A4A1-F45DDF21A5C6}"/>
+              </a:ext>
+            </a:extLst>
+          </p:cNvPr>
+          <p:cNvSpPr txBox="1"/>
+          <p:nvPr/>
+        </p:nvSpPr>
+        <p:spPr>
+          <a:xfrm>
+            <a:off x="2523616" y="5336639"/>
+            <a:ext cx="701474" cy="303481"/>
+          </a:xfrm>
+          <a:prstGeom prst="rect">
+            <a:avLst/>
+          </a:prstGeom>
+          <a:noFill/>
+        </p:spPr>
+        <p:txBody>
+          <a:bodyPr wrap="none" rtlCol="0">
+            <a:spAutoFit/>
+          </a:bodyPr>
+          <a:lstStyle/>
+          <a:p>
+            <a:r>
+              <a:rPr lang="en-US" sz="1372" dirty="0" err="1"/>
+              <a:t>valided</a:t>
+            </a:r>
+            <a:endParaRPr lang="en-US" sz="1372" dirty="0"/>
+          </a:p>
+        </p:txBody>
+      </p:sp>
+      <p:sp>
+        <p:nvSpPr>
+          <p:cNvPr id="25" name="TextBox 24">
+            <a:extLst>
+              <a:ext uri="{FF2B5EF4-FFF2-40B4-BE49-F238E27FC236}">
+                <a16:creationId xmlns:a16="http://schemas.microsoft.com/office/drawing/2014/main" id="{080F04F8-6F00-48B8-BA6A-9F7D8C669E67}"/>
+              </a:ext>
+            </a:extLst>
+          </p:cNvPr>
+          <p:cNvSpPr txBox="1"/>
+          <p:nvPr/>
+        </p:nvSpPr>
+        <p:spPr>
+          <a:xfrm>
+            <a:off x="2574806" y="4621286"/>
+            <a:ext cx="558166" cy="303481"/>
+          </a:xfrm>
+          <a:prstGeom prst="rect">
+            <a:avLst/>
+          </a:prstGeom>
+          <a:noFill/>
+        </p:spPr>
+        <p:txBody>
+          <a:bodyPr wrap="none" rtlCol="0">
+            <a:spAutoFit/>
+          </a:bodyPr>
+          <a:lstStyle/>
+          <a:p>
+            <a:r>
+              <a:rPr lang="en-US" sz="1372" b="1" dirty="0">
+                <a:solidFill>
+                  <a:srgbClr val="FF0000"/>
+                </a:solidFill>
+              </a:rPr>
+              <a:t>EMIT</a:t>
+            </a:r>
+          </a:p>
+        </p:txBody>
+      </p:sp>
+      <p:sp>
+        <p:nvSpPr>
+          <p:cNvPr id="26" name="TextBox 25">
+            <a:extLst>
+              <a:ext uri="{FF2B5EF4-FFF2-40B4-BE49-F238E27FC236}">
+                <a16:creationId xmlns:a16="http://schemas.microsoft.com/office/drawing/2014/main" id="{24186A1F-AB7A-4DAF-9291-8F25DCCF42CD}"/>
+              </a:ext>
+            </a:extLst>
+          </p:cNvPr>
+          <p:cNvSpPr txBox="1"/>
+          <p:nvPr/>
+        </p:nvSpPr>
+        <p:spPr>
+          <a:xfrm>
+            <a:off x="6720447" y="481416"/>
+            <a:ext cx="639919" cy="303481"/>
+          </a:xfrm>
+          <a:prstGeom prst="rect">
+            <a:avLst/>
+          </a:prstGeom>
+          <a:noFill/>
+        </p:spPr>
+        <p:txBody>
+          <a:bodyPr wrap="none" rtlCol="0">
+            <a:spAutoFit/>
+          </a:bodyPr>
+          <a:lstStyle/>
+          <a:p>
+            <a:r>
+              <a:rPr lang="en-US" sz="1372" b="1" i="1" dirty="0">
+                <a:solidFill>
+                  <a:srgbClr val="FF0000"/>
+                </a:solidFill>
+              </a:rPr>
+              <a:t>&lt;app&gt;</a:t>
+            </a:r>
+          </a:p>
+        </p:txBody>
+      </p:sp>
+      <p:sp>
+        <p:nvSpPr>
+          <p:cNvPr id="27" name="Rounded Rectangle 31">
+            <a:extLst>
+              <a:ext uri="{FF2B5EF4-FFF2-40B4-BE49-F238E27FC236}">
+                <a16:creationId xmlns:a16="http://schemas.microsoft.com/office/drawing/2014/main" id="{C4D7C439-C920-4BA1-B74C-3DCA6068EC2C}"/>
+              </a:ext>
+            </a:extLst>
+          </p:cNvPr>
+          <p:cNvSpPr/>
+          <p:nvPr/>
+        </p:nvSpPr>
+        <p:spPr>
+          <a:xfrm>
+            <a:off x="6234390" y="310835"/>
+            <a:ext cx="1650319" cy="1166483"/>
+          </a:xfrm>
+          <a:prstGeom prst="roundRect">
+            <a:avLst/>
+          </a:prstGeom>
+          <a:noFill/>
+          <a:ln>
+            <a:solidFill>
+              <a:srgbClr val="FF0000"/>
+            </a:solidFill>
+            <a:prstDash val="lgDash"/>
+          </a:ln>
+        </p:spPr>
+        <p:style>
+          <a:lnRef idx="2">
+            <a:schemeClr val="accent1">
+              <a:shade val="50000"/>
+            </a:schemeClr>
+          </a:lnRef>
+          <a:fillRef idx="1">
+            <a:schemeClr val="accent1"/>
+          </a:fillRef>
+          <a:effectRef idx="0">
+            <a:schemeClr val="accent1"/>
+          </a:effectRef>
+          <a:fontRef idx="minor">
+            <a:schemeClr val="lt1"/>
+          </a:fontRef>
+        </p:style>
+        <p:txBody>
+          <a:bodyPr rtlCol="0" anchor="ctr"/>
+          <a:lstStyle/>
+          <a:p>
+            <a:pPr algn="ctr"/>
+            <a:endParaRPr lang="en-US" sz="1372"/>
+          </a:p>
+        </p:txBody>
+      </p:sp>
+      <p:sp>
+        <p:nvSpPr>
+          <p:cNvPr id="28" name="TextBox 27">
+            <a:extLst>
+              <a:ext uri="{FF2B5EF4-FFF2-40B4-BE49-F238E27FC236}">
+                <a16:creationId xmlns:a16="http://schemas.microsoft.com/office/drawing/2014/main" id="{330A1178-90E9-4024-B1C1-DCF6B1363376}"/>
+              </a:ext>
+            </a:extLst>
+          </p:cNvPr>
+          <p:cNvSpPr txBox="1"/>
+          <p:nvPr/>
+        </p:nvSpPr>
+        <p:spPr>
+          <a:xfrm>
+            <a:off x="6596120" y="894076"/>
+            <a:ext cx="926857" cy="303481"/>
+          </a:xfrm>
+          <a:prstGeom prst="rect">
+            <a:avLst/>
+          </a:prstGeom>
+          <a:noFill/>
+        </p:spPr>
+        <p:txBody>
+          <a:bodyPr wrap="none" rtlCol="0">
+            <a:spAutoFit/>
+          </a:bodyPr>
+          <a:lstStyle/>
+          <a:p>
+            <a:r>
+              <a:rPr lang="en-US" sz="1372" dirty="0"/>
+              <a:t>Students[]</a:t>
+            </a:r>
+          </a:p>
+        </p:txBody>
+      </p:sp>
+      <p:sp>
+        <p:nvSpPr>
+          <p:cNvPr id="29" name="TextBox 28">
+            <a:extLst>
+              <a:ext uri="{FF2B5EF4-FFF2-40B4-BE49-F238E27FC236}">
+                <a16:creationId xmlns:a16="http://schemas.microsoft.com/office/drawing/2014/main" id="{076EE6A3-EF55-4EAC-AB50-A0596B11368B}"/>
+              </a:ext>
+            </a:extLst>
+          </p:cNvPr>
+          <p:cNvSpPr txBox="1"/>
+          <p:nvPr/>
+        </p:nvSpPr>
+        <p:spPr>
+          <a:xfrm>
+            <a:off x="6234390" y="1613780"/>
+            <a:ext cx="2858411" cy="303481"/>
+          </a:xfrm>
+          <a:prstGeom prst="rect">
+            <a:avLst/>
+          </a:prstGeom>
+          <a:noFill/>
+        </p:spPr>
+        <p:txBody>
+          <a:bodyPr wrap="none" rtlCol="0">
+            <a:spAutoFit/>
+          </a:bodyPr>
+          <a:lstStyle/>
+          <a:p>
+            <a:r>
+              <a:rPr lang="en-US" sz="1372" dirty="0"/>
+              <a:t>// </a:t>
+            </a:r>
+            <a:r>
+              <a:rPr lang="en-US" sz="1372" dirty="0">
+                <a:solidFill>
+                  <a:srgbClr val="FF0000"/>
+                </a:solidFill>
+              </a:rPr>
+              <a:t>app</a:t>
+            </a:r>
+            <a:r>
+              <a:rPr lang="en-US" sz="1372" dirty="0"/>
+              <a:t>  provides students to anymore</a:t>
+            </a:r>
+            <a:endParaRPr lang="en-US" sz="1372" dirty="0">
+              <a:solidFill>
+                <a:srgbClr val="FF0000"/>
+              </a:solidFill>
+            </a:endParaRPr>
+          </a:p>
+        </p:txBody>
+      </p:sp>
+      <p:sp>
+        <p:nvSpPr>
+          <p:cNvPr id="30" name="Rounded Rectangle 34">
+            <a:extLst>
+              <a:ext uri="{FF2B5EF4-FFF2-40B4-BE49-F238E27FC236}">
+                <a16:creationId xmlns:a16="http://schemas.microsoft.com/office/drawing/2014/main" id="{88CF0874-17C9-4576-90D6-6664A3945CF5}"/>
+              </a:ext>
+            </a:extLst>
+          </p:cNvPr>
+          <p:cNvSpPr/>
+          <p:nvPr/>
+        </p:nvSpPr>
+        <p:spPr>
+          <a:xfrm>
+            <a:off x="9792269" y="2129025"/>
+            <a:ext cx="1650319" cy="1166483"/>
+          </a:xfrm>
+          <a:prstGeom prst="roundRect">
+            <a:avLst/>
+          </a:prstGeom>
+          <a:noFill/>
+          <a:ln>
+            <a:solidFill>
+              <a:srgbClr val="FF0000"/>
+            </a:solidFill>
+            <a:prstDash val="lgDash"/>
+          </a:ln>
+        </p:spPr>
+        <p:style>
+          <a:lnRef idx="2">
+            <a:schemeClr val="accent1">
+              <a:shade val="50000"/>
+            </a:schemeClr>
+          </a:lnRef>
+          <a:fillRef idx="1">
+            <a:schemeClr val="accent1"/>
+          </a:fillRef>
+          <a:effectRef idx="0">
+            <a:schemeClr val="accent1"/>
+          </a:effectRef>
+          <a:fontRef idx="minor">
+            <a:schemeClr val="lt1"/>
+          </a:fontRef>
+        </p:style>
+        <p:txBody>
+          <a:bodyPr rtlCol="0" anchor="ctr"/>
+          <a:lstStyle/>
+          <a:p>
+            <a:pPr algn="ctr"/>
+            <a:endParaRPr lang="en-US" sz="1372"/>
+          </a:p>
+        </p:txBody>
+      </p:sp>
+      <p:sp>
+        <p:nvSpPr>
+          <p:cNvPr id="31" name="TextBox 30">
+            <a:extLst>
+              <a:ext uri="{FF2B5EF4-FFF2-40B4-BE49-F238E27FC236}">
+                <a16:creationId xmlns:a16="http://schemas.microsoft.com/office/drawing/2014/main" id="{DFED9F04-27DF-462D-B4DE-BC5C3404884B}"/>
+              </a:ext>
+            </a:extLst>
+          </p:cNvPr>
+          <p:cNvSpPr txBox="1"/>
+          <p:nvPr/>
+        </p:nvSpPr>
+        <p:spPr>
+          <a:xfrm>
+            <a:off x="10153999" y="2712266"/>
+            <a:ext cx="926857" cy="303481"/>
+          </a:xfrm>
+          <a:prstGeom prst="rect">
+            <a:avLst/>
+          </a:prstGeom>
+          <a:noFill/>
+        </p:spPr>
+        <p:txBody>
+          <a:bodyPr wrap="none" rtlCol="0">
+            <a:spAutoFit/>
+          </a:bodyPr>
+          <a:lstStyle/>
+          <a:p>
+            <a:r>
+              <a:rPr lang="en-US" sz="1372" dirty="0"/>
+              <a:t>Students[]</a:t>
+            </a:r>
+          </a:p>
+        </p:txBody>
+      </p:sp>
+      <p:sp>
+        <p:nvSpPr>
+          <p:cNvPr id="32" name="TextBox 31">
+            <a:extLst>
+              <a:ext uri="{FF2B5EF4-FFF2-40B4-BE49-F238E27FC236}">
+                <a16:creationId xmlns:a16="http://schemas.microsoft.com/office/drawing/2014/main" id="{FB241677-0696-433F-BACD-6A8162B290FC}"/>
+              </a:ext>
+            </a:extLst>
+          </p:cNvPr>
+          <p:cNvSpPr txBox="1"/>
+          <p:nvPr/>
+        </p:nvSpPr>
+        <p:spPr>
+          <a:xfrm>
+            <a:off x="10297467" y="2308056"/>
+            <a:ext cx="819455" cy="303481"/>
+          </a:xfrm>
+          <a:prstGeom prst="rect">
+            <a:avLst/>
+          </a:prstGeom>
+          <a:noFill/>
+        </p:spPr>
+        <p:txBody>
+          <a:bodyPr wrap="none" rtlCol="0">
+            <a:spAutoFit/>
+          </a:bodyPr>
+          <a:lstStyle/>
+          <a:p>
+            <a:r>
+              <a:rPr lang="en-US" sz="1372" b="1" i="1" dirty="0">
+                <a:solidFill>
+                  <a:srgbClr val="FF0000"/>
+                </a:solidFill>
+              </a:rPr>
+              <a:t>&lt;dialog&gt;</a:t>
+            </a:r>
+          </a:p>
+        </p:txBody>
+      </p:sp>
+      <p:sp>
+        <p:nvSpPr>
+          <p:cNvPr id="33" name="Right Arrow 40">
+            <a:extLst>
+              <a:ext uri="{FF2B5EF4-FFF2-40B4-BE49-F238E27FC236}">
+                <a16:creationId xmlns:a16="http://schemas.microsoft.com/office/drawing/2014/main" id="{CCCDDF96-572D-4619-BBF7-EBA1C6CA0533}"/>
+              </a:ext>
+            </a:extLst>
+          </p:cNvPr>
+          <p:cNvSpPr/>
+          <p:nvPr/>
+        </p:nvSpPr>
+        <p:spPr>
+          <a:xfrm>
+            <a:off x="7846423" y="727951"/>
+            <a:ext cx="696809" cy="333683"/>
+          </a:xfrm>
+          <a:prstGeom prst="rightArrow">
+            <a:avLst/>
+          </a:prstGeom>
+          <a:solidFill>
+            <a:srgbClr val="FFFF00"/>
+          </a:solidFill>
+        </p:spPr>
+        <p:style>
+          <a:lnRef idx="2">
+            <a:schemeClr val="accent1">
+              <a:shade val="50000"/>
+            </a:schemeClr>
+          </a:lnRef>
+          <a:fillRef idx="1">
+            <a:schemeClr val="accent1"/>
+          </a:fillRef>
+          <a:effectRef idx="0">
+            <a:schemeClr val="accent1"/>
+          </a:effectRef>
+          <a:fontRef idx="minor">
+            <a:schemeClr val="lt1"/>
+          </a:fontRef>
+        </p:style>
+        <p:txBody>
+          <a:bodyPr rot="0" spcFirstLastPara="0" vertOverflow="overflow" horzOverflow="overflow" vert="horz" wrap="square" lIns="69681" tIns="34840" rIns="69681" bIns="34840" numCol="1" spcCol="0" rtlCol="0" fromWordArt="0" anchor="ctr" anchorCtr="0" forceAA="0" compatLnSpc="1">
+            <a:prstTxWarp prst="textNoShape">
+              <a:avLst/>
+            </a:prstTxWarp>
+            <a:noAutofit/>
+          </a:bodyPr>
+          <a:lstStyle/>
+          <a:p>
+            <a:pPr algn="ctr"/>
+            <a:endParaRPr lang="en-US" sz="1372"/>
+          </a:p>
+        </p:txBody>
+      </p:sp>
+      <p:sp>
+        <p:nvSpPr>
+          <p:cNvPr id="34" name="TextBox 33">
+            <a:extLst>
+              <a:ext uri="{FF2B5EF4-FFF2-40B4-BE49-F238E27FC236}">
+                <a16:creationId xmlns:a16="http://schemas.microsoft.com/office/drawing/2014/main" id="{088E2C20-5413-4FFC-9C56-08153C5A3E12}"/>
+              </a:ext>
+            </a:extLst>
+          </p:cNvPr>
+          <p:cNvSpPr txBox="1"/>
+          <p:nvPr/>
+        </p:nvSpPr>
+        <p:spPr>
+          <a:xfrm>
+            <a:off x="7837364" y="509852"/>
+            <a:ext cx="838756" cy="303481"/>
+          </a:xfrm>
+          <a:prstGeom prst="rect">
+            <a:avLst/>
+          </a:prstGeom>
+          <a:noFill/>
+        </p:spPr>
+        <p:txBody>
+          <a:bodyPr wrap="none" rtlCol="0">
+            <a:spAutoFit/>
+          </a:bodyPr>
+          <a:lstStyle/>
+          <a:p>
+            <a:r>
+              <a:rPr lang="en-US" sz="1372" b="1" dirty="0">
+                <a:solidFill>
+                  <a:schemeClr val="accent4"/>
+                </a:solidFill>
+              </a:rPr>
+              <a:t>PROVIDE</a:t>
+            </a:r>
+          </a:p>
+        </p:txBody>
+      </p:sp>
+      <p:sp>
+        <p:nvSpPr>
+          <p:cNvPr id="35" name="TextBox 34">
+            <a:extLst>
+              <a:ext uri="{FF2B5EF4-FFF2-40B4-BE49-F238E27FC236}">
+                <a16:creationId xmlns:a16="http://schemas.microsoft.com/office/drawing/2014/main" id="{791A6489-B98B-49A2-8E4F-BA104881D7FA}"/>
+              </a:ext>
+            </a:extLst>
+          </p:cNvPr>
+          <p:cNvSpPr txBox="1"/>
+          <p:nvPr/>
+        </p:nvSpPr>
+        <p:spPr>
+          <a:xfrm>
+            <a:off x="7991050" y="1073307"/>
+            <a:ext cx="926857" cy="303481"/>
+          </a:xfrm>
+          <a:prstGeom prst="rect">
+            <a:avLst/>
+          </a:prstGeom>
+          <a:noFill/>
+        </p:spPr>
+        <p:txBody>
+          <a:bodyPr wrap="none" rtlCol="0">
+            <a:spAutoFit/>
+          </a:bodyPr>
+          <a:lstStyle/>
+          <a:p>
+            <a:r>
+              <a:rPr lang="en-US" sz="1372" dirty="0"/>
+              <a:t>Students[]</a:t>
+            </a:r>
+          </a:p>
+        </p:txBody>
+      </p:sp>
+      <p:sp>
+        <p:nvSpPr>
+          <p:cNvPr id="36" name="Right Arrow 43">
+            <a:extLst>
+              <a:ext uri="{FF2B5EF4-FFF2-40B4-BE49-F238E27FC236}">
+                <a16:creationId xmlns:a16="http://schemas.microsoft.com/office/drawing/2014/main" id="{923CD08F-6F11-463F-BD83-B05DFB9BA4B8}"/>
+              </a:ext>
+            </a:extLst>
+          </p:cNvPr>
+          <p:cNvSpPr/>
+          <p:nvPr/>
+        </p:nvSpPr>
+        <p:spPr>
+          <a:xfrm>
+            <a:off x="9135788" y="2542676"/>
+            <a:ext cx="696809" cy="333683"/>
+          </a:xfrm>
+          <a:prstGeom prst="rightArrow">
+            <a:avLst/>
+          </a:prstGeom>
+          <a:solidFill>
+            <a:srgbClr val="FFFF00"/>
+          </a:solidFill>
+        </p:spPr>
+        <p:style>
+          <a:lnRef idx="2">
+            <a:schemeClr val="accent1">
+              <a:shade val="50000"/>
+            </a:schemeClr>
+          </a:lnRef>
+          <a:fillRef idx="1">
+            <a:schemeClr val="accent1"/>
+          </a:fillRef>
+          <a:effectRef idx="0">
+            <a:schemeClr val="accent1"/>
+          </a:effectRef>
+          <a:fontRef idx="minor">
+            <a:schemeClr val="lt1"/>
+          </a:fontRef>
+        </p:style>
+        <p:txBody>
+          <a:bodyPr rot="0" spcFirstLastPara="0" vertOverflow="overflow" horzOverflow="overflow" vert="horz" wrap="square" lIns="69681" tIns="34840" rIns="69681" bIns="34840" numCol="1" spcCol="0" rtlCol="0" fromWordArt="0" anchor="ctr" anchorCtr="0" forceAA="0" compatLnSpc="1">
+            <a:prstTxWarp prst="textNoShape">
+              <a:avLst/>
+            </a:prstTxWarp>
+            <a:noAutofit/>
+          </a:bodyPr>
+          <a:lstStyle/>
+          <a:p>
+            <a:pPr algn="ctr"/>
+            <a:endParaRPr lang="en-US" sz="1372"/>
+          </a:p>
+        </p:txBody>
+      </p:sp>
+      <p:sp>
+        <p:nvSpPr>
+          <p:cNvPr id="37" name="TextBox 36">
+            <a:extLst>
+              <a:ext uri="{FF2B5EF4-FFF2-40B4-BE49-F238E27FC236}">
+                <a16:creationId xmlns:a16="http://schemas.microsoft.com/office/drawing/2014/main" id="{C96D1DFD-6A5B-4AE8-9431-E465BCC62FBF}"/>
+              </a:ext>
+            </a:extLst>
+          </p:cNvPr>
+          <p:cNvSpPr txBox="1"/>
+          <p:nvPr/>
+        </p:nvSpPr>
+        <p:spPr>
+          <a:xfrm>
+            <a:off x="9126729" y="2324577"/>
+            <a:ext cx="668645" cy="303481"/>
+          </a:xfrm>
+          <a:prstGeom prst="rect">
+            <a:avLst/>
+          </a:prstGeom>
+          <a:noFill/>
+        </p:spPr>
+        <p:txBody>
+          <a:bodyPr wrap="none" rtlCol="0">
+            <a:spAutoFit/>
+          </a:bodyPr>
+          <a:lstStyle/>
+          <a:p>
+            <a:r>
+              <a:rPr lang="en-US" sz="1372" b="1" dirty="0">
+                <a:solidFill>
+                  <a:schemeClr val="accent4"/>
+                </a:solidFill>
+              </a:rPr>
+              <a:t>INJECT</a:t>
+            </a:r>
+          </a:p>
+        </p:txBody>
+      </p:sp>
+      <p:sp>
+        <p:nvSpPr>
+          <p:cNvPr id="38" name="TextBox 37">
+            <a:extLst>
+              <a:ext uri="{FF2B5EF4-FFF2-40B4-BE49-F238E27FC236}">
+                <a16:creationId xmlns:a16="http://schemas.microsoft.com/office/drawing/2014/main" id="{3099BA88-88B3-432B-855F-E128F7BF96FC}"/>
+              </a:ext>
+            </a:extLst>
+          </p:cNvPr>
+          <p:cNvSpPr txBox="1"/>
+          <p:nvPr/>
+        </p:nvSpPr>
+        <p:spPr>
+          <a:xfrm>
+            <a:off x="9280415" y="2888032"/>
+            <a:ext cx="926857" cy="303481"/>
+          </a:xfrm>
+          <a:prstGeom prst="rect">
+            <a:avLst/>
+          </a:prstGeom>
+          <a:noFill/>
+        </p:spPr>
+        <p:txBody>
+          <a:bodyPr wrap="none" rtlCol="0">
+            <a:spAutoFit/>
+          </a:bodyPr>
+          <a:lstStyle/>
+          <a:p>
+            <a:r>
+              <a:rPr lang="en-US" sz="1372" dirty="0"/>
+              <a:t>Students[]</a:t>
+            </a:r>
+          </a:p>
+        </p:txBody>
+      </p:sp>
+      <p:sp>
+        <p:nvSpPr>
+          <p:cNvPr id="39" name="TextBox 38">
+            <a:extLst>
+              <a:ext uri="{FF2B5EF4-FFF2-40B4-BE49-F238E27FC236}">
+                <a16:creationId xmlns:a16="http://schemas.microsoft.com/office/drawing/2014/main" id="{F475E57B-2D5E-4F15-A7C3-01FF4958EEAA}"/>
+              </a:ext>
+            </a:extLst>
+          </p:cNvPr>
+          <p:cNvSpPr txBox="1"/>
+          <p:nvPr/>
+        </p:nvSpPr>
+        <p:spPr>
+          <a:xfrm>
+            <a:off x="8917907" y="3423528"/>
+            <a:ext cx="2987100" cy="303481"/>
+          </a:xfrm>
+          <a:prstGeom prst="rect">
+            <a:avLst/>
+          </a:prstGeom>
+          <a:noFill/>
+        </p:spPr>
+        <p:txBody>
+          <a:bodyPr wrap="none" rtlCol="0">
+            <a:spAutoFit/>
+          </a:bodyPr>
+          <a:lstStyle/>
+          <a:p>
+            <a:r>
+              <a:rPr lang="en-US" sz="1372" dirty="0"/>
+              <a:t>// </a:t>
+            </a:r>
+            <a:r>
+              <a:rPr lang="en-US" sz="1372" dirty="0">
+                <a:solidFill>
+                  <a:srgbClr val="FF0000"/>
+                </a:solidFill>
+              </a:rPr>
+              <a:t>dialog </a:t>
+            </a:r>
+            <a:r>
+              <a:rPr lang="en-US" sz="1372" dirty="0"/>
+              <a:t> gets students from a provider</a:t>
+            </a:r>
+            <a:endParaRPr lang="en-US" sz="1372" dirty="0">
+              <a:solidFill>
+                <a:srgbClr val="FF0000"/>
+              </a:solidFill>
+            </a:endParaRPr>
+          </a:p>
+        </p:txBody>
+      </p:sp>
+      <p:sp>
+        <p:nvSpPr>
+          <p:cNvPr id="40" name="TextBox 39">
+            <a:extLst>
+              <a:ext uri="{FF2B5EF4-FFF2-40B4-BE49-F238E27FC236}">
+                <a16:creationId xmlns:a16="http://schemas.microsoft.com/office/drawing/2014/main" id="{AAC968E5-4DEC-4F0E-95C9-C3601B0E592A}"/>
+              </a:ext>
+            </a:extLst>
+          </p:cNvPr>
+          <p:cNvSpPr txBox="1"/>
+          <p:nvPr/>
+        </p:nvSpPr>
+        <p:spPr>
+          <a:xfrm>
+            <a:off x="6561502" y="4305380"/>
+            <a:ext cx="1215717" cy="303481"/>
+          </a:xfrm>
+          <a:prstGeom prst="rect">
+            <a:avLst/>
+          </a:prstGeom>
+          <a:noFill/>
+        </p:spPr>
+        <p:txBody>
+          <a:bodyPr wrap="none" rtlCol="0">
+            <a:spAutoFit/>
+          </a:bodyPr>
+          <a:lstStyle/>
+          <a:p>
+            <a:r>
+              <a:rPr lang="en-US" sz="1372" b="1" i="1" dirty="0">
+                <a:solidFill>
+                  <a:srgbClr val="7030A0"/>
+                </a:solidFill>
+              </a:rPr>
+              <a:t>&lt;router-view&gt;</a:t>
+            </a:r>
+          </a:p>
+        </p:txBody>
+      </p:sp>
+      <p:sp>
+        <p:nvSpPr>
+          <p:cNvPr id="41" name="Rounded Rectangle 48">
+            <a:extLst>
+              <a:ext uri="{FF2B5EF4-FFF2-40B4-BE49-F238E27FC236}">
+                <a16:creationId xmlns:a16="http://schemas.microsoft.com/office/drawing/2014/main" id="{D2C4FEAA-B9F2-42C6-B6C7-B2F641BE481B}"/>
+              </a:ext>
+            </a:extLst>
+          </p:cNvPr>
+          <p:cNvSpPr/>
+          <p:nvPr/>
+        </p:nvSpPr>
+        <p:spPr>
+          <a:xfrm>
+            <a:off x="6217868" y="4170157"/>
+            <a:ext cx="1866945" cy="584334"/>
+          </a:xfrm>
+          <a:prstGeom prst="roundRect">
+            <a:avLst/>
+          </a:prstGeom>
+          <a:noFill/>
+          <a:ln>
+            <a:solidFill>
+              <a:srgbClr val="7030A0"/>
+            </a:solidFill>
+            <a:prstDash val="lgDash"/>
+          </a:ln>
+        </p:spPr>
+        <p:style>
+          <a:lnRef idx="2">
+            <a:schemeClr val="accent1">
+              <a:shade val="50000"/>
+            </a:schemeClr>
+          </a:lnRef>
+          <a:fillRef idx="1">
+            <a:schemeClr val="accent1"/>
+          </a:fillRef>
+          <a:effectRef idx="0">
+            <a:schemeClr val="accent1"/>
+          </a:effectRef>
+          <a:fontRef idx="minor">
+            <a:schemeClr val="lt1"/>
+          </a:fontRef>
+        </p:style>
+        <p:txBody>
+          <a:bodyPr rtlCol="0" anchor="ctr"/>
+          <a:lstStyle/>
+          <a:p>
+            <a:pPr algn="ctr"/>
+            <a:endParaRPr lang="en-US" sz="1372"/>
+          </a:p>
+        </p:txBody>
+      </p:sp>
+      <p:sp>
+        <p:nvSpPr>
+          <p:cNvPr id="42" name="TextBox 41">
+            <a:extLst>
+              <a:ext uri="{FF2B5EF4-FFF2-40B4-BE49-F238E27FC236}">
+                <a16:creationId xmlns:a16="http://schemas.microsoft.com/office/drawing/2014/main" id="{6F6FF6C3-31FA-435E-9F4D-35E5C2A4BA97}"/>
+              </a:ext>
+            </a:extLst>
+          </p:cNvPr>
+          <p:cNvSpPr txBox="1"/>
+          <p:nvPr/>
+        </p:nvSpPr>
+        <p:spPr>
+          <a:xfrm>
+            <a:off x="8256742" y="4317805"/>
+            <a:ext cx="2229136" cy="303481"/>
+          </a:xfrm>
+          <a:prstGeom prst="rect">
+            <a:avLst/>
+          </a:prstGeom>
+          <a:noFill/>
+        </p:spPr>
+        <p:txBody>
+          <a:bodyPr wrap="none" rtlCol="0">
+            <a:spAutoFit/>
+          </a:bodyPr>
+          <a:lstStyle/>
+          <a:p>
+            <a:r>
+              <a:rPr lang="en-US" sz="1372" dirty="0"/>
+              <a:t>// </a:t>
+            </a:r>
+            <a:r>
+              <a:rPr lang="en-US" sz="1372" dirty="0" err="1"/>
+              <a:t>Vue</a:t>
+            </a:r>
+            <a:r>
+              <a:rPr lang="en-US" sz="1372" dirty="0"/>
+              <a:t> JS built-in component</a:t>
+            </a:r>
+            <a:endParaRPr lang="en-US" sz="1372" dirty="0">
+              <a:solidFill>
+                <a:srgbClr val="FF0000"/>
+              </a:solidFill>
+            </a:endParaRPr>
+          </a:p>
+        </p:txBody>
+      </p:sp>
+    </p:spTree>
+    <p:extLst>
+      <p:ext uri="{BB962C8B-B14F-4D97-AF65-F5344CB8AC3E}">
+        <p14:creationId xmlns:p14="http://schemas.microsoft.com/office/powerpoint/2010/main" val="2892656276"/>
       </p:ext>
     </p:extLst>
   </p:cSld>

--- a/docs/COMPONENT-DIAGRAM.pptx
+++ b/docs/COMPONENT-DIAGRAM.pptx
@@ -10,6 +10,7 @@
     <p:sldId id="259" r:id="rId4"/>
     <p:sldId id="260" r:id="rId5"/>
     <p:sldId id="261" r:id="rId6"/>
+    <p:sldId id="262" r:id="rId7"/>
   </p:sldIdLst>
   <p:sldSz cx="12192000" cy="6858000"/>
   <p:notesSz cx="6858000" cy="9144000"/>
@@ -245,7 +246,7 @@
           <a:p>
             <a:fld id="{28BE630F-C39C-4DB9-8258-0B48CA067079}" type="datetimeFigureOut">
               <a:rPr lang="en-US" smtClean="0"/>
-              <a:t>11/29/2021</a:t>
+              <a:t>12/3/2021</a:t>
             </a:fld>
             <a:endParaRPr lang="en-US"/>
           </a:p>
@@ -413,7 +414,7 @@
           <a:p>
             <a:fld id="{28BE630F-C39C-4DB9-8258-0B48CA067079}" type="datetimeFigureOut">
               <a:rPr lang="en-US" smtClean="0"/>
-              <a:t>11/29/2021</a:t>
+              <a:t>12/3/2021</a:t>
             </a:fld>
             <a:endParaRPr lang="en-US"/>
           </a:p>
@@ -591,7 +592,7 @@
           <a:p>
             <a:fld id="{28BE630F-C39C-4DB9-8258-0B48CA067079}" type="datetimeFigureOut">
               <a:rPr lang="en-US" smtClean="0"/>
-              <a:t>11/29/2021</a:t>
+              <a:t>12/3/2021</a:t>
             </a:fld>
             <a:endParaRPr lang="en-US"/>
           </a:p>
@@ -759,7 +760,7 @@
           <a:p>
             <a:fld id="{28BE630F-C39C-4DB9-8258-0B48CA067079}" type="datetimeFigureOut">
               <a:rPr lang="en-US" smtClean="0"/>
-              <a:t>11/29/2021</a:t>
+              <a:t>12/3/2021</a:t>
             </a:fld>
             <a:endParaRPr lang="en-US"/>
           </a:p>
@@ -1004,7 +1005,7 @@
           <a:p>
             <a:fld id="{28BE630F-C39C-4DB9-8258-0B48CA067079}" type="datetimeFigureOut">
               <a:rPr lang="en-US" smtClean="0"/>
-              <a:t>11/29/2021</a:t>
+              <a:t>12/3/2021</a:t>
             </a:fld>
             <a:endParaRPr lang="en-US"/>
           </a:p>
@@ -1233,7 +1234,7 @@
           <a:p>
             <a:fld id="{28BE630F-C39C-4DB9-8258-0B48CA067079}" type="datetimeFigureOut">
               <a:rPr lang="en-US" smtClean="0"/>
-              <a:t>11/29/2021</a:t>
+              <a:t>12/3/2021</a:t>
             </a:fld>
             <a:endParaRPr lang="en-US"/>
           </a:p>
@@ -1597,7 +1598,7 @@
           <a:p>
             <a:fld id="{28BE630F-C39C-4DB9-8258-0B48CA067079}" type="datetimeFigureOut">
               <a:rPr lang="en-US" smtClean="0"/>
-              <a:t>11/29/2021</a:t>
+              <a:t>12/3/2021</a:t>
             </a:fld>
             <a:endParaRPr lang="en-US"/>
           </a:p>
@@ -1714,7 +1715,7 @@
           <a:p>
             <a:fld id="{28BE630F-C39C-4DB9-8258-0B48CA067079}" type="datetimeFigureOut">
               <a:rPr lang="en-US" smtClean="0"/>
-              <a:t>11/29/2021</a:t>
+              <a:t>12/3/2021</a:t>
             </a:fld>
             <a:endParaRPr lang="en-US"/>
           </a:p>
@@ -1809,7 +1810,7 @@
           <a:p>
             <a:fld id="{28BE630F-C39C-4DB9-8258-0B48CA067079}" type="datetimeFigureOut">
               <a:rPr lang="en-US" smtClean="0"/>
-              <a:t>11/29/2021</a:t>
+              <a:t>12/3/2021</a:t>
             </a:fld>
             <a:endParaRPr lang="en-US"/>
           </a:p>
@@ -2084,7 +2085,7 @@
           <a:p>
             <a:fld id="{28BE630F-C39C-4DB9-8258-0B48CA067079}" type="datetimeFigureOut">
               <a:rPr lang="en-US" smtClean="0"/>
-              <a:t>11/29/2021</a:t>
+              <a:t>12/3/2021</a:t>
             </a:fld>
             <a:endParaRPr lang="en-US"/>
           </a:p>
@@ -2336,7 +2337,7 @@
           <a:p>
             <a:fld id="{28BE630F-C39C-4DB9-8258-0B48CA067079}" type="datetimeFigureOut">
               <a:rPr lang="en-US" smtClean="0"/>
-              <a:t>11/29/2021</a:t>
+              <a:t>12/3/2021</a:t>
             </a:fld>
             <a:endParaRPr lang="en-US"/>
           </a:p>
@@ -2547,7 +2548,7 @@
           <a:p>
             <a:fld id="{28BE630F-C39C-4DB9-8258-0B48CA067079}" type="datetimeFigureOut">
               <a:rPr lang="en-US" smtClean="0"/>
-              <a:t>11/29/2021</a:t>
+              <a:t>12/3/2021</a:t>
             </a:fld>
             <a:endParaRPr lang="en-US"/>
           </a:p>
@@ -6426,6 +6427,4290 @@
 </p:sld>
 </file>
 
+<file path=ppt/slides/slide6.xml><?xml version="1.0" encoding="utf-8"?>
+<p:sld xmlns:a="http://schemas.openxmlformats.org/drawingml/2006/main" xmlns:r="http://schemas.openxmlformats.org/officeDocument/2006/relationships" xmlns:p="http://schemas.openxmlformats.org/presentationml/2006/main">
+  <p:cSld>
+    <p:spTree>
+      <p:nvGrpSpPr>
+        <p:cNvPr id="1" name=""/>
+        <p:cNvGrpSpPr/>
+        <p:nvPr/>
+      </p:nvGrpSpPr>
+      <p:grpSpPr>
+        <a:xfrm>
+          <a:off x="0" y="0"/>
+          <a:ext cx="0" cy="0"/>
+          <a:chOff x="0" y="0"/>
+          <a:chExt cx="0" cy="0"/>
+        </a:xfrm>
+      </p:grpSpPr>
+      <p:sp>
+        <p:nvSpPr>
+          <p:cNvPr id="4" name="Rectangle: Rounded Corners 3">
+            <a:extLst>
+              <a:ext uri="{FF2B5EF4-FFF2-40B4-BE49-F238E27FC236}">
+                <a16:creationId xmlns:a16="http://schemas.microsoft.com/office/drawing/2014/main" id="{739AC715-65FD-4329-B06F-183674BA30D6}"/>
+              </a:ext>
+            </a:extLst>
+          </p:cNvPr>
+          <p:cNvSpPr/>
+          <p:nvPr/>
+        </p:nvSpPr>
+        <p:spPr>
+          <a:xfrm>
+            <a:off x="1389753" y="2112290"/>
+            <a:ext cx="2347784" cy="2570921"/>
+          </a:xfrm>
+          <a:prstGeom prst="roundRect">
+            <a:avLst/>
+          </a:prstGeom>
+          <a:noFill/>
+          <a:ln>
+            <a:solidFill>
+              <a:srgbClr val="FF0000"/>
+            </a:solidFill>
+          </a:ln>
+        </p:spPr>
+        <p:style>
+          <a:lnRef idx="2">
+            <a:schemeClr val="accent1">
+              <a:shade val="50000"/>
+            </a:schemeClr>
+          </a:lnRef>
+          <a:fillRef idx="1">
+            <a:schemeClr val="accent1"/>
+          </a:fillRef>
+          <a:effectRef idx="0">
+            <a:schemeClr val="accent1"/>
+          </a:effectRef>
+          <a:fontRef idx="minor">
+            <a:schemeClr val="lt1"/>
+          </a:fontRef>
+        </p:style>
+        <p:txBody>
+          <a:bodyPr rtlCol="0" anchor="ctr"/>
+          <a:lstStyle>
+            <a:defPPr>
+              <a:defRPr lang="en-US"/>
+            </a:defPPr>
+            <a:lvl1pPr marL="0" algn="l" defTabSz="914400" rtl="0" eaLnBrk="1" latinLnBrk="0" hangingPunct="1">
+              <a:defRPr sz="1800" kern="1200">
+                <a:solidFill>
+                  <a:schemeClr val="lt1"/>
+                </a:solidFill>
+                <a:latin typeface="+mn-lt"/>
+                <a:ea typeface="+mn-ea"/>
+                <a:cs typeface="+mn-cs"/>
+              </a:defRPr>
+            </a:lvl1pPr>
+            <a:lvl2pPr marL="457200" algn="l" defTabSz="914400" rtl="0" eaLnBrk="1" latinLnBrk="0" hangingPunct="1">
+              <a:defRPr sz="1800" kern="1200">
+                <a:solidFill>
+                  <a:schemeClr val="lt1"/>
+                </a:solidFill>
+                <a:latin typeface="+mn-lt"/>
+                <a:ea typeface="+mn-ea"/>
+                <a:cs typeface="+mn-cs"/>
+              </a:defRPr>
+            </a:lvl2pPr>
+            <a:lvl3pPr marL="914400" algn="l" defTabSz="914400" rtl="0" eaLnBrk="1" latinLnBrk="0" hangingPunct="1">
+              <a:defRPr sz="1800" kern="1200">
+                <a:solidFill>
+                  <a:schemeClr val="lt1"/>
+                </a:solidFill>
+                <a:latin typeface="+mn-lt"/>
+                <a:ea typeface="+mn-ea"/>
+                <a:cs typeface="+mn-cs"/>
+              </a:defRPr>
+            </a:lvl3pPr>
+            <a:lvl4pPr marL="1371600" algn="l" defTabSz="914400" rtl="0" eaLnBrk="1" latinLnBrk="0" hangingPunct="1">
+              <a:defRPr sz="1800" kern="1200">
+                <a:solidFill>
+                  <a:schemeClr val="lt1"/>
+                </a:solidFill>
+                <a:latin typeface="+mn-lt"/>
+                <a:ea typeface="+mn-ea"/>
+                <a:cs typeface="+mn-cs"/>
+              </a:defRPr>
+            </a:lvl4pPr>
+            <a:lvl5pPr marL="1828800" algn="l" defTabSz="914400" rtl="0" eaLnBrk="1" latinLnBrk="0" hangingPunct="1">
+              <a:defRPr sz="1800" kern="1200">
+                <a:solidFill>
+                  <a:schemeClr val="lt1"/>
+                </a:solidFill>
+                <a:latin typeface="+mn-lt"/>
+                <a:ea typeface="+mn-ea"/>
+                <a:cs typeface="+mn-cs"/>
+              </a:defRPr>
+            </a:lvl5pPr>
+            <a:lvl6pPr marL="2286000" algn="l" defTabSz="914400" rtl="0" eaLnBrk="1" latinLnBrk="0" hangingPunct="1">
+              <a:defRPr sz="1800" kern="1200">
+                <a:solidFill>
+                  <a:schemeClr val="lt1"/>
+                </a:solidFill>
+                <a:latin typeface="+mn-lt"/>
+                <a:ea typeface="+mn-ea"/>
+                <a:cs typeface="+mn-cs"/>
+              </a:defRPr>
+            </a:lvl6pPr>
+            <a:lvl7pPr marL="2743200" algn="l" defTabSz="914400" rtl="0" eaLnBrk="1" latinLnBrk="0" hangingPunct="1">
+              <a:defRPr sz="1800" kern="1200">
+                <a:solidFill>
+                  <a:schemeClr val="lt1"/>
+                </a:solidFill>
+                <a:latin typeface="+mn-lt"/>
+                <a:ea typeface="+mn-ea"/>
+                <a:cs typeface="+mn-cs"/>
+              </a:defRPr>
+            </a:lvl7pPr>
+            <a:lvl8pPr marL="3200400" algn="l" defTabSz="914400" rtl="0" eaLnBrk="1" latinLnBrk="0" hangingPunct="1">
+              <a:defRPr sz="1800" kern="1200">
+                <a:solidFill>
+                  <a:schemeClr val="lt1"/>
+                </a:solidFill>
+                <a:latin typeface="+mn-lt"/>
+                <a:ea typeface="+mn-ea"/>
+                <a:cs typeface="+mn-cs"/>
+              </a:defRPr>
+            </a:lvl8pPr>
+            <a:lvl9pPr marL="3657600" algn="l" defTabSz="914400" rtl="0" eaLnBrk="1" latinLnBrk="0" hangingPunct="1">
+              <a:defRPr sz="1800" kern="1200">
+                <a:solidFill>
+                  <a:schemeClr val="lt1"/>
+                </a:solidFill>
+                <a:latin typeface="+mn-lt"/>
+                <a:ea typeface="+mn-ea"/>
+                <a:cs typeface="+mn-cs"/>
+              </a:defRPr>
+            </a:lvl9pPr>
+          </a:lstStyle>
+          <a:p>
+            <a:pPr algn="ctr"/>
+            <a:endParaRPr lang="en-US"/>
+          </a:p>
+        </p:txBody>
+      </p:sp>
+      <p:sp>
+        <p:nvSpPr>
+          <p:cNvPr id="5" name="TextBox 2">
+            <a:extLst>
+              <a:ext uri="{FF2B5EF4-FFF2-40B4-BE49-F238E27FC236}">
+                <a16:creationId xmlns:a16="http://schemas.microsoft.com/office/drawing/2014/main" id="{310A017E-8DC4-4DC7-9542-C5E727091D2B}"/>
+              </a:ext>
+            </a:extLst>
+          </p:cNvPr>
+          <p:cNvSpPr txBox="1"/>
+          <p:nvPr/>
+        </p:nvSpPr>
+        <p:spPr>
+          <a:xfrm>
+            <a:off x="2282959" y="3160076"/>
+            <a:ext cx="561372" cy="369332"/>
+          </a:xfrm>
+          <a:prstGeom prst="rect">
+            <a:avLst/>
+          </a:prstGeom>
+          <a:noFill/>
+        </p:spPr>
+        <p:txBody>
+          <a:bodyPr wrap="square" rtlCol="0">
+            <a:spAutoFit/>
+          </a:bodyPr>
+          <a:lstStyle>
+            <a:defPPr>
+              <a:defRPr lang="en-US"/>
+            </a:defPPr>
+            <a:lvl1pPr marL="0" algn="l" defTabSz="914400" rtl="0" eaLnBrk="1" latinLnBrk="0" hangingPunct="1">
+              <a:defRPr sz="1800" kern="1200">
+                <a:solidFill>
+                  <a:schemeClr val="tx1"/>
+                </a:solidFill>
+                <a:latin typeface="+mn-lt"/>
+                <a:ea typeface="+mn-ea"/>
+                <a:cs typeface="+mn-cs"/>
+              </a:defRPr>
+            </a:lvl1pPr>
+            <a:lvl2pPr marL="457200" algn="l" defTabSz="914400" rtl="0" eaLnBrk="1" latinLnBrk="0" hangingPunct="1">
+              <a:defRPr sz="1800" kern="1200">
+                <a:solidFill>
+                  <a:schemeClr val="tx1"/>
+                </a:solidFill>
+                <a:latin typeface="+mn-lt"/>
+                <a:ea typeface="+mn-ea"/>
+                <a:cs typeface="+mn-cs"/>
+              </a:defRPr>
+            </a:lvl2pPr>
+            <a:lvl3pPr marL="914400" algn="l" defTabSz="914400" rtl="0" eaLnBrk="1" latinLnBrk="0" hangingPunct="1">
+              <a:defRPr sz="1800" kern="1200">
+                <a:solidFill>
+                  <a:schemeClr val="tx1"/>
+                </a:solidFill>
+                <a:latin typeface="+mn-lt"/>
+                <a:ea typeface="+mn-ea"/>
+                <a:cs typeface="+mn-cs"/>
+              </a:defRPr>
+            </a:lvl3pPr>
+            <a:lvl4pPr marL="1371600" algn="l" defTabSz="914400" rtl="0" eaLnBrk="1" latinLnBrk="0" hangingPunct="1">
+              <a:defRPr sz="1800" kern="1200">
+                <a:solidFill>
+                  <a:schemeClr val="tx1"/>
+                </a:solidFill>
+                <a:latin typeface="+mn-lt"/>
+                <a:ea typeface="+mn-ea"/>
+                <a:cs typeface="+mn-cs"/>
+              </a:defRPr>
+            </a:lvl4pPr>
+            <a:lvl5pPr marL="1828800" algn="l" defTabSz="914400" rtl="0" eaLnBrk="1" latinLnBrk="0" hangingPunct="1">
+              <a:defRPr sz="1800" kern="1200">
+                <a:solidFill>
+                  <a:schemeClr val="tx1"/>
+                </a:solidFill>
+                <a:latin typeface="+mn-lt"/>
+                <a:ea typeface="+mn-ea"/>
+                <a:cs typeface="+mn-cs"/>
+              </a:defRPr>
+            </a:lvl5pPr>
+            <a:lvl6pPr marL="2286000" algn="l" defTabSz="914400" rtl="0" eaLnBrk="1" latinLnBrk="0" hangingPunct="1">
+              <a:defRPr sz="1800" kern="1200">
+                <a:solidFill>
+                  <a:schemeClr val="tx1"/>
+                </a:solidFill>
+                <a:latin typeface="+mn-lt"/>
+                <a:ea typeface="+mn-ea"/>
+                <a:cs typeface="+mn-cs"/>
+              </a:defRPr>
+            </a:lvl6pPr>
+            <a:lvl7pPr marL="2743200" algn="l" defTabSz="914400" rtl="0" eaLnBrk="1" latinLnBrk="0" hangingPunct="1">
+              <a:defRPr sz="1800" kern="1200">
+                <a:solidFill>
+                  <a:schemeClr val="tx1"/>
+                </a:solidFill>
+                <a:latin typeface="+mn-lt"/>
+                <a:ea typeface="+mn-ea"/>
+                <a:cs typeface="+mn-cs"/>
+              </a:defRPr>
+            </a:lvl7pPr>
+            <a:lvl8pPr marL="3200400" algn="l" defTabSz="914400" rtl="0" eaLnBrk="1" latinLnBrk="0" hangingPunct="1">
+              <a:defRPr sz="1800" kern="1200">
+                <a:solidFill>
+                  <a:schemeClr val="tx1"/>
+                </a:solidFill>
+                <a:latin typeface="+mn-lt"/>
+                <a:ea typeface="+mn-ea"/>
+                <a:cs typeface="+mn-cs"/>
+              </a:defRPr>
+            </a:lvl8pPr>
+            <a:lvl9pPr marL="3657600" algn="l" defTabSz="914400" rtl="0" eaLnBrk="1" latinLnBrk="0" hangingPunct="1">
+              <a:defRPr sz="1800" kern="1200">
+                <a:solidFill>
+                  <a:schemeClr val="tx1"/>
+                </a:solidFill>
+                <a:latin typeface="+mn-lt"/>
+                <a:ea typeface="+mn-ea"/>
+                <a:cs typeface="+mn-cs"/>
+              </a:defRPr>
+            </a:lvl9pPr>
+          </a:lstStyle>
+          <a:p>
+            <a:r>
+              <a:rPr lang="en-US" dirty="0"/>
+              <a:t>App</a:t>
+            </a:r>
+          </a:p>
+        </p:txBody>
+      </p:sp>
+      <p:sp>
+        <p:nvSpPr>
+          <p:cNvPr id="6" name="Rectangle: Rounded Corners 5">
+            <a:extLst>
+              <a:ext uri="{FF2B5EF4-FFF2-40B4-BE49-F238E27FC236}">
+                <a16:creationId xmlns:a16="http://schemas.microsoft.com/office/drawing/2014/main" id="{98752F16-8C80-4E81-A967-7DD15B922304}"/>
+              </a:ext>
+            </a:extLst>
+          </p:cNvPr>
+          <p:cNvSpPr/>
+          <p:nvPr/>
+        </p:nvSpPr>
+        <p:spPr>
+          <a:xfrm>
+            <a:off x="4424501" y="224974"/>
+            <a:ext cx="2347784" cy="6239536"/>
+          </a:xfrm>
+          <a:prstGeom prst="roundRect">
+            <a:avLst/>
+          </a:prstGeom>
+          <a:noFill/>
+          <a:ln>
+            <a:solidFill>
+              <a:srgbClr val="FF0000"/>
+            </a:solidFill>
+          </a:ln>
+        </p:spPr>
+        <p:style>
+          <a:lnRef idx="2">
+            <a:schemeClr val="accent1">
+              <a:shade val="50000"/>
+            </a:schemeClr>
+          </a:lnRef>
+          <a:fillRef idx="1">
+            <a:schemeClr val="accent1"/>
+          </a:fillRef>
+          <a:effectRef idx="0">
+            <a:schemeClr val="accent1"/>
+          </a:effectRef>
+          <a:fontRef idx="minor">
+            <a:schemeClr val="lt1"/>
+          </a:fontRef>
+        </p:style>
+        <p:txBody>
+          <a:bodyPr rtlCol="0" anchor="ctr"/>
+          <a:lstStyle>
+            <a:defPPr>
+              <a:defRPr lang="en-US"/>
+            </a:defPPr>
+            <a:lvl1pPr marL="0" algn="l" defTabSz="914400" rtl="0" eaLnBrk="1" latinLnBrk="0" hangingPunct="1">
+              <a:defRPr sz="1800" kern="1200">
+                <a:solidFill>
+                  <a:schemeClr val="lt1"/>
+                </a:solidFill>
+                <a:latin typeface="+mn-lt"/>
+                <a:ea typeface="+mn-ea"/>
+                <a:cs typeface="+mn-cs"/>
+              </a:defRPr>
+            </a:lvl1pPr>
+            <a:lvl2pPr marL="457200" algn="l" defTabSz="914400" rtl="0" eaLnBrk="1" latinLnBrk="0" hangingPunct="1">
+              <a:defRPr sz="1800" kern="1200">
+                <a:solidFill>
+                  <a:schemeClr val="lt1"/>
+                </a:solidFill>
+                <a:latin typeface="+mn-lt"/>
+                <a:ea typeface="+mn-ea"/>
+                <a:cs typeface="+mn-cs"/>
+              </a:defRPr>
+            </a:lvl2pPr>
+            <a:lvl3pPr marL="914400" algn="l" defTabSz="914400" rtl="0" eaLnBrk="1" latinLnBrk="0" hangingPunct="1">
+              <a:defRPr sz="1800" kern="1200">
+                <a:solidFill>
+                  <a:schemeClr val="lt1"/>
+                </a:solidFill>
+                <a:latin typeface="+mn-lt"/>
+                <a:ea typeface="+mn-ea"/>
+                <a:cs typeface="+mn-cs"/>
+              </a:defRPr>
+            </a:lvl3pPr>
+            <a:lvl4pPr marL="1371600" algn="l" defTabSz="914400" rtl="0" eaLnBrk="1" latinLnBrk="0" hangingPunct="1">
+              <a:defRPr sz="1800" kern="1200">
+                <a:solidFill>
+                  <a:schemeClr val="lt1"/>
+                </a:solidFill>
+                <a:latin typeface="+mn-lt"/>
+                <a:ea typeface="+mn-ea"/>
+                <a:cs typeface="+mn-cs"/>
+              </a:defRPr>
+            </a:lvl4pPr>
+            <a:lvl5pPr marL="1828800" algn="l" defTabSz="914400" rtl="0" eaLnBrk="1" latinLnBrk="0" hangingPunct="1">
+              <a:defRPr sz="1800" kern="1200">
+                <a:solidFill>
+                  <a:schemeClr val="lt1"/>
+                </a:solidFill>
+                <a:latin typeface="+mn-lt"/>
+                <a:ea typeface="+mn-ea"/>
+                <a:cs typeface="+mn-cs"/>
+              </a:defRPr>
+            </a:lvl5pPr>
+            <a:lvl6pPr marL="2286000" algn="l" defTabSz="914400" rtl="0" eaLnBrk="1" latinLnBrk="0" hangingPunct="1">
+              <a:defRPr sz="1800" kern="1200">
+                <a:solidFill>
+                  <a:schemeClr val="lt1"/>
+                </a:solidFill>
+                <a:latin typeface="+mn-lt"/>
+                <a:ea typeface="+mn-ea"/>
+                <a:cs typeface="+mn-cs"/>
+              </a:defRPr>
+            </a:lvl6pPr>
+            <a:lvl7pPr marL="2743200" algn="l" defTabSz="914400" rtl="0" eaLnBrk="1" latinLnBrk="0" hangingPunct="1">
+              <a:defRPr sz="1800" kern="1200">
+                <a:solidFill>
+                  <a:schemeClr val="lt1"/>
+                </a:solidFill>
+                <a:latin typeface="+mn-lt"/>
+                <a:ea typeface="+mn-ea"/>
+                <a:cs typeface="+mn-cs"/>
+              </a:defRPr>
+            </a:lvl7pPr>
+            <a:lvl8pPr marL="3200400" algn="l" defTabSz="914400" rtl="0" eaLnBrk="1" latinLnBrk="0" hangingPunct="1">
+              <a:defRPr sz="1800" kern="1200">
+                <a:solidFill>
+                  <a:schemeClr val="lt1"/>
+                </a:solidFill>
+                <a:latin typeface="+mn-lt"/>
+                <a:ea typeface="+mn-ea"/>
+                <a:cs typeface="+mn-cs"/>
+              </a:defRPr>
+            </a:lvl8pPr>
+            <a:lvl9pPr marL="3657600" algn="l" defTabSz="914400" rtl="0" eaLnBrk="1" latinLnBrk="0" hangingPunct="1">
+              <a:defRPr sz="1800" kern="1200">
+                <a:solidFill>
+                  <a:schemeClr val="lt1"/>
+                </a:solidFill>
+                <a:latin typeface="+mn-lt"/>
+                <a:ea typeface="+mn-ea"/>
+                <a:cs typeface="+mn-cs"/>
+              </a:defRPr>
+            </a:lvl9pPr>
+          </a:lstStyle>
+          <a:p>
+            <a:pPr algn="ctr"/>
+            <a:endParaRPr lang="en-US"/>
+          </a:p>
+        </p:txBody>
+      </p:sp>
+      <p:sp>
+        <p:nvSpPr>
+          <p:cNvPr id="7" name="TextBox 4">
+            <a:extLst>
+              <a:ext uri="{FF2B5EF4-FFF2-40B4-BE49-F238E27FC236}">
+                <a16:creationId xmlns:a16="http://schemas.microsoft.com/office/drawing/2014/main" id="{A9B64196-45FA-4E91-BB86-938387254D2B}"/>
+              </a:ext>
+            </a:extLst>
+          </p:cNvPr>
+          <p:cNvSpPr txBox="1"/>
+          <p:nvPr/>
+        </p:nvSpPr>
+        <p:spPr>
+          <a:xfrm>
+            <a:off x="5100370" y="2843752"/>
+            <a:ext cx="1033553" cy="369332"/>
+          </a:xfrm>
+          <a:prstGeom prst="rect">
+            <a:avLst/>
+          </a:prstGeom>
+          <a:noFill/>
+        </p:spPr>
+        <p:txBody>
+          <a:bodyPr wrap="square" rtlCol="0">
+            <a:spAutoFit/>
+          </a:bodyPr>
+          <a:lstStyle>
+            <a:defPPr>
+              <a:defRPr lang="en-US"/>
+            </a:defPPr>
+            <a:lvl1pPr marL="0" algn="l" defTabSz="914400" rtl="0" eaLnBrk="1" latinLnBrk="0" hangingPunct="1">
+              <a:defRPr sz="1800" kern="1200">
+                <a:solidFill>
+                  <a:schemeClr val="tx1"/>
+                </a:solidFill>
+                <a:latin typeface="+mn-lt"/>
+                <a:ea typeface="+mn-ea"/>
+                <a:cs typeface="+mn-cs"/>
+              </a:defRPr>
+            </a:lvl1pPr>
+            <a:lvl2pPr marL="457200" algn="l" defTabSz="914400" rtl="0" eaLnBrk="1" latinLnBrk="0" hangingPunct="1">
+              <a:defRPr sz="1800" kern="1200">
+                <a:solidFill>
+                  <a:schemeClr val="tx1"/>
+                </a:solidFill>
+                <a:latin typeface="+mn-lt"/>
+                <a:ea typeface="+mn-ea"/>
+                <a:cs typeface="+mn-cs"/>
+              </a:defRPr>
+            </a:lvl2pPr>
+            <a:lvl3pPr marL="914400" algn="l" defTabSz="914400" rtl="0" eaLnBrk="1" latinLnBrk="0" hangingPunct="1">
+              <a:defRPr sz="1800" kern="1200">
+                <a:solidFill>
+                  <a:schemeClr val="tx1"/>
+                </a:solidFill>
+                <a:latin typeface="+mn-lt"/>
+                <a:ea typeface="+mn-ea"/>
+                <a:cs typeface="+mn-cs"/>
+              </a:defRPr>
+            </a:lvl3pPr>
+            <a:lvl4pPr marL="1371600" algn="l" defTabSz="914400" rtl="0" eaLnBrk="1" latinLnBrk="0" hangingPunct="1">
+              <a:defRPr sz="1800" kern="1200">
+                <a:solidFill>
+                  <a:schemeClr val="tx1"/>
+                </a:solidFill>
+                <a:latin typeface="+mn-lt"/>
+                <a:ea typeface="+mn-ea"/>
+                <a:cs typeface="+mn-cs"/>
+              </a:defRPr>
+            </a:lvl4pPr>
+            <a:lvl5pPr marL="1828800" algn="l" defTabSz="914400" rtl="0" eaLnBrk="1" latinLnBrk="0" hangingPunct="1">
+              <a:defRPr sz="1800" kern="1200">
+                <a:solidFill>
+                  <a:schemeClr val="tx1"/>
+                </a:solidFill>
+                <a:latin typeface="+mn-lt"/>
+                <a:ea typeface="+mn-ea"/>
+                <a:cs typeface="+mn-cs"/>
+              </a:defRPr>
+            </a:lvl5pPr>
+            <a:lvl6pPr marL="2286000" algn="l" defTabSz="914400" rtl="0" eaLnBrk="1" latinLnBrk="0" hangingPunct="1">
+              <a:defRPr sz="1800" kern="1200">
+                <a:solidFill>
+                  <a:schemeClr val="tx1"/>
+                </a:solidFill>
+                <a:latin typeface="+mn-lt"/>
+                <a:ea typeface="+mn-ea"/>
+                <a:cs typeface="+mn-cs"/>
+              </a:defRPr>
+            </a:lvl6pPr>
+            <a:lvl7pPr marL="2743200" algn="l" defTabSz="914400" rtl="0" eaLnBrk="1" latinLnBrk="0" hangingPunct="1">
+              <a:defRPr sz="1800" kern="1200">
+                <a:solidFill>
+                  <a:schemeClr val="tx1"/>
+                </a:solidFill>
+                <a:latin typeface="+mn-lt"/>
+                <a:ea typeface="+mn-ea"/>
+                <a:cs typeface="+mn-cs"/>
+              </a:defRPr>
+            </a:lvl7pPr>
+            <a:lvl8pPr marL="3200400" algn="l" defTabSz="914400" rtl="0" eaLnBrk="1" latinLnBrk="0" hangingPunct="1">
+              <a:defRPr sz="1800" kern="1200">
+                <a:solidFill>
+                  <a:schemeClr val="tx1"/>
+                </a:solidFill>
+                <a:latin typeface="+mn-lt"/>
+                <a:ea typeface="+mn-ea"/>
+                <a:cs typeface="+mn-cs"/>
+              </a:defRPr>
+            </a:lvl8pPr>
+            <a:lvl9pPr marL="3657600" algn="l" defTabSz="914400" rtl="0" eaLnBrk="1" latinLnBrk="0" hangingPunct="1">
+              <a:defRPr sz="1800" kern="1200">
+                <a:solidFill>
+                  <a:schemeClr val="tx1"/>
+                </a:solidFill>
+                <a:latin typeface="+mn-lt"/>
+                <a:ea typeface="+mn-ea"/>
+                <a:cs typeface="+mn-cs"/>
+              </a:defRPr>
+            </a:lvl9pPr>
+          </a:lstStyle>
+          <a:p>
+            <a:r>
+              <a:rPr lang="en-US" dirty="0"/>
+              <a:t>&lt;events&gt;</a:t>
+            </a:r>
+          </a:p>
+        </p:txBody>
+      </p:sp>
+      <p:sp>
+        <p:nvSpPr>
+          <p:cNvPr id="8" name="Arrow: Right 7">
+            <a:extLst>
+              <a:ext uri="{FF2B5EF4-FFF2-40B4-BE49-F238E27FC236}">
+                <a16:creationId xmlns:a16="http://schemas.microsoft.com/office/drawing/2014/main" id="{6FEB7351-99DE-4022-A40C-1F0ECB4281D7}"/>
+              </a:ext>
+            </a:extLst>
+          </p:cNvPr>
+          <p:cNvSpPr/>
+          <p:nvPr/>
+        </p:nvSpPr>
+        <p:spPr>
+          <a:xfrm>
+            <a:off x="7283167" y="777128"/>
+            <a:ext cx="1205948" cy="369332"/>
+          </a:xfrm>
+          <a:prstGeom prst="rightArrow">
+            <a:avLst/>
+          </a:prstGeom>
+        </p:spPr>
+        <p:style>
+          <a:lnRef idx="2">
+            <a:schemeClr val="accent1">
+              <a:shade val="50000"/>
+            </a:schemeClr>
+          </a:lnRef>
+          <a:fillRef idx="1">
+            <a:schemeClr val="accent1"/>
+          </a:fillRef>
+          <a:effectRef idx="0">
+            <a:schemeClr val="accent1"/>
+          </a:effectRef>
+          <a:fontRef idx="minor">
+            <a:schemeClr val="lt1"/>
+          </a:fontRef>
+        </p:style>
+        <p:txBody>
+          <a:bodyPr rtlCol="0" anchor="ctr"/>
+          <a:lstStyle>
+            <a:defPPr>
+              <a:defRPr lang="en-US"/>
+            </a:defPPr>
+            <a:lvl1pPr marL="0" algn="l" defTabSz="914400" rtl="0" eaLnBrk="1" latinLnBrk="0" hangingPunct="1">
+              <a:defRPr sz="1800" kern="1200">
+                <a:solidFill>
+                  <a:schemeClr val="lt1"/>
+                </a:solidFill>
+                <a:latin typeface="+mn-lt"/>
+                <a:ea typeface="+mn-ea"/>
+                <a:cs typeface="+mn-cs"/>
+              </a:defRPr>
+            </a:lvl1pPr>
+            <a:lvl2pPr marL="457200" algn="l" defTabSz="914400" rtl="0" eaLnBrk="1" latinLnBrk="0" hangingPunct="1">
+              <a:defRPr sz="1800" kern="1200">
+                <a:solidFill>
+                  <a:schemeClr val="lt1"/>
+                </a:solidFill>
+                <a:latin typeface="+mn-lt"/>
+                <a:ea typeface="+mn-ea"/>
+                <a:cs typeface="+mn-cs"/>
+              </a:defRPr>
+            </a:lvl2pPr>
+            <a:lvl3pPr marL="914400" algn="l" defTabSz="914400" rtl="0" eaLnBrk="1" latinLnBrk="0" hangingPunct="1">
+              <a:defRPr sz="1800" kern="1200">
+                <a:solidFill>
+                  <a:schemeClr val="lt1"/>
+                </a:solidFill>
+                <a:latin typeface="+mn-lt"/>
+                <a:ea typeface="+mn-ea"/>
+                <a:cs typeface="+mn-cs"/>
+              </a:defRPr>
+            </a:lvl3pPr>
+            <a:lvl4pPr marL="1371600" algn="l" defTabSz="914400" rtl="0" eaLnBrk="1" latinLnBrk="0" hangingPunct="1">
+              <a:defRPr sz="1800" kern="1200">
+                <a:solidFill>
+                  <a:schemeClr val="lt1"/>
+                </a:solidFill>
+                <a:latin typeface="+mn-lt"/>
+                <a:ea typeface="+mn-ea"/>
+                <a:cs typeface="+mn-cs"/>
+              </a:defRPr>
+            </a:lvl4pPr>
+            <a:lvl5pPr marL="1828800" algn="l" defTabSz="914400" rtl="0" eaLnBrk="1" latinLnBrk="0" hangingPunct="1">
+              <a:defRPr sz="1800" kern="1200">
+                <a:solidFill>
+                  <a:schemeClr val="lt1"/>
+                </a:solidFill>
+                <a:latin typeface="+mn-lt"/>
+                <a:ea typeface="+mn-ea"/>
+                <a:cs typeface="+mn-cs"/>
+              </a:defRPr>
+            </a:lvl5pPr>
+            <a:lvl6pPr marL="2286000" algn="l" defTabSz="914400" rtl="0" eaLnBrk="1" latinLnBrk="0" hangingPunct="1">
+              <a:defRPr sz="1800" kern="1200">
+                <a:solidFill>
+                  <a:schemeClr val="lt1"/>
+                </a:solidFill>
+                <a:latin typeface="+mn-lt"/>
+                <a:ea typeface="+mn-ea"/>
+                <a:cs typeface="+mn-cs"/>
+              </a:defRPr>
+            </a:lvl6pPr>
+            <a:lvl7pPr marL="2743200" algn="l" defTabSz="914400" rtl="0" eaLnBrk="1" latinLnBrk="0" hangingPunct="1">
+              <a:defRPr sz="1800" kern="1200">
+                <a:solidFill>
+                  <a:schemeClr val="lt1"/>
+                </a:solidFill>
+                <a:latin typeface="+mn-lt"/>
+                <a:ea typeface="+mn-ea"/>
+                <a:cs typeface="+mn-cs"/>
+              </a:defRPr>
+            </a:lvl7pPr>
+            <a:lvl8pPr marL="3200400" algn="l" defTabSz="914400" rtl="0" eaLnBrk="1" latinLnBrk="0" hangingPunct="1">
+              <a:defRPr sz="1800" kern="1200">
+                <a:solidFill>
+                  <a:schemeClr val="lt1"/>
+                </a:solidFill>
+                <a:latin typeface="+mn-lt"/>
+                <a:ea typeface="+mn-ea"/>
+                <a:cs typeface="+mn-cs"/>
+              </a:defRPr>
+            </a:lvl8pPr>
+            <a:lvl9pPr marL="3657600" algn="l" defTabSz="914400" rtl="0" eaLnBrk="1" latinLnBrk="0" hangingPunct="1">
+              <a:defRPr sz="1800" kern="1200">
+                <a:solidFill>
+                  <a:schemeClr val="lt1"/>
+                </a:solidFill>
+                <a:latin typeface="+mn-lt"/>
+                <a:ea typeface="+mn-ea"/>
+                <a:cs typeface="+mn-cs"/>
+              </a:defRPr>
+            </a:lvl9pPr>
+          </a:lstStyle>
+          <a:p>
+            <a:pPr algn="ctr"/>
+            <a:endParaRPr lang="en-US" dirty="0"/>
+          </a:p>
+        </p:txBody>
+      </p:sp>
+      <p:sp>
+        <p:nvSpPr>
+          <p:cNvPr id="9" name="TextBox 6">
+            <a:extLst>
+              <a:ext uri="{FF2B5EF4-FFF2-40B4-BE49-F238E27FC236}">
+                <a16:creationId xmlns:a16="http://schemas.microsoft.com/office/drawing/2014/main" id="{B70D2462-35A0-4C40-9D9A-F7CA4B05CBEA}"/>
+              </a:ext>
+            </a:extLst>
+          </p:cNvPr>
+          <p:cNvSpPr txBox="1"/>
+          <p:nvPr/>
+        </p:nvSpPr>
+        <p:spPr>
+          <a:xfrm>
+            <a:off x="5148974" y="3213084"/>
+            <a:ext cx="936347" cy="369332"/>
+          </a:xfrm>
+          <a:prstGeom prst="rect">
+            <a:avLst/>
+          </a:prstGeom>
+          <a:noFill/>
+        </p:spPr>
+        <p:txBody>
+          <a:bodyPr wrap="square" rtlCol="0">
+            <a:spAutoFit/>
+          </a:bodyPr>
+          <a:lstStyle>
+            <a:defPPr>
+              <a:defRPr lang="en-US"/>
+            </a:defPPr>
+            <a:lvl1pPr marL="0" algn="l" defTabSz="914400" rtl="0" eaLnBrk="1" latinLnBrk="0" hangingPunct="1">
+              <a:defRPr sz="1800" kern="1200">
+                <a:solidFill>
+                  <a:schemeClr val="tx1"/>
+                </a:solidFill>
+                <a:latin typeface="+mn-lt"/>
+                <a:ea typeface="+mn-ea"/>
+                <a:cs typeface="+mn-cs"/>
+              </a:defRPr>
+            </a:lvl1pPr>
+            <a:lvl2pPr marL="457200" algn="l" defTabSz="914400" rtl="0" eaLnBrk="1" latinLnBrk="0" hangingPunct="1">
+              <a:defRPr sz="1800" kern="1200">
+                <a:solidFill>
+                  <a:schemeClr val="tx1"/>
+                </a:solidFill>
+                <a:latin typeface="+mn-lt"/>
+                <a:ea typeface="+mn-ea"/>
+                <a:cs typeface="+mn-cs"/>
+              </a:defRPr>
+            </a:lvl2pPr>
+            <a:lvl3pPr marL="914400" algn="l" defTabSz="914400" rtl="0" eaLnBrk="1" latinLnBrk="0" hangingPunct="1">
+              <a:defRPr sz="1800" kern="1200">
+                <a:solidFill>
+                  <a:schemeClr val="tx1"/>
+                </a:solidFill>
+                <a:latin typeface="+mn-lt"/>
+                <a:ea typeface="+mn-ea"/>
+                <a:cs typeface="+mn-cs"/>
+              </a:defRPr>
+            </a:lvl3pPr>
+            <a:lvl4pPr marL="1371600" algn="l" defTabSz="914400" rtl="0" eaLnBrk="1" latinLnBrk="0" hangingPunct="1">
+              <a:defRPr sz="1800" kern="1200">
+                <a:solidFill>
+                  <a:schemeClr val="tx1"/>
+                </a:solidFill>
+                <a:latin typeface="+mn-lt"/>
+                <a:ea typeface="+mn-ea"/>
+                <a:cs typeface="+mn-cs"/>
+              </a:defRPr>
+            </a:lvl4pPr>
+            <a:lvl5pPr marL="1828800" algn="l" defTabSz="914400" rtl="0" eaLnBrk="1" latinLnBrk="0" hangingPunct="1">
+              <a:defRPr sz="1800" kern="1200">
+                <a:solidFill>
+                  <a:schemeClr val="tx1"/>
+                </a:solidFill>
+                <a:latin typeface="+mn-lt"/>
+                <a:ea typeface="+mn-ea"/>
+                <a:cs typeface="+mn-cs"/>
+              </a:defRPr>
+            </a:lvl5pPr>
+            <a:lvl6pPr marL="2286000" algn="l" defTabSz="914400" rtl="0" eaLnBrk="1" latinLnBrk="0" hangingPunct="1">
+              <a:defRPr sz="1800" kern="1200">
+                <a:solidFill>
+                  <a:schemeClr val="tx1"/>
+                </a:solidFill>
+                <a:latin typeface="+mn-lt"/>
+                <a:ea typeface="+mn-ea"/>
+                <a:cs typeface="+mn-cs"/>
+              </a:defRPr>
+            </a:lvl6pPr>
+            <a:lvl7pPr marL="2743200" algn="l" defTabSz="914400" rtl="0" eaLnBrk="1" latinLnBrk="0" hangingPunct="1">
+              <a:defRPr sz="1800" kern="1200">
+                <a:solidFill>
+                  <a:schemeClr val="tx1"/>
+                </a:solidFill>
+                <a:latin typeface="+mn-lt"/>
+                <a:ea typeface="+mn-ea"/>
+                <a:cs typeface="+mn-cs"/>
+              </a:defRPr>
+            </a:lvl7pPr>
+            <a:lvl8pPr marL="3200400" algn="l" defTabSz="914400" rtl="0" eaLnBrk="1" latinLnBrk="0" hangingPunct="1">
+              <a:defRPr sz="1800" kern="1200">
+                <a:solidFill>
+                  <a:schemeClr val="tx1"/>
+                </a:solidFill>
+                <a:latin typeface="+mn-lt"/>
+                <a:ea typeface="+mn-ea"/>
+                <a:cs typeface="+mn-cs"/>
+              </a:defRPr>
+            </a:lvl8pPr>
+            <a:lvl9pPr marL="3657600" algn="l" defTabSz="914400" rtl="0" eaLnBrk="1" latinLnBrk="0" hangingPunct="1">
+              <a:defRPr sz="1800" kern="1200">
+                <a:solidFill>
+                  <a:schemeClr val="tx1"/>
+                </a:solidFill>
+                <a:latin typeface="+mn-lt"/>
+                <a:ea typeface="+mn-ea"/>
+                <a:cs typeface="+mn-cs"/>
+              </a:defRPr>
+            </a:lvl9pPr>
+          </a:lstStyle>
+          <a:p>
+            <a:r>
+              <a:rPr lang="en-US" dirty="0">
+                <a:solidFill>
+                  <a:srgbClr val="00B050"/>
+                </a:solidFill>
+              </a:rPr>
+              <a:t>Events[]</a:t>
+            </a:r>
+          </a:p>
+        </p:txBody>
+      </p:sp>
+      <p:sp>
+        <p:nvSpPr>
+          <p:cNvPr id="10" name="Rectangle: Rounded Corners 9">
+            <a:extLst>
+              <a:ext uri="{FF2B5EF4-FFF2-40B4-BE49-F238E27FC236}">
+                <a16:creationId xmlns:a16="http://schemas.microsoft.com/office/drawing/2014/main" id="{C405D29B-621A-4975-803C-C1EAF277ACD8}"/>
+              </a:ext>
+            </a:extLst>
+          </p:cNvPr>
+          <p:cNvSpPr/>
+          <p:nvPr/>
+        </p:nvSpPr>
+        <p:spPr>
+          <a:xfrm>
+            <a:off x="9151822" y="103203"/>
+            <a:ext cx="2347784" cy="1887316"/>
+          </a:xfrm>
+          <a:prstGeom prst="roundRect">
+            <a:avLst/>
+          </a:prstGeom>
+          <a:noFill/>
+          <a:ln>
+            <a:solidFill>
+              <a:srgbClr val="FF0000"/>
+            </a:solidFill>
+          </a:ln>
+        </p:spPr>
+        <p:style>
+          <a:lnRef idx="2">
+            <a:schemeClr val="accent1">
+              <a:shade val="50000"/>
+            </a:schemeClr>
+          </a:lnRef>
+          <a:fillRef idx="1">
+            <a:schemeClr val="accent1"/>
+          </a:fillRef>
+          <a:effectRef idx="0">
+            <a:schemeClr val="accent1"/>
+          </a:effectRef>
+          <a:fontRef idx="minor">
+            <a:schemeClr val="lt1"/>
+          </a:fontRef>
+        </p:style>
+        <p:txBody>
+          <a:bodyPr rtlCol="0" anchor="ctr"/>
+          <a:lstStyle>
+            <a:defPPr>
+              <a:defRPr lang="en-US"/>
+            </a:defPPr>
+            <a:lvl1pPr marL="0" algn="l" defTabSz="914400" rtl="0" eaLnBrk="1" latinLnBrk="0" hangingPunct="1">
+              <a:defRPr sz="1800" kern="1200">
+                <a:solidFill>
+                  <a:schemeClr val="lt1"/>
+                </a:solidFill>
+                <a:latin typeface="+mn-lt"/>
+                <a:ea typeface="+mn-ea"/>
+                <a:cs typeface="+mn-cs"/>
+              </a:defRPr>
+            </a:lvl1pPr>
+            <a:lvl2pPr marL="457200" algn="l" defTabSz="914400" rtl="0" eaLnBrk="1" latinLnBrk="0" hangingPunct="1">
+              <a:defRPr sz="1800" kern="1200">
+                <a:solidFill>
+                  <a:schemeClr val="lt1"/>
+                </a:solidFill>
+                <a:latin typeface="+mn-lt"/>
+                <a:ea typeface="+mn-ea"/>
+                <a:cs typeface="+mn-cs"/>
+              </a:defRPr>
+            </a:lvl2pPr>
+            <a:lvl3pPr marL="914400" algn="l" defTabSz="914400" rtl="0" eaLnBrk="1" latinLnBrk="0" hangingPunct="1">
+              <a:defRPr sz="1800" kern="1200">
+                <a:solidFill>
+                  <a:schemeClr val="lt1"/>
+                </a:solidFill>
+                <a:latin typeface="+mn-lt"/>
+                <a:ea typeface="+mn-ea"/>
+                <a:cs typeface="+mn-cs"/>
+              </a:defRPr>
+            </a:lvl3pPr>
+            <a:lvl4pPr marL="1371600" algn="l" defTabSz="914400" rtl="0" eaLnBrk="1" latinLnBrk="0" hangingPunct="1">
+              <a:defRPr sz="1800" kern="1200">
+                <a:solidFill>
+                  <a:schemeClr val="lt1"/>
+                </a:solidFill>
+                <a:latin typeface="+mn-lt"/>
+                <a:ea typeface="+mn-ea"/>
+                <a:cs typeface="+mn-cs"/>
+              </a:defRPr>
+            </a:lvl4pPr>
+            <a:lvl5pPr marL="1828800" algn="l" defTabSz="914400" rtl="0" eaLnBrk="1" latinLnBrk="0" hangingPunct="1">
+              <a:defRPr sz="1800" kern="1200">
+                <a:solidFill>
+                  <a:schemeClr val="lt1"/>
+                </a:solidFill>
+                <a:latin typeface="+mn-lt"/>
+                <a:ea typeface="+mn-ea"/>
+                <a:cs typeface="+mn-cs"/>
+              </a:defRPr>
+            </a:lvl5pPr>
+            <a:lvl6pPr marL="2286000" algn="l" defTabSz="914400" rtl="0" eaLnBrk="1" latinLnBrk="0" hangingPunct="1">
+              <a:defRPr sz="1800" kern="1200">
+                <a:solidFill>
+                  <a:schemeClr val="lt1"/>
+                </a:solidFill>
+                <a:latin typeface="+mn-lt"/>
+                <a:ea typeface="+mn-ea"/>
+                <a:cs typeface="+mn-cs"/>
+              </a:defRPr>
+            </a:lvl6pPr>
+            <a:lvl7pPr marL="2743200" algn="l" defTabSz="914400" rtl="0" eaLnBrk="1" latinLnBrk="0" hangingPunct="1">
+              <a:defRPr sz="1800" kern="1200">
+                <a:solidFill>
+                  <a:schemeClr val="lt1"/>
+                </a:solidFill>
+                <a:latin typeface="+mn-lt"/>
+                <a:ea typeface="+mn-ea"/>
+                <a:cs typeface="+mn-cs"/>
+              </a:defRPr>
+            </a:lvl7pPr>
+            <a:lvl8pPr marL="3200400" algn="l" defTabSz="914400" rtl="0" eaLnBrk="1" latinLnBrk="0" hangingPunct="1">
+              <a:defRPr sz="1800" kern="1200">
+                <a:solidFill>
+                  <a:schemeClr val="lt1"/>
+                </a:solidFill>
+                <a:latin typeface="+mn-lt"/>
+                <a:ea typeface="+mn-ea"/>
+                <a:cs typeface="+mn-cs"/>
+              </a:defRPr>
+            </a:lvl8pPr>
+            <a:lvl9pPr marL="3657600" algn="l" defTabSz="914400" rtl="0" eaLnBrk="1" latinLnBrk="0" hangingPunct="1">
+              <a:defRPr sz="1800" kern="1200">
+                <a:solidFill>
+                  <a:schemeClr val="lt1"/>
+                </a:solidFill>
+                <a:latin typeface="+mn-lt"/>
+                <a:ea typeface="+mn-ea"/>
+                <a:cs typeface="+mn-cs"/>
+              </a:defRPr>
+            </a:lvl9pPr>
+          </a:lstStyle>
+          <a:p>
+            <a:pPr algn="ctr"/>
+            <a:endParaRPr lang="en-US"/>
+          </a:p>
+        </p:txBody>
+      </p:sp>
+      <p:sp>
+        <p:nvSpPr>
+          <p:cNvPr id="11" name="Rectangle: Rounded Corners 10">
+            <a:extLst>
+              <a:ext uri="{FF2B5EF4-FFF2-40B4-BE49-F238E27FC236}">
+                <a16:creationId xmlns:a16="http://schemas.microsoft.com/office/drawing/2014/main" id="{40A039BA-293B-4E53-B923-A8E7D7336F75}"/>
+              </a:ext>
+            </a:extLst>
+          </p:cNvPr>
+          <p:cNvSpPr/>
+          <p:nvPr/>
+        </p:nvSpPr>
+        <p:spPr>
+          <a:xfrm>
+            <a:off x="9195565" y="4186404"/>
+            <a:ext cx="2347784" cy="1887316"/>
+          </a:xfrm>
+          <a:prstGeom prst="roundRect">
+            <a:avLst/>
+          </a:prstGeom>
+          <a:noFill/>
+          <a:ln>
+            <a:solidFill>
+              <a:srgbClr val="FF0000"/>
+            </a:solidFill>
+          </a:ln>
+        </p:spPr>
+        <p:style>
+          <a:lnRef idx="2">
+            <a:schemeClr val="accent1">
+              <a:shade val="50000"/>
+            </a:schemeClr>
+          </a:lnRef>
+          <a:fillRef idx="1">
+            <a:schemeClr val="accent1"/>
+          </a:fillRef>
+          <a:effectRef idx="0">
+            <a:schemeClr val="accent1"/>
+          </a:effectRef>
+          <a:fontRef idx="minor">
+            <a:schemeClr val="lt1"/>
+          </a:fontRef>
+        </p:style>
+        <p:txBody>
+          <a:bodyPr rtlCol="0" anchor="ctr"/>
+          <a:lstStyle>
+            <a:defPPr>
+              <a:defRPr lang="en-US"/>
+            </a:defPPr>
+            <a:lvl1pPr marL="0" algn="l" defTabSz="914400" rtl="0" eaLnBrk="1" latinLnBrk="0" hangingPunct="1">
+              <a:defRPr sz="1800" kern="1200">
+                <a:solidFill>
+                  <a:schemeClr val="lt1"/>
+                </a:solidFill>
+                <a:latin typeface="+mn-lt"/>
+                <a:ea typeface="+mn-ea"/>
+                <a:cs typeface="+mn-cs"/>
+              </a:defRPr>
+            </a:lvl1pPr>
+            <a:lvl2pPr marL="457200" algn="l" defTabSz="914400" rtl="0" eaLnBrk="1" latinLnBrk="0" hangingPunct="1">
+              <a:defRPr sz="1800" kern="1200">
+                <a:solidFill>
+                  <a:schemeClr val="lt1"/>
+                </a:solidFill>
+                <a:latin typeface="+mn-lt"/>
+                <a:ea typeface="+mn-ea"/>
+                <a:cs typeface="+mn-cs"/>
+              </a:defRPr>
+            </a:lvl2pPr>
+            <a:lvl3pPr marL="914400" algn="l" defTabSz="914400" rtl="0" eaLnBrk="1" latinLnBrk="0" hangingPunct="1">
+              <a:defRPr sz="1800" kern="1200">
+                <a:solidFill>
+                  <a:schemeClr val="lt1"/>
+                </a:solidFill>
+                <a:latin typeface="+mn-lt"/>
+                <a:ea typeface="+mn-ea"/>
+                <a:cs typeface="+mn-cs"/>
+              </a:defRPr>
+            </a:lvl3pPr>
+            <a:lvl4pPr marL="1371600" algn="l" defTabSz="914400" rtl="0" eaLnBrk="1" latinLnBrk="0" hangingPunct="1">
+              <a:defRPr sz="1800" kern="1200">
+                <a:solidFill>
+                  <a:schemeClr val="lt1"/>
+                </a:solidFill>
+                <a:latin typeface="+mn-lt"/>
+                <a:ea typeface="+mn-ea"/>
+                <a:cs typeface="+mn-cs"/>
+              </a:defRPr>
+            </a:lvl4pPr>
+            <a:lvl5pPr marL="1828800" algn="l" defTabSz="914400" rtl="0" eaLnBrk="1" latinLnBrk="0" hangingPunct="1">
+              <a:defRPr sz="1800" kern="1200">
+                <a:solidFill>
+                  <a:schemeClr val="lt1"/>
+                </a:solidFill>
+                <a:latin typeface="+mn-lt"/>
+                <a:ea typeface="+mn-ea"/>
+                <a:cs typeface="+mn-cs"/>
+              </a:defRPr>
+            </a:lvl5pPr>
+            <a:lvl6pPr marL="2286000" algn="l" defTabSz="914400" rtl="0" eaLnBrk="1" latinLnBrk="0" hangingPunct="1">
+              <a:defRPr sz="1800" kern="1200">
+                <a:solidFill>
+                  <a:schemeClr val="lt1"/>
+                </a:solidFill>
+                <a:latin typeface="+mn-lt"/>
+                <a:ea typeface="+mn-ea"/>
+                <a:cs typeface="+mn-cs"/>
+              </a:defRPr>
+            </a:lvl6pPr>
+            <a:lvl7pPr marL="2743200" algn="l" defTabSz="914400" rtl="0" eaLnBrk="1" latinLnBrk="0" hangingPunct="1">
+              <a:defRPr sz="1800" kern="1200">
+                <a:solidFill>
+                  <a:schemeClr val="lt1"/>
+                </a:solidFill>
+                <a:latin typeface="+mn-lt"/>
+                <a:ea typeface="+mn-ea"/>
+                <a:cs typeface="+mn-cs"/>
+              </a:defRPr>
+            </a:lvl7pPr>
+            <a:lvl8pPr marL="3200400" algn="l" defTabSz="914400" rtl="0" eaLnBrk="1" latinLnBrk="0" hangingPunct="1">
+              <a:defRPr sz="1800" kern="1200">
+                <a:solidFill>
+                  <a:schemeClr val="lt1"/>
+                </a:solidFill>
+                <a:latin typeface="+mn-lt"/>
+                <a:ea typeface="+mn-ea"/>
+                <a:cs typeface="+mn-cs"/>
+              </a:defRPr>
+            </a:lvl8pPr>
+            <a:lvl9pPr marL="3657600" algn="l" defTabSz="914400" rtl="0" eaLnBrk="1" latinLnBrk="0" hangingPunct="1">
+              <a:defRPr sz="1800" kern="1200">
+                <a:solidFill>
+                  <a:schemeClr val="lt1"/>
+                </a:solidFill>
+                <a:latin typeface="+mn-lt"/>
+                <a:ea typeface="+mn-ea"/>
+                <a:cs typeface="+mn-cs"/>
+              </a:defRPr>
+            </a:lvl9pPr>
+          </a:lstStyle>
+          <a:p>
+            <a:pPr algn="ctr"/>
+            <a:endParaRPr lang="en-US"/>
+          </a:p>
+        </p:txBody>
+      </p:sp>
+      <p:sp>
+        <p:nvSpPr>
+          <p:cNvPr id="12" name="Rectangle: Rounded Corners 11">
+            <a:extLst>
+              <a:ext uri="{FF2B5EF4-FFF2-40B4-BE49-F238E27FC236}">
+                <a16:creationId xmlns:a16="http://schemas.microsoft.com/office/drawing/2014/main" id="{234B40EC-FB8C-46E8-BF5A-D140E064C9A2}"/>
+              </a:ext>
+            </a:extLst>
+          </p:cNvPr>
+          <p:cNvSpPr/>
+          <p:nvPr/>
+        </p:nvSpPr>
+        <p:spPr>
+          <a:xfrm>
+            <a:off x="9151822" y="2138841"/>
+            <a:ext cx="2347784" cy="1887316"/>
+          </a:xfrm>
+          <a:prstGeom prst="roundRect">
+            <a:avLst/>
+          </a:prstGeom>
+          <a:noFill/>
+          <a:ln>
+            <a:solidFill>
+              <a:srgbClr val="FF0000"/>
+            </a:solidFill>
+          </a:ln>
+        </p:spPr>
+        <p:style>
+          <a:lnRef idx="2">
+            <a:schemeClr val="accent1">
+              <a:shade val="50000"/>
+            </a:schemeClr>
+          </a:lnRef>
+          <a:fillRef idx="1">
+            <a:schemeClr val="accent1"/>
+          </a:fillRef>
+          <a:effectRef idx="0">
+            <a:schemeClr val="accent1"/>
+          </a:effectRef>
+          <a:fontRef idx="minor">
+            <a:schemeClr val="lt1"/>
+          </a:fontRef>
+        </p:style>
+        <p:txBody>
+          <a:bodyPr rtlCol="0" anchor="ctr"/>
+          <a:lstStyle>
+            <a:defPPr>
+              <a:defRPr lang="en-US"/>
+            </a:defPPr>
+            <a:lvl1pPr marL="0" algn="l" defTabSz="914400" rtl="0" eaLnBrk="1" latinLnBrk="0" hangingPunct="1">
+              <a:defRPr sz="1800" kern="1200">
+                <a:solidFill>
+                  <a:schemeClr val="lt1"/>
+                </a:solidFill>
+                <a:latin typeface="+mn-lt"/>
+                <a:ea typeface="+mn-ea"/>
+                <a:cs typeface="+mn-cs"/>
+              </a:defRPr>
+            </a:lvl1pPr>
+            <a:lvl2pPr marL="457200" algn="l" defTabSz="914400" rtl="0" eaLnBrk="1" latinLnBrk="0" hangingPunct="1">
+              <a:defRPr sz="1800" kern="1200">
+                <a:solidFill>
+                  <a:schemeClr val="lt1"/>
+                </a:solidFill>
+                <a:latin typeface="+mn-lt"/>
+                <a:ea typeface="+mn-ea"/>
+                <a:cs typeface="+mn-cs"/>
+              </a:defRPr>
+            </a:lvl2pPr>
+            <a:lvl3pPr marL="914400" algn="l" defTabSz="914400" rtl="0" eaLnBrk="1" latinLnBrk="0" hangingPunct="1">
+              <a:defRPr sz="1800" kern="1200">
+                <a:solidFill>
+                  <a:schemeClr val="lt1"/>
+                </a:solidFill>
+                <a:latin typeface="+mn-lt"/>
+                <a:ea typeface="+mn-ea"/>
+                <a:cs typeface="+mn-cs"/>
+              </a:defRPr>
+            </a:lvl3pPr>
+            <a:lvl4pPr marL="1371600" algn="l" defTabSz="914400" rtl="0" eaLnBrk="1" latinLnBrk="0" hangingPunct="1">
+              <a:defRPr sz="1800" kern="1200">
+                <a:solidFill>
+                  <a:schemeClr val="lt1"/>
+                </a:solidFill>
+                <a:latin typeface="+mn-lt"/>
+                <a:ea typeface="+mn-ea"/>
+                <a:cs typeface="+mn-cs"/>
+              </a:defRPr>
+            </a:lvl4pPr>
+            <a:lvl5pPr marL="1828800" algn="l" defTabSz="914400" rtl="0" eaLnBrk="1" latinLnBrk="0" hangingPunct="1">
+              <a:defRPr sz="1800" kern="1200">
+                <a:solidFill>
+                  <a:schemeClr val="lt1"/>
+                </a:solidFill>
+                <a:latin typeface="+mn-lt"/>
+                <a:ea typeface="+mn-ea"/>
+                <a:cs typeface="+mn-cs"/>
+              </a:defRPr>
+            </a:lvl5pPr>
+            <a:lvl6pPr marL="2286000" algn="l" defTabSz="914400" rtl="0" eaLnBrk="1" latinLnBrk="0" hangingPunct="1">
+              <a:defRPr sz="1800" kern="1200">
+                <a:solidFill>
+                  <a:schemeClr val="lt1"/>
+                </a:solidFill>
+                <a:latin typeface="+mn-lt"/>
+                <a:ea typeface="+mn-ea"/>
+                <a:cs typeface="+mn-cs"/>
+              </a:defRPr>
+            </a:lvl6pPr>
+            <a:lvl7pPr marL="2743200" algn="l" defTabSz="914400" rtl="0" eaLnBrk="1" latinLnBrk="0" hangingPunct="1">
+              <a:defRPr sz="1800" kern="1200">
+                <a:solidFill>
+                  <a:schemeClr val="lt1"/>
+                </a:solidFill>
+                <a:latin typeface="+mn-lt"/>
+                <a:ea typeface="+mn-ea"/>
+                <a:cs typeface="+mn-cs"/>
+              </a:defRPr>
+            </a:lvl7pPr>
+            <a:lvl8pPr marL="3200400" algn="l" defTabSz="914400" rtl="0" eaLnBrk="1" latinLnBrk="0" hangingPunct="1">
+              <a:defRPr sz="1800" kern="1200">
+                <a:solidFill>
+                  <a:schemeClr val="lt1"/>
+                </a:solidFill>
+                <a:latin typeface="+mn-lt"/>
+                <a:ea typeface="+mn-ea"/>
+                <a:cs typeface="+mn-cs"/>
+              </a:defRPr>
+            </a:lvl8pPr>
+            <a:lvl9pPr marL="3657600" algn="l" defTabSz="914400" rtl="0" eaLnBrk="1" latinLnBrk="0" hangingPunct="1">
+              <a:defRPr sz="1800" kern="1200">
+                <a:solidFill>
+                  <a:schemeClr val="lt1"/>
+                </a:solidFill>
+                <a:latin typeface="+mn-lt"/>
+                <a:ea typeface="+mn-ea"/>
+                <a:cs typeface="+mn-cs"/>
+              </a:defRPr>
+            </a:lvl9pPr>
+          </a:lstStyle>
+          <a:p>
+            <a:pPr algn="ctr"/>
+            <a:endParaRPr lang="en-US" dirty="0"/>
+          </a:p>
+        </p:txBody>
+      </p:sp>
+      <p:sp>
+        <p:nvSpPr>
+          <p:cNvPr id="13" name="Arrow: Left 12">
+            <a:extLst>
+              <a:ext uri="{FF2B5EF4-FFF2-40B4-BE49-F238E27FC236}">
+                <a16:creationId xmlns:a16="http://schemas.microsoft.com/office/drawing/2014/main" id="{0A07AB7C-77BC-4645-90B7-9C33AB239E6A}"/>
+              </a:ext>
+            </a:extLst>
+          </p:cNvPr>
+          <p:cNvSpPr/>
+          <p:nvPr/>
+        </p:nvSpPr>
+        <p:spPr>
+          <a:xfrm>
+            <a:off x="7256525" y="1417856"/>
+            <a:ext cx="1221439" cy="369332"/>
+          </a:xfrm>
+          <a:prstGeom prst="leftArrow">
+            <a:avLst/>
+          </a:prstGeom>
+          <a:solidFill>
+            <a:srgbClr val="FF0000"/>
+          </a:solidFill>
+        </p:spPr>
+        <p:style>
+          <a:lnRef idx="2">
+            <a:schemeClr val="accent1">
+              <a:shade val="50000"/>
+            </a:schemeClr>
+          </a:lnRef>
+          <a:fillRef idx="1">
+            <a:schemeClr val="accent1"/>
+          </a:fillRef>
+          <a:effectRef idx="0">
+            <a:schemeClr val="accent1"/>
+          </a:effectRef>
+          <a:fontRef idx="minor">
+            <a:schemeClr val="lt1"/>
+          </a:fontRef>
+        </p:style>
+        <p:txBody>
+          <a:bodyPr rtlCol="0" anchor="ctr"/>
+          <a:lstStyle>
+            <a:defPPr>
+              <a:defRPr lang="en-US"/>
+            </a:defPPr>
+            <a:lvl1pPr marL="0" algn="l" defTabSz="914400" rtl="0" eaLnBrk="1" latinLnBrk="0" hangingPunct="1">
+              <a:defRPr sz="1800" kern="1200">
+                <a:solidFill>
+                  <a:schemeClr val="lt1"/>
+                </a:solidFill>
+                <a:latin typeface="+mn-lt"/>
+                <a:ea typeface="+mn-ea"/>
+                <a:cs typeface="+mn-cs"/>
+              </a:defRPr>
+            </a:lvl1pPr>
+            <a:lvl2pPr marL="457200" algn="l" defTabSz="914400" rtl="0" eaLnBrk="1" latinLnBrk="0" hangingPunct="1">
+              <a:defRPr sz="1800" kern="1200">
+                <a:solidFill>
+                  <a:schemeClr val="lt1"/>
+                </a:solidFill>
+                <a:latin typeface="+mn-lt"/>
+                <a:ea typeface="+mn-ea"/>
+                <a:cs typeface="+mn-cs"/>
+              </a:defRPr>
+            </a:lvl2pPr>
+            <a:lvl3pPr marL="914400" algn="l" defTabSz="914400" rtl="0" eaLnBrk="1" latinLnBrk="0" hangingPunct="1">
+              <a:defRPr sz="1800" kern="1200">
+                <a:solidFill>
+                  <a:schemeClr val="lt1"/>
+                </a:solidFill>
+                <a:latin typeface="+mn-lt"/>
+                <a:ea typeface="+mn-ea"/>
+                <a:cs typeface="+mn-cs"/>
+              </a:defRPr>
+            </a:lvl3pPr>
+            <a:lvl4pPr marL="1371600" algn="l" defTabSz="914400" rtl="0" eaLnBrk="1" latinLnBrk="0" hangingPunct="1">
+              <a:defRPr sz="1800" kern="1200">
+                <a:solidFill>
+                  <a:schemeClr val="lt1"/>
+                </a:solidFill>
+                <a:latin typeface="+mn-lt"/>
+                <a:ea typeface="+mn-ea"/>
+                <a:cs typeface="+mn-cs"/>
+              </a:defRPr>
+            </a:lvl4pPr>
+            <a:lvl5pPr marL="1828800" algn="l" defTabSz="914400" rtl="0" eaLnBrk="1" latinLnBrk="0" hangingPunct="1">
+              <a:defRPr sz="1800" kern="1200">
+                <a:solidFill>
+                  <a:schemeClr val="lt1"/>
+                </a:solidFill>
+                <a:latin typeface="+mn-lt"/>
+                <a:ea typeface="+mn-ea"/>
+                <a:cs typeface="+mn-cs"/>
+              </a:defRPr>
+            </a:lvl5pPr>
+            <a:lvl6pPr marL="2286000" algn="l" defTabSz="914400" rtl="0" eaLnBrk="1" latinLnBrk="0" hangingPunct="1">
+              <a:defRPr sz="1800" kern="1200">
+                <a:solidFill>
+                  <a:schemeClr val="lt1"/>
+                </a:solidFill>
+                <a:latin typeface="+mn-lt"/>
+                <a:ea typeface="+mn-ea"/>
+                <a:cs typeface="+mn-cs"/>
+              </a:defRPr>
+            </a:lvl6pPr>
+            <a:lvl7pPr marL="2743200" algn="l" defTabSz="914400" rtl="0" eaLnBrk="1" latinLnBrk="0" hangingPunct="1">
+              <a:defRPr sz="1800" kern="1200">
+                <a:solidFill>
+                  <a:schemeClr val="lt1"/>
+                </a:solidFill>
+                <a:latin typeface="+mn-lt"/>
+                <a:ea typeface="+mn-ea"/>
+                <a:cs typeface="+mn-cs"/>
+              </a:defRPr>
+            </a:lvl7pPr>
+            <a:lvl8pPr marL="3200400" algn="l" defTabSz="914400" rtl="0" eaLnBrk="1" latinLnBrk="0" hangingPunct="1">
+              <a:defRPr sz="1800" kern="1200">
+                <a:solidFill>
+                  <a:schemeClr val="lt1"/>
+                </a:solidFill>
+                <a:latin typeface="+mn-lt"/>
+                <a:ea typeface="+mn-ea"/>
+                <a:cs typeface="+mn-cs"/>
+              </a:defRPr>
+            </a:lvl8pPr>
+            <a:lvl9pPr marL="3657600" algn="l" defTabSz="914400" rtl="0" eaLnBrk="1" latinLnBrk="0" hangingPunct="1">
+              <a:defRPr sz="1800" kern="1200">
+                <a:solidFill>
+                  <a:schemeClr val="lt1"/>
+                </a:solidFill>
+                <a:latin typeface="+mn-lt"/>
+                <a:ea typeface="+mn-ea"/>
+                <a:cs typeface="+mn-cs"/>
+              </a:defRPr>
+            </a:lvl9pPr>
+          </a:lstStyle>
+          <a:p>
+            <a:pPr algn="ctr"/>
+            <a:endParaRPr lang="en-US" dirty="0">
+              <a:solidFill>
+                <a:srgbClr val="FF0000"/>
+              </a:solidFill>
+            </a:endParaRPr>
+          </a:p>
+        </p:txBody>
+      </p:sp>
+      <p:sp>
+        <p:nvSpPr>
+          <p:cNvPr id="14" name="TextBox 17">
+            <a:extLst>
+              <a:ext uri="{FF2B5EF4-FFF2-40B4-BE49-F238E27FC236}">
+                <a16:creationId xmlns:a16="http://schemas.microsoft.com/office/drawing/2014/main" id="{A30DDD53-09EB-4830-95FA-04463C21633C}"/>
+              </a:ext>
+            </a:extLst>
+          </p:cNvPr>
+          <p:cNvSpPr txBox="1"/>
+          <p:nvPr/>
+        </p:nvSpPr>
+        <p:spPr>
+          <a:xfrm>
+            <a:off x="7070740" y="194591"/>
+            <a:ext cx="6096000" cy="369332"/>
+          </a:xfrm>
+          <a:prstGeom prst="rect">
+            <a:avLst/>
+          </a:prstGeom>
+          <a:noFill/>
+        </p:spPr>
+        <p:txBody>
+          <a:bodyPr wrap="square">
+            <a:spAutoFit/>
+          </a:bodyPr>
+          <a:lstStyle>
+            <a:defPPr>
+              <a:defRPr lang="en-US"/>
+            </a:defPPr>
+            <a:lvl1pPr marL="0" algn="l" defTabSz="914400" rtl="0" eaLnBrk="1" latinLnBrk="0" hangingPunct="1">
+              <a:defRPr sz="1800" kern="1200">
+                <a:solidFill>
+                  <a:schemeClr val="tx1"/>
+                </a:solidFill>
+                <a:latin typeface="+mn-lt"/>
+                <a:ea typeface="+mn-ea"/>
+                <a:cs typeface="+mn-cs"/>
+              </a:defRPr>
+            </a:lvl1pPr>
+            <a:lvl2pPr marL="457200" algn="l" defTabSz="914400" rtl="0" eaLnBrk="1" latinLnBrk="0" hangingPunct="1">
+              <a:defRPr sz="1800" kern="1200">
+                <a:solidFill>
+                  <a:schemeClr val="tx1"/>
+                </a:solidFill>
+                <a:latin typeface="+mn-lt"/>
+                <a:ea typeface="+mn-ea"/>
+                <a:cs typeface="+mn-cs"/>
+              </a:defRPr>
+            </a:lvl2pPr>
+            <a:lvl3pPr marL="914400" algn="l" defTabSz="914400" rtl="0" eaLnBrk="1" latinLnBrk="0" hangingPunct="1">
+              <a:defRPr sz="1800" kern="1200">
+                <a:solidFill>
+                  <a:schemeClr val="tx1"/>
+                </a:solidFill>
+                <a:latin typeface="+mn-lt"/>
+                <a:ea typeface="+mn-ea"/>
+                <a:cs typeface="+mn-cs"/>
+              </a:defRPr>
+            </a:lvl3pPr>
+            <a:lvl4pPr marL="1371600" algn="l" defTabSz="914400" rtl="0" eaLnBrk="1" latinLnBrk="0" hangingPunct="1">
+              <a:defRPr sz="1800" kern="1200">
+                <a:solidFill>
+                  <a:schemeClr val="tx1"/>
+                </a:solidFill>
+                <a:latin typeface="+mn-lt"/>
+                <a:ea typeface="+mn-ea"/>
+                <a:cs typeface="+mn-cs"/>
+              </a:defRPr>
+            </a:lvl4pPr>
+            <a:lvl5pPr marL="1828800" algn="l" defTabSz="914400" rtl="0" eaLnBrk="1" latinLnBrk="0" hangingPunct="1">
+              <a:defRPr sz="1800" kern="1200">
+                <a:solidFill>
+                  <a:schemeClr val="tx1"/>
+                </a:solidFill>
+                <a:latin typeface="+mn-lt"/>
+                <a:ea typeface="+mn-ea"/>
+                <a:cs typeface="+mn-cs"/>
+              </a:defRPr>
+            </a:lvl5pPr>
+            <a:lvl6pPr marL="2286000" algn="l" defTabSz="914400" rtl="0" eaLnBrk="1" latinLnBrk="0" hangingPunct="1">
+              <a:defRPr sz="1800" kern="1200">
+                <a:solidFill>
+                  <a:schemeClr val="tx1"/>
+                </a:solidFill>
+                <a:latin typeface="+mn-lt"/>
+                <a:ea typeface="+mn-ea"/>
+                <a:cs typeface="+mn-cs"/>
+              </a:defRPr>
+            </a:lvl6pPr>
+            <a:lvl7pPr marL="2743200" algn="l" defTabSz="914400" rtl="0" eaLnBrk="1" latinLnBrk="0" hangingPunct="1">
+              <a:defRPr sz="1800" kern="1200">
+                <a:solidFill>
+                  <a:schemeClr val="tx1"/>
+                </a:solidFill>
+                <a:latin typeface="+mn-lt"/>
+                <a:ea typeface="+mn-ea"/>
+                <a:cs typeface="+mn-cs"/>
+              </a:defRPr>
+            </a:lvl7pPr>
+            <a:lvl8pPr marL="3200400" algn="l" defTabSz="914400" rtl="0" eaLnBrk="1" latinLnBrk="0" hangingPunct="1">
+              <a:defRPr sz="1800" kern="1200">
+                <a:solidFill>
+                  <a:schemeClr val="tx1"/>
+                </a:solidFill>
+                <a:latin typeface="+mn-lt"/>
+                <a:ea typeface="+mn-ea"/>
+                <a:cs typeface="+mn-cs"/>
+              </a:defRPr>
+            </a:lvl8pPr>
+            <a:lvl9pPr marL="3657600" algn="l" defTabSz="914400" rtl="0" eaLnBrk="1" latinLnBrk="0" hangingPunct="1">
+              <a:defRPr sz="1800" kern="1200">
+                <a:solidFill>
+                  <a:schemeClr val="tx1"/>
+                </a:solidFill>
+                <a:latin typeface="+mn-lt"/>
+                <a:ea typeface="+mn-ea"/>
+                <a:cs typeface="+mn-cs"/>
+              </a:defRPr>
+            </a:lvl9pPr>
+          </a:lstStyle>
+          <a:p>
+            <a:r>
+              <a:rPr lang="en-US" b="1" dirty="0">
+                <a:solidFill>
+                  <a:schemeClr val="accent6"/>
+                </a:solidFill>
+              </a:rPr>
+              <a:t>PROPS</a:t>
+            </a:r>
+          </a:p>
+        </p:txBody>
+      </p:sp>
+      <p:sp>
+        <p:nvSpPr>
+          <p:cNvPr id="15" name="TextBox 19">
+            <a:extLst>
+              <a:ext uri="{FF2B5EF4-FFF2-40B4-BE49-F238E27FC236}">
+                <a16:creationId xmlns:a16="http://schemas.microsoft.com/office/drawing/2014/main" id="{98DFDE7F-0F4B-4B45-9208-2C54AA581772}"/>
+              </a:ext>
+            </a:extLst>
+          </p:cNvPr>
+          <p:cNvSpPr txBox="1"/>
+          <p:nvPr/>
+        </p:nvSpPr>
+        <p:spPr>
+          <a:xfrm>
+            <a:off x="8093582" y="1188732"/>
+            <a:ext cx="6235148" cy="369332"/>
+          </a:xfrm>
+          <a:prstGeom prst="rect">
+            <a:avLst/>
+          </a:prstGeom>
+          <a:noFill/>
+        </p:spPr>
+        <p:txBody>
+          <a:bodyPr wrap="square">
+            <a:spAutoFit/>
+          </a:bodyPr>
+          <a:lstStyle>
+            <a:defPPr>
+              <a:defRPr lang="en-US"/>
+            </a:defPPr>
+            <a:lvl1pPr marL="0" algn="l" defTabSz="914400" rtl="0" eaLnBrk="1" latinLnBrk="0" hangingPunct="1">
+              <a:defRPr sz="1800" kern="1200">
+                <a:solidFill>
+                  <a:schemeClr val="tx1"/>
+                </a:solidFill>
+                <a:latin typeface="+mn-lt"/>
+                <a:ea typeface="+mn-ea"/>
+                <a:cs typeface="+mn-cs"/>
+              </a:defRPr>
+            </a:lvl1pPr>
+            <a:lvl2pPr marL="457200" algn="l" defTabSz="914400" rtl="0" eaLnBrk="1" latinLnBrk="0" hangingPunct="1">
+              <a:defRPr sz="1800" kern="1200">
+                <a:solidFill>
+                  <a:schemeClr val="tx1"/>
+                </a:solidFill>
+                <a:latin typeface="+mn-lt"/>
+                <a:ea typeface="+mn-ea"/>
+                <a:cs typeface="+mn-cs"/>
+              </a:defRPr>
+            </a:lvl2pPr>
+            <a:lvl3pPr marL="914400" algn="l" defTabSz="914400" rtl="0" eaLnBrk="1" latinLnBrk="0" hangingPunct="1">
+              <a:defRPr sz="1800" kern="1200">
+                <a:solidFill>
+                  <a:schemeClr val="tx1"/>
+                </a:solidFill>
+                <a:latin typeface="+mn-lt"/>
+                <a:ea typeface="+mn-ea"/>
+                <a:cs typeface="+mn-cs"/>
+              </a:defRPr>
+            </a:lvl3pPr>
+            <a:lvl4pPr marL="1371600" algn="l" defTabSz="914400" rtl="0" eaLnBrk="1" latinLnBrk="0" hangingPunct="1">
+              <a:defRPr sz="1800" kern="1200">
+                <a:solidFill>
+                  <a:schemeClr val="tx1"/>
+                </a:solidFill>
+                <a:latin typeface="+mn-lt"/>
+                <a:ea typeface="+mn-ea"/>
+                <a:cs typeface="+mn-cs"/>
+              </a:defRPr>
+            </a:lvl4pPr>
+            <a:lvl5pPr marL="1828800" algn="l" defTabSz="914400" rtl="0" eaLnBrk="1" latinLnBrk="0" hangingPunct="1">
+              <a:defRPr sz="1800" kern="1200">
+                <a:solidFill>
+                  <a:schemeClr val="tx1"/>
+                </a:solidFill>
+                <a:latin typeface="+mn-lt"/>
+                <a:ea typeface="+mn-ea"/>
+                <a:cs typeface="+mn-cs"/>
+              </a:defRPr>
+            </a:lvl5pPr>
+            <a:lvl6pPr marL="2286000" algn="l" defTabSz="914400" rtl="0" eaLnBrk="1" latinLnBrk="0" hangingPunct="1">
+              <a:defRPr sz="1800" kern="1200">
+                <a:solidFill>
+                  <a:schemeClr val="tx1"/>
+                </a:solidFill>
+                <a:latin typeface="+mn-lt"/>
+                <a:ea typeface="+mn-ea"/>
+                <a:cs typeface="+mn-cs"/>
+              </a:defRPr>
+            </a:lvl6pPr>
+            <a:lvl7pPr marL="2743200" algn="l" defTabSz="914400" rtl="0" eaLnBrk="1" latinLnBrk="0" hangingPunct="1">
+              <a:defRPr sz="1800" kern="1200">
+                <a:solidFill>
+                  <a:schemeClr val="tx1"/>
+                </a:solidFill>
+                <a:latin typeface="+mn-lt"/>
+                <a:ea typeface="+mn-ea"/>
+                <a:cs typeface="+mn-cs"/>
+              </a:defRPr>
+            </a:lvl7pPr>
+            <a:lvl8pPr marL="3200400" algn="l" defTabSz="914400" rtl="0" eaLnBrk="1" latinLnBrk="0" hangingPunct="1">
+              <a:defRPr sz="1800" kern="1200">
+                <a:solidFill>
+                  <a:schemeClr val="tx1"/>
+                </a:solidFill>
+                <a:latin typeface="+mn-lt"/>
+                <a:ea typeface="+mn-ea"/>
+                <a:cs typeface="+mn-cs"/>
+              </a:defRPr>
+            </a:lvl8pPr>
+            <a:lvl9pPr marL="3657600" algn="l" defTabSz="914400" rtl="0" eaLnBrk="1" latinLnBrk="0" hangingPunct="1">
+              <a:defRPr sz="1800" kern="1200">
+                <a:solidFill>
+                  <a:schemeClr val="tx1"/>
+                </a:solidFill>
+                <a:latin typeface="+mn-lt"/>
+                <a:ea typeface="+mn-ea"/>
+                <a:cs typeface="+mn-cs"/>
+              </a:defRPr>
+            </a:lvl9pPr>
+          </a:lstStyle>
+          <a:p>
+            <a:r>
+              <a:rPr lang="en-US" b="1" dirty="0">
+                <a:solidFill>
+                  <a:schemeClr val="accent6"/>
+                </a:solidFill>
+              </a:rPr>
+              <a:t>EMITS</a:t>
+            </a:r>
+          </a:p>
+        </p:txBody>
+      </p:sp>
+      <p:sp>
+        <p:nvSpPr>
+          <p:cNvPr id="16" name="Arrow: Right 15">
+            <a:extLst>
+              <a:ext uri="{FF2B5EF4-FFF2-40B4-BE49-F238E27FC236}">
+                <a16:creationId xmlns:a16="http://schemas.microsoft.com/office/drawing/2014/main" id="{D6F18DE1-F63F-4289-A164-2B05E32754A1}"/>
+              </a:ext>
+            </a:extLst>
+          </p:cNvPr>
+          <p:cNvSpPr/>
+          <p:nvPr/>
+        </p:nvSpPr>
+        <p:spPr>
+          <a:xfrm>
+            <a:off x="7267954" y="2647589"/>
+            <a:ext cx="1205948" cy="369332"/>
+          </a:xfrm>
+          <a:prstGeom prst="rightArrow">
+            <a:avLst/>
+          </a:prstGeom>
+        </p:spPr>
+        <p:style>
+          <a:lnRef idx="2">
+            <a:schemeClr val="accent1">
+              <a:shade val="50000"/>
+            </a:schemeClr>
+          </a:lnRef>
+          <a:fillRef idx="1">
+            <a:schemeClr val="accent1"/>
+          </a:fillRef>
+          <a:effectRef idx="0">
+            <a:schemeClr val="accent1"/>
+          </a:effectRef>
+          <a:fontRef idx="minor">
+            <a:schemeClr val="lt1"/>
+          </a:fontRef>
+        </p:style>
+        <p:txBody>
+          <a:bodyPr rtlCol="0" anchor="ctr"/>
+          <a:lstStyle>
+            <a:defPPr>
+              <a:defRPr lang="en-US"/>
+            </a:defPPr>
+            <a:lvl1pPr marL="0" algn="l" defTabSz="914400" rtl="0" eaLnBrk="1" latinLnBrk="0" hangingPunct="1">
+              <a:defRPr sz="1800" kern="1200">
+                <a:solidFill>
+                  <a:schemeClr val="lt1"/>
+                </a:solidFill>
+                <a:latin typeface="+mn-lt"/>
+                <a:ea typeface="+mn-ea"/>
+                <a:cs typeface="+mn-cs"/>
+              </a:defRPr>
+            </a:lvl1pPr>
+            <a:lvl2pPr marL="457200" algn="l" defTabSz="914400" rtl="0" eaLnBrk="1" latinLnBrk="0" hangingPunct="1">
+              <a:defRPr sz="1800" kern="1200">
+                <a:solidFill>
+                  <a:schemeClr val="lt1"/>
+                </a:solidFill>
+                <a:latin typeface="+mn-lt"/>
+                <a:ea typeface="+mn-ea"/>
+                <a:cs typeface="+mn-cs"/>
+              </a:defRPr>
+            </a:lvl2pPr>
+            <a:lvl3pPr marL="914400" algn="l" defTabSz="914400" rtl="0" eaLnBrk="1" latinLnBrk="0" hangingPunct="1">
+              <a:defRPr sz="1800" kern="1200">
+                <a:solidFill>
+                  <a:schemeClr val="lt1"/>
+                </a:solidFill>
+                <a:latin typeface="+mn-lt"/>
+                <a:ea typeface="+mn-ea"/>
+                <a:cs typeface="+mn-cs"/>
+              </a:defRPr>
+            </a:lvl3pPr>
+            <a:lvl4pPr marL="1371600" algn="l" defTabSz="914400" rtl="0" eaLnBrk="1" latinLnBrk="0" hangingPunct="1">
+              <a:defRPr sz="1800" kern="1200">
+                <a:solidFill>
+                  <a:schemeClr val="lt1"/>
+                </a:solidFill>
+                <a:latin typeface="+mn-lt"/>
+                <a:ea typeface="+mn-ea"/>
+                <a:cs typeface="+mn-cs"/>
+              </a:defRPr>
+            </a:lvl4pPr>
+            <a:lvl5pPr marL="1828800" algn="l" defTabSz="914400" rtl="0" eaLnBrk="1" latinLnBrk="0" hangingPunct="1">
+              <a:defRPr sz="1800" kern="1200">
+                <a:solidFill>
+                  <a:schemeClr val="lt1"/>
+                </a:solidFill>
+                <a:latin typeface="+mn-lt"/>
+                <a:ea typeface="+mn-ea"/>
+                <a:cs typeface="+mn-cs"/>
+              </a:defRPr>
+            </a:lvl5pPr>
+            <a:lvl6pPr marL="2286000" algn="l" defTabSz="914400" rtl="0" eaLnBrk="1" latinLnBrk="0" hangingPunct="1">
+              <a:defRPr sz="1800" kern="1200">
+                <a:solidFill>
+                  <a:schemeClr val="lt1"/>
+                </a:solidFill>
+                <a:latin typeface="+mn-lt"/>
+                <a:ea typeface="+mn-ea"/>
+                <a:cs typeface="+mn-cs"/>
+              </a:defRPr>
+            </a:lvl6pPr>
+            <a:lvl7pPr marL="2743200" algn="l" defTabSz="914400" rtl="0" eaLnBrk="1" latinLnBrk="0" hangingPunct="1">
+              <a:defRPr sz="1800" kern="1200">
+                <a:solidFill>
+                  <a:schemeClr val="lt1"/>
+                </a:solidFill>
+                <a:latin typeface="+mn-lt"/>
+                <a:ea typeface="+mn-ea"/>
+                <a:cs typeface="+mn-cs"/>
+              </a:defRPr>
+            </a:lvl7pPr>
+            <a:lvl8pPr marL="3200400" algn="l" defTabSz="914400" rtl="0" eaLnBrk="1" latinLnBrk="0" hangingPunct="1">
+              <a:defRPr sz="1800" kern="1200">
+                <a:solidFill>
+                  <a:schemeClr val="lt1"/>
+                </a:solidFill>
+                <a:latin typeface="+mn-lt"/>
+                <a:ea typeface="+mn-ea"/>
+                <a:cs typeface="+mn-cs"/>
+              </a:defRPr>
+            </a:lvl8pPr>
+            <a:lvl9pPr marL="3657600" algn="l" defTabSz="914400" rtl="0" eaLnBrk="1" latinLnBrk="0" hangingPunct="1">
+              <a:defRPr sz="1800" kern="1200">
+                <a:solidFill>
+                  <a:schemeClr val="lt1"/>
+                </a:solidFill>
+                <a:latin typeface="+mn-lt"/>
+                <a:ea typeface="+mn-ea"/>
+                <a:cs typeface="+mn-cs"/>
+              </a:defRPr>
+            </a:lvl9pPr>
+          </a:lstStyle>
+          <a:p>
+            <a:pPr algn="ctr"/>
+            <a:endParaRPr lang="en-US" dirty="0"/>
+          </a:p>
+        </p:txBody>
+      </p:sp>
+      <p:sp>
+        <p:nvSpPr>
+          <p:cNvPr id="17" name="Arrow: Right 16">
+            <a:extLst>
+              <a:ext uri="{FF2B5EF4-FFF2-40B4-BE49-F238E27FC236}">
+                <a16:creationId xmlns:a16="http://schemas.microsoft.com/office/drawing/2014/main" id="{46258E6C-2693-4CD9-AFD9-C27377554FD9}"/>
+              </a:ext>
+            </a:extLst>
+          </p:cNvPr>
+          <p:cNvSpPr/>
+          <p:nvPr/>
+        </p:nvSpPr>
+        <p:spPr>
+          <a:xfrm>
+            <a:off x="7309234" y="4613461"/>
+            <a:ext cx="1205948" cy="369332"/>
+          </a:xfrm>
+          <a:prstGeom prst="rightArrow">
+            <a:avLst/>
+          </a:prstGeom>
+        </p:spPr>
+        <p:style>
+          <a:lnRef idx="2">
+            <a:schemeClr val="accent1">
+              <a:shade val="50000"/>
+            </a:schemeClr>
+          </a:lnRef>
+          <a:fillRef idx="1">
+            <a:schemeClr val="accent1"/>
+          </a:fillRef>
+          <a:effectRef idx="0">
+            <a:schemeClr val="accent1"/>
+          </a:effectRef>
+          <a:fontRef idx="minor">
+            <a:schemeClr val="lt1"/>
+          </a:fontRef>
+        </p:style>
+        <p:txBody>
+          <a:bodyPr rtlCol="0" anchor="ctr"/>
+          <a:lstStyle>
+            <a:defPPr>
+              <a:defRPr lang="en-US"/>
+            </a:defPPr>
+            <a:lvl1pPr marL="0" algn="l" defTabSz="914400" rtl="0" eaLnBrk="1" latinLnBrk="0" hangingPunct="1">
+              <a:defRPr sz="1800" kern="1200">
+                <a:solidFill>
+                  <a:schemeClr val="lt1"/>
+                </a:solidFill>
+                <a:latin typeface="+mn-lt"/>
+                <a:ea typeface="+mn-ea"/>
+                <a:cs typeface="+mn-cs"/>
+              </a:defRPr>
+            </a:lvl1pPr>
+            <a:lvl2pPr marL="457200" algn="l" defTabSz="914400" rtl="0" eaLnBrk="1" latinLnBrk="0" hangingPunct="1">
+              <a:defRPr sz="1800" kern="1200">
+                <a:solidFill>
+                  <a:schemeClr val="lt1"/>
+                </a:solidFill>
+                <a:latin typeface="+mn-lt"/>
+                <a:ea typeface="+mn-ea"/>
+                <a:cs typeface="+mn-cs"/>
+              </a:defRPr>
+            </a:lvl2pPr>
+            <a:lvl3pPr marL="914400" algn="l" defTabSz="914400" rtl="0" eaLnBrk="1" latinLnBrk="0" hangingPunct="1">
+              <a:defRPr sz="1800" kern="1200">
+                <a:solidFill>
+                  <a:schemeClr val="lt1"/>
+                </a:solidFill>
+                <a:latin typeface="+mn-lt"/>
+                <a:ea typeface="+mn-ea"/>
+                <a:cs typeface="+mn-cs"/>
+              </a:defRPr>
+            </a:lvl3pPr>
+            <a:lvl4pPr marL="1371600" algn="l" defTabSz="914400" rtl="0" eaLnBrk="1" latinLnBrk="0" hangingPunct="1">
+              <a:defRPr sz="1800" kern="1200">
+                <a:solidFill>
+                  <a:schemeClr val="lt1"/>
+                </a:solidFill>
+                <a:latin typeface="+mn-lt"/>
+                <a:ea typeface="+mn-ea"/>
+                <a:cs typeface="+mn-cs"/>
+              </a:defRPr>
+            </a:lvl4pPr>
+            <a:lvl5pPr marL="1828800" algn="l" defTabSz="914400" rtl="0" eaLnBrk="1" latinLnBrk="0" hangingPunct="1">
+              <a:defRPr sz="1800" kern="1200">
+                <a:solidFill>
+                  <a:schemeClr val="lt1"/>
+                </a:solidFill>
+                <a:latin typeface="+mn-lt"/>
+                <a:ea typeface="+mn-ea"/>
+                <a:cs typeface="+mn-cs"/>
+              </a:defRPr>
+            </a:lvl5pPr>
+            <a:lvl6pPr marL="2286000" algn="l" defTabSz="914400" rtl="0" eaLnBrk="1" latinLnBrk="0" hangingPunct="1">
+              <a:defRPr sz="1800" kern="1200">
+                <a:solidFill>
+                  <a:schemeClr val="lt1"/>
+                </a:solidFill>
+                <a:latin typeface="+mn-lt"/>
+                <a:ea typeface="+mn-ea"/>
+                <a:cs typeface="+mn-cs"/>
+              </a:defRPr>
+            </a:lvl6pPr>
+            <a:lvl7pPr marL="2743200" algn="l" defTabSz="914400" rtl="0" eaLnBrk="1" latinLnBrk="0" hangingPunct="1">
+              <a:defRPr sz="1800" kern="1200">
+                <a:solidFill>
+                  <a:schemeClr val="lt1"/>
+                </a:solidFill>
+                <a:latin typeface="+mn-lt"/>
+                <a:ea typeface="+mn-ea"/>
+                <a:cs typeface="+mn-cs"/>
+              </a:defRPr>
+            </a:lvl7pPr>
+            <a:lvl8pPr marL="3200400" algn="l" defTabSz="914400" rtl="0" eaLnBrk="1" latinLnBrk="0" hangingPunct="1">
+              <a:defRPr sz="1800" kern="1200">
+                <a:solidFill>
+                  <a:schemeClr val="lt1"/>
+                </a:solidFill>
+                <a:latin typeface="+mn-lt"/>
+                <a:ea typeface="+mn-ea"/>
+                <a:cs typeface="+mn-cs"/>
+              </a:defRPr>
+            </a:lvl8pPr>
+            <a:lvl9pPr marL="3657600" algn="l" defTabSz="914400" rtl="0" eaLnBrk="1" latinLnBrk="0" hangingPunct="1">
+              <a:defRPr sz="1800" kern="1200">
+                <a:solidFill>
+                  <a:schemeClr val="lt1"/>
+                </a:solidFill>
+                <a:latin typeface="+mn-lt"/>
+                <a:ea typeface="+mn-ea"/>
+                <a:cs typeface="+mn-cs"/>
+              </a:defRPr>
+            </a:lvl9pPr>
+          </a:lstStyle>
+          <a:p>
+            <a:pPr algn="ctr"/>
+            <a:endParaRPr lang="en-US" dirty="0"/>
+          </a:p>
+        </p:txBody>
+      </p:sp>
+      <p:sp>
+        <p:nvSpPr>
+          <p:cNvPr id="18" name="Arrow: Left 17">
+            <a:extLst>
+              <a:ext uri="{FF2B5EF4-FFF2-40B4-BE49-F238E27FC236}">
+                <a16:creationId xmlns:a16="http://schemas.microsoft.com/office/drawing/2014/main" id="{F5BA5AA5-F8C5-4858-9195-0474DDE0FD49}"/>
+              </a:ext>
+            </a:extLst>
+          </p:cNvPr>
+          <p:cNvSpPr/>
+          <p:nvPr/>
+        </p:nvSpPr>
+        <p:spPr>
+          <a:xfrm>
+            <a:off x="7248780" y="3379800"/>
+            <a:ext cx="1221439" cy="369332"/>
+          </a:xfrm>
+          <a:prstGeom prst="leftArrow">
+            <a:avLst/>
+          </a:prstGeom>
+          <a:solidFill>
+            <a:srgbClr val="FF0000"/>
+          </a:solidFill>
+        </p:spPr>
+        <p:style>
+          <a:lnRef idx="2">
+            <a:schemeClr val="accent1">
+              <a:shade val="50000"/>
+            </a:schemeClr>
+          </a:lnRef>
+          <a:fillRef idx="1">
+            <a:schemeClr val="accent1"/>
+          </a:fillRef>
+          <a:effectRef idx="0">
+            <a:schemeClr val="accent1"/>
+          </a:effectRef>
+          <a:fontRef idx="minor">
+            <a:schemeClr val="lt1"/>
+          </a:fontRef>
+        </p:style>
+        <p:txBody>
+          <a:bodyPr rtlCol="0" anchor="ctr"/>
+          <a:lstStyle>
+            <a:defPPr>
+              <a:defRPr lang="en-US"/>
+            </a:defPPr>
+            <a:lvl1pPr marL="0" algn="l" defTabSz="914400" rtl="0" eaLnBrk="1" latinLnBrk="0" hangingPunct="1">
+              <a:defRPr sz="1800" kern="1200">
+                <a:solidFill>
+                  <a:schemeClr val="lt1"/>
+                </a:solidFill>
+                <a:latin typeface="+mn-lt"/>
+                <a:ea typeface="+mn-ea"/>
+                <a:cs typeface="+mn-cs"/>
+              </a:defRPr>
+            </a:lvl1pPr>
+            <a:lvl2pPr marL="457200" algn="l" defTabSz="914400" rtl="0" eaLnBrk="1" latinLnBrk="0" hangingPunct="1">
+              <a:defRPr sz="1800" kern="1200">
+                <a:solidFill>
+                  <a:schemeClr val="lt1"/>
+                </a:solidFill>
+                <a:latin typeface="+mn-lt"/>
+                <a:ea typeface="+mn-ea"/>
+                <a:cs typeface="+mn-cs"/>
+              </a:defRPr>
+            </a:lvl2pPr>
+            <a:lvl3pPr marL="914400" algn="l" defTabSz="914400" rtl="0" eaLnBrk="1" latinLnBrk="0" hangingPunct="1">
+              <a:defRPr sz="1800" kern="1200">
+                <a:solidFill>
+                  <a:schemeClr val="lt1"/>
+                </a:solidFill>
+                <a:latin typeface="+mn-lt"/>
+                <a:ea typeface="+mn-ea"/>
+                <a:cs typeface="+mn-cs"/>
+              </a:defRPr>
+            </a:lvl3pPr>
+            <a:lvl4pPr marL="1371600" algn="l" defTabSz="914400" rtl="0" eaLnBrk="1" latinLnBrk="0" hangingPunct="1">
+              <a:defRPr sz="1800" kern="1200">
+                <a:solidFill>
+                  <a:schemeClr val="lt1"/>
+                </a:solidFill>
+                <a:latin typeface="+mn-lt"/>
+                <a:ea typeface="+mn-ea"/>
+                <a:cs typeface="+mn-cs"/>
+              </a:defRPr>
+            </a:lvl4pPr>
+            <a:lvl5pPr marL="1828800" algn="l" defTabSz="914400" rtl="0" eaLnBrk="1" latinLnBrk="0" hangingPunct="1">
+              <a:defRPr sz="1800" kern="1200">
+                <a:solidFill>
+                  <a:schemeClr val="lt1"/>
+                </a:solidFill>
+                <a:latin typeface="+mn-lt"/>
+                <a:ea typeface="+mn-ea"/>
+                <a:cs typeface="+mn-cs"/>
+              </a:defRPr>
+            </a:lvl5pPr>
+            <a:lvl6pPr marL="2286000" algn="l" defTabSz="914400" rtl="0" eaLnBrk="1" latinLnBrk="0" hangingPunct="1">
+              <a:defRPr sz="1800" kern="1200">
+                <a:solidFill>
+                  <a:schemeClr val="lt1"/>
+                </a:solidFill>
+                <a:latin typeface="+mn-lt"/>
+                <a:ea typeface="+mn-ea"/>
+                <a:cs typeface="+mn-cs"/>
+              </a:defRPr>
+            </a:lvl6pPr>
+            <a:lvl7pPr marL="2743200" algn="l" defTabSz="914400" rtl="0" eaLnBrk="1" latinLnBrk="0" hangingPunct="1">
+              <a:defRPr sz="1800" kern="1200">
+                <a:solidFill>
+                  <a:schemeClr val="lt1"/>
+                </a:solidFill>
+                <a:latin typeface="+mn-lt"/>
+                <a:ea typeface="+mn-ea"/>
+                <a:cs typeface="+mn-cs"/>
+              </a:defRPr>
+            </a:lvl7pPr>
+            <a:lvl8pPr marL="3200400" algn="l" defTabSz="914400" rtl="0" eaLnBrk="1" latinLnBrk="0" hangingPunct="1">
+              <a:defRPr sz="1800" kern="1200">
+                <a:solidFill>
+                  <a:schemeClr val="lt1"/>
+                </a:solidFill>
+                <a:latin typeface="+mn-lt"/>
+                <a:ea typeface="+mn-ea"/>
+                <a:cs typeface="+mn-cs"/>
+              </a:defRPr>
+            </a:lvl8pPr>
+            <a:lvl9pPr marL="3657600" algn="l" defTabSz="914400" rtl="0" eaLnBrk="1" latinLnBrk="0" hangingPunct="1">
+              <a:defRPr sz="1800" kern="1200">
+                <a:solidFill>
+                  <a:schemeClr val="lt1"/>
+                </a:solidFill>
+                <a:latin typeface="+mn-lt"/>
+                <a:ea typeface="+mn-ea"/>
+                <a:cs typeface="+mn-cs"/>
+              </a:defRPr>
+            </a:lvl9pPr>
+          </a:lstStyle>
+          <a:p>
+            <a:pPr algn="ctr"/>
+            <a:endParaRPr lang="en-US" dirty="0"/>
+          </a:p>
+        </p:txBody>
+      </p:sp>
+      <p:sp>
+        <p:nvSpPr>
+          <p:cNvPr id="19" name="Arrow: Left 18">
+            <a:extLst>
+              <a:ext uri="{FF2B5EF4-FFF2-40B4-BE49-F238E27FC236}">
+                <a16:creationId xmlns:a16="http://schemas.microsoft.com/office/drawing/2014/main" id="{2E04A764-CFB7-45B6-B915-EF2F17F136C0}"/>
+              </a:ext>
+            </a:extLst>
+          </p:cNvPr>
+          <p:cNvSpPr/>
+          <p:nvPr/>
+        </p:nvSpPr>
+        <p:spPr>
+          <a:xfrm>
+            <a:off x="7248779" y="5311340"/>
+            <a:ext cx="1221439" cy="369332"/>
+          </a:xfrm>
+          <a:prstGeom prst="leftArrow">
+            <a:avLst/>
+          </a:prstGeom>
+          <a:solidFill>
+            <a:srgbClr val="FF0000"/>
+          </a:solidFill>
+        </p:spPr>
+        <p:style>
+          <a:lnRef idx="2">
+            <a:schemeClr val="accent1">
+              <a:shade val="50000"/>
+            </a:schemeClr>
+          </a:lnRef>
+          <a:fillRef idx="1">
+            <a:schemeClr val="accent1"/>
+          </a:fillRef>
+          <a:effectRef idx="0">
+            <a:schemeClr val="accent1"/>
+          </a:effectRef>
+          <a:fontRef idx="minor">
+            <a:schemeClr val="lt1"/>
+          </a:fontRef>
+        </p:style>
+        <p:txBody>
+          <a:bodyPr rtlCol="0" anchor="ctr"/>
+          <a:lstStyle>
+            <a:defPPr>
+              <a:defRPr lang="en-US"/>
+            </a:defPPr>
+            <a:lvl1pPr marL="0" algn="l" defTabSz="914400" rtl="0" eaLnBrk="1" latinLnBrk="0" hangingPunct="1">
+              <a:defRPr sz="1800" kern="1200">
+                <a:solidFill>
+                  <a:schemeClr val="lt1"/>
+                </a:solidFill>
+                <a:latin typeface="+mn-lt"/>
+                <a:ea typeface="+mn-ea"/>
+                <a:cs typeface="+mn-cs"/>
+              </a:defRPr>
+            </a:lvl1pPr>
+            <a:lvl2pPr marL="457200" algn="l" defTabSz="914400" rtl="0" eaLnBrk="1" latinLnBrk="0" hangingPunct="1">
+              <a:defRPr sz="1800" kern="1200">
+                <a:solidFill>
+                  <a:schemeClr val="lt1"/>
+                </a:solidFill>
+                <a:latin typeface="+mn-lt"/>
+                <a:ea typeface="+mn-ea"/>
+                <a:cs typeface="+mn-cs"/>
+              </a:defRPr>
+            </a:lvl2pPr>
+            <a:lvl3pPr marL="914400" algn="l" defTabSz="914400" rtl="0" eaLnBrk="1" latinLnBrk="0" hangingPunct="1">
+              <a:defRPr sz="1800" kern="1200">
+                <a:solidFill>
+                  <a:schemeClr val="lt1"/>
+                </a:solidFill>
+                <a:latin typeface="+mn-lt"/>
+                <a:ea typeface="+mn-ea"/>
+                <a:cs typeface="+mn-cs"/>
+              </a:defRPr>
+            </a:lvl3pPr>
+            <a:lvl4pPr marL="1371600" algn="l" defTabSz="914400" rtl="0" eaLnBrk="1" latinLnBrk="0" hangingPunct="1">
+              <a:defRPr sz="1800" kern="1200">
+                <a:solidFill>
+                  <a:schemeClr val="lt1"/>
+                </a:solidFill>
+                <a:latin typeface="+mn-lt"/>
+                <a:ea typeface="+mn-ea"/>
+                <a:cs typeface="+mn-cs"/>
+              </a:defRPr>
+            </a:lvl4pPr>
+            <a:lvl5pPr marL="1828800" algn="l" defTabSz="914400" rtl="0" eaLnBrk="1" latinLnBrk="0" hangingPunct="1">
+              <a:defRPr sz="1800" kern="1200">
+                <a:solidFill>
+                  <a:schemeClr val="lt1"/>
+                </a:solidFill>
+                <a:latin typeface="+mn-lt"/>
+                <a:ea typeface="+mn-ea"/>
+                <a:cs typeface="+mn-cs"/>
+              </a:defRPr>
+            </a:lvl5pPr>
+            <a:lvl6pPr marL="2286000" algn="l" defTabSz="914400" rtl="0" eaLnBrk="1" latinLnBrk="0" hangingPunct="1">
+              <a:defRPr sz="1800" kern="1200">
+                <a:solidFill>
+                  <a:schemeClr val="lt1"/>
+                </a:solidFill>
+                <a:latin typeface="+mn-lt"/>
+                <a:ea typeface="+mn-ea"/>
+                <a:cs typeface="+mn-cs"/>
+              </a:defRPr>
+            </a:lvl6pPr>
+            <a:lvl7pPr marL="2743200" algn="l" defTabSz="914400" rtl="0" eaLnBrk="1" latinLnBrk="0" hangingPunct="1">
+              <a:defRPr sz="1800" kern="1200">
+                <a:solidFill>
+                  <a:schemeClr val="lt1"/>
+                </a:solidFill>
+                <a:latin typeface="+mn-lt"/>
+                <a:ea typeface="+mn-ea"/>
+                <a:cs typeface="+mn-cs"/>
+              </a:defRPr>
+            </a:lvl7pPr>
+            <a:lvl8pPr marL="3200400" algn="l" defTabSz="914400" rtl="0" eaLnBrk="1" latinLnBrk="0" hangingPunct="1">
+              <a:defRPr sz="1800" kern="1200">
+                <a:solidFill>
+                  <a:schemeClr val="lt1"/>
+                </a:solidFill>
+                <a:latin typeface="+mn-lt"/>
+                <a:ea typeface="+mn-ea"/>
+                <a:cs typeface="+mn-cs"/>
+              </a:defRPr>
+            </a:lvl8pPr>
+            <a:lvl9pPr marL="3657600" algn="l" defTabSz="914400" rtl="0" eaLnBrk="1" latinLnBrk="0" hangingPunct="1">
+              <a:defRPr sz="1800" kern="1200">
+                <a:solidFill>
+                  <a:schemeClr val="lt1"/>
+                </a:solidFill>
+                <a:latin typeface="+mn-lt"/>
+                <a:ea typeface="+mn-ea"/>
+                <a:cs typeface="+mn-cs"/>
+              </a:defRPr>
+            </a:lvl9pPr>
+          </a:lstStyle>
+          <a:p>
+            <a:pPr algn="ctr"/>
+            <a:endParaRPr lang="en-US" dirty="0"/>
+          </a:p>
+        </p:txBody>
+      </p:sp>
+      <p:sp>
+        <p:nvSpPr>
+          <p:cNvPr id="20" name="TextBox 25">
+            <a:extLst>
+              <a:ext uri="{FF2B5EF4-FFF2-40B4-BE49-F238E27FC236}">
+                <a16:creationId xmlns:a16="http://schemas.microsoft.com/office/drawing/2014/main" id="{7FA1A4E2-730F-4FD7-A764-A8D4673D26C3}"/>
+              </a:ext>
+            </a:extLst>
+          </p:cNvPr>
+          <p:cNvSpPr txBox="1"/>
+          <p:nvPr/>
+        </p:nvSpPr>
+        <p:spPr>
+          <a:xfrm>
+            <a:off x="7067302" y="2205202"/>
+            <a:ext cx="6354416" cy="369332"/>
+          </a:xfrm>
+          <a:prstGeom prst="rect">
+            <a:avLst/>
+          </a:prstGeom>
+          <a:noFill/>
+        </p:spPr>
+        <p:txBody>
+          <a:bodyPr wrap="square">
+            <a:spAutoFit/>
+          </a:bodyPr>
+          <a:lstStyle>
+            <a:defPPr>
+              <a:defRPr lang="en-US"/>
+            </a:defPPr>
+            <a:lvl1pPr marL="0" algn="l" defTabSz="914400" rtl="0" eaLnBrk="1" latinLnBrk="0" hangingPunct="1">
+              <a:defRPr sz="1800" kern="1200">
+                <a:solidFill>
+                  <a:schemeClr val="tx1"/>
+                </a:solidFill>
+                <a:latin typeface="+mn-lt"/>
+                <a:ea typeface="+mn-ea"/>
+                <a:cs typeface="+mn-cs"/>
+              </a:defRPr>
+            </a:lvl1pPr>
+            <a:lvl2pPr marL="457200" algn="l" defTabSz="914400" rtl="0" eaLnBrk="1" latinLnBrk="0" hangingPunct="1">
+              <a:defRPr sz="1800" kern="1200">
+                <a:solidFill>
+                  <a:schemeClr val="tx1"/>
+                </a:solidFill>
+                <a:latin typeface="+mn-lt"/>
+                <a:ea typeface="+mn-ea"/>
+                <a:cs typeface="+mn-cs"/>
+              </a:defRPr>
+            </a:lvl2pPr>
+            <a:lvl3pPr marL="914400" algn="l" defTabSz="914400" rtl="0" eaLnBrk="1" latinLnBrk="0" hangingPunct="1">
+              <a:defRPr sz="1800" kern="1200">
+                <a:solidFill>
+                  <a:schemeClr val="tx1"/>
+                </a:solidFill>
+                <a:latin typeface="+mn-lt"/>
+                <a:ea typeface="+mn-ea"/>
+                <a:cs typeface="+mn-cs"/>
+              </a:defRPr>
+            </a:lvl3pPr>
+            <a:lvl4pPr marL="1371600" algn="l" defTabSz="914400" rtl="0" eaLnBrk="1" latinLnBrk="0" hangingPunct="1">
+              <a:defRPr sz="1800" kern="1200">
+                <a:solidFill>
+                  <a:schemeClr val="tx1"/>
+                </a:solidFill>
+                <a:latin typeface="+mn-lt"/>
+                <a:ea typeface="+mn-ea"/>
+                <a:cs typeface="+mn-cs"/>
+              </a:defRPr>
+            </a:lvl4pPr>
+            <a:lvl5pPr marL="1828800" algn="l" defTabSz="914400" rtl="0" eaLnBrk="1" latinLnBrk="0" hangingPunct="1">
+              <a:defRPr sz="1800" kern="1200">
+                <a:solidFill>
+                  <a:schemeClr val="tx1"/>
+                </a:solidFill>
+                <a:latin typeface="+mn-lt"/>
+                <a:ea typeface="+mn-ea"/>
+                <a:cs typeface="+mn-cs"/>
+              </a:defRPr>
+            </a:lvl5pPr>
+            <a:lvl6pPr marL="2286000" algn="l" defTabSz="914400" rtl="0" eaLnBrk="1" latinLnBrk="0" hangingPunct="1">
+              <a:defRPr sz="1800" kern="1200">
+                <a:solidFill>
+                  <a:schemeClr val="tx1"/>
+                </a:solidFill>
+                <a:latin typeface="+mn-lt"/>
+                <a:ea typeface="+mn-ea"/>
+                <a:cs typeface="+mn-cs"/>
+              </a:defRPr>
+            </a:lvl6pPr>
+            <a:lvl7pPr marL="2743200" algn="l" defTabSz="914400" rtl="0" eaLnBrk="1" latinLnBrk="0" hangingPunct="1">
+              <a:defRPr sz="1800" kern="1200">
+                <a:solidFill>
+                  <a:schemeClr val="tx1"/>
+                </a:solidFill>
+                <a:latin typeface="+mn-lt"/>
+                <a:ea typeface="+mn-ea"/>
+                <a:cs typeface="+mn-cs"/>
+              </a:defRPr>
+            </a:lvl7pPr>
+            <a:lvl8pPr marL="3200400" algn="l" defTabSz="914400" rtl="0" eaLnBrk="1" latinLnBrk="0" hangingPunct="1">
+              <a:defRPr sz="1800" kern="1200">
+                <a:solidFill>
+                  <a:schemeClr val="tx1"/>
+                </a:solidFill>
+                <a:latin typeface="+mn-lt"/>
+                <a:ea typeface="+mn-ea"/>
+                <a:cs typeface="+mn-cs"/>
+              </a:defRPr>
+            </a:lvl8pPr>
+            <a:lvl9pPr marL="3657600" algn="l" defTabSz="914400" rtl="0" eaLnBrk="1" latinLnBrk="0" hangingPunct="1">
+              <a:defRPr sz="1800" kern="1200">
+                <a:solidFill>
+                  <a:schemeClr val="tx1"/>
+                </a:solidFill>
+                <a:latin typeface="+mn-lt"/>
+                <a:ea typeface="+mn-ea"/>
+                <a:cs typeface="+mn-cs"/>
+              </a:defRPr>
+            </a:lvl9pPr>
+          </a:lstStyle>
+          <a:p>
+            <a:r>
+              <a:rPr lang="en-US" b="1" dirty="0">
+                <a:solidFill>
+                  <a:schemeClr val="accent6"/>
+                </a:solidFill>
+              </a:rPr>
+              <a:t>PROPS</a:t>
+            </a:r>
+          </a:p>
+        </p:txBody>
+      </p:sp>
+      <p:sp>
+        <p:nvSpPr>
+          <p:cNvPr id="21" name="TextBox 27">
+            <a:extLst>
+              <a:ext uri="{FF2B5EF4-FFF2-40B4-BE49-F238E27FC236}">
+                <a16:creationId xmlns:a16="http://schemas.microsoft.com/office/drawing/2014/main" id="{35D70B79-DD79-4663-AB10-CDDA9C62F918}"/>
+              </a:ext>
+            </a:extLst>
+          </p:cNvPr>
+          <p:cNvSpPr txBox="1"/>
+          <p:nvPr/>
+        </p:nvSpPr>
+        <p:spPr>
+          <a:xfrm>
+            <a:off x="7097272" y="4127901"/>
+            <a:ext cx="6334538" cy="369332"/>
+          </a:xfrm>
+          <a:prstGeom prst="rect">
+            <a:avLst/>
+          </a:prstGeom>
+          <a:noFill/>
+        </p:spPr>
+        <p:txBody>
+          <a:bodyPr wrap="square">
+            <a:spAutoFit/>
+          </a:bodyPr>
+          <a:lstStyle>
+            <a:defPPr>
+              <a:defRPr lang="en-US"/>
+            </a:defPPr>
+            <a:lvl1pPr marL="0" algn="l" defTabSz="914400" rtl="0" eaLnBrk="1" latinLnBrk="0" hangingPunct="1">
+              <a:defRPr sz="1800" kern="1200">
+                <a:solidFill>
+                  <a:schemeClr val="tx1"/>
+                </a:solidFill>
+                <a:latin typeface="+mn-lt"/>
+                <a:ea typeface="+mn-ea"/>
+                <a:cs typeface="+mn-cs"/>
+              </a:defRPr>
+            </a:lvl1pPr>
+            <a:lvl2pPr marL="457200" algn="l" defTabSz="914400" rtl="0" eaLnBrk="1" latinLnBrk="0" hangingPunct="1">
+              <a:defRPr sz="1800" kern="1200">
+                <a:solidFill>
+                  <a:schemeClr val="tx1"/>
+                </a:solidFill>
+                <a:latin typeface="+mn-lt"/>
+                <a:ea typeface="+mn-ea"/>
+                <a:cs typeface="+mn-cs"/>
+              </a:defRPr>
+            </a:lvl2pPr>
+            <a:lvl3pPr marL="914400" algn="l" defTabSz="914400" rtl="0" eaLnBrk="1" latinLnBrk="0" hangingPunct="1">
+              <a:defRPr sz="1800" kern="1200">
+                <a:solidFill>
+                  <a:schemeClr val="tx1"/>
+                </a:solidFill>
+                <a:latin typeface="+mn-lt"/>
+                <a:ea typeface="+mn-ea"/>
+                <a:cs typeface="+mn-cs"/>
+              </a:defRPr>
+            </a:lvl3pPr>
+            <a:lvl4pPr marL="1371600" algn="l" defTabSz="914400" rtl="0" eaLnBrk="1" latinLnBrk="0" hangingPunct="1">
+              <a:defRPr sz="1800" kern="1200">
+                <a:solidFill>
+                  <a:schemeClr val="tx1"/>
+                </a:solidFill>
+                <a:latin typeface="+mn-lt"/>
+                <a:ea typeface="+mn-ea"/>
+                <a:cs typeface="+mn-cs"/>
+              </a:defRPr>
+            </a:lvl4pPr>
+            <a:lvl5pPr marL="1828800" algn="l" defTabSz="914400" rtl="0" eaLnBrk="1" latinLnBrk="0" hangingPunct="1">
+              <a:defRPr sz="1800" kern="1200">
+                <a:solidFill>
+                  <a:schemeClr val="tx1"/>
+                </a:solidFill>
+                <a:latin typeface="+mn-lt"/>
+                <a:ea typeface="+mn-ea"/>
+                <a:cs typeface="+mn-cs"/>
+              </a:defRPr>
+            </a:lvl5pPr>
+            <a:lvl6pPr marL="2286000" algn="l" defTabSz="914400" rtl="0" eaLnBrk="1" latinLnBrk="0" hangingPunct="1">
+              <a:defRPr sz="1800" kern="1200">
+                <a:solidFill>
+                  <a:schemeClr val="tx1"/>
+                </a:solidFill>
+                <a:latin typeface="+mn-lt"/>
+                <a:ea typeface="+mn-ea"/>
+                <a:cs typeface="+mn-cs"/>
+              </a:defRPr>
+            </a:lvl6pPr>
+            <a:lvl7pPr marL="2743200" algn="l" defTabSz="914400" rtl="0" eaLnBrk="1" latinLnBrk="0" hangingPunct="1">
+              <a:defRPr sz="1800" kern="1200">
+                <a:solidFill>
+                  <a:schemeClr val="tx1"/>
+                </a:solidFill>
+                <a:latin typeface="+mn-lt"/>
+                <a:ea typeface="+mn-ea"/>
+                <a:cs typeface="+mn-cs"/>
+              </a:defRPr>
+            </a:lvl7pPr>
+            <a:lvl8pPr marL="3200400" algn="l" defTabSz="914400" rtl="0" eaLnBrk="1" latinLnBrk="0" hangingPunct="1">
+              <a:defRPr sz="1800" kern="1200">
+                <a:solidFill>
+                  <a:schemeClr val="tx1"/>
+                </a:solidFill>
+                <a:latin typeface="+mn-lt"/>
+                <a:ea typeface="+mn-ea"/>
+                <a:cs typeface="+mn-cs"/>
+              </a:defRPr>
+            </a:lvl8pPr>
+            <a:lvl9pPr marL="3657600" algn="l" defTabSz="914400" rtl="0" eaLnBrk="1" latinLnBrk="0" hangingPunct="1">
+              <a:defRPr sz="1800" kern="1200">
+                <a:solidFill>
+                  <a:schemeClr val="tx1"/>
+                </a:solidFill>
+                <a:latin typeface="+mn-lt"/>
+                <a:ea typeface="+mn-ea"/>
+                <a:cs typeface="+mn-cs"/>
+              </a:defRPr>
+            </a:lvl9pPr>
+          </a:lstStyle>
+          <a:p>
+            <a:r>
+              <a:rPr lang="en-US" b="1" dirty="0">
+                <a:solidFill>
+                  <a:schemeClr val="accent6"/>
+                </a:solidFill>
+              </a:rPr>
+              <a:t>PROPS</a:t>
+            </a:r>
+          </a:p>
+        </p:txBody>
+      </p:sp>
+      <p:sp>
+        <p:nvSpPr>
+          <p:cNvPr id="22" name="TextBox 29">
+            <a:extLst>
+              <a:ext uri="{FF2B5EF4-FFF2-40B4-BE49-F238E27FC236}">
+                <a16:creationId xmlns:a16="http://schemas.microsoft.com/office/drawing/2014/main" id="{CD2C5FA7-D9AF-4E33-859A-4B72429476D9}"/>
+              </a:ext>
+            </a:extLst>
+          </p:cNvPr>
+          <p:cNvSpPr txBox="1"/>
+          <p:nvPr/>
+        </p:nvSpPr>
+        <p:spPr>
+          <a:xfrm>
+            <a:off x="8111622" y="3131909"/>
+            <a:ext cx="6315578" cy="369332"/>
+          </a:xfrm>
+          <a:prstGeom prst="rect">
+            <a:avLst/>
+          </a:prstGeom>
+          <a:noFill/>
+        </p:spPr>
+        <p:txBody>
+          <a:bodyPr wrap="square">
+            <a:spAutoFit/>
+          </a:bodyPr>
+          <a:lstStyle>
+            <a:defPPr>
+              <a:defRPr lang="en-US"/>
+            </a:defPPr>
+            <a:lvl1pPr marL="0" algn="l" defTabSz="914400" rtl="0" eaLnBrk="1" latinLnBrk="0" hangingPunct="1">
+              <a:defRPr sz="1800" kern="1200">
+                <a:solidFill>
+                  <a:schemeClr val="tx1"/>
+                </a:solidFill>
+                <a:latin typeface="+mn-lt"/>
+                <a:ea typeface="+mn-ea"/>
+                <a:cs typeface="+mn-cs"/>
+              </a:defRPr>
+            </a:lvl1pPr>
+            <a:lvl2pPr marL="457200" algn="l" defTabSz="914400" rtl="0" eaLnBrk="1" latinLnBrk="0" hangingPunct="1">
+              <a:defRPr sz="1800" kern="1200">
+                <a:solidFill>
+                  <a:schemeClr val="tx1"/>
+                </a:solidFill>
+                <a:latin typeface="+mn-lt"/>
+                <a:ea typeface="+mn-ea"/>
+                <a:cs typeface="+mn-cs"/>
+              </a:defRPr>
+            </a:lvl2pPr>
+            <a:lvl3pPr marL="914400" algn="l" defTabSz="914400" rtl="0" eaLnBrk="1" latinLnBrk="0" hangingPunct="1">
+              <a:defRPr sz="1800" kern="1200">
+                <a:solidFill>
+                  <a:schemeClr val="tx1"/>
+                </a:solidFill>
+                <a:latin typeface="+mn-lt"/>
+                <a:ea typeface="+mn-ea"/>
+                <a:cs typeface="+mn-cs"/>
+              </a:defRPr>
+            </a:lvl3pPr>
+            <a:lvl4pPr marL="1371600" algn="l" defTabSz="914400" rtl="0" eaLnBrk="1" latinLnBrk="0" hangingPunct="1">
+              <a:defRPr sz="1800" kern="1200">
+                <a:solidFill>
+                  <a:schemeClr val="tx1"/>
+                </a:solidFill>
+                <a:latin typeface="+mn-lt"/>
+                <a:ea typeface="+mn-ea"/>
+                <a:cs typeface="+mn-cs"/>
+              </a:defRPr>
+            </a:lvl4pPr>
+            <a:lvl5pPr marL="1828800" algn="l" defTabSz="914400" rtl="0" eaLnBrk="1" latinLnBrk="0" hangingPunct="1">
+              <a:defRPr sz="1800" kern="1200">
+                <a:solidFill>
+                  <a:schemeClr val="tx1"/>
+                </a:solidFill>
+                <a:latin typeface="+mn-lt"/>
+                <a:ea typeface="+mn-ea"/>
+                <a:cs typeface="+mn-cs"/>
+              </a:defRPr>
+            </a:lvl5pPr>
+            <a:lvl6pPr marL="2286000" algn="l" defTabSz="914400" rtl="0" eaLnBrk="1" latinLnBrk="0" hangingPunct="1">
+              <a:defRPr sz="1800" kern="1200">
+                <a:solidFill>
+                  <a:schemeClr val="tx1"/>
+                </a:solidFill>
+                <a:latin typeface="+mn-lt"/>
+                <a:ea typeface="+mn-ea"/>
+                <a:cs typeface="+mn-cs"/>
+              </a:defRPr>
+            </a:lvl6pPr>
+            <a:lvl7pPr marL="2743200" algn="l" defTabSz="914400" rtl="0" eaLnBrk="1" latinLnBrk="0" hangingPunct="1">
+              <a:defRPr sz="1800" kern="1200">
+                <a:solidFill>
+                  <a:schemeClr val="tx1"/>
+                </a:solidFill>
+                <a:latin typeface="+mn-lt"/>
+                <a:ea typeface="+mn-ea"/>
+                <a:cs typeface="+mn-cs"/>
+              </a:defRPr>
+            </a:lvl7pPr>
+            <a:lvl8pPr marL="3200400" algn="l" defTabSz="914400" rtl="0" eaLnBrk="1" latinLnBrk="0" hangingPunct="1">
+              <a:defRPr sz="1800" kern="1200">
+                <a:solidFill>
+                  <a:schemeClr val="tx1"/>
+                </a:solidFill>
+                <a:latin typeface="+mn-lt"/>
+                <a:ea typeface="+mn-ea"/>
+                <a:cs typeface="+mn-cs"/>
+              </a:defRPr>
+            </a:lvl8pPr>
+            <a:lvl9pPr marL="3657600" algn="l" defTabSz="914400" rtl="0" eaLnBrk="1" latinLnBrk="0" hangingPunct="1">
+              <a:defRPr sz="1800" kern="1200">
+                <a:solidFill>
+                  <a:schemeClr val="tx1"/>
+                </a:solidFill>
+                <a:latin typeface="+mn-lt"/>
+                <a:ea typeface="+mn-ea"/>
+                <a:cs typeface="+mn-cs"/>
+              </a:defRPr>
+            </a:lvl9pPr>
+          </a:lstStyle>
+          <a:p>
+            <a:r>
+              <a:rPr lang="en-US" b="1" dirty="0">
+                <a:solidFill>
+                  <a:schemeClr val="accent6"/>
+                </a:solidFill>
+              </a:rPr>
+              <a:t>EMITS</a:t>
+            </a:r>
+          </a:p>
+        </p:txBody>
+      </p:sp>
+      <p:sp>
+        <p:nvSpPr>
+          <p:cNvPr id="23" name="TextBox 31">
+            <a:extLst>
+              <a:ext uri="{FF2B5EF4-FFF2-40B4-BE49-F238E27FC236}">
+                <a16:creationId xmlns:a16="http://schemas.microsoft.com/office/drawing/2014/main" id="{8DC908D8-4079-475A-BE56-1D7A3CD815E8}"/>
+              </a:ext>
+            </a:extLst>
+          </p:cNvPr>
+          <p:cNvSpPr txBox="1"/>
+          <p:nvPr/>
+        </p:nvSpPr>
+        <p:spPr>
+          <a:xfrm>
+            <a:off x="8104996" y="5012920"/>
+            <a:ext cx="6341164" cy="369332"/>
+          </a:xfrm>
+          <a:prstGeom prst="rect">
+            <a:avLst/>
+          </a:prstGeom>
+          <a:noFill/>
+        </p:spPr>
+        <p:txBody>
+          <a:bodyPr wrap="square">
+            <a:spAutoFit/>
+          </a:bodyPr>
+          <a:lstStyle>
+            <a:defPPr>
+              <a:defRPr lang="en-US"/>
+            </a:defPPr>
+            <a:lvl1pPr marL="0" algn="l" defTabSz="914400" rtl="0" eaLnBrk="1" latinLnBrk="0" hangingPunct="1">
+              <a:defRPr sz="1800" kern="1200">
+                <a:solidFill>
+                  <a:schemeClr val="tx1"/>
+                </a:solidFill>
+                <a:latin typeface="+mn-lt"/>
+                <a:ea typeface="+mn-ea"/>
+                <a:cs typeface="+mn-cs"/>
+              </a:defRPr>
+            </a:lvl1pPr>
+            <a:lvl2pPr marL="457200" algn="l" defTabSz="914400" rtl="0" eaLnBrk="1" latinLnBrk="0" hangingPunct="1">
+              <a:defRPr sz="1800" kern="1200">
+                <a:solidFill>
+                  <a:schemeClr val="tx1"/>
+                </a:solidFill>
+                <a:latin typeface="+mn-lt"/>
+                <a:ea typeface="+mn-ea"/>
+                <a:cs typeface="+mn-cs"/>
+              </a:defRPr>
+            </a:lvl2pPr>
+            <a:lvl3pPr marL="914400" algn="l" defTabSz="914400" rtl="0" eaLnBrk="1" latinLnBrk="0" hangingPunct="1">
+              <a:defRPr sz="1800" kern="1200">
+                <a:solidFill>
+                  <a:schemeClr val="tx1"/>
+                </a:solidFill>
+                <a:latin typeface="+mn-lt"/>
+                <a:ea typeface="+mn-ea"/>
+                <a:cs typeface="+mn-cs"/>
+              </a:defRPr>
+            </a:lvl3pPr>
+            <a:lvl4pPr marL="1371600" algn="l" defTabSz="914400" rtl="0" eaLnBrk="1" latinLnBrk="0" hangingPunct="1">
+              <a:defRPr sz="1800" kern="1200">
+                <a:solidFill>
+                  <a:schemeClr val="tx1"/>
+                </a:solidFill>
+                <a:latin typeface="+mn-lt"/>
+                <a:ea typeface="+mn-ea"/>
+                <a:cs typeface="+mn-cs"/>
+              </a:defRPr>
+            </a:lvl4pPr>
+            <a:lvl5pPr marL="1828800" algn="l" defTabSz="914400" rtl="0" eaLnBrk="1" latinLnBrk="0" hangingPunct="1">
+              <a:defRPr sz="1800" kern="1200">
+                <a:solidFill>
+                  <a:schemeClr val="tx1"/>
+                </a:solidFill>
+                <a:latin typeface="+mn-lt"/>
+                <a:ea typeface="+mn-ea"/>
+                <a:cs typeface="+mn-cs"/>
+              </a:defRPr>
+            </a:lvl5pPr>
+            <a:lvl6pPr marL="2286000" algn="l" defTabSz="914400" rtl="0" eaLnBrk="1" latinLnBrk="0" hangingPunct="1">
+              <a:defRPr sz="1800" kern="1200">
+                <a:solidFill>
+                  <a:schemeClr val="tx1"/>
+                </a:solidFill>
+                <a:latin typeface="+mn-lt"/>
+                <a:ea typeface="+mn-ea"/>
+                <a:cs typeface="+mn-cs"/>
+              </a:defRPr>
+            </a:lvl6pPr>
+            <a:lvl7pPr marL="2743200" algn="l" defTabSz="914400" rtl="0" eaLnBrk="1" latinLnBrk="0" hangingPunct="1">
+              <a:defRPr sz="1800" kern="1200">
+                <a:solidFill>
+                  <a:schemeClr val="tx1"/>
+                </a:solidFill>
+                <a:latin typeface="+mn-lt"/>
+                <a:ea typeface="+mn-ea"/>
+                <a:cs typeface="+mn-cs"/>
+              </a:defRPr>
+            </a:lvl7pPr>
+            <a:lvl8pPr marL="3200400" algn="l" defTabSz="914400" rtl="0" eaLnBrk="1" latinLnBrk="0" hangingPunct="1">
+              <a:defRPr sz="1800" kern="1200">
+                <a:solidFill>
+                  <a:schemeClr val="tx1"/>
+                </a:solidFill>
+                <a:latin typeface="+mn-lt"/>
+                <a:ea typeface="+mn-ea"/>
+                <a:cs typeface="+mn-cs"/>
+              </a:defRPr>
+            </a:lvl8pPr>
+            <a:lvl9pPr marL="3657600" algn="l" defTabSz="914400" rtl="0" eaLnBrk="1" latinLnBrk="0" hangingPunct="1">
+              <a:defRPr sz="1800" kern="1200">
+                <a:solidFill>
+                  <a:schemeClr val="tx1"/>
+                </a:solidFill>
+                <a:latin typeface="+mn-lt"/>
+                <a:ea typeface="+mn-ea"/>
+                <a:cs typeface="+mn-cs"/>
+              </a:defRPr>
+            </a:lvl9pPr>
+          </a:lstStyle>
+          <a:p>
+            <a:r>
+              <a:rPr lang="en-US" b="1" dirty="0">
+                <a:solidFill>
+                  <a:schemeClr val="accent6"/>
+                </a:solidFill>
+              </a:rPr>
+              <a:t>EMITS</a:t>
+            </a:r>
+          </a:p>
+        </p:txBody>
+      </p:sp>
+      <p:sp>
+        <p:nvSpPr>
+          <p:cNvPr id="24" name="TextBox 33">
+            <a:extLst>
+              <a:ext uri="{FF2B5EF4-FFF2-40B4-BE49-F238E27FC236}">
+                <a16:creationId xmlns:a16="http://schemas.microsoft.com/office/drawing/2014/main" id="{837858C8-9FE2-432E-8D7B-A4D3832915FA}"/>
+              </a:ext>
+            </a:extLst>
+          </p:cNvPr>
+          <p:cNvSpPr txBox="1"/>
+          <p:nvPr/>
+        </p:nvSpPr>
+        <p:spPr>
+          <a:xfrm>
+            <a:off x="9967404" y="855873"/>
+            <a:ext cx="6334538" cy="369332"/>
+          </a:xfrm>
+          <a:prstGeom prst="rect">
+            <a:avLst/>
+          </a:prstGeom>
+          <a:noFill/>
+        </p:spPr>
+        <p:txBody>
+          <a:bodyPr wrap="square">
+            <a:spAutoFit/>
+          </a:bodyPr>
+          <a:lstStyle>
+            <a:defPPr>
+              <a:defRPr lang="en-US"/>
+            </a:defPPr>
+            <a:lvl1pPr marL="0" algn="l" defTabSz="914400" rtl="0" eaLnBrk="1" latinLnBrk="0" hangingPunct="1">
+              <a:defRPr sz="1800" kern="1200">
+                <a:solidFill>
+                  <a:schemeClr val="tx1"/>
+                </a:solidFill>
+                <a:latin typeface="+mn-lt"/>
+                <a:ea typeface="+mn-ea"/>
+                <a:cs typeface="+mn-cs"/>
+              </a:defRPr>
+            </a:lvl1pPr>
+            <a:lvl2pPr marL="457200" algn="l" defTabSz="914400" rtl="0" eaLnBrk="1" latinLnBrk="0" hangingPunct="1">
+              <a:defRPr sz="1800" kern="1200">
+                <a:solidFill>
+                  <a:schemeClr val="tx1"/>
+                </a:solidFill>
+                <a:latin typeface="+mn-lt"/>
+                <a:ea typeface="+mn-ea"/>
+                <a:cs typeface="+mn-cs"/>
+              </a:defRPr>
+            </a:lvl2pPr>
+            <a:lvl3pPr marL="914400" algn="l" defTabSz="914400" rtl="0" eaLnBrk="1" latinLnBrk="0" hangingPunct="1">
+              <a:defRPr sz="1800" kern="1200">
+                <a:solidFill>
+                  <a:schemeClr val="tx1"/>
+                </a:solidFill>
+                <a:latin typeface="+mn-lt"/>
+                <a:ea typeface="+mn-ea"/>
+                <a:cs typeface="+mn-cs"/>
+              </a:defRPr>
+            </a:lvl3pPr>
+            <a:lvl4pPr marL="1371600" algn="l" defTabSz="914400" rtl="0" eaLnBrk="1" latinLnBrk="0" hangingPunct="1">
+              <a:defRPr sz="1800" kern="1200">
+                <a:solidFill>
+                  <a:schemeClr val="tx1"/>
+                </a:solidFill>
+                <a:latin typeface="+mn-lt"/>
+                <a:ea typeface="+mn-ea"/>
+                <a:cs typeface="+mn-cs"/>
+              </a:defRPr>
+            </a:lvl4pPr>
+            <a:lvl5pPr marL="1828800" algn="l" defTabSz="914400" rtl="0" eaLnBrk="1" latinLnBrk="0" hangingPunct="1">
+              <a:defRPr sz="1800" kern="1200">
+                <a:solidFill>
+                  <a:schemeClr val="tx1"/>
+                </a:solidFill>
+                <a:latin typeface="+mn-lt"/>
+                <a:ea typeface="+mn-ea"/>
+                <a:cs typeface="+mn-cs"/>
+              </a:defRPr>
+            </a:lvl5pPr>
+            <a:lvl6pPr marL="2286000" algn="l" defTabSz="914400" rtl="0" eaLnBrk="1" latinLnBrk="0" hangingPunct="1">
+              <a:defRPr sz="1800" kern="1200">
+                <a:solidFill>
+                  <a:schemeClr val="tx1"/>
+                </a:solidFill>
+                <a:latin typeface="+mn-lt"/>
+                <a:ea typeface="+mn-ea"/>
+                <a:cs typeface="+mn-cs"/>
+              </a:defRPr>
+            </a:lvl6pPr>
+            <a:lvl7pPr marL="2743200" algn="l" defTabSz="914400" rtl="0" eaLnBrk="1" latinLnBrk="0" hangingPunct="1">
+              <a:defRPr sz="1800" kern="1200">
+                <a:solidFill>
+                  <a:schemeClr val="tx1"/>
+                </a:solidFill>
+                <a:latin typeface="+mn-lt"/>
+                <a:ea typeface="+mn-ea"/>
+                <a:cs typeface="+mn-cs"/>
+              </a:defRPr>
+            </a:lvl7pPr>
+            <a:lvl8pPr marL="3200400" algn="l" defTabSz="914400" rtl="0" eaLnBrk="1" latinLnBrk="0" hangingPunct="1">
+              <a:defRPr sz="1800" kern="1200">
+                <a:solidFill>
+                  <a:schemeClr val="tx1"/>
+                </a:solidFill>
+                <a:latin typeface="+mn-lt"/>
+                <a:ea typeface="+mn-ea"/>
+                <a:cs typeface="+mn-cs"/>
+              </a:defRPr>
+            </a:lvl8pPr>
+            <a:lvl9pPr marL="3657600" algn="l" defTabSz="914400" rtl="0" eaLnBrk="1" latinLnBrk="0" hangingPunct="1">
+              <a:defRPr sz="1800" kern="1200">
+                <a:solidFill>
+                  <a:schemeClr val="tx1"/>
+                </a:solidFill>
+                <a:latin typeface="+mn-lt"/>
+                <a:ea typeface="+mn-ea"/>
+                <a:cs typeface="+mn-cs"/>
+              </a:defRPr>
+            </a:lvl9pPr>
+          </a:lstStyle>
+          <a:p>
+            <a:r>
+              <a:rPr lang="en-US" dirty="0"/>
+              <a:t>&lt;Add&gt;</a:t>
+            </a:r>
+          </a:p>
+        </p:txBody>
+      </p:sp>
+      <p:sp>
+        <p:nvSpPr>
+          <p:cNvPr id="25" name="TextBox 37">
+            <a:extLst>
+              <a:ext uri="{FF2B5EF4-FFF2-40B4-BE49-F238E27FC236}">
+                <a16:creationId xmlns:a16="http://schemas.microsoft.com/office/drawing/2014/main" id="{98AD67BD-66EF-486A-B779-9B7D9FF3F1C2}"/>
+              </a:ext>
+            </a:extLst>
+          </p:cNvPr>
+          <p:cNvSpPr txBox="1"/>
+          <p:nvPr/>
+        </p:nvSpPr>
+        <p:spPr>
+          <a:xfrm>
+            <a:off x="9593378" y="2832255"/>
+            <a:ext cx="7676864" cy="369332"/>
+          </a:xfrm>
+          <a:prstGeom prst="rect">
+            <a:avLst/>
+          </a:prstGeom>
+          <a:noFill/>
+        </p:spPr>
+        <p:txBody>
+          <a:bodyPr wrap="square">
+            <a:spAutoFit/>
+          </a:bodyPr>
+          <a:lstStyle>
+            <a:defPPr>
+              <a:defRPr lang="en-US"/>
+            </a:defPPr>
+            <a:lvl1pPr marL="0" algn="l" defTabSz="914400" rtl="0" eaLnBrk="1" latinLnBrk="0" hangingPunct="1">
+              <a:defRPr sz="1800" kern="1200">
+                <a:solidFill>
+                  <a:schemeClr val="tx1"/>
+                </a:solidFill>
+                <a:latin typeface="+mn-lt"/>
+                <a:ea typeface="+mn-ea"/>
+                <a:cs typeface="+mn-cs"/>
+              </a:defRPr>
+            </a:lvl1pPr>
+            <a:lvl2pPr marL="457200" algn="l" defTabSz="914400" rtl="0" eaLnBrk="1" latinLnBrk="0" hangingPunct="1">
+              <a:defRPr sz="1800" kern="1200">
+                <a:solidFill>
+                  <a:schemeClr val="tx1"/>
+                </a:solidFill>
+                <a:latin typeface="+mn-lt"/>
+                <a:ea typeface="+mn-ea"/>
+                <a:cs typeface="+mn-cs"/>
+              </a:defRPr>
+            </a:lvl2pPr>
+            <a:lvl3pPr marL="914400" algn="l" defTabSz="914400" rtl="0" eaLnBrk="1" latinLnBrk="0" hangingPunct="1">
+              <a:defRPr sz="1800" kern="1200">
+                <a:solidFill>
+                  <a:schemeClr val="tx1"/>
+                </a:solidFill>
+                <a:latin typeface="+mn-lt"/>
+                <a:ea typeface="+mn-ea"/>
+                <a:cs typeface="+mn-cs"/>
+              </a:defRPr>
+            </a:lvl3pPr>
+            <a:lvl4pPr marL="1371600" algn="l" defTabSz="914400" rtl="0" eaLnBrk="1" latinLnBrk="0" hangingPunct="1">
+              <a:defRPr sz="1800" kern="1200">
+                <a:solidFill>
+                  <a:schemeClr val="tx1"/>
+                </a:solidFill>
+                <a:latin typeface="+mn-lt"/>
+                <a:ea typeface="+mn-ea"/>
+                <a:cs typeface="+mn-cs"/>
+              </a:defRPr>
+            </a:lvl4pPr>
+            <a:lvl5pPr marL="1828800" algn="l" defTabSz="914400" rtl="0" eaLnBrk="1" latinLnBrk="0" hangingPunct="1">
+              <a:defRPr sz="1800" kern="1200">
+                <a:solidFill>
+                  <a:schemeClr val="tx1"/>
+                </a:solidFill>
+                <a:latin typeface="+mn-lt"/>
+                <a:ea typeface="+mn-ea"/>
+                <a:cs typeface="+mn-cs"/>
+              </a:defRPr>
+            </a:lvl5pPr>
+            <a:lvl6pPr marL="2286000" algn="l" defTabSz="914400" rtl="0" eaLnBrk="1" latinLnBrk="0" hangingPunct="1">
+              <a:defRPr sz="1800" kern="1200">
+                <a:solidFill>
+                  <a:schemeClr val="tx1"/>
+                </a:solidFill>
+                <a:latin typeface="+mn-lt"/>
+                <a:ea typeface="+mn-ea"/>
+                <a:cs typeface="+mn-cs"/>
+              </a:defRPr>
+            </a:lvl6pPr>
+            <a:lvl7pPr marL="2743200" algn="l" defTabSz="914400" rtl="0" eaLnBrk="1" latinLnBrk="0" hangingPunct="1">
+              <a:defRPr sz="1800" kern="1200">
+                <a:solidFill>
+                  <a:schemeClr val="tx1"/>
+                </a:solidFill>
+                <a:latin typeface="+mn-lt"/>
+                <a:ea typeface="+mn-ea"/>
+                <a:cs typeface="+mn-cs"/>
+              </a:defRPr>
+            </a:lvl7pPr>
+            <a:lvl8pPr marL="3200400" algn="l" defTabSz="914400" rtl="0" eaLnBrk="1" latinLnBrk="0" hangingPunct="1">
+              <a:defRPr sz="1800" kern="1200">
+                <a:solidFill>
+                  <a:schemeClr val="tx1"/>
+                </a:solidFill>
+                <a:latin typeface="+mn-lt"/>
+                <a:ea typeface="+mn-ea"/>
+                <a:cs typeface="+mn-cs"/>
+              </a:defRPr>
+            </a:lvl8pPr>
+            <a:lvl9pPr marL="3657600" algn="l" defTabSz="914400" rtl="0" eaLnBrk="1" latinLnBrk="0" hangingPunct="1">
+              <a:defRPr sz="1800" kern="1200">
+                <a:solidFill>
+                  <a:schemeClr val="tx1"/>
+                </a:solidFill>
+                <a:latin typeface="+mn-lt"/>
+                <a:ea typeface="+mn-ea"/>
+                <a:cs typeface="+mn-cs"/>
+              </a:defRPr>
+            </a:lvl9pPr>
+          </a:lstStyle>
+          <a:p>
+            <a:r>
+              <a:rPr lang="en-US" dirty="0"/>
+              <a:t>&lt;</a:t>
+            </a:r>
+            <a:r>
+              <a:rPr lang="en-US" dirty="0" err="1"/>
+              <a:t>Event_Form</a:t>
+            </a:r>
+            <a:r>
+              <a:rPr lang="en-US" dirty="0"/>
+              <a:t>&gt;</a:t>
+            </a:r>
+          </a:p>
+        </p:txBody>
+      </p:sp>
+      <p:sp>
+        <p:nvSpPr>
+          <p:cNvPr id="26" name="TextBox 39">
+            <a:extLst>
+              <a:ext uri="{FF2B5EF4-FFF2-40B4-BE49-F238E27FC236}">
+                <a16:creationId xmlns:a16="http://schemas.microsoft.com/office/drawing/2014/main" id="{751BD594-5D8F-4118-8147-F1E2F7C77B11}"/>
+              </a:ext>
+            </a:extLst>
+          </p:cNvPr>
+          <p:cNvSpPr txBox="1"/>
+          <p:nvPr/>
+        </p:nvSpPr>
+        <p:spPr>
+          <a:xfrm>
+            <a:off x="9605751" y="4879897"/>
+            <a:ext cx="8256894" cy="369332"/>
+          </a:xfrm>
+          <a:prstGeom prst="rect">
+            <a:avLst/>
+          </a:prstGeom>
+          <a:noFill/>
+        </p:spPr>
+        <p:txBody>
+          <a:bodyPr wrap="square">
+            <a:spAutoFit/>
+          </a:bodyPr>
+          <a:lstStyle>
+            <a:defPPr>
+              <a:defRPr lang="en-US"/>
+            </a:defPPr>
+            <a:lvl1pPr marL="0" algn="l" defTabSz="914400" rtl="0" eaLnBrk="1" latinLnBrk="0" hangingPunct="1">
+              <a:defRPr sz="1800" kern="1200">
+                <a:solidFill>
+                  <a:schemeClr val="tx1"/>
+                </a:solidFill>
+                <a:latin typeface="+mn-lt"/>
+                <a:ea typeface="+mn-ea"/>
+                <a:cs typeface="+mn-cs"/>
+              </a:defRPr>
+            </a:lvl1pPr>
+            <a:lvl2pPr marL="457200" algn="l" defTabSz="914400" rtl="0" eaLnBrk="1" latinLnBrk="0" hangingPunct="1">
+              <a:defRPr sz="1800" kern="1200">
+                <a:solidFill>
+                  <a:schemeClr val="tx1"/>
+                </a:solidFill>
+                <a:latin typeface="+mn-lt"/>
+                <a:ea typeface="+mn-ea"/>
+                <a:cs typeface="+mn-cs"/>
+              </a:defRPr>
+            </a:lvl2pPr>
+            <a:lvl3pPr marL="914400" algn="l" defTabSz="914400" rtl="0" eaLnBrk="1" latinLnBrk="0" hangingPunct="1">
+              <a:defRPr sz="1800" kern="1200">
+                <a:solidFill>
+                  <a:schemeClr val="tx1"/>
+                </a:solidFill>
+                <a:latin typeface="+mn-lt"/>
+                <a:ea typeface="+mn-ea"/>
+                <a:cs typeface="+mn-cs"/>
+              </a:defRPr>
+            </a:lvl3pPr>
+            <a:lvl4pPr marL="1371600" algn="l" defTabSz="914400" rtl="0" eaLnBrk="1" latinLnBrk="0" hangingPunct="1">
+              <a:defRPr sz="1800" kern="1200">
+                <a:solidFill>
+                  <a:schemeClr val="tx1"/>
+                </a:solidFill>
+                <a:latin typeface="+mn-lt"/>
+                <a:ea typeface="+mn-ea"/>
+                <a:cs typeface="+mn-cs"/>
+              </a:defRPr>
+            </a:lvl4pPr>
+            <a:lvl5pPr marL="1828800" algn="l" defTabSz="914400" rtl="0" eaLnBrk="1" latinLnBrk="0" hangingPunct="1">
+              <a:defRPr sz="1800" kern="1200">
+                <a:solidFill>
+                  <a:schemeClr val="tx1"/>
+                </a:solidFill>
+                <a:latin typeface="+mn-lt"/>
+                <a:ea typeface="+mn-ea"/>
+                <a:cs typeface="+mn-cs"/>
+              </a:defRPr>
+            </a:lvl5pPr>
+            <a:lvl6pPr marL="2286000" algn="l" defTabSz="914400" rtl="0" eaLnBrk="1" latinLnBrk="0" hangingPunct="1">
+              <a:defRPr sz="1800" kern="1200">
+                <a:solidFill>
+                  <a:schemeClr val="tx1"/>
+                </a:solidFill>
+                <a:latin typeface="+mn-lt"/>
+                <a:ea typeface="+mn-ea"/>
+                <a:cs typeface="+mn-cs"/>
+              </a:defRPr>
+            </a:lvl6pPr>
+            <a:lvl7pPr marL="2743200" algn="l" defTabSz="914400" rtl="0" eaLnBrk="1" latinLnBrk="0" hangingPunct="1">
+              <a:defRPr sz="1800" kern="1200">
+                <a:solidFill>
+                  <a:schemeClr val="tx1"/>
+                </a:solidFill>
+                <a:latin typeface="+mn-lt"/>
+                <a:ea typeface="+mn-ea"/>
+                <a:cs typeface="+mn-cs"/>
+              </a:defRPr>
+            </a:lvl7pPr>
+            <a:lvl8pPr marL="3200400" algn="l" defTabSz="914400" rtl="0" eaLnBrk="1" latinLnBrk="0" hangingPunct="1">
+              <a:defRPr sz="1800" kern="1200">
+                <a:solidFill>
+                  <a:schemeClr val="tx1"/>
+                </a:solidFill>
+                <a:latin typeface="+mn-lt"/>
+                <a:ea typeface="+mn-ea"/>
+                <a:cs typeface="+mn-cs"/>
+              </a:defRPr>
+            </a:lvl8pPr>
+            <a:lvl9pPr marL="3657600" algn="l" defTabSz="914400" rtl="0" eaLnBrk="1" latinLnBrk="0" hangingPunct="1">
+              <a:defRPr sz="1800" kern="1200">
+                <a:solidFill>
+                  <a:schemeClr val="tx1"/>
+                </a:solidFill>
+                <a:latin typeface="+mn-lt"/>
+                <a:ea typeface="+mn-ea"/>
+                <a:cs typeface="+mn-cs"/>
+              </a:defRPr>
+            </a:lvl9pPr>
+          </a:lstStyle>
+          <a:p>
+            <a:r>
+              <a:rPr lang="en-US" dirty="0"/>
+              <a:t>&lt;</a:t>
+            </a:r>
+            <a:r>
+              <a:rPr lang="en-US" dirty="0" err="1"/>
+              <a:t>Event_Card</a:t>
+            </a:r>
+            <a:r>
+              <a:rPr lang="en-US" dirty="0"/>
+              <a:t>&gt;</a:t>
+            </a:r>
+          </a:p>
+        </p:txBody>
+      </p:sp>
+      <p:sp>
+        <p:nvSpPr>
+          <p:cNvPr id="27" name="TextBox 41">
+            <a:extLst>
+              <a:ext uri="{FF2B5EF4-FFF2-40B4-BE49-F238E27FC236}">
+                <a16:creationId xmlns:a16="http://schemas.microsoft.com/office/drawing/2014/main" id="{A7C56EF8-23E9-415A-A730-90C0C4F096E2}"/>
+              </a:ext>
+            </a:extLst>
+          </p:cNvPr>
+          <p:cNvSpPr txBox="1"/>
+          <p:nvPr/>
+        </p:nvSpPr>
+        <p:spPr>
+          <a:xfrm>
+            <a:off x="7182031" y="5750554"/>
+            <a:ext cx="8434316" cy="646331"/>
+          </a:xfrm>
+          <a:prstGeom prst="rect">
+            <a:avLst/>
+          </a:prstGeom>
+          <a:noFill/>
+        </p:spPr>
+        <p:txBody>
+          <a:bodyPr wrap="square">
+            <a:spAutoFit/>
+          </a:bodyPr>
+          <a:lstStyle>
+            <a:defPPr>
+              <a:defRPr lang="en-US"/>
+            </a:defPPr>
+            <a:lvl1pPr marL="0" algn="l" defTabSz="914400" rtl="0" eaLnBrk="1" latinLnBrk="0" hangingPunct="1">
+              <a:defRPr sz="1800" kern="1200">
+                <a:solidFill>
+                  <a:schemeClr val="tx1"/>
+                </a:solidFill>
+                <a:latin typeface="+mn-lt"/>
+                <a:ea typeface="+mn-ea"/>
+                <a:cs typeface="+mn-cs"/>
+              </a:defRPr>
+            </a:lvl1pPr>
+            <a:lvl2pPr marL="457200" algn="l" defTabSz="914400" rtl="0" eaLnBrk="1" latinLnBrk="0" hangingPunct="1">
+              <a:defRPr sz="1800" kern="1200">
+                <a:solidFill>
+                  <a:schemeClr val="tx1"/>
+                </a:solidFill>
+                <a:latin typeface="+mn-lt"/>
+                <a:ea typeface="+mn-ea"/>
+                <a:cs typeface="+mn-cs"/>
+              </a:defRPr>
+            </a:lvl2pPr>
+            <a:lvl3pPr marL="914400" algn="l" defTabSz="914400" rtl="0" eaLnBrk="1" latinLnBrk="0" hangingPunct="1">
+              <a:defRPr sz="1800" kern="1200">
+                <a:solidFill>
+                  <a:schemeClr val="tx1"/>
+                </a:solidFill>
+                <a:latin typeface="+mn-lt"/>
+                <a:ea typeface="+mn-ea"/>
+                <a:cs typeface="+mn-cs"/>
+              </a:defRPr>
+            </a:lvl3pPr>
+            <a:lvl4pPr marL="1371600" algn="l" defTabSz="914400" rtl="0" eaLnBrk="1" latinLnBrk="0" hangingPunct="1">
+              <a:defRPr sz="1800" kern="1200">
+                <a:solidFill>
+                  <a:schemeClr val="tx1"/>
+                </a:solidFill>
+                <a:latin typeface="+mn-lt"/>
+                <a:ea typeface="+mn-ea"/>
+                <a:cs typeface="+mn-cs"/>
+              </a:defRPr>
+            </a:lvl4pPr>
+            <a:lvl5pPr marL="1828800" algn="l" defTabSz="914400" rtl="0" eaLnBrk="1" latinLnBrk="0" hangingPunct="1">
+              <a:defRPr sz="1800" kern="1200">
+                <a:solidFill>
+                  <a:schemeClr val="tx1"/>
+                </a:solidFill>
+                <a:latin typeface="+mn-lt"/>
+                <a:ea typeface="+mn-ea"/>
+                <a:cs typeface="+mn-cs"/>
+              </a:defRPr>
+            </a:lvl5pPr>
+            <a:lvl6pPr marL="2286000" algn="l" defTabSz="914400" rtl="0" eaLnBrk="1" latinLnBrk="0" hangingPunct="1">
+              <a:defRPr sz="1800" kern="1200">
+                <a:solidFill>
+                  <a:schemeClr val="tx1"/>
+                </a:solidFill>
+                <a:latin typeface="+mn-lt"/>
+                <a:ea typeface="+mn-ea"/>
+                <a:cs typeface="+mn-cs"/>
+              </a:defRPr>
+            </a:lvl6pPr>
+            <a:lvl7pPr marL="2743200" algn="l" defTabSz="914400" rtl="0" eaLnBrk="1" latinLnBrk="0" hangingPunct="1">
+              <a:defRPr sz="1800" kern="1200">
+                <a:solidFill>
+                  <a:schemeClr val="tx1"/>
+                </a:solidFill>
+                <a:latin typeface="+mn-lt"/>
+                <a:ea typeface="+mn-ea"/>
+                <a:cs typeface="+mn-cs"/>
+              </a:defRPr>
+            </a:lvl7pPr>
+            <a:lvl8pPr marL="3200400" algn="l" defTabSz="914400" rtl="0" eaLnBrk="1" latinLnBrk="0" hangingPunct="1">
+              <a:defRPr sz="1800" kern="1200">
+                <a:solidFill>
+                  <a:schemeClr val="tx1"/>
+                </a:solidFill>
+                <a:latin typeface="+mn-lt"/>
+                <a:ea typeface="+mn-ea"/>
+                <a:cs typeface="+mn-cs"/>
+              </a:defRPr>
+            </a:lvl8pPr>
+            <a:lvl9pPr marL="3657600" algn="l" defTabSz="914400" rtl="0" eaLnBrk="1" latinLnBrk="0" hangingPunct="1">
+              <a:defRPr sz="1800" kern="1200">
+                <a:solidFill>
+                  <a:schemeClr val="tx1"/>
+                </a:solidFill>
+                <a:latin typeface="+mn-lt"/>
+                <a:ea typeface="+mn-ea"/>
+                <a:cs typeface="+mn-cs"/>
+              </a:defRPr>
+            </a:lvl9pPr>
+          </a:lstStyle>
+          <a:p>
+            <a:r>
+              <a:rPr lang="en-US" dirty="0" err="1"/>
+              <a:t>isEditing</a:t>
+            </a:r>
+            <a:r>
+              <a:rPr lang="en-US" dirty="0"/>
+              <a:t> (</a:t>
+            </a:r>
+            <a:r>
+              <a:rPr lang="en-US" dirty="0" err="1"/>
+              <a:t>eventId</a:t>
+            </a:r>
+            <a:r>
+              <a:rPr lang="en-US" dirty="0"/>
+              <a:t>)</a:t>
+            </a:r>
+          </a:p>
+          <a:p>
+            <a:r>
+              <a:rPr lang="en-US" dirty="0" err="1"/>
+              <a:t>isDelete</a:t>
+            </a:r>
+            <a:r>
+              <a:rPr lang="en-US" dirty="0"/>
+              <a:t> (</a:t>
+            </a:r>
+            <a:r>
+              <a:rPr lang="en-US" dirty="0" err="1"/>
+              <a:t>eventId</a:t>
+            </a:r>
+            <a:r>
+              <a:rPr lang="en-US" dirty="0"/>
+              <a:t>)</a:t>
+            </a:r>
+          </a:p>
+        </p:txBody>
+      </p:sp>
+      <p:sp>
+        <p:nvSpPr>
+          <p:cNvPr id="28" name="TextBox 43">
+            <a:extLst>
+              <a:ext uri="{FF2B5EF4-FFF2-40B4-BE49-F238E27FC236}">
+                <a16:creationId xmlns:a16="http://schemas.microsoft.com/office/drawing/2014/main" id="{76530476-560A-43EC-A82F-6AC75BC37D77}"/>
+              </a:ext>
+            </a:extLst>
+          </p:cNvPr>
+          <p:cNvSpPr txBox="1"/>
+          <p:nvPr/>
+        </p:nvSpPr>
+        <p:spPr>
+          <a:xfrm>
+            <a:off x="7669141" y="490753"/>
+            <a:ext cx="8554914" cy="369332"/>
+          </a:xfrm>
+          <a:prstGeom prst="rect">
+            <a:avLst/>
+          </a:prstGeom>
+          <a:noFill/>
+        </p:spPr>
+        <p:txBody>
+          <a:bodyPr wrap="square">
+            <a:spAutoFit/>
+          </a:bodyPr>
+          <a:lstStyle>
+            <a:defPPr>
+              <a:defRPr lang="en-US"/>
+            </a:defPPr>
+            <a:lvl1pPr marL="0" algn="l" defTabSz="914400" rtl="0" eaLnBrk="1" latinLnBrk="0" hangingPunct="1">
+              <a:defRPr sz="1800" kern="1200">
+                <a:solidFill>
+                  <a:schemeClr val="tx1"/>
+                </a:solidFill>
+                <a:latin typeface="+mn-lt"/>
+                <a:ea typeface="+mn-ea"/>
+                <a:cs typeface="+mn-cs"/>
+              </a:defRPr>
+            </a:lvl1pPr>
+            <a:lvl2pPr marL="457200" algn="l" defTabSz="914400" rtl="0" eaLnBrk="1" latinLnBrk="0" hangingPunct="1">
+              <a:defRPr sz="1800" kern="1200">
+                <a:solidFill>
+                  <a:schemeClr val="tx1"/>
+                </a:solidFill>
+                <a:latin typeface="+mn-lt"/>
+                <a:ea typeface="+mn-ea"/>
+                <a:cs typeface="+mn-cs"/>
+              </a:defRPr>
+            </a:lvl2pPr>
+            <a:lvl3pPr marL="914400" algn="l" defTabSz="914400" rtl="0" eaLnBrk="1" latinLnBrk="0" hangingPunct="1">
+              <a:defRPr sz="1800" kern="1200">
+                <a:solidFill>
+                  <a:schemeClr val="tx1"/>
+                </a:solidFill>
+                <a:latin typeface="+mn-lt"/>
+                <a:ea typeface="+mn-ea"/>
+                <a:cs typeface="+mn-cs"/>
+              </a:defRPr>
+            </a:lvl3pPr>
+            <a:lvl4pPr marL="1371600" algn="l" defTabSz="914400" rtl="0" eaLnBrk="1" latinLnBrk="0" hangingPunct="1">
+              <a:defRPr sz="1800" kern="1200">
+                <a:solidFill>
+                  <a:schemeClr val="tx1"/>
+                </a:solidFill>
+                <a:latin typeface="+mn-lt"/>
+                <a:ea typeface="+mn-ea"/>
+                <a:cs typeface="+mn-cs"/>
+              </a:defRPr>
+            </a:lvl4pPr>
+            <a:lvl5pPr marL="1828800" algn="l" defTabSz="914400" rtl="0" eaLnBrk="1" latinLnBrk="0" hangingPunct="1">
+              <a:defRPr sz="1800" kern="1200">
+                <a:solidFill>
+                  <a:schemeClr val="tx1"/>
+                </a:solidFill>
+                <a:latin typeface="+mn-lt"/>
+                <a:ea typeface="+mn-ea"/>
+                <a:cs typeface="+mn-cs"/>
+              </a:defRPr>
+            </a:lvl5pPr>
+            <a:lvl6pPr marL="2286000" algn="l" defTabSz="914400" rtl="0" eaLnBrk="1" latinLnBrk="0" hangingPunct="1">
+              <a:defRPr sz="1800" kern="1200">
+                <a:solidFill>
+                  <a:schemeClr val="tx1"/>
+                </a:solidFill>
+                <a:latin typeface="+mn-lt"/>
+                <a:ea typeface="+mn-ea"/>
+                <a:cs typeface="+mn-cs"/>
+              </a:defRPr>
+            </a:lvl6pPr>
+            <a:lvl7pPr marL="2743200" algn="l" defTabSz="914400" rtl="0" eaLnBrk="1" latinLnBrk="0" hangingPunct="1">
+              <a:defRPr sz="1800" kern="1200">
+                <a:solidFill>
+                  <a:schemeClr val="tx1"/>
+                </a:solidFill>
+                <a:latin typeface="+mn-lt"/>
+                <a:ea typeface="+mn-ea"/>
+                <a:cs typeface="+mn-cs"/>
+              </a:defRPr>
+            </a:lvl7pPr>
+            <a:lvl8pPr marL="3200400" algn="l" defTabSz="914400" rtl="0" eaLnBrk="1" latinLnBrk="0" hangingPunct="1">
+              <a:defRPr sz="1800" kern="1200">
+                <a:solidFill>
+                  <a:schemeClr val="tx1"/>
+                </a:solidFill>
+                <a:latin typeface="+mn-lt"/>
+                <a:ea typeface="+mn-ea"/>
+                <a:cs typeface="+mn-cs"/>
+              </a:defRPr>
+            </a:lvl8pPr>
+            <a:lvl9pPr marL="3657600" algn="l" defTabSz="914400" rtl="0" eaLnBrk="1" latinLnBrk="0" hangingPunct="1">
+              <a:defRPr sz="1800" kern="1200">
+                <a:solidFill>
+                  <a:schemeClr val="tx1"/>
+                </a:solidFill>
+                <a:latin typeface="+mn-lt"/>
+                <a:ea typeface="+mn-ea"/>
+                <a:cs typeface="+mn-cs"/>
+              </a:defRPr>
+            </a:lvl9pPr>
+          </a:lstStyle>
+          <a:p>
+            <a:r>
+              <a:rPr lang="en-US" dirty="0"/>
+              <a:t>event</a:t>
+            </a:r>
+          </a:p>
+        </p:txBody>
+      </p:sp>
+      <p:sp>
+        <p:nvSpPr>
+          <p:cNvPr id="29" name="TextBox 45">
+            <a:extLst>
+              <a:ext uri="{FF2B5EF4-FFF2-40B4-BE49-F238E27FC236}">
+                <a16:creationId xmlns:a16="http://schemas.microsoft.com/office/drawing/2014/main" id="{F3C210C9-B348-438C-814F-ECBC7645D54A}"/>
+              </a:ext>
+            </a:extLst>
+          </p:cNvPr>
+          <p:cNvSpPr txBox="1"/>
+          <p:nvPr/>
+        </p:nvSpPr>
+        <p:spPr>
+          <a:xfrm>
+            <a:off x="7669141" y="2374006"/>
+            <a:ext cx="8554914" cy="369332"/>
+          </a:xfrm>
+          <a:prstGeom prst="rect">
+            <a:avLst/>
+          </a:prstGeom>
+          <a:noFill/>
+        </p:spPr>
+        <p:txBody>
+          <a:bodyPr wrap="square">
+            <a:spAutoFit/>
+          </a:bodyPr>
+          <a:lstStyle>
+            <a:defPPr>
+              <a:defRPr lang="en-US"/>
+            </a:defPPr>
+            <a:lvl1pPr marL="0" algn="l" defTabSz="914400" rtl="0" eaLnBrk="1" latinLnBrk="0" hangingPunct="1">
+              <a:defRPr sz="1800" kern="1200">
+                <a:solidFill>
+                  <a:schemeClr val="tx1"/>
+                </a:solidFill>
+                <a:latin typeface="+mn-lt"/>
+                <a:ea typeface="+mn-ea"/>
+                <a:cs typeface="+mn-cs"/>
+              </a:defRPr>
+            </a:lvl1pPr>
+            <a:lvl2pPr marL="457200" algn="l" defTabSz="914400" rtl="0" eaLnBrk="1" latinLnBrk="0" hangingPunct="1">
+              <a:defRPr sz="1800" kern="1200">
+                <a:solidFill>
+                  <a:schemeClr val="tx1"/>
+                </a:solidFill>
+                <a:latin typeface="+mn-lt"/>
+                <a:ea typeface="+mn-ea"/>
+                <a:cs typeface="+mn-cs"/>
+              </a:defRPr>
+            </a:lvl2pPr>
+            <a:lvl3pPr marL="914400" algn="l" defTabSz="914400" rtl="0" eaLnBrk="1" latinLnBrk="0" hangingPunct="1">
+              <a:defRPr sz="1800" kern="1200">
+                <a:solidFill>
+                  <a:schemeClr val="tx1"/>
+                </a:solidFill>
+                <a:latin typeface="+mn-lt"/>
+                <a:ea typeface="+mn-ea"/>
+                <a:cs typeface="+mn-cs"/>
+              </a:defRPr>
+            </a:lvl3pPr>
+            <a:lvl4pPr marL="1371600" algn="l" defTabSz="914400" rtl="0" eaLnBrk="1" latinLnBrk="0" hangingPunct="1">
+              <a:defRPr sz="1800" kern="1200">
+                <a:solidFill>
+                  <a:schemeClr val="tx1"/>
+                </a:solidFill>
+                <a:latin typeface="+mn-lt"/>
+                <a:ea typeface="+mn-ea"/>
+                <a:cs typeface="+mn-cs"/>
+              </a:defRPr>
+            </a:lvl4pPr>
+            <a:lvl5pPr marL="1828800" algn="l" defTabSz="914400" rtl="0" eaLnBrk="1" latinLnBrk="0" hangingPunct="1">
+              <a:defRPr sz="1800" kern="1200">
+                <a:solidFill>
+                  <a:schemeClr val="tx1"/>
+                </a:solidFill>
+                <a:latin typeface="+mn-lt"/>
+                <a:ea typeface="+mn-ea"/>
+                <a:cs typeface="+mn-cs"/>
+              </a:defRPr>
+            </a:lvl5pPr>
+            <a:lvl6pPr marL="2286000" algn="l" defTabSz="914400" rtl="0" eaLnBrk="1" latinLnBrk="0" hangingPunct="1">
+              <a:defRPr sz="1800" kern="1200">
+                <a:solidFill>
+                  <a:schemeClr val="tx1"/>
+                </a:solidFill>
+                <a:latin typeface="+mn-lt"/>
+                <a:ea typeface="+mn-ea"/>
+                <a:cs typeface="+mn-cs"/>
+              </a:defRPr>
+            </a:lvl6pPr>
+            <a:lvl7pPr marL="2743200" algn="l" defTabSz="914400" rtl="0" eaLnBrk="1" latinLnBrk="0" hangingPunct="1">
+              <a:defRPr sz="1800" kern="1200">
+                <a:solidFill>
+                  <a:schemeClr val="tx1"/>
+                </a:solidFill>
+                <a:latin typeface="+mn-lt"/>
+                <a:ea typeface="+mn-ea"/>
+                <a:cs typeface="+mn-cs"/>
+              </a:defRPr>
+            </a:lvl7pPr>
+            <a:lvl8pPr marL="3200400" algn="l" defTabSz="914400" rtl="0" eaLnBrk="1" latinLnBrk="0" hangingPunct="1">
+              <a:defRPr sz="1800" kern="1200">
+                <a:solidFill>
+                  <a:schemeClr val="tx1"/>
+                </a:solidFill>
+                <a:latin typeface="+mn-lt"/>
+                <a:ea typeface="+mn-ea"/>
+                <a:cs typeface="+mn-cs"/>
+              </a:defRPr>
+            </a:lvl8pPr>
+            <a:lvl9pPr marL="3657600" algn="l" defTabSz="914400" rtl="0" eaLnBrk="1" latinLnBrk="0" hangingPunct="1">
+              <a:defRPr sz="1800" kern="1200">
+                <a:solidFill>
+                  <a:schemeClr val="tx1"/>
+                </a:solidFill>
+                <a:latin typeface="+mn-lt"/>
+                <a:ea typeface="+mn-ea"/>
+                <a:cs typeface="+mn-cs"/>
+              </a:defRPr>
+            </a:lvl9pPr>
+          </a:lstStyle>
+          <a:p>
+            <a:r>
+              <a:rPr lang="en-US" dirty="0"/>
+              <a:t>event</a:t>
+            </a:r>
+          </a:p>
+        </p:txBody>
+      </p:sp>
+      <p:sp>
+        <p:nvSpPr>
+          <p:cNvPr id="30" name="TextBox 47">
+            <a:extLst>
+              <a:ext uri="{FF2B5EF4-FFF2-40B4-BE49-F238E27FC236}">
+                <a16:creationId xmlns:a16="http://schemas.microsoft.com/office/drawing/2014/main" id="{38A4F24C-18AE-4AED-92A4-A79ADCDE6D70}"/>
+              </a:ext>
+            </a:extLst>
+          </p:cNvPr>
+          <p:cNvSpPr txBox="1"/>
+          <p:nvPr/>
+        </p:nvSpPr>
+        <p:spPr>
+          <a:xfrm>
+            <a:off x="7692621" y="4378573"/>
+            <a:ext cx="8554914" cy="369332"/>
+          </a:xfrm>
+          <a:prstGeom prst="rect">
+            <a:avLst/>
+          </a:prstGeom>
+          <a:noFill/>
+        </p:spPr>
+        <p:txBody>
+          <a:bodyPr wrap="square">
+            <a:spAutoFit/>
+          </a:bodyPr>
+          <a:lstStyle>
+            <a:defPPr>
+              <a:defRPr lang="en-US"/>
+            </a:defPPr>
+            <a:lvl1pPr marL="0" algn="l" defTabSz="914400" rtl="0" eaLnBrk="1" latinLnBrk="0" hangingPunct="1">
+              <a:defRPr sz="1800" kern="1200">
+                <a:solidFill>
+                  <a:schemeClr val="tx1"/>
+                </a:solidFill>
+                <a:latin typeface="+mn-lt"/>
+                <a:ea typeface="+mn-ea"/>
+                <a:cs typeface="+mn-cs"/>
+              </a:defRPr>
+            </a:lvl1pPr>
+            <a:lvl2pPr marL="457200" algn="l" defTabSz="914400" rtl="0" eaLnBrk="1" latinLnBrk="0" hangingPunct="1">
+              <a:defRPr sz="1800" kern="1200">
+                <a:solidFill>
+                  <a:schemeClr val="tx1"/>
+                </a:solidFill>
+                <a:latin typeface="+mn-lt"/>
+                <a:ea typeface="+mn-ea"/>
+                <a:cs typeface="+mn-cs"/>
+              </a:defRPr>
+            </a:lvl2pPr>
+            <a:lvl3pPr marL="914400" algn="l" defTabSz="914400" rtl="0" eaLnBrk="1" latinLnBrk="0" hangingPunct="1">
+              <a:defRPr sz="1800" kern="1200">
+                <a:solidFill>
+                  <a:schemeClr val="tx1"/>
+                </a:solidFill>
+                <a:latin typeface="+mn-lt"/>
+                <a:ea typeface="+mn-ea"/>
+                <a:cs typeface="+mn-cs"/>
+              </a:defRPr>
+            </a:lvl3pPr>
+            <a:lvl4pPr marL="1371600" algn="l" defTabSz="914400" rtl="0" eaLnBrk="1" latinLnBrk="0" hangingPunct="1">
+              <a:defRPr sz="1800" kern="1200">
+                <a:solidFill>
+                  <a:schemeClr val="tx1"/>
+                </a:solidFill>
+                <a:latin typeface="+mn-lt"/>
+                <a:ea typeface="+mn-ea"/>
+                <a:cs typeface="+mn-cs"/>
+              </a:defRPr>
+            </a:lvl4pPr>
+            <a:lvl5pPr marL="1828800" algn="l" defTabSz="914400" rtl="0" eaLnBrk="1" latinLnBrk="0" hangingPunct="1">
+              <a:defRPr sz="1800" kern="1200">
+                <a:solidFill>
+                  <a:schemeClr val="tx1"/>
+                </a:solidFill>
+                <a:latin typeface="+mn-lt"/>
+                <a:ea typeface="+mn-ea"/>
+                <a:cs typeface="+mn-cs"/>
+              </a:defRPr>
+            </a:lvl5pPr>
+            <a:lvl6pPr marL="2286000" algn="l" defTabSz="914400" rtl="0" eaLnBrk="1" latinLnBrk="0" hangingPunct="1">
+              <a:defRPr sz="1800" kern="1200">
+                <a:solidFill>
+                  <a:schemeClr val="tx1"/>
+                </a:solidFill>
+                <a:latin typeface="+mn-lt"/>
+                <a:ea typeface="+mn-ea"/>
+                <a:cs typeface="+mn-cs"/>
+              </a:defRPr>
+            </a:lvl6pPr>
+            <a:lvl7pPr marL="2743200" algn="l" defTabSz="914400" rtl="0" eaLnBrk="1" latinLnBrk="0" hangingPunct="1">
+              <a:defRPr sz="1800" kern="1200">
+                <a:solidFill>
+                  <a:schemeClr val="tx1"/>
+                </a:solidFill>
+                <a:latin typeface="+mn-lt"/>
+                <a:ea typeface="+mn-ea"/>
+                <a:cs typeface="+mn-cs"/>
+              </a:defRPr>
+            </a:lvl7pPr>
+            <a:lvl8pPr marL="3200400" algn="l" defTabSz="914400" rtl="0" eaLnBrk="1" latinLnBrk="0" hangingPunct="1">
+              <a:defRPr sz="1800" kern="1200">
+                <a:solidFill>
+                  <a:schemeClr val="tx1"/>
+                </a:solidFill>
+                <a:latin typeface="+mn-lt"/>
+                <a:ea typeface="+mn-ea"/>
+                <a:cs typeface="+mn-cs"/>
+              </a:defRPr>
+            </a:lvl8pPr>
+            <a:lvl9pPr marL="3657600" algn="l" defTabSz="914400" rtl="0" eaLnBrk="1" latinLnBrk="0" hangingPunct="1">
+              <a:defRPr sz="1800" kern="1200">
+                <a:solidFill>
+                  <a:schemeClr val="tx1"/>
+                </a:solidFill>
+                <a:latin typeface="+mn-lt"/>
+                <a:ea typeface="+mn-ea"/>
+                <a:cs typeface="+mn-cs"/>
+              </a:defRPr>
+            </a:lvl9pPr>
+          </a:lstStyle>
+          <a:p>
+            <a:r>
+              <a:rPr lang="en-US" dirty="0"/>
+              <a:t>event</a:t>
+            </a:r>
+          </a:p>
+        </p:txBody>
+      </p:sp>
+      <p:sp>
+        <p:nvSpPr>
+          <p:cNvPr id="31" name="TextBox 49">
+            <a:extLst>
+              <a:ext uri="{FF2B5EF4-FFF2-40B4-BE49-F238E27FC236}">
+                <a16:creationId xmlns:a16="http://schemas.microsoft.com/office/drawing/2014/main" id="{4CE4DA23-90CE-47BF-8976-67D738C3ABA2}"/>
+              </a:ext>
+            </a:extLst>
+          </p:cNvPr>
+          <p:cNvSpPr txBox="1"/>
+          <p:nvPr/>
+        </p:nvSpPr>
+        <p:spPr>
+          <a:xfrm>
+            <a:off x="7832928" y="1839896"/>
+            <a:ext cx="8554914" cy="307777"/>
+          </a:xfrm>
+          <a:prstGeom prst="rect">
+            <a:avLst/>
+          </a:prstGeom>
+          <a:noFill/>
+        </p:spPr>
+        <p:txBody>
+          <a:bodyPr wrap="square">
+            <a:spAutoFit/>
+          </a:bodyPr>
+          <a:lstStyle>
+            <a:defPPr>
+              <a:defRPr lang="en-US"/>
+            </a:defPPr>
+            <a:lvl1pPr marL="0" algn="l" defTabSz="914400" rtl="0" eaLnBrk="1" latinLnBrk="0" hangingPunct="1">
+              <a:defRPr sz="1800" kern="1200">
+                <a:solidFill>
+                  <a:schemeClr val="tx1"/>
+                </a:solidFill>
+                <a:latin typeface="+mn-lt"/>
+                <a:ea typeface="+mn-ea"/>
+                <a:cs typeface="+mn-cs"/>
+              </a:defRPr>
+            </a:lvl1pPr>
+            <a:lvl2pPr marL="457200" algn="l" defTabSz="914400" rtl="0" eaLnBrk="1" latinLnBrk="0" hangingPunct="1">
+              <a:defRPr sz="1800" kern="1200">
+                <a:solidFill>
+                  <a:schemeClr val="tx1"/>
+                </a:solidFill>
+                <a:latin typeface="+mn-lt"/>
+                <a:ea typeface="+mn-ea"/>
+                <a:cs typeface="+mn-cs"/>
+              </a:defRPr>
+            </a:lvl2pPr>
+            <a:lvl3pPr marL="914400" algn="l" defTabSz="914400" rtl="0" eaLnBrk="1" latinLnBrk="0" hangingPunct="1">
+              <a:defRPr sz="1800" kern="1200">
+                <a:solidFill>
+                  <a:schemeClr val="tx1"/>
+                </a:solidFill>
+                <a:latin typeface="+mn-lt"/>
+                <a:ea typeface="+mn-ea"/>
+                <a:cs typeface="+mn-cs"/>
+              </a:defRPr>
+            </a:lvl3pPr>
+            <a:lvl4pPr marL="1371600" algn="l" defTabSz="914400" rtl="0" eaLnBrk="1" latinLnBrk="0" hangingPunct="1">
+              <a:defRPr sz="1800" kern="1200">
+                <a:solidFill>
+                  <a:schemeClr val="tx1"/>
+                </a:solidFill>
+                <a:latin typeface="+mn-lt"/>
+                <a:ea typeface="+mn-ea"/>
+                <a:cs typeface="+mn-cs"/>
+              </a:defRPr>
+            </a:lvl4pPr>
+            <a:lvl5pPr marL="1828800" algn="l" defTabSz="914400" rtl="0" eaLnBrk="1" latinLnBrk="0" hangingPunct="1">
+              <a:defRPr sz="1800" kern="1200">
+                <a:solidFill>
+                  <a:schemeClr val="tx1"/>
+                </a:solidFill>
+                <a:latin typeface="+mn-lt"/>
+                <a:ea typeface="+mn-ea"/>
+                <a:cs typeface="+mn-cs"/>
+              </a:defRPr>
+            </a:lvl5pPr>
+            <a:lvl6pPr marL="2286000" algn="l" defTabSz="914400" rtl="0" eaLnBrk="1" latinLnBrk="0" hangingPunct="1">
+              <a:defRPr sz="1800" kern="1200">
+                <a:solidFill>
+                  <a:schemeClr val="tx1"/>
+                </a:solidFill>
+                <a:latin typeface="+mn-lt"/>
+                <a:ea typeface="+mn-ea"/>
+                <a:cs typeface="+mn-cs"/>
+              </a:defRPr>
+            </a:lvl6pPr>
+            <a:lvl7pPr marL="2743200" algn="l" defTabSz="914400" rtl="0" eaLnBrk="1" latinLnBrk="0" hangingPunct="1">
+              <a:defRPr sz="1800" kern="1200">
+                <a:solidFill>
+                  <a:schemeClr val="tx1"/>
+                </a:solidFill>
+                <a:latin typeface="+mn-lt"/>
+                <a:ea typeface="+mn-ea"/>
+                <a:cs typeface="+mn-cs"/>
+              </a:defRPr>
+            </a:lvl7pPr>
+            <a:lvl8pPr marL="3200400" algn="l" defTabSz="914400" rtl="0" eaLnBrk="1" latinLnBrk="0" hangingPunct="1">
+              <a:defRPr sz="1800" kern="1200">
+                <a:solidFill>
+                  <a:schemeClr val="tx1"/>
+                </a:solidFill>
+                <a:latin typeface="+mn-lt"/>
+                <a:ea typeface="+mn-ea"/>
+                <a:cs typeface="+mn-cs"/>
+              </a:defRPr>
+            </a:lvl8pPr>
+            <a:lvl9pPr marL="3657600" algn="l" defTabSz="914400" rtl="0" eaLnBrk="1" latinLnBrk="0" hangingPunct="1">
+              <a:defRPr sz="1800" kern="1200">
+                <a:solidFill>
+                  <a:schemeClr val="tx1"/>
+                </a:solidFill>
+                <a:latin typeface="+mn-lt"/>
+                <a:ea typeface="+mn-ea"/>
+                <a:cs typeface="+mn-cs"/>
+              </a:defRPr>
+            </a:lvl9pPr>
+          </a:lstStyle>
+          <a:p>
+            <a:r>
+              <a:rPr lang="en-US" sz="1400" b="1" dirty="0">
+                <a:solidFill>
+                  <a:schemeClr val="accent6"/>
+                </a:solidFill>
+              </a:rPr>
+              <a:t>show event form</a:t>
+            </a:r>
+          </a:p>
+        </p:txBody>
+      </p:sp>
+      <p:sp>
+        <p:nvSpPr>
+          <p:cNvPr id="32" name="TextBox 51">
+            <a:extLst>
+              <a:ext uri="{FF2B5EF4-FFF2-40B4-BE49-F238E27FC236}">
+                <a16:creationId xmlns:a16="http://schemas.microsoft.com/office/drawing/2014/main" id="{72FEC6BD-C4B3-4B2F-8BFF-42833449E137}"/>
+              </a:ext>
+            </a:extLst>
+          </p:cNvPr>
+          <p:cNvSpPr txBox="1"/>
+          <p:nvPr/>
+        </p:nvSpPr>
+        <p:spPr>
+          <a:xfrm>
+            <a:off x="7953005" y="3664135"/>
+            <a:ext cx="8555182" cy="307777"/>
+          </a:xfrm>
+          <a:prstGeom prst="rect">
+            <a:avLst/>
+          </a:prstGeom>
+          <a:noFill/>
+        </p:spPr>
+        <p:txBody>
+          <a:bodyPr wrap="square">
+            <a:spAutoFit/>
+          </a:bodyPr>
+          <a:lstStyle>
+            <a:defPPr>
+              <a:defRPr lang="en-US"/>
+            </a:defPPr>
+            <a:lvl1pPr marL="0" algn="l" defTabSz="914400" rtl="0" eaLnBrk="1" latinLnBrk="0" hangingPunct="1">
+              <a:defRPr sz="1800" kern="1200">
+                <a:solidFill>
+                  <a:schemeClr val="tx1"/>
+                </a:solidFill>
+                <a:latin typeface="+mn-lt"/>
+                <a:ea typeface="+mn-ea"/>
+                <a:cs typeface="+mn-cs"/>
+              </a:defRPr>
+            </a:lvl1pPr>
+            <a:lvl2pPr marL="457200" algn="l" defTabSz="914400" rtl="0" eaLnBrk="1" latinLnBrk="0" hangingPunct="1">
+              <a:defRPr sz="1800" kern="1200">
+                <a:solidFill>
+                  <a:schemeClr val="tx1"/>
+                </a:solidFill>
+                <a:latin typeface="+mn-lt"/>
+                <a:ea typeface="+mn-ea"/>
+                <a:cs typeface="+mn-cs"/>
+              </a:defRPr>
+            </a:lvl2pPr>
+            <a:lvl3pPr marL="914400" algn="l" defTabSz="914400" rtl="0" eaLnBrk="1" latinLnBrk="0" hangingPunct="1">
+              <a:defRPr sz="1800" kern="1200">
+                <a:solidFill>
+                  <a:schemeClr val="tx1"/>
+                </a:solidFill>
+                <a:latin typeface="+mn-lt"/>
+                <a:ea typeface="+mn-ea"/>
+                <a:cs typeface="+mn-cs"/>
+              </a:defRPr>
+            </a:lvl3pPr>
+            <a:lvl4pPr marL="1371600" algn="l" defTabSz="914400" rtl="0" eaLnBrk="1" latinLnBrk="0" hangingPunct="1">
+              <a:defRPr sz="1800" kern="1200">
+                <a:solidFill>
+                  <a:schemeClr val="tx1"/>
+                </a:solidFill>
+                <a:latin typeface="+mn-lt"/>
+                <a:ea typeface="+mn-ea"/>
+                <a:cs typeface="+mn-cs"/>
+              </a:defRPr>
+            </a:lvl4pPr>
+            <a:lvl5pPr marL="1828800" algn="l" defTabSz="914400" rtl="0" eaLnBrk="1" latinLnBrk="0" hangingPunct="1">
+              <a:defRPr sz="1800" kern="1200">
+                <a:solidFill>
+                  <a:schemeClr val="tx1"/>
+                </a:solidFill>
+                <a:latin typeface="+mn-lt"/>
+                <a:ea typeface="+mn-ea"/>
+                <a:cs typeface="+mn-cs"/>
+              </a:defRPr>
+            </a:lvl5pPr>
+            <a:lvl6pPr marL="2286000" algn="l" defTabSz="914400" rtl="0" eaLnBrk="1" latinLnBrk="0" hangingPunct="1">
+              <a:defRPr sz="1800" kern="1200">
+                <a:solidFill>
+                  <a:schemeClr val="tx1"/>
+                </a:solidFill>
+                <a:latin typeface="+mn-lt"/>
+                <a:ea typeface="+mn-ea"/>
+                <a:cs typeface="+mn-cs"/>
+              </a:defRPr>
+            </a:lvl6pPr>
+            <a:lvl7pPr marL="2743200" algn="l" defTabSz="914400" rtl="0" eaLnBrk="1" latinLnBrk="0" hangingPunct="1">
+              <a:defRPr sz="1800" kern="1200">
+                <a:solidFill>
+                  <a:schemeClr val="tx1"/>
+                </a:solidFill>
+                <a:latin typeface="+mn-lt"/>
+                <a:ea typeface="+mn-ea"/>
+                <a:cs typeface="+mn-cs"/>
+              </a:defRPr>
+            </a:lvl7pPr>
+            <a:lvl8pPr marL="3200400" algn="l" defTabSz="914400" rtl="0" eaLnBrk="1" latinLnBrk="0" hangingPunct="1">
+              <a:defRPr sz="1800" kern="1200">
+                <a:solidFill>
+                  <a:schemeClr val="tx1"/>
+                </a:solidFill>
+                <a:latin typeface="+mn-lt"/>
+                <a:ea typeface="+mn-ea"/>
+                <a:cs typeface="+mn-cs"/>
+              </a:defRPr>
+            </a:lvl8pPr>
+            <a:lvl9pPr marL="3657600" algn="l" defTabSz="914400" rtl="0" eaLnBrk="1" latinLnBrk="0" hangingPunct="1">
+              <a:defRPr sz="1800" kern="1200">
+                <a:solidFill>
+                  <a:schemeClr val="tx1"/>
+                </a:solidFill>
+                <a:latin typeface="+mn-lt"/>
+                <a:ea typeface="+mn-ea"/>
+                <a:cs typeface="+mn-cs"/>
+              </a:defRPr>
+            </a:lvl9pPr>
+          </a:lstStyle>
+          <a:p>
+            <a:r>
+              <a:rPr lang="en-US" sz="1400" b="1" dirty="0">
+                <a:solidFill>
+                  <a:schemeClr val="accent6"/>
+                </a:solidFill>
+              </a:rPr>
+              <a:t>New event</a:t>
+            </a:r>
+          </a:p>
+        </p:txBody>
+      </p:sp>
+      <p:sp>
+        <p:nvSpPr>
+          <p:cNvPr id="33" name="TextBox 53">
+            <a:extLst>
+              <a:ext uri="{FF2B5EF4-FFF2-40B4-BE49-F238E27FC236}">
+                <a16:creationId xmlns:a16="http://schemas.microsoft.com/office/drawing/2014/main" id="{3E4DB145-ECC0-40D4-B5D9-2972275C0D20}"/>
+              </a:ext>
+            </a:extLst>
+          </p:cNvPr>
+          <p:cNvSpPr txBox="1"/>
+          <p:nvPr/>
+        </p:nvSpPr>
+        <p:spPr>
+          <a:xfrm>
+            <a:off x="7832928" y="2029069"/>
+            <a:ext cx="1165929" cy="307777"/>
+          </a:xfrm>
+          <a:prstGeom prst="rect">
+            <a:avLst/>
+          </a:prstGeom>
+          <a:noFill/>
+        </p:spPr>
+        <p:txBody>
+          <a:bodyPr wrap="square">
+            <a:spAutoFit/>
+          </a:bodyPr>
+          <a:lstStyle>
+            <a:defPPr>
+              <a:defRPr lang="en-US"/>
+            </a:defPPr>
+            <a:lvl1pPr marL="0" algn="l" defTabSz="914400" rtl="0" eaLnBrk="1" latinLnBrk="0" hangingPunct="1">
+              <a:defRPr sz="1800" kern="1200">
+                <a:solidFill>
+                  <a:schemeClr val="tx1"/>
+                </a:solidFill>
+                <a:latin typeface="+mn-lt"/>
+                <a:ea typeface="+mn-ea"/>
+                <a:cs typeface="+mn-cs"/>
+              </a:defRPr>
+            </a:lvl1pPr>
+            <a:lvl2pPr marL="457200" algn="l" defTabSz="914400" rtl="0" eaLnBrk="1" latinLnBrk="0" hangingPunct="1">
+              <a:defRPr sz="1800" kern="1200">
+                <a:solidFill>
+                  <a:schemeClr val="tx1"/>
+                </a:solidFill>
+                <a:latin typeface="+mn-lt"/>
+                <a:ea typeface="+mn-ea"/>
+                <a:cs typeface="+mn-cs"/>
+              </a:defRPr>
+            </a:lvl2pPr>
+            <a:lvl3pPr marL="914400" algn="l" defTabSz="914400" rtl="0" eaLnBrk="1" latinLnBrk="0" hangingPunct="1">
+              <a:defRPr sz="1800" kern="1200">
+                <a:solidFill>
+                  <a:schemeClr val="tx1"/>
+                </a:solidFill>
+                <a:latin typeface="+mn-lt"/>
+                <a:ea typeface="+mn-ea"/>
+                <a:cs typeface="+mn-cs"/>
+              </a:defRPr>
+            </a:lvl3pPr>
+            <a:lvl4pPr marL="1371600" algn="l" defTabSz="914400" rtl="0" eaLnBrk="1" latinLnBrk="0" hangingPunct="1">
+              <a:defRPr sz="1800" kern="1200">
+                <a:solidFill>
+                  <a:schemeClr val="tx1"/>
+                </a:solidFill>
+                <a:latin typeface="+mn-lt"/>
+                <a:ea typeface="+mn-ea"/>
+                <a:cs typeface="+mn-cs"/>
+              </a:defRPr>
+            </a:lvl4pPr>
+            <a:lvl5pPr marL="1828800" algn="l" defTabSz="914400" rtl="0" eaLnBrk="1" latinLnBrk="0" hangingPunct="1">
+              <a:defRPr sz="1800" kern="1200">
+                <a:solidFill>
+                  <a:schemeClr val="tx1"/>
+                </a:solidFill>
+                <a:latin typeface="+mn-lt"/>
+                <a:ea typeface="+mn-ea"/>
+                <a:cs typeface="+mn-cs"/>
+              </a:defRPr>
+            </a:lvl5pPr>
+            <a:lvl6pPr marL="2286000" algn="l" defTabSz="914400" rtl="0" eaLnBrk="1" latinLnBrk="0" hangingPunct="1">
+              <a:defRPr sz="1800" kern="1200">
+                <a:solidFill>
+                  <a:schemeClr val="tx1"/>
+                </a:solidFill>
+                <a:latin typeface="+mn-lt"/>
+                <a:ea typeface="+mn-ea"/>
+                <a:cs typeface="+mn-cs"/>
+              </a:defRPr>
+            </a:lvl6pPr>
+            <a:lvl7pPr marL="2743200" algn="l" defTabSz="914400" rtl="0" eaLnBrk="1" latinLnBrk="0" hangingPunct="1">
+              <a:defRPr sz="1800" kern="1200">
+                <a:solidFill>
+                  <a:schemeClr val="tx1"/>
+                </a:solidFill>
+                <a:latin typeface="+mn-lt"/>
+                <a:ea typeface="+mn-ea"/>
+                <a:cs typeface="+mn-cs"/>
+              </a:defRPr>
+            </a:lvl7pPr>
+            <a:lvl8pPr marL="3200400" algn="l" defTabSz="914400" rtl="0" eaLnBrk="1" latinLnBrk="0" hangingPunct="1">
+              <a:defRPr sz="1800" kern="1200">
+                <a:solidFill>
+                  <a:schemeClr val="tx1"/>
+                </a:solidFill>
+                <a:latin typeface="+mn-lt"/>
+                <a:ea typeface="+mn-ea"/>
+                <a:cs typeface="+mn-cs"/>
+              </a:defRPr>
+            </a:lvl8pPr>
+            <a:lvl9pPr marL="3657600" algn="l" defTabSz="914400" rtl="0" eaLnBrk="1" latinLnBrk="0" hangingPunct="1">
+              <a:defRPr sz="1800" kern="1200">
+                <a:solidFill>
+                  <a:schemeClr val="tx1"/>
+                </a:solidFill>
+                <a:latin typeface="+mn-lt"/>
+                <a:ea typeface="+mn-ea"/>
+                <a:cs typeface="+mn-cs"/>
+              </a:defRPr>
+            </a:lvl9pPr>
+          </a:lstStyle>
+          <a:p>
+            <a:r>
+              <a:rPr lang="en-US" sz="1400" b="1" dirty="0" err="1">
+                <a:solidFill>
+                  <a:schemeClr val="accent6"/>
+                </a:solidFill>
+              </a:rPr>
+              <a:t>eventName</a:t>
+            </a:r>
+            <a:endParaRPr lang="en-US" sz="1400" b="1" dirty="0">
+              <a:solidFill>
+                <a:schemeClr val="accent6"/>
+              </a:solidFill>
+            </a:endParaRPr>
+          </a:p>
+        </p:txBody>
+      </p:sp>
+      <p:sp>
+        <p:nvSpPr>
+          <p:cNvPr id="34" name="TextBox 54">
+            <a:extLst>
+              <a:ext uri="{FF2B5EF4-FFF2-40B4-BE49-F238E27FC236}">
+                <a16:creationId xmlns:a16="http://schemas.microsoft.com/office/drawing/2014/main" id="{B00F3902-01C2-4035-A553-58308C647665}"/>
+              </a:ext>
+            </a:extLst>
+          </p:cNvPr>
+          <p:cNvSpPr txBox="1"/>
+          <p:nvPr/>
+        </p:nvSpPr>
+        <p:spPr>
+          <a:xfrm>
+            <a:off x="1180098" y="865060"/>
+            <a:ext cx="3083488" cy="400110"/>
+          </a:xfrm>
+          <a:prstGeom prst="rect">
+            <a:avLst/>
+          </a:prstGeom>
+          <a:noFill/>
+        </p:spPr>
+        <p:txBody>
+          <a:bodyPr wrap="square" rtlCol="0">
+            <a:spAutoFit/>
+          </a:bodyPr>
+          <a:lstStyle>
+            <a:defPPr>
+              <a:defRPr lang="en-US"/>
+            </a:defPPr>
+            <a:lvl1pPr marL="0" algn="l" defTabSz="914400" rtl="0" eaLnBrk="1" latinLnBrk="0" hangingPunct="1">
+              <a:defRPr sz="1800" kern="1200">
+                <a:solidFill>
+                  <a:schemeClr val="tx1"/>
+                </a:solidFill>
+                <a:latin typeface="+mn-lt"/>
+                <a:ea typeface="+mn-ea"/>
+                <a:cs typeface="+mn-cs"/>
+              </a:defRPr>
+            </a:lvl1pPr>
+            <a:lvl2pPr marL="457200" algn="l" defTabSz="914400" rtl="0" eaLnBrk="1" latinLnBrk="0" hangingPunct="1">
+              <a:defRPr sz="1800" kern="1200">
+                <a:solidFill>
+                  <a:schemeClr val="tx1"/>
+                </a:solidFill>
+                <a:latin typeface="+mn-lt"/>
+                <a:ea typeface="+mn-ea"/>
+                <a:cs typeface="+mn-cs"/>
+              </a:defRPr>
+            </a:lvl2pPr>
+            <a:lvl3pPr marL="914400" algn="l" defTabSz="914400" rtl="0" eaLnBrk="1" latinLnBrk="0" hangingPunct="1">
+              <a:defRPr sz="1800" kern="1200">
+                <a:solidFill>
+                  <a:schemeClr val="tx1"/>
+                </a:solidFill>
+                <a:latin typeface="+mn-lt"/>
+                <a:ea typeface="+mn-ea"/>
+                <a:cs typeface="+mn-cs"/>
+              </a:defRPr>
+            </a:lvl3pPr>
+            <a:lvl4pPr marL="1371600" algn="l" defTabSz="914400" rtl="0" eaLnBrk="1" latinLnBrk="0" hangingPunct="1">
+              <a:defRPr sz="1800" kern="1200">
+                <a:solidFill>
+                  <a:schemeClr val="tx1"/>
+                </a:solidFill>
+                <a:latin typeface="+mn-lt"/>
+                <a:ea typeface="+mn-ea"/>
+                <a:cs typeface="+mn-cs"/>
+              </a:defRPr>
+            </a:lvl4pPr>
+            <a:lvl5pPr marL="1828800" algn="l" defTabSz="914400" rtl="0" eaLnBrk="1" latinLnBrk="0" hangingPunct="1">
+              <a:defRPr sz="1800" kern="1200">
+                <a:solidFill>
+                  <a:schemeClr val="tx1"/>
+                </a:solidFill>
+                <a:latin typeface="+mn-lt"/>
+                <a:ea typeface="+mn-ea"/>
+                <a:cs typeface="+mn-cs"/>
+              </a:defRPr>
+            </a:lvl5pPr>
+            <a:lvl6pPr marL="2286000" algn="l" defTabSz="914400" rtl="0" eaLnBrk="1" latinLnBrk="0" hangingPunct="1">
+              <a:defRPr sz="1800" kern="1200">
+                <a:solidFill>
+                  <a:schemeClr val="tx1"/>
+                </a:solidFill>
+                <a:latin typeface="+mn-lt"/>
+                <a:ea typeface="+mn-ea"/>
+                <a:cs typeface="+mn-cs"/>
+              </a:defRPr>
+            </a:lvl6pPr>
+            <a:lvl7pPr marL="2743200" algn="l" defTabSz="914400" rtl="0" eaLnBrk="1" latinLnBrk="0" hangingPunct="1">
+              <a:defRPr sz="1800" kern="1200">
+                <a:solidFill>
+                  <a:schemeClr val="tx1"/>
+                </a:solidFill>
+                <a:latin typeface="+mn-lt"/>
+                <a:ea typeface="+mn-ea"/>
+                <a:cs typeface="+mn-cs"/>
+              </a:defRPr>
+            </a:lvl7pPr>
+            <a:lvl8pPr marL="3200400" algn="l" defTabSz="914400" rtl="0" eaLnBrk="1" latinLnBrk="0" hangingPunct="1">
+              <a:defRPr sz="1800" kern="1200">
+                <a:solidFill>
+                  <a:schemeClr val="tx1"/>
+                </a:solidFill>
+                <a:latin typeface="+mn-lt"/>
+                <a:ea typeface="+mn-ea"/>
+                <a:cs typeface="+mn-cs"/>
+              </a:defRPr>
+            </a:lvl8pPr>
+            <a:lvl9pPr marL="3657600" algn="l" defTabSz="914400" rtl="0" eaLnBrk="1" latinLnBrk="0" hangingPunct="1">
+              <a:defRPr sz="1800" kern="1200">
+                <a:solidFill>
+                  <a:schemeClr val="tx1"/>
+                </a:solidFill>
+                <a:latin typeface="+mn-lt"/>
+                <a:ea typeface="+mn-ea"/>
+                <a:cs typeface="+mn-cs"/>
+              </a:defRPr>
+            </a:lvl9pPr>
+          </a:lstStyle>
+          <a:p>
+            <a:r>
+              <a:rPr lang="en-US" sz="2000" b="1" dirty="0"/>
+              <a:t>Event component diagram</a:t>
+            </a:r>
+          </a:p>
+        </p:txBody>
+      </p:sp>
+    </p:spTree>
+    <p:extLst>
+      <p:ext uri="{BB962C8B-B14F-4D97-AF65-F5344CB8AC3E}">
+        <p14:creationId xmlns:p14="http://schemas.microsoft.com/office/powerpoint/2010/main" val="974607208"/>
+      </p:ext>
+    </p:extLst>
+  </p:cSld>
+  <p:clrMapOvr>
+    <a:masterClrMapping/>
+  </p:clrMapOvr>
+</p:sld>
+</file>
+
 <file path=ppt/theme/theme1.xml><?xml version="1.0" encoding="utf-8"?>
 <a:theme xmlns:a="http://schemas.openxmlformats.org/drawingml/2006/main" name="Office Theme">
   <a:themeElements>

--- a/docs/COMPONENT-DIAGRAM.pptx
+++ b/docs/COMPONENT-DIAGRAM.pptx
@@ -243,7 +243,7 @@
           <a:p>
             <a:fld id="{28BE630F-C39C-4DB9-8258-0B48CA067079}" type="datetimeFigureOut">
               <a:rPr lang="en-US" smtClean="0"/>
-              <a:t>12/2/2021</a:t>
+              <a:t>12/3/2021</a:t>
             </a:fld>
             <a:endParaRPr lang="en-US"/>
           </a:p>
@@ -411,7 +411,7 @@
           <a:p>
             <a:fld id="{28BE630F-C39C-4DB9-8258-0B48CA067079}" type="datetimeFigureOut">
               <a:rPr lang="en-US" smtClean="0"/>
-              <a:t>12/2/2021</a:t>
+              <a:t>12/3/2021</a:t>
             </a:fld>
             <a:endParaRPr lang="en-US"/>
           </a:p>
@@ -589,7 +589,7 @@
           <a:p>
             <a:fld id="{28BE630F-C39C-4DB9-8258-0B48CA067079}" type="datetimeFigureOut">
               <a:rPr lang="en-US" smtClean="0"/>
-              <a:t>12/2/2021</a:t>
+              <a:t>12/3/2021</a:t>
             </a:fld>
             <a:endParaRPr lang="en-US"/>
           </a:p>
@@ -757,7 +757,7 @@
           <a:p>
             <a:fld id="{28BE630F-C39C-4DB9-8258-0B48CA067079}" type="datetimeFigureOut">
               <a:rPr lang="en-US" smtClean="0"/>
-              <a:t>12/2/2021</a:t>
+              <a:t>12/3/2021</a:t>
             </a:fld>
             <a:endParaRPr lang="en-US"/>
           </a:p>
@@ -1002,7 +1002,7 @@
           <a:p>
             <a:fld id="{28BE630F-C39C-4DB9-8258-0B48CA067079}" type="datetimeFigureOut">
               <a:rPr lang="en-US" smtClean="0"/>
-              <a:t>12/2/2021</a:t>
+              <a:t>12/3/2021</a:t>
             </a:fld>
             <a:endParaRPr lang="en-US"/>
           </a:p>
@@ -1231,7 +1231,7 @@
           <a:p>
             <a:fld id="{28BE630F-C39C-4DB9-8258-0B48CA067079}" type="datetimeFigureOut">
               <a:rPr lang="en-US" smtClean="0"/>
-              <a:t>12/2/2021</a:t>
+              <a:t>12/3/2021</a:t>
             </a:fld>
             <a:endParaRPr lang="en-US"/>
           </a:p>
@@ -1595,7 +1595,7 @@
           <a:p>
             <a:fld id="{28BE630F-C39C-4DB9-8258-0B48CA067079}" type="datetimeFigureOut">
               <a:rPr lang="en-US" smtClean="0"/>
-              <a:t>12/2/2021</a:t>
+              <a:t>12/3/2021</a:t>
             </a:fld>
             <a:endParaRPr lang="en-US"/>
           </a:p>
@@ -1712,7 +1712,7 @@
           <a:p>
             <a:fld id="{28BE630F-C39C-4DB9-8258-0B48CA067079}" type="datetimeFigureOut">
               <a:rPr lang="en-US" smtClean="0"/>
-              <a:t>12/2/2021</a:t>
+              <a:t>12/3/2021</a:t>
             </a:fld>
             <a:endParaRPr lang="en-US"/>
           </a:p>
@@ -1807,7 +1807,7 @@
           <a:p>
             <a:fld id="{28BE630F-C39C-4DB9-8258-0B48CA067079}" type="datetimeFigureOut">
               <a:rPr lang="en-US" smtClean="0"/>
-              <a:t>12/2/2021</a:t>
+              <a:t>12/3/2021</a:t>
             </a:fld>
             <a:endParaRPr lang="en-US"/>
           </a:p>
@@ -2082,7 +2082,7 @@
           <a:p>
             <a:fld id="{28BE630F-C39C-4DB9-8258-0B48CA067079}" type="datetimeFigureOut">
               <a:rPr lang="en-US" smtClean="0"/>
-              <a:t>12/2/2021</a:t>
+              <a:t>12/3/2021</a:t>
             </a:fld>
             <a:endParaRPr lang="en-US"/>
           </a:p>
@@ -2334,7 +2334,7 @@
           <a:p>
             <a:fld id="{28BE630F-C39C-4DB9-8258-0B48CA067079}" type="datetimeFigureOut">
               <a:rPr lang="en-US" smtClean="0"/>
-              <a:t>12/2/2021</a:t>
+              <a:t>12/3/2021</a:t>
             </a:fld>
             <a:endParaRPr lang="en-US"/>
           </a:p>
@@ -2545,7 +2545,7 @@
           <a:p>
             <a:fld id="{28BE630F-C39C-4DB9-8258-0B48CA067079}" type="datetimeFigureOut">
               <a:rPr lang="en-US" smtClean="0"/>
-              <a:t>12/2/2021</a:t>
+              <a:t>12/3/2021</a:t>
             </a:fld>
             <a:endParaRPr lang="en-US"/>
           </a:p>
@@ -4812,10 +4812,10 @@
       </p:grpSpPr>
       <p:sp>
         <p:nvSpPr>
-          <p:cNvPr id="2" name="TextBox 1">
+          <p:cNvPr id="43" name="TextBox 42">
             <a:extLst>
               <a:ext uri="{FF2B5EF4-FFF2-40B4-BE49-F238E27FC236}">
-                <a16:creationId xmlns:a16="http://schemas.microsoft.com/office/drawing/2014/main" id="{ECFF5FF8-2D0B-4C31-A9C1-BD1089B42EA8}"/>
+                <a16:creationId xmlns:a16="http://schemas.microsoft.com/office/drawing/2014/main" id="{05BFCAE4-EB9A-410F-B41F-A9B67178A745}"/>
               </a:ext>
             </a:extLst>
           </p:cNvPr>
@@ -4824,8 +4824,8 @@
         </p:nvSpPr>
         <p:spPr>
           <a:xfrm>
-            <a:off x="1009380" y="479624"/>
-            <a:ext cx="639919" cy="303481"/>
+            <a:off x="472936" y="367099"/>
+            <a:ext cx="3237673" cy="461665"/>
           </a:xfrm>
           <a:prstGeom prst="rect">
             <a:avLst/>
@@ -4833,28 +4833,28 @@
           <a:noFill/>
         </p:spPr>
         <p:txBody>
-          <a:bodyPr wrap="none" rtlCol="0">
+          <a:bodyPr wrap="square" rtlCol="0">
             <a:spAutoFit/>
           </a:bodyPr>
           <a:lstStyle/>
           <a:p>
             <a:r>
-              <a:rPr lang="en-US" sz="1372" b="1" i="1" dirty="0">
+              <a:rPr lang="en-US" sz="2400" b="1" dirty="0">
                 <a:solidFill>
-                  <a:srgbClr val="FF0000"/>
+                  <a:srgbClr val="C00000"/>
                 </a:solidFill>
               </a:rPr>
-              <a:t>&lt;app&gt;</a:t>
-            </a:r>
-          </a:p>
-        </p:txBody>
-      </p:sp>
-      <p:sp>
-        <p:nvSpPr>
-          <p:cNvPr id="3" name="Rounded Rectangle 4">
+              <a:t>Category Component</a:t>
+            </a:r>
+          </a:p>
+        </p:txBody>
+      </p:sp>
+      <p:sp>
+        <p:nvSpPr>
+          <p:cNvPr id="44" name="Rectangle: Rounded Corners 43">
             <a:extLst>
               <a:ext uri="{FF2B5EF4-FFF2-40B4-BE49-F238E27FC236}">
-                <a16:creationId xmlns:a16="http://schemas.microsoft.com/office/drawing/2014/main" id="{CF6D0141-010D-4863-B92A-28B0EE4CBBA5}"/>
+                <a16:creationId xmlns:a16="http://schemas.microsoft.com/office/drawing/2014/main" id="{B3B5C417-AD0C-4D98-BA51-E84FF87943E2}"/>
               </a:ext>
             </a:extLst>
           </p:cNvPr>
@@ -4863,19 +4863,443 @@
         </p:nvSpPr>
         <p:spPr>
           <a:xfrm>
-            <a:off x="523323" y="309043"/>
-            <a:ext cx="1650319" cy="1166483"/>
+            <a:off x="768625" y="2438400"/>
+            <a:ext cx="1378227" cy="2332383"/>
           </a:xfrm>
           <a:prstGeom prst="roundRect">
             <a:avLst/>
           </a:prstGeom>
+        </p:spPr>
+        <p:style>
+          <a:lnRef idx="2">
+            <a:schemeClr val="accent6"/>
+          </a:lnRef>
+          <a:fillRef idx="1">
+            <a:schemeClr val="lt1"/>
+          </a:fillRef>
+          <a:effectRef idx="0">
+            <a:schemeClr val="accent6"/>
+          </a:effectRef>
+          <a:fontRef idx="minor">
+            <a:schemeClr val="dk1"/>
+          </a:fontRef>
+        </p:style>
+        <p:txBody>
+          <a:bodyPr rtlCol="0" anchor="ctr"/>
+          <a:lstStyle/>
+          <a:p>
+            <a:pPr algn="ctr"/>
+            <a:endParaRPr lang="en-US"/>
+          </a:p>
+        </p:txBody>
+      </p:sp>
+      <p:sp>
+        <p:nvSpPr>
+          <p:cNvPr id="45" name="TextBox 44">
+            <a:extLst>
+              <a:ext uri="{FF2B5EF4-FFF2-40B4-BE49-F238E27FC236}">
+                <a16:creationId xmlns:a16="http://schemas.microsoft.com/office/drawing/2014/main" id="{91D61EAA-AA78-4BE0-A066-39A5217D4867}"/>
+              </a:ext>
+            </a:extLst>
+          </p:cNvPr>
+          <p:cNvSpPr txBox="1"/>
+          <p:nvPr/>
+        </p:nvSpPr>
+        <p:spPr>
+          <a:xfrm>
+            <a:off x="1033670" y="3354528"/>
+            <a:ext cx="940904" cy="369332"/>
+          </a:xfrm>
+          <a:prstGeom prst="rect">
+            <a:avLst/>
+          </a:prstGeom>
           <a:noFill/>
-          <a:ln>
-            <a:solidFill>
-              <a:srgbClr val="FF0000"/>
-            </a:solidFill>
-            <a:prstDash val="lgDash"/>
-          </a:ln>
+        </p:spPr>
+        <p:txBody>
+          <a:bodyPr wrap="square" rtlCol="0">
+            <a:spAutoFit/>
+          </a:bodyPr>
+          <a:lstStyle/>
+          <a:p>
+            <a:r>
+              <a:rPr lang="en-US" b="1" dirty="0">
+                <a:solidFill>
+                  <a:schemeClr val="accent6">
+                    <a:lumMod val="75000"/>
+                  </a:schemeClr>
+                </a:solidFill>
+              </a:rPr>
+              <a:t>&lt; App &gt;</a:t>
+            </a:r>
+          </a:p>
+        </p:txBody>
+      </p:sp>
+      <p:sp>
+        <p:nvSpPr>
+          <p:cNvPr id="46" name="Rectangle: Rounded Corners 45">
+            <a:extLst>
+              <a:ext uri="{FF2B5EF4-FFF2-40B4-BE49-F238E27FC236}">
+                <a16:creationId xmlns:a16="http://schemas.microsoft.com/office/drawing/2014/main" id="{C4D4F415-87A6-495E-ADF9-97844E2A0CE2}"/>
+              </a:ext>
+            </a:extLst>
+          </p:cNvPr>
+          <p:cNvSpPr/>
+          <p:nvPr/>
+        </p:nvSpPr>
+        <p:spPr>
+          <a:xfrm>
+            <a:off x="2537795" y="1019554"/>
+            <a:ext cx="2352261" cy="5188225"/>
+          </a:xfrm>
+          <a:prstGeom prst="roundRect">
+            <a:avLst/>
+          </a:prstGeom>
+        </p:spPr>
+        <p:style>
+          <a:lnRef idx="2">
+            <a:schemeClr val="accent6"/>
+          </a:lnRef>
+          <a:fillRef idx="1">
+            <a:schemeClr val="lt1"/>
+          </a:fillRef>
+          <a:effectRef idx="0">
+            <a:schemeClr val="accent6"/>
+          </a:effectRef>
+          <a:fontRef idx="minor">
+            <a:schemeClr val="dk1"/>
+          </a:fontRef>
+        </p:style>
+        <p:txBody>
+          <a:bodyPr rtlCol="0" anchor="ctr"/>
+          <a:lstStyle/>
+          <a:p>
+            <a:pPr algn="ctr"/>
+            <a:endParaRPr lang="en-US" dirty="0"/>
+          </a:p>
+        </p:txBody>
+      </p:sp>
+      <p:sp>
+        <p:nvSpPr>
+          <p:cNvPr id="47" name="TextBox 46">
+            <a:extLst>
+              <a:ext uri="{FF2B5EF4-FFF2-40B4-BE49-F238E27FC236}">
+                <a16:creationId xmlns:a16="http://schemas.microsoft.com/office/drawing/2014/main" id="{F101FCF8-06C2-4FF6-B094-0F28C6BD2CD1}"/>
+              </a:ext>
+            </a:extLst>
+          </p:cNvPr>
+          <p:cNvSpPr txBox="1"/>
+          <p:nvPr/>
+        </p:nvSpPr>
+        <p:spPr>
+          <a:xfrm>
+            <a:off x="2822713" y="2985196"/>
+            <a:ext cx="1914939" cy="369332"/>
+          </a:xfrm>
+          <a:prstGeom prst="rect">
+            <a:avLst/>
+          </a:prstGeom>
+          <a:noFill/>
+        </p:spPr>
+        <p:txBody>
+          <a:bodyPr wrap="square" rtlCol="0">
+            <a:spAutoFit/>
+          </a:bodyPr>
+          <a:lstStyle/>
+          <a:p>
+            <a:r>
+              <a:rPr lang="en-US" b="1" dirty="0">
+                <a:solidFill>
+                  <a:schemeClr val="accent6">
+                    <a:lumMod val="75000"/>
+                  </a:schemeClr>
+                </a:solidFill>
+              </a:rPr>
+              <a:t>&lt; Category-View &gt;</a:t>
+            </a:r>
+          </a:p>
+        </p:txBody>
+      </p:sp>
+      <p:sp>
+        <p:nvSpPr>
+          <p:cNvPr id="48" name="TextBox 47">
+            <a:extLst>
+              <a:ext uri="{FF2B5EF4-FFF2-40B4-BE49-F238E27FC236}">
+                <a16:creationId xmlns:a16="http://schemas.microsoft.com/office/drawing/2014/main" id="{AB144495-90C0-4200-80F4-117817680807}"/>
+              </a:ext>
+            </a:extLst>
+          </p:cNvPr>
+          <p:cNvSpPr txBox="1"/>
+          <p:nvPr/>
+        </p:nvSpPr>
+        <p:spPr>
+          <a:xfrm>
+            <a:off x="3096867" y="3316361"/>
+            <a:ext cx="1550505" cy="369332"/>
+          </a:xfrm>
+          <a:prstGeom prst="rect">
+            <a:avLst/>
+          </a:prstGeom>
+          <a:noFill/>
+        </p:spPr>
+        <p:txBody>
+          <a:bodyPr wrap="square" rtlCol="0">
+            <a:spAutoFit/>
+          </a:bodyPr>
+          <a:lstStyle/>
+          <a:p>
+            <a:r>
+              <a:rPr lang="en-US" b="1" dirty="0">
+                <a:solidFill>
+                  <a:schemeClr val="accent6">
+                    <a:lumMod val="75000"/>
+                  </a:schemeClr>
+                </a:solidFill>
+              </a:rPr>
+              <a:t>Categories [ ]</a:t>
+            </a:r>
+          </a:p>
+        </p:txBody>
+      </p:sp>
+      <p:sp>
+        <p:nvSpPr>
+          <p:cNvPr id="49" name="Rectangle: Rounded Corners 48">
+            <a:extLst>
+              <a:ext uri="{FF2B5EF4-FFF2-40B4-BE49-F238E27FC236}">
+                <a16:creationId xmlns:a16="http://schemas.microsoft.com/office/drawing/2014/main" id="{2E18BE51-3852-47ED-B1E4-70DFB8DD21E2}"/>
+              </a:ext>
+            </a:extLst>
+          </p:cNvPr>
+          <p:cNvSpPr/>
+          <p:nvPr/>
+        </p:nvSpPr>
+        <p:spPr>
+          <a:xfrm>
+            <a:off x="8069744" y="1869584"/>
+            <a:ext cx="2676939" cy="1152940"/>
+          </a:xfrm>
+          <a:prstGeom prst="roundRect">
+            <a:avLst/>
+          </a:prstGeom>
+        </p:spPr>
+        <p:style>
+          <a:lnRef idx="2">
+            <a:schemeClr val="accent6"/>
+          </a:lnRef>
+          <a:fillRef idx="1">
+            <a:schemeClr val="lt1"/>
+          </a:fillRef>
+          <a:effectRef idx="0">
+            <a:schemeClr val="accent6"/>
+          </a:effectRef>
+          <a:fontRef idx="minor">
+            <a:schemeClr val="dk1"/>
+          </a:fontRef>
+        </p:style>
+        <p:txBody>
+          <a:bodyPr rtlCol="0" anchor="ctr"/>
+          <a:lstStyle/>
+          <a:p>
+            <a:pPr algn="ctr"/>
+            <a:endParaRPr lang="en-US"/>
+          </a:p>
+        </p:txBody>
+      </p:sp>
+      <p:sp>
+        <p:nvSpPr>
+          <p:cNvPr id="50" name="Rectangle: Rounded Corners 49">
+            <a:extLst>
+              <a:ext uri="{FF2B5EF4-FFF2-40B4-BE49-F238E27FC236}">
+                <a16:creationId xmlns:a16="http://schemas.microsoft.com/office/drawing/2014/main" id="{9DB3FE0D-2E46-4792-88AC-F027F4883EC8}"/>
+              </a:ext>
+            </a:extLst>
+          </p:cNvPr>
+          <p:cNvSpPr/>
+          <p:nvPr/>
+        </p:nvSpPr>
+        <p:spPr>
+          <a:xfrm>
+            <a:off x="8102875" y="3634715"/>
+            <a:ext cx="2676939" cy="1152939"/>
+          </a:xfrm>
+          <a:prstGeom prst="roundRect">
+            <a:avLst/>
+          </a:prstGeom>
+        </p:spPr>
+        <p:style>
+          <a:lnRef idx="2">
+            <a:schemeClr val="accent6"/>
+          </a:lnRef>
+          <a:fillRef idx="1">
+            <a:schemeClr val="lt1"/>
+          </a:fillRef>
+          <a:effectRef idx="0">
+            <a:schemeClr val="accent6"/>
+          </a:effectRef>
+          <a:fontRef idx="minor">
+            <a:schemeClr val="dk1"/>
+          </a:fontRef>
+        </p:style>
+        <p:txBody>
+          <a:bodyPr rtlCol="0" anchor="ctr"/>
+          <a:lstStyle/>
+          <a:p>
+            <a:pPr algn="ctr"/>
+            <a:endParaRPr lang="en-US"/>
+          </a:p>
+        </p:txBody>
+      </p:sp>
+      <p:sp>
+        <p:nvSpPr>
+          <p:cNvPr id="51" name="TextBox 50">
+            <a:extLst>
+              <a:ext uri="{FF2B5EF4-FFF2-40B4-BE49-F238E27FC236}">
+                <a16:creationId xmlns:a16="http://schemas.microsoft.com/office/drawing/2014/main" id="{6FAE24AB-3C18-433A-9817-E5EBA7F80F20}"/>
+              </a:ext>
+            </a:extLst>
+          </p:cNvPr>
+          <p:cNvSpPr txBox="1"/>
+          <p:nvPr/>
+        </p:nvSpPr>
+        <p:spPr>
+          <a:xfrm>
+            <a:off x="8427553" y="4029689"/>
+            <a:ext cx="1881809" cy="369332"/>
+          </a:xfrm>
+          <a:prstGeom prst="rect">
+            <a:avLst/>
+          </a:prstGeom>
+          <a:noFill/>
+        </p:spPr>
+        <p:txBody>
+          <a:bodyPr wrap="square" rtlCol="0">
+            <a:spAutoFit/>
+          </a:bodyPr>
+          <a:lstStyle/>
+          <a:p>
+            <a:r>
+              <a:rPr lang="en-US" b="1" dirty="0">
+                <a:solidFill>
+                  <a:schemeClr val="accent6">
+                    <a:lumMod val="75000"/>
+                  </a:schemeClr>
+                </a:solidFill>
+              </a:rPr>
+              <a:t>&lt; Category Card &gt;</a:t>
+            </a:r>
+          </a:p>
+        </p:txBody>
+      </p:sp>
+      <p:sp>
+        <p:nvSpPr>
+          <p:cNvPr id="52" name="TextBox 51">
+            <a:extLst>
+              <a:ext uri="{FF2B5EF4-FFF2-40B4-BE49-F238E27FC236}">
+                <a16:creationId xmlns:a16="http://schemas.microsoft.com/office/drawing/2014/main" id="{4B4BE4C1-73E7-4572-A6DB-546DE5D47041}"/>
+              </a:ext>
+            </a:extLst>
+          </p:cNvPr>
+          <p:cNvSpPr txBox="1"/>
+          <p:nvPr/>
+        </p:nvSpPr>
+        <p:spPr>
+          <a:xfrm>
+            <a:off x="8242023" y="2164446"/>
+            <a:ext cx="2067339" cy="369332"/>
+          </a:xfrm>
+          <a:prstGeom prst="rect">
+            <a:avLst/>
+          </a:prstGeom>
+          <a:noFill/>
+        </p:spPr>
+        <p:txBody>
+          <a:bodyPr wrap="square" rtlCol="0">
+            <a:spAutoFit/>
+          </a:bodyPr>
+          <a:lstStyle/>
+          <a:p>
+            <a:r>
+              <a:rPr lang="en-US" b="1" dirty="0">
+                <a:solidFill>
+                  <a:schemeClr val="accent6">
+                    <a:lumMod val="75000"/>
+                  </a:schemeClr>
+                </a:solidFill>
+              </a:rPr>
+              <a:t>&lt; Category Form &gt;</a:t>
+            </a:r>
+          </a:p>
+        </p:txBody>
+      </p:sp>
+      <p:sp>
+        <p:nvSpPr>
+          <p:cNvPr id="53" name="Arrow: Left 52">
+            <a:extLst>
+              <a:ext uri="{FF2B5EF4-FFF2-40B4-BE49-F238E27FC236}">
+                <a16:creationId xmlns:a16="http://schemas.microsoft.com/office/drawing/2014/main" id="{60592BEE-C86D-4158-B584-F63C79EEC7FE}"/>
+              </a:ext>
+            </a:extLst>
+          </p:cNvPr>
+          <p:cNvSpPr/>
+          <p:nvPr/>
+        </p:nvSpPr>
+        <p:spPr>
+          <a:xfrm>
+            <a:off x="5515385" y="2547249"/>
+            <a:ext cx="2186609" cy="304800"/>
+          </a:xfrm>
+          <a:prstGeom prst="leftArrow">
+            <a:avLst/>
+          </a:prstGeom>
+          <a:solidFill>
+            <a:srgbClr val="FF0000"/>
+          </a:solidFill>
+        </p:spPr>
+        <p:style>
+          <a:lnRef idx="3">
+            <a:schemeClr val="lt1"/>
+          </a:lnRef>
+          <a:fillRef idx="1">
+            <a:schemeClr val="accent2"/>
+          </a:fillRef>
+          <a:effectRef idx="1">
+            <a:schemeClr val="accent2"/>
+          </a:effectRef>
+          <a:fontRef idx="minor">
+            <a:schemeClr val="lt1"/>
+          </a:fontRef>
+        </p:style>
+        <p:txBody>
+          <a:bodyPr rtlCol="0" anchor="ctr"/>
+          <a:lstStyle/>
+          <a:p>
+            <a:pPr algn="ctr"/>
+            <a:endParaRPr lang="en-US" dirty="0"/>
+          </a:p>
+        </p:txBody>
+      </p:sp>
+      <p:sp>
+        <p:nvSpPr>
+          <p:cNvPr id="54" name="Arrow: Left 53">
+            <a:extLst>
+              <a:ext uri="{FF2B5EF4-FFF2-40B4-BE49-F238E27FC236}">
+                <a16:creationId xmlns:a16="http://schemas.microsoft.com/office/drawing/2014/main" id="{AEAD92F0-B56C-4F73-BC64-515F4A478E7C}"/>
+              </a:ext>
+            </a:extLst>
+          </p:cNvPr>
+          <p:cNvSpPr/>
+          <p:nvPr/>
+        </p:nvSpPr>
+        <p:spPr>
+          <a:xfrm>
+            <a:off x="5528636" y="4395713"/>
+            <a:ext cx="2186609" cy="304800"/>
+          </a:xfrm>
+          <a:prstGeom prst="leftArrow">
+            <a:avLst/>
+          </a:prstGeom>
+          <a:solidFill>
+            <a:srgbClr val="FF0000"/>
+          </a:solidFill>
         </p:spPr>
         <p:style>
           <a:lnRef idx="2">
@@ -4898,16 +5322,108 @@
           <a:lstStyle/>
           <a:p>
             <a:pPr algn="ctr"/>
-            <a:endParaRPr lang="en-US" sz="1372"/>
-          </a:p>
-        </p:txBody>
-      </p:sp>
-      <p:sp>
-        <p:nvSpPr>
-          <p:cNvPr id="4" name="TextBox 3">
+            <a:endParaRPr lang="en-US" dirty="0"/>
+          </a:p>
+        </p:txBody>
+      </p:sp>
+      <p:sp>
+        <p:nvSpPr>
+          <p:cNvPr id="55" name="Arrow: Right 54">
             <a:extLst>
               <a:ext uri="{FF2B5EF4-FFF2-40B4-BE49-F238E27FC236}">
-                <a16:creationId xmlns:a16="http://schemas.microsoft.com/office/drawing/2014/main" id="{E36A065B-5941-45E7-AFCA-CBFC05685E6C}"/>
+                <a16:creationId xmlns:a16="http://schemas.microsoft.com/office/drawing/2014/main" id="{441A4246-D2FB-45C5-B8EE-51CEF18DA64E}"/>
+              </a:ext>
+            </a:extLst>
+          </p:cNvPr>
+          <p:cNvSpPr/>
+          <p:nvPr/>
+        </p:nvSpPr>
+        <p:spPr>
+          <a:xfrm>
+            <a:off x="5525327" y="2068367"/>
+            <a:ext cx="2133602" cy="304800"/>
+          </a:xfrm>
+          <a:prstGeom prst="rightArrow">
+            <a:avLst/>
+          </a:prstGeom>
+        </p:spPr>
+        <p:style>
+          <a:lnRef idx="2">
+            <a:schemeClr val="accent6">
+              <a:shade val="50000"/>
+            </a:schemeClr>
+          </a:lnRef>
+          <a:fillRef idx="1">
+            <a:schemeClr val="accent6"/>
+          </a:fillRef>
+          <a:effectRef idx="0">
+            <a:schemeClr val="accent6"/>
+          </a:effectRef>
+          <a:fontRef idx="minor">
+            <a:schemeClr val="lt1"/>
+          </a:fontRef>
+        </p:style>
+        <p:txBody>
+          <a:bodyPr rtlCol="0" anchor="ctr"/>
+          <a:lstStyle/>
+          <a:p>
+            <a:pPr algn="ctr"/>
+            <a:endParaRPr lang="en-US"/>
+          </a:p>
+        </p:txBody>
+      </p:sp>
+      <p:sp>
+        <p:nvSpPr>
+          <p:cNvPr id="56" name="Arrow: Right 55">
+            <a:extLst>
+              <a:ext uri="{FF2B5EF4-FFF2-40B4-BE49-F238E27FC236}">
+                <a16:creationId xmlns:a16="http://schemas.microsoft.com/office/drawing/2014/main" id="{6FCBF0BE-FF39-49F8-98EE-4F76E1D49355}"/>
+              </a:ext>
+            </a:extLst>
+          </p:cNvPr>
+          <p:cNvSpPr/>
+          <p:nvPr/>
+        </p:nvSpPr>
+        <p:spPr>
+          <a:xfrm>
+            <a:off x="5555140" y="3912007"/>
+            <a:ext cx="2133602" cy="304800"/>
+          </a:xfrm>
+          <a:prstGeom prst="rightArrow">
+            <a:avLst/>
+          </a:prstGeom>
+        </p:spPr>
+        <p:style>
+          <a:lnRef idx="2">
+            <a:schemeClr val="accent6">
+              <a:shade val="50000"/>
+            </a:schemeClr>
+          </a:lnRef>
+          <a:fillRef idx="1">
+            <a:schemeClr val="accent6"/>
+          </a:fillRef>
+          <a:effectRef idx="0">
+            <a:schemeClr val="accent6"/>
+          </a:effectRef>
+          <a:fontRef idx="minor">
+            <a:schemeClr val="lt1"/>
+          </a:fontRef>
+        </p:style>
+        <p:txBody>
+          <a:bodyPr rtlCol="0" anchor="ctr"/>
+          <a:lstStyle/>
+          <a:p>
+            <a:pPr algn="ctr"/>
+            <a:endParaRPr lang="en-US"/>
+          </a:p>
+        </p:txBody>
+      </p:sp>
+      <p:sp>
+        <p:nvSpPr>
+          <p:cNvPr id="57" name="TextBox 56">
+            <a:extLst>
+              <a:ext uri="{FF2B5EF4-FFF2-40B4-BE49-F238E27FC236}">
+                <a16:creationId xmlns:a16="http://schemas.microsoft.com/office/drawing/2014/main" id="{E42E7314-31C9-47FB-8E51-627474633C4A}"/>
               </a:ext>
             </a:extLst>
           </p:cNvPr>
@@ -4916,8 +5432,8 @@
         </p:nvSpPr>
         <p:spPr>
           <a:xfrm>
-            <a:off x="885053" y="892284"/>
-            <a:ext cx="926857" cy="303481"/>
+            <a:off x="5538582" y="5112265"/>
+            <a:ext cx="1633331" cy="369332"/>
           </a:xfrm>
           <a:prstGeom prst="rect">
             <a:avLst/>
@@ -4925,24 +5441,28 @@
           <a:noFill/>
         </p:spPr>
         <p:txBody>
-          <a:bodyPr wrap="none" rtlCol="0">
+          <a:bodyPr wrap="square" rtlCol="0">
             <a:spAutoFit/>
           </a:bodyPr>
           <a:lstStyle/>
           <a:p>
             <a:r>
-              <a:rPr lang="en-US" sz="1372" dirty="0"/>
-              <a:t>Students[]</a:t>
-            </a:r>
-          </a:p>
-        </p:txBody>
-      </p:sp>
-      <p:sp>
-        <p:nvSpPr>
-          <p:cNvPr id="5" name="TextBox 4">
+              <a:rPr lang="en-US" b="1" dirty="0">
+                <a:solidFill>
+                  <a:srgbClr val="FF0000"/>
+                </a:solidFill>
+              </a:rPr>
+              <a:t>EMIT</a:t>
+            </a:r>
+          </a:p>
+        </p:txBody>
+      </p:sp>
+      <p:sp>
+        <p:nvSpPr>
+          <p:cNvPr id="58" name="TextBox 57">
             <a:extLst>
               <a:ext uri="{FF2B5EF4-FFF2-40B4-BE49-F238E27FC236}">
-                <a16:creationId xmlns:a16="http://schemas.microsoft.com/office/drawing/2014/main" id="{83F9604E-C97F-47B3-B2CB-91967EB7A8A6}"/>
+                <a16:creationId xmlns:a16="http://schemas.microsoft.com/office/drawing/2014/main" id="{69C5E19E-F7A3-42CF-95E5-B5334B53E8F6}"/>
               </a:ext>
             </a:extLst>
           </p:cNvPr>
@@ -4951,8 +5471,8 @@
         </p:nvSpPr>
         <p:spPr>
           <a:xfrm>
-            <a:off x="119555" y="1627265"/>
-            <a:ext cx="3384709" cy="303481"/>
+            <a:off x="5603183" y="2831535"/>
+            <a:ext cx="752065" cy="369332"/>
           </a:xfrm>
           <a:prstGeom prst="rect">
             <a:avLst/>
@@ -4960,24 +5480,28 @@
           <a:noFill/>
         </p:spPr>
         <p:txBody>
-          <a:bodyPr wrap="none" rtlCol="0">
+          <a:bodyPr wrap="square" rtlCol="0">
             <a:spAutoFit/>
           </a:bodyPr>
           <a:lstStyle/>
           <a:p>
             <a:r>
-              <a:rPr lang="en-US" sz="1372" dirty="0"/>
-              <a:t>// A component with a list of student as data</a:t>
-            </a:r>
-          </a:p>
-        </p:txBody>
-      </p:sp>
-      <p:sp>
-        <p:nvSpPr>
-          <p:cNvPr id="6" name="TextBox 5">
+              <a:rPr lang="en-US" b="1" dirty="0">
+                <a:solidFill>
+                  <a:srgbClr val="FF0000"/>
+                </a:solidFill>
+              </a:rPr>
+              <a:t>EMIT</a:t>
+            </a:r>
+          </a:p>
+        </p:txBody>
+      </p:sp>
+      <p:sp>
+        <p:nvSpPr>
+          <p:cNvPr id="59" name="TextBox 58">
             <a:extLst>
               <a:ext uri="{FF2B5EF4-FFF2-40B4-BE49-F238E27FC236}">
-                <a16:creationId xmlns:a16="http://schemas.microsoft.com/office/drawing/2014/main" id="{E7319511-C9A2-48F9-AB0E-966369DBD86D}"/>
+                <a16:creationId xmlns:a16="http://schemas.microsoft.com/office/drawing/2014/main" id="{3B98623C-D5DD-440C-8F80-FD7A1515DACF}"/>
               </a:ext>
             </a:extLst>
           </p:cNvPr>
@@ -4986,8 +5510,8 @@
         </p:nvSpPr>
         <p:spPr>
           <a:xfrm>
-            <a:off x="1009380" y="2556074"/>
-            <a:ext cx="639919" cy="303481"/>
+            <a:off x="5449128" y="1747867"/>
+            <a:ext cx="1083363" cy="369332"/>
           </a:xfrm>
           <a:prstGeom prst="rect">
             <a:avLst/>
@@ -4995,28 +5519,286 @@
           <a:noFill/>
         </p:spPr>
         <p:txBody>
-          <a:bodyPr wrap="none" rtlCol="0">
+          <a:bodyPr wrap="square" rtlCol="0">
             <a:spAutoFit/>
           </a:bodyPr>
           <a:lstStyle/>
           <a:p>
             <a:r>
-              <a:rPr lang="en-US" sz="1372" b="1" i="1" dirty="0">
+              <a:rPr lang="en-US" b="1" dirty="0">
                 <a:solidFill>
-                  <a:srgbClr val="FF0000"/>
+                  <a:schemeClr val="accent6">
+                    <a:lumMod val="75000"/>
+                  </a:schemeClr>
                 </a:solidFill>
               </a:rPr>
-              <a:t>&lt;app&gt;</a:t>
-            </a:r>
-          </a:p>
-        </p:txBody>
-      </p:sp>
-      <p:sp>
-        <p:nvSpPr>
-          <p:cNvPr id="7" name="Rounded Rectangle 8">
+              <a:t>PROPS</a:t>
+            </a:r>
+          </a:p>
+        </p:txBody>
+      </p:sp>
+      <p:sp>
+        <p:nvSpPr>
+          <p:cNvPr id="60" name="TextBox 59">
             <a:extLst>
               <a:ext uri="{FF2B5EF4-FFF2-40B4-BE49-F238E27FC236}">
-                <a16:creationId xmlns:a16="http://schemas.microsoft.com/office/drawing/2014/main" id="{DB8C76CB-B418-40ED-864B-32122FC19B50}"/>
+                <a16:creationId xmlns:a16="http://schemas.microsoft.com/office/drawing/2014/main" id="{675D9E36-494A-4134-90F9-87156AD5A82A}"/>
+              </a:ext>
+            </a:extLst>
+          </p:cNvPr>
+          <p:cNvSpPr txBox="1"/>
+          <p:nvPr/>
+        </p:nvSpPr>
+        <p:spPr>
+          <a:xfrm>
+            <a:off x="5478944" y="3517104"/>
+            <a:ext cx="1083363" cy="369332"/>
+          </a:xfrm>
+          <a:prstGeom prst="rect">
+            <a:avLst/>
+          </a:prstGeom>
+          <a:noFill/>
+        </p:spPr>
+        <p:txBody>
+          <a:bodyPr wrap="square" rtlCol="0">
+            <a:spAutoFit/>
+          </a:bodyPr>
+          <a:lstStyle/>
+          <a:p>
+            <a:r>
+              <a:rPr lang="en-US" b="1" dirty="0">
+                <a:solidFill>
+                  <a:schemeClr val="accent6">
+                    <a:lumMod val="75000"/>
+                  </a:schemeClr>
+                </a:solidFill>
+              </a:rPr>
+              <a:t>PROPS</a:t>
+            </a:r>
+          </a:p>
+        </p:txBody>
+      </p:sp>
+      <p:sp>
+        <p:nvSpPr>
+          <p:cNvPr id="61" name="TextBox 60">
+            <a:extLst>
+              <a:ext uri="{FF2B5EF4-FFF2-40B4-BE49-F238E27FC236}">
+                <a16:creationId xmlns:a16="http://schemas.microsoft.com/office/drawing/2014/main" id="{C3AE650E-933C-442D-8F09-22172E27DD2B}"/>
+              </a:ext>
+            </a:extLst>
+          </p:cNvPr>
+          <p:cNvSpPr txBox="1"/>
+          <p:nvPr/>
+        </p:nvSpPr>
+        <p:spPr>
+          <a:xfrm>
+            <a:off x="6254195" y="1737928"/>
+            <a:ext cx="1842051" cy="369332"/>
+          </a:xfrm>
+          <a:prstGeom prst="rect">
+            <a:avLst/>
+          </a:prstGeom>
+          <a:noFill/>
+        </p:spPr>
+        <p:txBody>
+          <a:bodyPr wrap="square" rtlCol="0">
+            <a:spAutoFit/>
+          </a:bodyPr>
+          <a:lstStyle/>
+          <a:p>
+            <a:r>
+              <a:rPr lang="en-US" b="1" dirty="0">
+                <a:solidFill>
+                  <a:schemeClr val="accent5">
+                    <a:lumMod val="75000"/>
+                  </a:schemeClr>
+                </a:solidFill>
+              </a:rPr>
+              <a:t>Message error</a:t>
+            </a:r>
+          </a:p>
+        </p:txBody>
+      </p:sp>
+      <p:sp>
+        <p:nvSpPr>
+          <p:cNvPr id="62" name="TextBox 61">
+            <a:extLst>
+              <a:ext uri="{FF2B5EF4-FFF2-40B4-BE49-F238E27FC236}">
+                <a16:creationId xmlns:a16="http://schemas.microsoft.com/office/drawing/2014/main" id="{DD987162-F11E-4565-9AF5-903CCB32CD4F}"/>
+              </a:ext>
+            </a:extLst>
+          </p:cNvPr>
+          <p:cNvSpPr txBox="1"/>
+          <p:nvPr/>
+        </p:nvSpPr>
+        <p:spPr>
+          <a:xfrm>
+            <a:off x="6355248" y="3486344"/>
+            <a:ext cx="1699591" cy="369332"/>
+          </a:xfrm>
+          <a:prstGeom prst="rect">
+            <a:avLst/>
+          </a:prstGeom>
+          <a:noFill/>
+        </p:spPr>
+        <p:txBody>
+          <a:bodyPr wrap="square" rtlCol="0">
+            <a:spAutoFit/>
+          </a:bodyPr>
+          <a:lstStyle/>
+          <a:p>
+            <a:r>
+              <a:rPr lang="en-US" b="1" dirty="0">
+                <a:solidFill>
+                  <a:schemeClr val="accent5">
+                    <a:lumMod val="75000"/>
+                  </a:schemeClr>
+                </a:solidFill>
+              </a:rPr>
+              <a:t>Categories []</a:t>
+            </a:r>
+          </a:p>
+        </p:txBody>
+      </p:sp>
+      <p:sp>
+        <p:nvSpPr>
+          <p:cNvPr id="63" name="TextBox 62">
+            <a:extLst>
+              <a:ext uri="{FF2B5EF4-FFF2-40B4-BE49-F238E27FC236}">
+                <a16:creationId xmlns:a16="http://schemas.microsoft.com/office/drawing/2014/main" id="{B1098EAB-6E2D-41F4-8F45-8A5C9156D3F8}"/>
+              </a:ext>
+            </a:extLst>
+          </p:cNvPr>
+          <p:cNvSpPr txBox="1"/>
+          <p:nvPr/>
+        </p:nvSpPr>
+        <p:spPr>
+          <a:xfrm>
+            <a:off x="6279043" y="2800530"/>
+            <a:ext cx="1739349" cy="369332"/>
+          </a:xfrm>
+          <a:prstGeom prst="rect">
+            <a:avLst/>
+          </a:prstGeom>
+          <a:noFill/>
+        </p:spPr>
+        <p:txBody>
+          <a:bodyPr wrap="square" rtlCol="0">
+            <a:spAutoFit/>
+          </a:bodyPr>
+          <a:lstStyle/>
+          <a:p>
+            <a:r>
+              <a:rPr lang="en-US" b="1" dirty="0">
+                <a:solidFill>
+                  <a:schemeClr val="accent5">
+                    <a:lumMod val="75000"/>
+                  </a:schemeClr>
+                </a:solidFill>
+              </a:rPr>
+              <a:t>New Categories</a:t>
+            </a:r>
+          </a:p>
+        </p:txBody>
+      </p:sp>
+      <p:sp>
+        <p:nvSpPr>
+          <p:cNvPr id="64" name="TextBox 63">
+            <a:extLst>
+              <a:ext uri="{FF2B5EF4-FFF2-40B4-BE49-F238E27FC236}">
+                <a16:creationId xmlns:a16="http://schemas.microsoft.com/office/drawing/2014/main" id="{29850BCF-CD15-4D28-94F7-32726B02D57E}"/>
+              </a:ext>
+            </a:extLst>
+          </p:cNvPr>
+          <p:cNvSpPr txBox="1"/>
+          <p:nvPr/>
+        </p:nvSpPr>
+        <p:spPr>
+          <a:xfrm>
+            <a:off x="6443875" y="4927599"/>
+            <a:ext cx="2476502" cy="369332"/>
+          </a:xfrm>
+          <a:prstGeom prst="rect">
+            <a:avLst/>
+          </a:prstGeom>
+          <a:noFill/>
+        </p:spPr>
+        <p:txBody>
+          <a:bodyPr wrap="square" rtlCol="0">
+            <a:spAutoFit/>
+          </a:bodyPr>
+          <a:lstStyle/>
+          <a:p>
+            <a:r>
+              <a:rPr lang="en-US" b="1" dirty="0">
+                <a:solidFill>
+                  <a:schemeClr val="accent5">
+                    <a:lumMod val="75000"/>
+                  </a:schemeClr>
+                </a:solidFill>
+              </a:rPr>
+              <a:t>Editing (CategoryID)</a:t>
+            </a:r>
+          </a:p>
+        </p:txBody>
+      </p:sp>
+      <p:sp>
+        <p:nvSpPr>
+          <p:cNvPr id="65" name="TextBox 64">
+            <a:extLst>
+              <a:ext uri="{FF2B5EF4-FFF2-40B4-BE49-F238E27FC236}">
+                <a16:creationId xmlns:a16="http://schemas.microsoft.com/office/drawing/2014/main" id="{1BB4F074-F209-4136-888E-C0534C87187F}"/>
+              </a:ext>
+            </a:extLst>
+          </p:cNvPr>
+          <p:cNvSpPr txBox="1"/>
+          <p:nvPr/>
+        </p:nvSpPr>
+        <p:spPr>
+          <a:xfrm>
+            <a:off x="6479495" y="5344195"/>
+            <a:ext cx="2370484" cy="369332"/>
+          </a:xfrm>
+          <a:prstGeom prst="rect">
+            <a:avLst/>
+          </a:prstGeom>
+          <a:noFill/>
+        </p:spPr>
+        <p:txBody>
+          <a:bodyPr wrap="square" rtlCol="0">
+            <a:spAutoFit/>
+          </a:bodyPr>
+          <a:lstStyle/>
+          <a:p>
+            <a:r>
+              <a:rPr lang="en-US" b="1" dirty="0">
+                <a:solidFill>
+                  <a:schemeClr val="accent5">
+                    <a:lumMod val="75000"/>
+                  </a:schemeClr>
+                </a:solidFill>
+              </a:rPr>
+              <a:t>Delete (CategoryID)</a:t>
+            </a:r>
+            <a:r>
+              <a:rPr lang="en-US" dirty="0">
+                <a:solidFill>
+                  <a:schemeClr val="accent5">
+                    <a:lumMod val="75000"/>
+                  </a:schemeClr>
+                </a:solidFill>
+              </a:rPr>
+              <a:t> </a:t>
+            </a:r>
+          </a:p>
+        </p:txBody>
+      </p:sp>
+      <p:sp>
+        <p:nvSpPr>
+          <p:cNvPr id="66" name="Left Brace 65">
+            <a:extLst>
+              <a:ext uri="{FF2B5EF4-FFF2-40B4-BE49-F238E27FC236}">
+                <a16:creationId xmlns:a16="http://schemas.microsoft.com/office/drawing/2014/main" id="{D939E646-9459-43EE-8223-0FC0DC65EAA5}"/>
               </a:ext>
             </a:extLst>
           </p:cNvPr>
@@ -5025,34 +5807,25 @@
         </p:nvSpPr>
         <p:spPr>
           <a:xfrm>
-            <a:off x="523323" y="2385493"/>
-            <a:ext cx="1650319" cy="1166483"/>
-          </a:xfrm>
-          <a:prstGeom prst="roundRect">
-            <a:avLst/>
-          </a:prstGeom>
-          <a:noFill/>
-          <a:ln>
-            <a:solidFill>
-              <a:srgbClr val="FF0000"/>
-            </a:solidFill>
-            <a:prstDash val="lgDash"/>
-          </a:ln>
+            <a:off x="6148188" y="5020214"/>
+            <a:ext cx="263386" cy="589203"/>
+          </a:xfrm>
+          <a:prstGeom prst="leftBrace">
+            <a:avLst/>
+          </a:prstGeom>
         </p:spPr>
         <p:style>
-          <a:lnRef idx="2">
-            <a:schemeClr val="accent1">
-              <a:shade val="50000"/>
-            </a:schemeClr>
+          <a:lnRef idx="1">
+            <a:schemeClr val="accent1"/>
           </a:lnRef>
-          <a:fillRef idx="1">
+          <a:fillRef idx="0">
             <a:schemeClr val="accent1"/>
           </a:fillRef>
           <a:effectRef idx="0">
             <a:schemeClr val="accent1"/>
           </a:effectRef>
           <a:fontRef idx="minor">
-            <a:schemeClr val="lt1"/>
+            <a:schemeClr val="tx1"/>
           </a:fontRef>
         </p:style>
         <p:txBody>
@@ -5060,1544 +5833,7 @@
           <a:lstStyle/>
           <a:p>
             <a:pPr algn="ctr"/>
-            <a:endParaRPr lang="en-US" sz="1372"/>
-          </a:p>
-        </p:txBody>
-      </p:sp>
-      <p:sp>
-        <p:nvSpPr>
-          <p:cNvPr id="8" name="TextBox 7">
-            <a:extLst>
-              <a:ext uri="{FF2B5EF4-FFF2-40B4-BE49-F238E27FC236}">
-                <a16:creationId xmlns:a16="http://schemas.microsoft.com/office/drawing/2014/main" id="{6E030CF5-7DDC-4244-8A11-14075DB3E152}"/>
-              </a:ext>
-            </a:extLst>
-          </p:cNvPr>
-          <p:cNvSpPr txBox="1"/>
-          <p:nvPr/>
-        </p:nvSpPr>
-        <p:spPr>
-          <a:xfrm>
-            <a:off x="885053" y="2968734"/>
-            <a:ext cx="926857" cy="303481"/>
-          </a:xfrm>
-          <a:prstGeom prst="rect">
-            <a:avLst/>
-          </a:prstGeom>
-          <a:noFill/>
-        </p:spPr>
-        <p:txBody>
-          <a:bodyPr wrap="none" rtlCol="0">
-            <a:spAutoFit/>
-          </a:bodyPr>
-          <a:lstStyle/>
-          <a:p>
-            <a:r>
-              <a:rPr lang="en-US" sz="1372" dirty="0"/>
-              <a:t>Students[]</a:t>
-            </a:r>
-          </a:p>
-        </p:txBody>
-      </p:sp>
-      <p:sp>
-        <p:nvSpPr>
-          <p:cNvPr id="9" name="TextBox 8">
-            <a:extLst>
-              <a:ext uri="{FF2B5EF4-FFF2-40B4-BE49-F238E27FC236}">
-                <a16:creationId xmlns:a16="http://schemas.microsoft.com/office/drawing/2014/main" id="{5084D8B3-64CC-4EA7-8668-F28CE747E603}"/>
-              </a:ext>
-            </a:extLst>
-          </p:cNvPr>
-          <p:cNvSpPr txBox="1"/>
-          <p:nvPr/>
-        </p:nvSpPr>
-        <p:spPr>
-          <a:xfrm>
-            <a:off x="464251" y="3703715"/>
-            <a:ext cx="2183996" cy="303481"/>
-          </a:xfrm>
-          <a:prstGeom prst="rect">
-            <a:avLst/>
-          </a:prstGeom>
-          <a:noFill/>
-        </p:spPr>
-        <p:txBody>
-          <a:bodyPr wrap="none" rtlCol="0">
-            <a:spAutoFit/>
-          </a:bodyPr>
-          <a:lstStyle/>
-          <a:p>
-            <a:r>
-              <a:rPr lang="en-US" sz="1372" dirty="0"/>
-              <a:t>// </a:t>
-            </a:r>
-            <a:r>
-              <a:rPr lang="en-US" sz="1372" dirty="0">
-                <a:solidFill>
-                  <a:srgbClr val="FF0000"/>
-                </a:solidFill>
-              </a:rPr>
-              <a:t>app</a:t>
-            </a:r>
-            <a:r>
-              <a:rPr lang="en-US" sz="1372" dirty="0"/>
-              <a:t> send student to </a:t>
-            </a:r>
-            <a:r>
-              <a:rPr lang="en-US" sz="1372" dirty="0">
-                <a:solidFill>
-                  <a:srgbClr val="FF0000"/>
-                </a:solidFill>
-              </a:rPr>
-              <a:t>card </a:t>
-            </a:r>
-          </a:p>
-        </p:txBody>
-      </p:sp>
-      <p:sp>
-        <p:nvSpPr>
-          <p:cNvPr id="10" name="TextBox 9">
-            <a:extLst>
-              <a:ext uri="{FF2B5EF4-FFF2-40B4-BE49-F238E27FC236}">
-                <a16:creationId xmlns:a16="http://schemas.microsoft.com/office/drawing/2014/main" id="{541C3A3E-B6E1-4A59-87C4-2427EECA7AD7}"/>
-              </a:ext>
-            </a:extLst>
-          </p:cNvPr>
-          <p:cNvSpPr txBox="1"/>
-          <p:nvPr/>
-        </p:nvSpPr>
-        <p:spPr>
-          <a:xfrm>
-            <a:off x="1009380" y="4803105"/>
-            <a:ext cx="848309" cy="303481"/>
-          </a:xfrm>
-          <a:prstGeom prst="rect">
-            <a:avLst/>
-          </a:prstGeom>
-          <a:noFill/>
-        </p:spPr>
-        <p:txBody>
-          <a:bodyPr wrap="none" rtlCol="0">
-            <a:spAutoFit/>
-          </a:bodyPr>
-          <a:lstStyle/>
-          <a:p>
-            <a:r>
-              <a:rPr lang="en-US" sz="1372" b="1" i="1" dirty="0">
-                <a:solidFill>
-                  <a:srgbClr val="FF0000"/>
-                </a:solidFill>
-              </a:rPr>
-              <a:t>&lt;parent&gt;</a:t>
-            </a:r>
-          </a:p>
-        </p:txBody>
-      </p:sp>
-      <p:sp>
-        <p:nvSpPr>
-          <p:cNvPr id="11" name="Rounded Rectangle 12">
-            <a:extLst>
-              <a:ext uri="{FF2B5EF4-FFF2-40B4-BE49-F238E27FC236}">
-                <a16:creationId xmlns:a16="http://schemas.microsoft.com/office/drawing/2014/main" id="{625DAE75-21DE-4BA7-A177-D0FC88D98B10}"/>
-              </a:ext>
-            </a:extLst>
-          </p:cNvPr>
-          <p:cNvSpPr/>
-          <p:nvPr/>
-        </p:nvSpPr>
-        <p:spPr>
-          <a:xfrm>
-            <a:off x="523323" y="4632524"/>
-            <a:ext cx="1650319" cy="1166483"/>
-          </a:xfrm>
-          <a:prstGeom prst="roundRect">
-            <a:avLst/>
-          </a:prstGeom>
-          <a:noFill/>
-          <a:ln>
-            <a:solidFill>
-              <a:srgbClr val="FF0000"/>
-            </a:solidFill>
-            <a:prstDash val="lgDash"/>
-          </a:ln>
-        </p:spPr>
-        <p:style>
-          <a:lnRef idx="2">
-            <a:schemeClr val="accent1">
-              <a:shade val="50000"/>
-            </a:schemeClr>
-          </a:lnRef>
-          <a:fillRef idx="1">
-            <a:schemeClr val="accent1"/>
-          </a:fillRef>
-          <a:effectRef idx="0">
-            <a:schemeClr val="accent1"/>
-          </a:effectRef>
-          <a:fontRef idx="minor">
-            <a:schemeClr val="lt1"/>
-          </a:fontRef>
-        </p:style>
-        <p:txBody>
-          <a:bodyPr rtlCol="0" anchor="ctr"/>
-          <a:lstStyle/>
-          <a:p>
-            <a:pPr algn="ctr"/>
-            <a:endParaRPr lang="en-US" sz="1372"/>
-          </a:p>
-        </p:txBody>
-      </p:sp>
-      <p:sp>
-        <p:nvSpPr>
-          <p:cNvPr id="12" name="TextBox 11">
-            <a:extLst>
-              <a:ext uri="{FF2B5EF4-FFF2-40B4-BE49-F238E27FC236}">
-                <a16:creationId xmlns:a16="http://schemas.microsoft.com/office/drawing/2014/main" id="{D1A03BCC-6E3E-4908-818F-54703030358E}"/>
-              </a:ext>
-            </a:extLst>
-          </p:cNvPr>
-          <p:cNvSpPr txBox="1"/>
-          <p:nvPr/>
-        </p:nvSpPr>
-        <p:spPr>
-          <a:xfrm>
-            <a:off x="885053" y="5215765"/>
-            <a:ext cx="926857" cy="303481"/>
-          </a:xfrm>
-          <a:prstGeom prst="rect">
-            <a:avLst/>
-          </a:prstGeom>
-          <a:noFill/>
-        </p:spPr>
-        <p:txBody>
-          <a:bodyPr wrap="none" rtlCol="0">
-            <a:spAutoFit/>
-          </a:bodyPr>
-          <a:lstStyle/>
-          <a:p>
-            <a:r>
-              <a:rPr lang="en-US" sz="1372" dirty="0"/>
-              <a:t>Students[]</a:t>
-            </a:r>
-          </a:p>
-        </p:txBody>
-      </p:sp>
-      <p:sp>
-        <p:nvSpPr>
-          <p:cNvPr id="13" name="TextBox 12">
-            <a:extLst>
-              <a:ext uri="{FF2B5EF4-FFF2-40B4-BE49-F238E27FC236}">
-                <a16:creationId xmlns:a16="http://schemas.microsoft.com/office/drawing/2014/main" id="{B7ADA80F-5CC8-49D5-A6CE-C1D795BB8C06}"/>
-              </a:ext>
-            </a:extLst>
-          </p:cNvPr>
-          <p:cNvSpPr txBox="1"/>
-          <p:nvPr/>
-        </p:nvSpPr>
-        <p:spPr>
-          <a:xfrm>
-            <a:off x="394083" y="6064417"/>
-            <a:ext cx="3216522" cy="303481"/>
-          </a:xfrm>
-          <a:prstGeom prst="rect">
-            <a:avLst/>
-          </a:prstGeom>
-          <a:noFill/>
-        </p:spPr>
-        <p:txBody>
-          <a:bodyPr wrap="none" rtlCol="0">
-            <a:spAutoFit/>
-          </a:bodyPr>
-          <a:lstStyle/>
-          <a:p>
-            <a:r>
-              <a:rPr lang="en-US" sz="1372" dirty="0"/>
-              <a:t>// </a:t>
-            </a:r>
-            <a:r>
-              <a:rPr lang="en-US" sz="1372" dirty="0">
-                <a:solidFill>
-                  <a:srgbClr val="FF0000"/>
-                </a:solidFill>
-              </a:rPr>
-              <a:t>from</a:t>
-            </a:r>
-            <a:r>
-              <a:rPr lang="en-US" sz="1372" dirty="0"/>
-              <a:t> send the event validated to </a:t>
-            </a:r>
-            <a:r>
-              <a:rPr lang="en-US" sz="1372" dirty="0">
-                <a:solidFill>
-                  <a:srgbClr val="FF0000"/>
-                </a:solidFill>
-              </a:rPr>
-              <a:t>parent</a:t>
-            </a:r>
-          </a:p>
-        </p:txBody>
-      </p:sp>
-      <p:sp>
-        <p:nvSpPr>
-          <p:cNvPr id="14" name="Rounded Rectangle 16">
-            <a:extLst>
-              <a:ext uri="{FF2B5EF4-FFF2-40B4-BE49-F238E27FC236}">
-                <a16:creationId xmlns:a16="http://schemas.microsoft.com/office/drawing/2014/main" id="{2EBC50CE-27D6-4BE3-B663-2594DA9D318A}"/>
-              </a:ext>
-            </a:extLst>
-          </p:cNvPr>
-          <p:cNvSpPr/>
-          <p:nvPr/>
-        </p:nvSpPr>
-        <p:spPr>
-          <a:xfrm>
-            <a:off x="3056973" y="2408786"/>
-            <a:ext cx="1650319" cy="1166483"/>
-          </a:xfrm>
-          <a:prstGeom prst="roundRect">
-            <a:avLst/>
-          </a:prstGeom>
-          <a:noFill/>
-          <a:ln>
-            <a:solidFill>
-              <a:srgbClr val="FF0000"/>
-            </a:solidFill>
-            <a:prstDash val="lgDash"/>
-          </a:ln>
-        </p:spPr>
-        <p:style>
-          <a:lnRef idx="2">
-            <a:schemeClr val="accent1">
-              <a:shade val="50000"/>
-            </a:schemeClr>
-          </a:lnRef>
-          <a:fillRef idx="1">
-            <a:schemeClr val="accent1"/>
-          </a:fillRef>
-          <a:effectRef idx="0">
-            <a:schemeClr val="accent1"/>
-          </a:effectRef>
-          <a:fontRef idx="minor">
-            <a:schemeClr val="lt1"/>
-          </a:fontRef>
-        </p:style>
-        <p:txBody>
-          <a:bodyPr rtlCol="0" anchor="ctr"/>
-          <a:lstStyle/>
-          <a:p>
-            <a:pPr algn="ctr"/>
-            <a:endParaRPr lang="en-US" sz="1372"/>
-          </a:p>
-        </p:txBody>
-      </p:sp>
-      <p:sp>
-        <p:nvSpPr>
-          <p:cNvPr id="15" name="TextBox 14">
-            <a:extLst>
-              <a:ext uri="{FF2B5EF4-FFF2-40B4-BE49-F238E27FC236}">
-                <a16:creationId xmlns:a16="http://schemas.microsoft.com/office/drawing/2014/main" id="{125C6BF3-520A-477F-9675-462B20A1D80F}"/>
-              </a:ext>
-            </a:extLst>
-          </p:cNvPr>
-          <p:cNvSpPr txBox="1"/>
-          <p:nvPr/>
-        </p:nvSpPr>
-        <p:spPr>
-          <a:xfrm>
-            <a:off x="3418703" y="2992027"/>
-            <a:ext cx="926857" cy="303481"/>
-          </a:xfrm>
-          <a:prstGeom prst="rect">
-            <a:avLst/>
-          </a:prstGeom>
-          <a:noFill/>
-        </p:spPr>
-        <p:txBody>
-          <a:bodyPr wrap="none" rtlCol="0">
-            <a:spAutoFit/>
-          </a:bodyPr>
-          <a:lstStyle/>
-          <a:p>
-            <a:r>
-              <a:rPr lang="en-US" sz="1372" dirty="0"/>
-              <a:t>Students[]</a:t>
-            </a:r>
-          </a:p>
-        </p:txBody>
-      </p:sp>
-      <p:sp>
-        <p:nvSpPr>
-          <p:cNvPr id="16" name="TextBox 15">
-            <a:extLst>
-              <a:ext uri="{FF2B5EF4-FFF2-40B4-BE49-F238E27FC236}">
-                <a16:creationId xmlns:a16="http://schemas.microsoft.com/office/drawing/2014/main" id="{42A3787B-9BEE-449B-9467-065235398377}"/>
-              </a:ext>
-            </a:extLst>
-          </p:cNvPr>
-          <p:cNvSpPr txBox="1"/>
-          <p:nvPr/>
-        </p:nvSpPr>
-        <p:spPr>
-          <a:xfrm>
-            <a:off x="3666083" y="4779442"/>
-            <a:ext cx="713657" cy="303481"/>
-          </a:xfrm>
-          <a:prstGeom prst="rect">
-            <a:avLst/>
-          </a:prstGeom>
-          <a:noFill/>
-        </p:spPr>
-        <p:txBody>
-          <a:bodyPr wrap="none" rtlCol="0">
-            <a:spAutoFit/>
-          </a:bodyPr>
-          <a:lstStyle/>
-          <a:p>
-            <a:r>
-              <a:rPr lang="en-US" sz="1372" b="1" i="1" dirty="0">
-                <a:solidFill>
-                  <a:srgbClr val="FF0000"/>
-                </a:solidFill>
-              </a:rPr>
-              <a:t>&lt;from&gt;</a:t>
-            </a:r>
-          </a:p>
-        </p:txBody>
-      </p:sp>
-      <p:sp>
-        <p:nvSpPr>
-          <p:cNvPr id="17" name="Rounded Rectangle 19">
-            <a:extLst>
-              <a:ext uri="{FF2B5EF4-FFF2-40B4-BE49-F238E27FC236}">
-                <a16:creationId xmlns:a16="http://schemas.microsoft.com/office/drawing/2014/main" id="{0FB69B4B-AB0B-4EDE-81FC-FD81247E236F}"/>
-              </a:ext>
-            </a:extLst>
-          </p:cNvPr>
-          <p:cNvSpPr/>
-          <p:nvPr/>
-        </p:nvSpPr>
-        <p:spPr>
-          <a:xfrm>
-            <a:off x="3180026" y="4608861"/>
-            <a:ext cx="1650319" cy="1166483"/>
-          </a:xfrm>
-          <a:prstGeom prst="roundRect">
-            <a:avLst/>
-          </a:prstGeom>
-          <a:noFill/>
-          <a:ln>
-            <a:solidFill>
-              <a:srgbClr val="FF0000"/>
-            </a:solidFill>
-            <a:prstDash val="lgDash"/>
-          </a:ln>
-        </p:spPr>
-        <p:style>
-          <a:lnRef idx="2">
-            <a:schemeClr val="accent1">
-              <a:shade val="50000"/>
-            </a:schemeClr>
-          </a:lnRef>
-          <a:fillRef idx="1">
-            <a:schemeClr val="accent1"/>
-          </a:fillRef>
-          <a:effectRef idx="0">
-            <a:schemeClr val="accent1"/>
-          </a:effectRef>
-          <a:fontRef idx="minor">
-            <a:schemeClr val="lt1"/>
-          </a:fontRef>
-        </p:style>
-        <p:txBody>
-          <a:bodyPr rtlCol="0" anchor="ctr"/>
-          <a:lstStyle/>
-          <a:p>
-            <a:pPr algn="ctr"/>
-            <a:endParaRPr lang="en-US" sz="1372"/>
-          </a:p>
-        </p:txBody>
-      </p:sp>
-      <p:sp>
-        <p:nvSpPr>
-          <p:cNvPr id="18" name="TextBox 17">
-            <a:extLst>
-              <a:ext uri="{FF2B5EF4-FFF2-40B4-BE49-F238E27FC236}">
-                <a16:creationId xmlns:a16="http://schemas.microsoft.com/office/drawing/2014/main" id="{38D33FCE-1AE5-4758-BE63-F76BDF44EF7E}"/>
-              </a:ext>
-            </a:extLst>
-          </p:cNvPr>
-          <p:cNvSpPr txBox="1"/>
-          <p:nvPr/>
-        </p:nvSpPr>
-        <p:spPr>
-          <a:xfrm>
-            <a:off x="3541756" y="5192102"/>
-            <a:ext cx="926857" cy="303481"/>
-          </a:xfrm>
-          <a:prstGeom prst="rect">
-            <a:avLst/>
-          </a:prstGeom>
-          <a:noFill/>
-        </p:spPr>
-        <p:txBody>
-          <a:bodyPr wrap="none" rtlCol="0">
-            <a:spAutoFit/>
-          </a:bodyPr>
-          <a:lstStyle/>
-          <a:p>
-            <a:r>
-              <a:rPr lang="en-US" sz="1372" dirty="0"/>
-              <a:t>Students[]</a:t>
-            </a:r>
-          </a:p>
-        </p:txBody>
-      </p:sp>
-      <p:sp>
-        <p:nvSpPr>
-          <p:cNvPr id="19" name="Right Arrow 21">
-            <a:extLst>
-              <a:ext uri="{FF2B5EF4-FFF2-40B4-BE49-F238E27FC236}">
-                <a16:creationId xmlns:a16="http://schemas.microsoft.com/office/drawing/2014/main" id="{11AF56B1-96DC-41B8-8D8C-0776BA12849C}"/>
-              </a:ext>
-            </a:extLst>
-          </p:cNvPr>
-          <p:cNvSpPr/>
-          <p:nvPr/>
-        </p:nvSpPr>
-        <p:spPr>
-          <a:xfrm>
-            <a:off x="2197551" y="2768367"/>
-            <a:ext cx="696809" cy="333683"/>
-          </a:xfrm>
-          <a:prstGeom prst="rightArrow">
-            <a:avLst/>
-          </a:prstGeom>
-          <a:solidFill>
-            <a:schemeClr val="accent6"/>
-          </a:solidFill>
-        </p:spPr>
-        <p:style>
-          <a:lnRef idx="2">
-            <a:schemeClr val="accent1">
-              <a:shade val="50000"/>
-            </a:schemeClr>
-          </a:lnRef>
-          <a:fillRef idx="1">
-            <a:schemeClr val="accent1"/>
-          </a:fillRef>
-          <a:effectRef idx="0">
-            <a:schemeClr val="accent1"/>
-          </a:effectRef>
-          <a:fontRef idx="minor">
-            <a:schemeClr val="lt1"/>
-          </a:fontRef>
-        </p:style>
-        <p:txBody>
-          <a:bodyPr rot="0" spcFirstLastPara="0" vertOverflow="overflow" horzOverflow="overflow" vert="horz" wrap="square" lIns="69681" tIns="34840" rIns="69681" bIns="34840" numCol="1" spcCol="0" rtlCol="0" fromWordArt="0" anchor="ctr" anchorCtr="0" forceAA="0" compatLnSpc="1">
-            <a:prstTxWarp prst="textNoShape">
-              <a:avLst/>
-            </a:prstTxWarp>
-            <a:noAutofit/>
-          </a:bodyPr>
-          <a:lstStyle/>
-          <a:p>
-            <a:pPr algn="ctr"/>
-            <a:endParaRPr lang="en-US" sz="1372"/>
-          </a:p>
-        </p:txBody>
-      </p:sp>
-      <p:sp>
-        <p:nvSpPr>
-          <p:cNvPr id="20" name="TextBox 19">
-            <a:extLst>
-              <a:ext uri="{FF2B5EF4-FFF2-40B4-BE49-F238E27FC236}">
-                <a16:creationId xmlns:a16="http://schemas.microsoft.com/office/drawing/2014/main" id="{F9FA7AF7-7029-4FAD-AEAB-43FD1F3C9F6E}"/>
-              </a:ext>
-            </a:extLst>
-          </p:cNvPr>
-          <p:cNvSpPr txBox="1"/>
-          <p:nvPr/>
-        </p:nvSpPr>
-        <p:spPr>
-          <a:xfrm>
-            <a:off x="2156606" y="3120474"/>
-            <a:ext cx="735714" cy="303481"/>
-          </a:xfrm>
-          <a:prstGeom prst="rect">
-            <a:avLst/>
-          </a:prstGeom>
-          <a:noFill/>
-        </p:spPr>
-        <p:txBody>
-          <a:bodyPr wrap="none" rtlCol="0">
-            <a:spAutoFit/>
-          </a:bodyPr>
-          <a:lstStyle/>
-          <a:p>
-            <a:r>
-              <a:rPr lang="en-US" sz="1372" dirty="0"/>
-              <a:t>student</a:t>
-            </a:r>
-          </a:p>
-        </p:txBody>
-      </p:sp>
-      <p:sp>
-        <p:nvSpPr>
-          <p:cNvPr id="21" name="TextBox 20">
-            <a:extLst>
-              <a:ext uri="{FF2B5EF4-FFF2-40B4-BE49-F238E27FC236}">
-                <a16:creationId xmlns:a16="http://schemas.microsoft.com/office/drawing/2014/main" id="{407189FE-7FDE-4A31-8D55-FA42B431838C}"/>
-              </a:ext>
-            </a:extLst>
-          </p:cNvPr>
-          <p:cNvSpPr txBox="1"/>
-          <p:nvPr/>
-        </p:nvSpPr>
-        <p:spPr>
-          <a:xfrm>
-            <a:off x="2188492" y="2550268"/>
-            <a:ext cx="670248" cy="303481"/>
-          </a:xfrm>
-          <a:prstGeom prst="rect">
-            <a:avLst/>
-          </a:prstGeom>
-          <a:noFill/>
-        </p:spPr>
-        <p:txBody>
-          <a:bodyPr wrap="none" rtlCol="0">
-            <a:spAutoFit/>
-          </a:bodyPr>
-          <a:lstStyle/>
-          <a:p>
-            <a:r>
-              <a:rPr lang="en-US" sz="1372" b="1" dirty="0">
-                <a:solidFill>
-                  <a:schemeClr val="accent6"/>
-                </a:solidFill>
-              </a:rPr>
-              <a:t>PROPS</a:t>
-            </a:r>
-          </a:p>
-        </p:txBody>
-      </p:sp>
-      <p:sp>
-        <p:nvSpPr>
-          <p:cNvPr id="22" name="TextBox 21">
-            <a:extLst>
-              <a:ext uri="{FF2B5EF4-FFF2-40B4-BE49-F238E27FC236}">
-                <a16:creationId xmlns:a16="http://schemas.microsoft.com/office/drawing/2014/main" id="{073B8474-03C4-4040-ADA5-416574714512}"/>
-              </a:ext>
-            </a:extLst>
-          </p:cNvPr>
-          <p:cNvSpPr txBox="1"/>
-          <p:nvPr/>
-        </p:nvSpPr>
-        <p:spPr>
-          <a:xfrm>
-            <a:off x="3562171" y="2587817"/>
-            <a:ext cx="680251" cy="303481"/>
-          </a:xfrm>
-          <a:prstGeom prst="rect">
-            <a:avLst/>
-          </a:prstGeom>
-          <a:noFill/>
-        </p:spPr>
-        <p:txBody>
-          <a:bodyPr wrap="none" rtlCol="0">
-            <a:spAutoFit/>
-          </a:bodyPr>
-          <a:lstStyle/>
-          <a:p>
-            <a:r>
-              <a:rPr lang="en-US" sz="1372" b="1" i="1" dirty="0">
-                <a:solidFill>
-                  <a:srgbClr val="FF0000"/>
-                </a:solidFill>
-              </a:rPr>
-              <a:t>&lt;card&gt;</a:t>
-            </a:r>
-          </a:p>
-        </p:txBody>
-      </p:sp>
-      <p:sp>
-        <p:nvSpPr>
-          <p:cNvPr id="23" name="Right Arrow 25">
-            <a:extLst>
-              <a:ext uri="{FF2B5EF4-FFF2-40B4-BE49-F238E27FC236}">
-                <a16:creationId xmlns:a16="http://schemas.microsoft.com/office/drawing/2014/main" id="{F3694EBF-C810-4C8A-8723-8C523305EA14}"/>
-              </a:ext>
-            </a:extLst>
-          </p:cNvPr>
-          <p:cNvSpPr/>
-          <p:nvPr/>
-        </p:nvSpPr>
-        <p:spPr>
-          <a:xfrm flipH="1">
-            <a:off x="2387600" y="5000637"/>
-            <a:ext cx="792424" cy="400041"/>
-          </a:xfrm>
-          <a:prstGeom prst="rightArrow">
-            <a:avLst/>
-          </a:prstGeom>
-          <a:solidFill>
-            <a:srgbClr val="FF0000"/>
-          </a:solidFill>
-        </p:spPr>
-        <p:style>
-          <a:lnRef idx="2">
-            <a:schemeClr val="accent1">
-              <a:shade val="50000"/>
-            </a:schemeClr>
-          </a:lnRef>
-          <a:fillRef idx="1">
-            <a:schemeClr val="accent1"/>
-          </a:fillRef>
-          <a:effectRef idx="0">
-            <a:schemeClr val="accent1"/>
-          </a:effectRef>
-          <a:fontRef idx="minor">
-            <a:schemeClr val="lt1"/>
-          </a:fontRef>
-        </p:style>
-        <p:txBody>
-          <a:bodyPr rot="0" spcFirstLastPara="0" vertOverflow="overflow" horzOverflow="overflow" vert="horz" wrap="square" lIns="69681" tIns="34840" rIns="69681" bIns="34840" numCol="1" spcCol="0" rtlCol="0" fromWordArt="0" anchor="ctr" anchorCtr="0" forceAA="0" compatLnSpc="1">
-            <a:prstTxWarp prst="textNoShape">
-              <a:avLst/>
-            </a:prstTxWarp>
-            <a:noAutofit/>
-          </a:bodyPr>
-          <a:lstStyle/>
-          <a:p>
-            <a:pPr algn="ctr"/>
-            <a:endParaRPr lang="en-US" sz="1372"/>
-          </a:p>
-        </p:txBody>
-      </p:sp>
-      <p:sp>
-        <p:nvSpPr>
-          <p:cNvPr id="24" name="TextBox 23">
-            <a:extLst>
-              <a:ext uri="{FF2B5EF4-FFF2-40B4-BE49-F238E27FC236}">
-                <a16:creationId xmlns:a16="http://schemas.microsoft.com/office/drawing/2014/main" id="{F31AC002-76E2-443A-A4A1-F45DDF21A5C6}"/>
-              </a:ext>
-            </a:extLst>
-          </p:cNvPr>
-          <p:cNvSpPr txBox="1"/>
-          <p:nvPr/>
-        </p:nvSpPr>
-        <p:spPr>
-          <a:xfrm>
-            <a:off x="2523616" y="5336639"/>
-            <a:ext cx="701474" cy="303481"/>
-          </a:xfrm>
-          <a:prstGeom prst="rect">
-            <a:avLst/>
-          </a:prstGeom>
-          <a:noFill/>
-        </p:spPr>
-        <p:txBody>
-          <a:bodyPr wrap="none" rtlCol="0">
-            <a:spAutoFit/>
-          </a:bodyPr>
-          <a:lstStyle/>
-          <a:p>
-            <a:r>
-              <a:rPr lang="en-US" sz="1372" dirty="0" err="1"/>
-              <a:t>valided</a:t>
-            </a:r>
-            <a:endParaRPr lang="en-US" sz="1372" dirty="0"/>
-          </a:p>
-        </p:txBody>
-      </p:sp>
-      <p:sp>
-        <p:nvSpPr>
-          <p:cNvPr id="25" name="TextBox 24">
-            <a:extLst>
-              <a:ext uri="{FF2B5EF4-FFF2-40B4-BE49-F238E27FC236}">
-                <a16:creationId xmlns:a16="http://schemas.microsoft.com/office/drawing/2014/main" id="{080F04F8-6F00-48B8-BA6A-9F7D8C669E67}"/>
-              </a:ext>
-            </a:extLst>
-          </p:cNvPr>
-          <p:cNvSpPr txBox="1"/>
-          <p:nvPr/>
-        </p:nvSpPr>
-        <p:spPr>
-          <a:xfrm>
-            <a:off x="2574806" y="4621286"/>
-            <a:ext cx="558166" cy="303481"/>
-          </a:xfrm>
-          <a:prstGeom prst="rect">
-            <a:avLst/>
-          </a:prstGeom>
-          <a:noFill/>
-        </p:spPr>
-        <p:txBody>
-          <a:bodyPr wrap="none" rtlCol="0">
-            <a:spAutoFit/>
-          </a:bodyPr>
-          <a:lstStyle/>
-          <a:p>
-            <a:r>
-              <a:rPr lang="en-US" sz="1372" b="1" dirty="0">
-                <a:solidFill>
-                  <a:srgbClr val="FF0000"/>
-                </a:solidFill>
-              </a:rPr>
-              <a:t>EMIT</a:t>
-            </a:r>
-          </a:p>
-        </p:txBody>
-      </p:sp>
-      <p:sp>
-        <p:nvSpPr>
-          <p:cNvPr id="26" name="TextBox 25">
-            <a:extLst>
-              <a:ext uri="{FF2B5EF4-FFF2-40B4-BE49-F238E27FC236}">
-                <a16:creationId xmlns:a16="http://schemas.microsoft.com/office/drawing/2014/main" id="{24186A1F-AB7A-4DAF-9291-8F25DCCF42CD}"/>
-              </a:ext>
-            </a:extLst>
-          </p:cNvPr>
-          <p:cNvSpPr txBox="1"/>
-          <p:nvPr/>
-        </p:nvSpPr>
-        <p:spPr>
-          <a:xfrm>
-            <a:off x="6720447" y="481416"/>
-            <a:ext cx="639919" cy="303481"/>
-          </a:xfrm>
-          <a:prstGeom prst="rect">
-            <a:avLst/>
-          </a:prstGeom>
-          <a:noFill/>
-        </p:spPr>
-        <p:txBody>
-          <a:bodyPr wrap="none" rtlCol="0">
-            <a:spAutoFit/>
-          </a:bodyPr>
-          <a:lstStyle/>
-          <a:p>
-            <a:r>
-              <a:rPr lang="en-US" sz="1372" b="1" i="1" dirty="0">
-                <a:solidFill>
-                  <a:srgbClr val="FF0000"/>
-                </a:solidFill>
-              </a:rPr>
-              <a:t>&lt;app&gt;</a:t>
-            </a:r>
-          </a:p>
-        </p:txBody>
-      </p:sp>
-      <p:sp>
-        <p:nvSpPr>
-          <p:cNvPr id="27" name="Rounded Rectangle 31">
-            <a:extLst>
-              <a:ext uri="{FF2B5EF4-FFF2-40B4-BE49-F238E27FC236}">
-                <a16:creationId xmlns:a16="http://schemas.microsoft.com/office/drawing/2014/main" id="{C4D7C439-C920-4BA1-B74C-3DCA6068EC2C}"/>
-              </a:ext>
-            </a:extLst>
-          </p:cNvPr>
-          <p:cNvSpPr/>
-          <p:nvPr/>
-        </p:nvSpPr>
-        <p:spPr>
-          <a:xfrm>
-            <a:off x="6234390" y="310835"/>
-            <a:ext cx="1650319" cy="1166483"/>
-          </a:xfrm>
-          <a:prstGeom prst="roundRect">
-            <a:avLst/>
-          </a:prstGeom>
-          <a:noFill/>
-          <a:ln>
-            <a:solidFill>
-              <a:srgbClr val="FF0000"/>
-            </a:solidFill>
-            <a:prstDash val="lgDash"/>
-          </a:ln>
-        </p:spPr>
-        <p:style>
-          <a:lnRef idx="2">
-            <a:schemeClr val="accent1">
-              <a:shade val="50000"/>
-            </a:schemeClr>
-          </a:lnRef>
-          <a:fillRef idx="1">
-            <a:schemeClr val="accent1"/>
-          </a:fillRef>
-          <a:effectRef idx="0">
-            <a:schemeClr val="accent1"/>
-          </a:effectRef>
-          <a:fontRef idx="minor">
-            <a:schemeClr val="lt1"/>
-          </a:fontRef>
-        </p:style>
-        <p:txBody>
-          <a:bodyPr rtlCol="0" anchor="ctr"/>
-          <a:lstStyle/>
-          <a:p>
-            <a:pPr algn="ctr"/>
-            <a:endParaRPr lang="en-US" sz="1372"/>
-          </a:p>
-        </p:txBody>
-      </p:sp>
-      <p:sp>
-        <p:nvSpPr>
-          <p:cNvPr id="28" name="TextBox 27">
-            <a:extLst>
-              <a:ext uri="{FF2B5EF4-FFF2-40B4-BE49-F238E27FC236}">
-                <a16:creationId xmlns:a16="http://schemas.microsoft.com/office/drawing/2014/main" id="{330A1178-90E9-4024-B1C1-DCF6B1363376}"/>
-              </a:ext>
-            </a:extLst>
-          </p:cNvPr>
-          <p:cNvSpPr txBox="1"/>
-          <p:nvPr/>
-        </p:nvSpPr>
-        <p:spPr>
-          <a:xfrm>
-            <a:off x="6596120" y="894076"/>
-            <a:ext cx="926857" cy="303481"/>
-          </a:xfrm>
-          <a:prstGeom prst="rect">
-            <a:avLst/>
-          </a:prstGeom>
-          <a:noFill/>
-        </p:spPr>
-        <p:txBody>
-          <a:bodyPr wrap="none" rtlCol="0">
-            <a:spAutoFit/>
-          </a:bodyPr>
-          <a:lstStyle/>
-          <a:p>
-            <a:r>
-              <a:rPr lang="en-US" sz="1372" dirty="0"/>
-              <a:t>Students[]</a:t>
-            </a:r>
-          </a:p>
-        </p:txBody>
-      </p:sp>
-      <p:sp>
-        <p:nvSpPr>
-          <p:cNvPr id="29" name="TextBox 28">
-            <a:extLst>
-              <a:ext uri="{FF2B5EF4-FFF2-40B4-BE49-F238E27FC236}">
-                <a16:creationId xmlns:a16="http://schemas.microsoft.com/office/drawing/2014/main" id="{076EE6A3-EF55-4EAC-AB50-A0596B11368B}"/>
-              </a:ext>
-            </a:extLst>
-          </p:cNvPr>
-          <p:cNvSpPr txBox="1"/>
-          <p:nvPr/>
-        </p:nvSpPr>
-        <p:spPr>
-          <a:xfrm>
-            <a:off x="6234390" y="1613780"/>
-            <a:ext cx="2858411" cy="303481"/>
-          </a:xfrm>
-          <a:prstGeom prst="rect">
-            <a:avLst/>
-          </a:prstGeom>
-          <a:noFill/>
-        </p:spPr>
-        <p:txBody>
-          <a:bodyPr wrap="none" rtlCol="0">
-            <a:spAutoFit/>
-          </a:bodyPr>
-          <a:lstStyle/>
-          <a:p>
-            <a:r>
-              <a:rPr lang="en-US" sz="1372" dirty="0"/>
-              <a:t>// </a:t>
-            </a:r>
-            <a:r>
-              <a:rPr lang="en-US" sz="1372" dirty="0">
-                <a:solidFill>
-                  <a:srgbClr val="FF0000"/>
-                </a:solidFill>
-              </a:rPr>
-              <a:t>app</a:t>
-            </a:r>
-            <a:r>
-              <a:rPr lang="en-US" sz="1372" dirty="0"/>
-              <a:t>  provides students to anymore</a:t>
-            </a:r>
-            <a:endParaRPr lang="en-US" sz="1372" dirty="0">
-              <a:solidFill>
-                <a:srgbClr val="FF0000"/>
-              </a:solidFill>
-            </a:endParaRPr>
-          </a:p>
-        </p:txBody>
-      </p:sp>
-      <p:sp>
-        <p:nvSpPr>
-          <p:cNvPr id="30" name="Rounded Rectangle 34">
-            <a:extLst>
-              <a:ext uri="{FF2B5EF4-FFF2-40B4-BE49-F238E27FC236}">
-                <a16:creationId xmlns:a16="http://schemas.microsoft.com/office/drawing/2014/main" id="{88CF0874-17C9-4576-90D6-6664A3945CF5}"/>
-              </a:ext>
-            </a:extLst>
-          </p:cNvPr>
-          <p:cNvSpPr/>
-          <p:nvPr/>
-        </p:nvSpPr>
-        <p:spPr>
-          <a:xfrm>
-            <a:off x="9792269" y="2129025"/>
-            <a:ext cx="1650319" cy="1166483"/>
-          </a:xfrm>
-          <a:prstGeom prst="roundRect">
-            <a:avLst/>
-          </a:prstGeom>
-          <a:noFill/>
-          <a:ln>
-            <a:solidFill>
-              <a:srgbClr val="FF0000"/>
-            </a:solidFill>
-            <a:prstDash val="lgDash"/>
-          </a:ln>
-        </p:spPr>
-        <p:style>
-          <a:lnRef idx="2">
-            <a:schemeClr val="accent1">
-              <a:shade val="50000"/>
-            </a:schemeClr>
-          </a:lnRef>
-          <a:fillRef idx="1">
-            <a:schemeClr val="accent1"/>
-          </a:fillRef>
-          <a:effectRef idx="0">
-            <a:schemeClr val="accent1"/>
-          </a:effectRef>
-          <a:fontRef idx="minor">
-            <a:schemeClr val="lt1"/>
-          </a:fontRef>
-        </p:style>
-        <p:txBody>
-          <a:bodyPr rtlCol="0" anchor="ctr"/>
-          <a:lstStyle/>
-          <a:p>
-            <a:pPr algn="ctr"/>
-            <a:endParaRPr lang="en-US" sz="1372"/>
-          </a:p>
-        </p:txBody>
-      </p:sp>
-      <p:sp>
-        <p:nvSpPr>
-          <p:cNvPr id="31" name="TextBox 30">
-            <a:extLst>
-              <a:ext uri="{FF2B5EF4-FFF2-40B4-BE49-F238E27FC236}">
-                <a16:creationId xmlns:a16="http://schemas.microsoft.com/office/drawing/2014/main" id="{DFED9F04-27DF-462D-B4DE-BC5C3404884B}"/>
-              </a:ext>
-            </a:extLst>
-          </p:cNvPr>
-          <p:cNvSpPr txBox="1"/>
-          <p:nvPr/>
-        </p:nvSpPr>
-        <p:spPr>
-          <a:xfrm>
-            <a:off x="10153999" y="2712266"/>
-            <a:ext cx="926857" cy="303481"/>
-          </a:xfrm>
-          <a:prstGeom prst="rect">
-            <a:avLst/>
-          </a:prstGeom>
-          <a:noFill/>
-        </p:spPr>
-        <p:txBody>
-          <a:bodyPr wrap="none" rtlCol="0">
-            <a:spAutoFit/>
-          </a:bodyPr>
-          <a:lstStyle/>
-          <a:p>
-            <a:r>
-              <a:rPr lang="en-US" sz="1372" dirty="0"/>
-              <a:t>Students[]</a:t>
-            </a:r>
-          </a:p>
-        </p:txBody>
-      </p:sp>
-      <p:sp>
-        <p:nvSpPr>
-          <p:cNvPr id="32" name="TextBox 31">
-            <a:extLst>
-              <a:ext uri="{FF2B5EF4-FFF2-40B4-BE49-F238E27FC236}">
-                <a16:creationId xmlns:a16="http://schemas.microsoft.com/office/drawing/2014/main" id="{FB241677-0696-433F-BACD-6A8162B290FC}"/>
-              </a:ext>
-            </a:extLst>
-          </p:cNvPr>
-          <p:cNvSpPr txBox="1"/>
-          <p:nvPr/>
-        </p:nvSpPr>
-        <p:spPr>
-          <a:xfrm>
-            <a:off x="10297467" y="2308056"/>
-            <a:ext cx="819455" cy="303481"/>
-          </a:xfrm>
-          <a:prstGeom prst="rect">
-            <a:avLst/>
-          </a:prstGeom>
-          <a:noFill/>
-        </p:spPr>
-        <p:txBody>
-          <a:bodyPr wrap="none" rtlCol="0">
-            <a:spAutoFit/>
-          </a:bodyPr>
-          <a:lstStyle/>
-          <a:p>
-            <a:r>
-              <a:rPr lang="en-US" sz="1372" b="1" i="1" dirty="0">
-                <a:solidFill>
-                  <a:srgbClr val="FF0000"/>
-                </a:solidFill>
-              </a:rPr>
-              <a:t>&lt;dialog&gt;</a:t>
-            </a:r>
-          </a:p>
-        </p:txBody>
-      </p:sp>
-      <p:sp>
-        <p:nvSpPr>
-          <p:cNvPr id="33" name="Right Arrow 40">
-            <a:extLst>
-              <a:ext uri="{FF2B5EF4-FFF2-40B4-BE49-F238E27FC236}">
-                <a16:creationId xmlns:a16="http://schemas.microsoft.com/office/drawing/2014/main" id="{CCCDDF96-572D-4619-BBF7-EBA1C6CA0533}"/>
-              </a:ext>
-            </a:extLst>
-          </p:cNvPr>
-          <p:cNvSpPr/>
-          <p:nvPr/>
-        </p:nvSpPr>
-        <p:spPr>
-          <a:xfrm>
-            <a:off x="7846423" y="727951"/>
-            <a:ext cx="696809" cy="333683"/>
-          </a:xfrm>
-          <a:prstGeom prst="rightArrow">
-            <a:avLst/>
-          </a:prstGeom>
-          <a:solidFill>
-            <a:srgbClr val="FFFF00"/>
-          </a:solidFill>
-        </p:spPr>
-        <p:style>
-          <a:lnRef idx="2">
-            <a:schemeClr val="accent1">
-              <a:shade val="50000"/>
-            </a:schemeClr>
-          </a:lnRef>
-          <a:fillRef idx="1">
-            <a:schemeClr val="accent1"/>
-          </a:fillRef>
-          <a:effectRef idx="0">
-            <a:schemeClr val="accent1"/>
-          </a:effectRef>
-          <a:fontRef idx="minor">
-            <a:schemeClr val="lt1"/>
-          </a:fontRef>
-        </p:style>
-        <p:txBody>
-          <a:bodyPr rot="0" spcFirstLastPara="0" vertOverflow="overflow" horzOverflow="overflow" vert="horz" wrap="square" lIns="69681" tIns="34840" rIns="69681" bIns="34840" numCol="1" spcCol="0" rtlCol="0" fromWordArt="0" anchor="ctr" anchorCtr="0" forceAA="0" compatLnSpc="1">
-            <a:prstTxWarp prst="textNoShape">
-              <a:avLst/>
-            </a:prstTxWarp>
-            <a:noAutofit/>
-          </a:bodyPr>
-          <a:lstStyle/>
-          <a:p>
-            <a:pPr algn="ctr"/>
-            <a:endParaRPr lang="en-US" sz="1372"/>
-          </a:p>
-        </p:txBody>
-      </p:sp>
-      <p:sp>
-        <p:nvSpPr>
-          <p:cNvPr id="34" name="TextBox 33">
-            <a:extLst>
-              <a:ext uri="{FF2B5EF4-FFF2-40B4-BE49-F238E27FC236}">
-                <a16:creationId xmlns:a16="http://schemas.microsoft.com/office/drawing/2014/main" id="{088E2C20-5413-4FFC-9C56-08153C5A3E12}"/>
-              </a:ext>
-            </a:extLst>
-          </p:cNvPr>
-          <p:cNvSpPr txBox="1"/>
-          <p:nvPr/>
-        </p:nvSpPr>
-        <p:spPr>
-          <a:xfrm>
-            <a:off x="7837364" y="509852"/>
-            <a:ext cx="838756" cy="303481"/>
-          </a:xfrm>
-          <a:prstGeom prst="rect">
-            <a:avLst/>
-          </a:prstGeom>
-          <a:noFill/>
-        </p:spPr>
-        <p:txBody>
-          <a:bodyPr wrap="none" rtlCol="0">
-            <a:spAutoFit/>
-          </a:bodyPr>
-          <a:lstStyle/>
-          <a:p>
-            <a:r>
-              <a:rPr lang="en-US" sz="1372" b="1" dirty="0">
-                <a:solidFill>
-                  <a:schemeClr val="accent4"/>
-                </a:solidFill>
-              </a:rPr>
-              <a:t>PROVIDE</a:t>
-            </a:r>
-          </a:p>
-        </p:txBody>
-      </p:sp>
-      <p:sp>
-        <p:nvSpPr>
-          <p:cNvPr id="35" name="TextBox 34">
-            <a:extLst>
-              <a:ext uri="{FF2B5EF4-FFF2-40B4-BE49-F238E27FC236}">
-                <a16:creationId xmlns:a16="http://schemas.microsoft.com/office/drawing/2014/main" id="{791A6489-B98B-49A2-8E4F-BA104881D7FA}"/>
-              </a:ext>
-            </a:extLst>
-          </p:cNvPr>
-          <p:cNvSpPr txBox="1"/>
-          <p:nvPr/>
-        </p:nvSpPr>
-        <p:spPr>
-          <a:xfrm>
-            <a:off x="7991050" y="1073307"/>
-            <a:ext cx="926857" cy="303481"/>
-          </a:xfrm>
-          <a:prstGeom prst="rect">
-            <a:avLst/>
-          </a:prstGeom>
-          <a:noFill/>
-        </p:spPr>
-        <p:txBody>
-          <a:bodyPr wrap="none" rtlCol="0">
-            <a:spAutoFit/>
-          </a:bodyPr>
-          <a:lstStyle/>
-          <a:p>
-            <a:r>
-              <a:rPr lang="en-US" sz="1372" dirty="0"/>
-              <a:t>Students[]</a:t>
-            </a:r>
-          </a:p>
-        </p:txBody>
-      </p:sp>
-      <p:sp>
-        <p:nvSpPr>
-          <p:cNvPr id="36" name="Right Arrow 43">
-            <a:extLst>
-              <a:ext uri="{FF2B5EF4-FFF2-40B4-BE49-F238E27FC236}">
-                <a16:creationId xmlns:a16="http://schemas.microsoft.com/office/drawing/2014/main" id="{923CD08F-6F11-463F-BD83-B05DFB9BA4B8}"/>
-              </a:ext>
-            </a:extLst>
-          </p:cNvPr>
-          <p:cNvSpPr/>
-          <p:nvPr/>
-        </p:nvSpPr>
-        <p:spPr>
-          <a:xfrm>
-            <a:off x="9135788" y="2542676"/>
-            <a:ext cx="696809" cy="333683"/>
-          </a:xfrm>
-          <a:prstGeom prst="rightArrow">
-            <a:avLst/>
-          </a:prstGeom>
-          <a:solidFill>
-            <a:srgbClr val="FFFF00"/>
-          </a:solidFill>
-        </p:spPr>
-        <p:style>
-          <a:lnRef idx="2">
-            <a:schemeClr val="accent1">
-              <a:shade val="50000"/>
-            </a:schemeClr>
-          </a:lnRef>
-          <a:fillRef idx="1">
-            <a:schemeClr val="accent1"/>
-          </a:fillRef>
-          <a:effectRef idx="0">
-            <a:schemeClr val="accent1"/>
-          </a:effectRef>
-          <a:fontRef idx="minor">
-            <a:schemeClr val="lt1"/>
-          </a:fontRef>
-        </p:style>
-        <p:txBody>
-          <a:bodyPr rot="0" spcFirstLastPara="0" vertOverflow="overflow" horzOverflow="overflow" vert="horz" wrap="square" lIns="69681" tIns="34840" rIns="69681" bIns="34840" numCol="1" spcCol="0" rtlCol="0" fromWordArt="0" anchor="ctr" anchorCtr="0" forceAA="0" compatLnSpc="1">
-            <a:prstTxWarp prst="textNoShape">
-              <a:avLst/>
-            </a:prstTxWarp>
-            <a:noAutofit/>
-          </a:bodyPr>
-          <a:lstStyle/>
-          <a:p>
-            <a:pPr algn="ctr"/>
-            <a:endParaRPr lang="en-US" sz="1372"/>
-          </a:p>
-        </p:txBody>
-      </p:sp>
-      <p:sp>
-        <p:nvSpPr>
-          <p:cNvPr id="37" name="TextBox 36">
-            <a:extLst>
-              <a:ext uri="{FF2B5EF4-FFF2-40B4-BE49-F238E27FC236}">
-                <a16:creationId xmlns:a16="http://schemas.microsoft.com/office/drawing/2014/main" id="{C96D1DFD-6A5B-4AE8-9431-E465BCC62FBF}"/>
-              </a:ext>
-            </a:extLst>
-          </p:cNvPr>
-          <p:cNvSpPr txBox="1"/>
-          <p:nvPr/>
-        </p:nvSpPr>
-        <p:spPr>
-          <a:xfrm>
-            <a:off x="9126729" y="2324577"/>
-            <a:ext cx="668645" cy="303481"/>
-          </a:xfrm>
-          <a:prstGeom prst="rect">
-            <a:avLst/>
-          </a:prstGeom>
-          <a:noFill/>
-        </p:spPr>
-        <p:txBody>
-          <a:bodyPr wrap="none" rtlCol="0">
-            <a:spAutoFit/>
-          </a:bodyPr>
-          <a:lstStyle/>
-          <a:p>
-            <a:r>
-              <a:rPr lang="en-US" sz="1372" b="1" dirty="0">
-                <a:solidFill>
-                  <a:schemeClr val="accent4"/>
-                </a:solidFill>
-              </a:rPr>
-              <a:t>INJECT</a:t>
-            </a:r>
-          </a:p>
-        </p:txBody>
-      </p:sp>
-      <p:sp>
-        <p:nvSpPr>
-          <p:cNvPr id="38" name="TextBox 37">
-            <a:extLst>
-              <a:ext uri="{FF2B5EF4-FFF2-40B4-BE49-F238E27FC236}">
-                <a16:creationId xmlns:a16="http://schemas.microsoft.com/office/drawing/2014/main" id="{3099BA88-88B3-432B-855F-E128F7BF96FC}"/>
-              </a:ext>
-            </a:extLst>
-          </p:cNvPr>
-          <p:cNvSpPr txBox="1"/>
-          <p:nvPr/>
-        </p:nvSpPr>
-        <p:spPr>
-          <a:xfrm>
-            <a:off x="9280415" y="2888032"/>
-            <a:ext cx="926857" cy="303481"/>
-          </a:xfrm>
-          <a:prstGeom prst="rect">
-            <a:avLst/>
-          </a:prstGeom>
-          <a:noFill/>
-        </p:spPr>
-        <p:txBody>
-          <a:bodyPr wrap="none" rtlCol="0">
-            <a:spAutoFit/>
-          </a:bodyPr>
-          <a:lstStyle/>
-          <a:p>
-            <a:r>
-              <a:rPr lang="en-US" sz="1372" dirty="0"/>
-              <a:t>Students[]</a:t>
-            </a:r>
-          </a:p>
-        </p:txBody>
-      </p:sp>
-      <p:sp>
-        <p:nvSpPr>
-          <p:cNvPr id="39" name="TextBox 38">
-            <a:extLst>
-              <a:ext uri="{FF2B5EF4-FFF2-40B4-BE49-F238E27FC236}">
-                <a16:creationId xmlns:a16="http://schemas.microsoft.com/office/drawing/2014/main" id="{F475E57B-2D5E-4F15-A7C3-01FF4958EEAA}"/>
-              </a:ext>
-            </a:extLst>
-          </p:cNvPr>
-          <p:cNvSpPr txBox="1"/>
-          <p:nvPr/>
-        </p:nvSpPr>
-        <p:spPr>
-          <a:xfrm>
-            <a:off x="8917907" y="3423528"/>
-            <a:ext cx="2987100" cy="303481"/>
-          </a:xfrm>
-          <a:prstGeom prst="rect">
-            <a:avLst/>
-          </a:prstGeom>
-          <a:noFill/>
-        </p:spPr>
-        <p:txBody>
-          <a:bodyPr wrap="none" rtlCol="0">
-            <a:spAutoFit/>
-          </a:bodyPr>
-          <a:lstStyle/>
-          <a:p>
-            <a:r>
-              <a:rPr lang="en-US" sz="1372" dirty="0"/>
-              <a:t>// </a:t>
-            </a:r>
-            <a:r>
-              <a:rPr lang="en-US" sz="1372" dirty="0">
-                <a:solidFill>
-                  <a:srgbClr val="FF0000"/>
-                </a:solidFill>
-              </a:rPr>
-              <a:t>dialog </a:t>
-            </a:r>
-            <a:r>
-              <a:rPr lang="en-US" sz="1372" dirty="0"/>
-              <a:t> gets students from a provider</a:t>
-            </a:r>
-            <a:endParaRPr lang="en-US" sz="1372" dirty="0">
-              <a:solidFill>
-                <a:srgbClr val="FF0000"/>
-              </a:solidFill>
-            </a:endParaRPr>
-          </a:p>
-        </p:txBody>
-      </p:sp>
-      <p:sp>
-        <p:nvSpPr>
-          <p:cNvPr id="40" name="TextBox 39">
-            <a:extLst>
-              <a:ext uri="{FF2B5EF4-FFF2-40B4-BE49-F238E27FC236}">
-                <a16:creationId xmlns:a16="http://schemas.microsoft.com/office/drawing/2014/main" id="{AAC968E5-4DEC-4F0E-95C9-C3601B0E592A}"/>
-              </a:ext>
-            </a:extLst>
-          </p:cNvPr>
-          <p:cNvSpPr txBox="1"/>
-          <p:nvPr/>
-        </p:nvSpPr>
-        <p:spPr>
-          <a:xfrm>
-            <a:off x="6561502" y="4305380"/>
-            <a:ext cx="1215717" cy="303481"/>
-          </a:xfrm>
-          <a:prstGeom prst="rect">
-            <a:avLst/>
-          </a:prstGeom>
-          <a:noFill/>
-        </p:spPr>
-        <p:txBody>
-          <a:bodyPr wrap="none" rtlCol="0">
-            <a:spAutoFit/>
-          </a:bodyPr>
-          <a:lstStyle/>
-          <a:p>
-            <a:r>
-              <a:rPr lang="en-US" sz="1372" b="1" i="1" dirty="0">
-                <a:solidFill>
-                  <a:srgbClr val="7030A0"/>
-                </a:solidFill>
-              </a:rPr>
-              <a:t>&lt;router-view&gt;</a:t>
-            </a:r>
-          </a:p>
-        </p:txBody>
-      </p:sp>
-      <p:sp>
-        <p:nvSpPr>
-          <p:cNvPr id="41" name="Rounded Rectangle 48">
-            <a:extLst>
-              <a:ext uri="{FF2B5EF4-FFF2-40B4-BE49-F238E27FC236}">
-                <a16:creationId xmlns:a16="http://schemas.microsoft.com/office/drawing/2014/main" id="{D2C4FEAA-B9F2-42C6-B6C7-B2F641BE481B}"/>
-              </a:ext>
-            </a:extLst>
-          </p:cNvPr>
-          <p:cNvSpPr/>
-          <p:nvPr/>
-        </p:nvSpPr>
-        <p:spPr>
-          <a:xfrm>
-            <a:off x="6217868" y="4170157"/>
-            <a:ext cx="1866945" cy="584334"/>
-          </a:xfrm>
-          <a:prstGeom prst="roundRect">
-            <a:avLst/>
-          </a:prstGeom>
-          <a:noFill/>
-          <a:ln>
-            <a:solidFill>
-              <a:srgbClr val="7030A0"/>
-            </a:solidFill>
-            <a:prstDash val="lgDash"/>
-          </a:ln>
-        </p:spPr>
-        <p:style>
-          <a:lnRef idx="2">
-            <a:schemeClr val="accent1">
-              <a:shade val="50000"/>
-            </a:schemeClr>
-          </a:lnRef>
-          <a:fillRef idx="1">
-            <a:schemeClr val="accent1"/>
-          </a:fillRef>
-          <a:effectRef idx="0">
-            <a:schemeClr val="accent1"/>
-          </a:effectRef>
-          <a:fontRef idx="minor">
-            <a:schemeClr val="lt1"/>
-          </a:fontRef>
-        </p:style>
-        <p:txBody>
-          <a:bodyPr rtlCol="0" anchor="ctr"/>
-          <a:lstStyle/>
-          <a:p>
-            <a:pPr algn="ctr"/>
-            <a:endParaRPr lang="en-US" sz="1372"/>
-          </a:p>
-        </p:txBody>
-      </p:sp>
-      <p:sp>
-        <p:nvSpPr>
-          <p:cNvPr id="42" name="TextBox 41">
-            <a:extLst>
-              <a:ext uri="{FF2B5EF4-FFF2-40B4-BE49-F238E27FC236}">
-                <a16:creationId xmlns:a16="http://schemas.microsoft.com/office/drawing/2014/main" id="{6F6FF6C3-31FA-435E-9F4D-35E5C2A4BA97}"/>
-              </a:ext>
-            </a:extLst>
-          </p:cNvPr>
-          <p:cNvSpPr txBox="1"/>
-          <p:nvPr/>
-        </p:nvSpPr>
-        <p:spPr>
-          <a:xfrm>
-            <a:off x="8256742" y="4317805"/>
-            <a:ext cx="2229136" cy="303481"/>
-          </a:xfrm>
-          <a:prstGeom prst="rect">
-            <a:avLst/>
-          </a:prstGeom>
-          <a:noFill/>
-        </p:spPr>
-        <p:txBody>
-          <a:bodyPr wrap="none" rtlCol="0">
-            <a:spAutoFit/>
-          </a:bodyPr>
-          <a:lstStyle/>
-          <a:p>
-            <a:r>
-              <a:rPr lang="en-US" sz="1372" dirty="0"/>
-              <a:t>// </a:t>
-            </a:r>
-            <a:r>
-              <a:rPr lang="en-US" sz="1372" dirty="0" err="1"/>
-              <a:t>Vue</a:t>
-            </a:r>
-            <a:r>
-              <a:rPr lang="en-US" sz="1372" dirty="0"/>
-              <a:t> JS built-in component</a:t>
-            </a:r>
-            <a:endParaRPr lang="en-US" sz="1372" dirty="0">
-              <a:solidFill>
-                <a:srgbClr val="FF0000"/>
-              </a:solidFill>
-            </a:endParaRPr>
+            <a:endParaRPr lang="en-US"/>
           </a:p>
         </p:txBody>
       </p:sp>
